--- a/section1(導入と一次分数変換)/群の気持ち.pptx
+++ b/section1(導入と一次分数変換)/群の気持ち.pptx
@@ -132,6 +132,64 @@
     </p:ext>
   </p:extLst>
 </p:presentation>
+</file>
+
+<file path=ppt/ink/ink1.xml><?xml version="1.0" encoding="utf-8"?>
+<inkml:ink xmlns:inkml="http://www.w3.org/2003/InkML">
+  <inkml:definitions>
+    <inkml:context xml:id="ctx0">
+      <inkml:inkSource xml:id="inkSrc0">
+        <inkml:traceFormat>
+          <inkml:channel name="X" type="integer" min="-2.14748E9" max="2.14748E9" units="cm"/>
+          <inkml:channel name="Y" type="integer" min="-2.14748E9" max="2.14748E9" units="cm"/>
+          <inkml:channel name="F" type="integer" max="32767" units="dev"/>
+        </inkml:traceFormat>
+        <inkml:channelProperties>
+          <inkml:channelProperty channel="X" name="resolution" value="1000" units="1/cm"/>
+          <inkml:channelProperty channel="Y" name="resolution" value="1000" units="1/cm"/>
+          <inkml:channelProperty channel="F" name="resolution" value="0" units="1/dev"/>
+        </inkml:channelProperties>
+      </inkml:inkSource>
+      <inkml:timestamp xml:id="ts0" timeString="2019-09-12T03:56:43.265"/>
+    </inkml:context>
+    <inkml:brush xml:id="br0">
+      <inkml:brushProperty name="width" value="0.05292" units="cm"/>
+      <inkml:brushProperty name="height" value="0.05292" units="cm"/>
+      <inkml:brushProperty name="color" value="#FF0000"/>
+    </inkml:brush>
+  </inkml:definitions>
+  <inkml:trace contextRef="#ctx0" brushRef="#br0">2668 12239 24575,'4'-4'0,"6"1"0,26 3 0,5 0 0,-2 0 0,12 0 0,0 0 0,-11 0-878,4 0 1,2 0 877,8 0 0,-10 0 0,1 0 0,18 0 0,-25 0 0,1 0 0,-1 0 0,0 0 0,26 0 479,-4 0-479,-23 0 312,-2 0-312,-11 0 0,-6 0 0,-3 0 894,-10 3-894,-1 1 70,-8 3-70,3 1 0,-3-3 0,4-1 0</inkml:trace>
+</inkml:ink>
+</file>
+
+<file path=ppt/ink/ink2.xml><?xml version="1.0" encoding="utf-8"?>
+<inkml:ink xmlns:inkml="http://www.w3.org/2003/InkML">
+  <inkml:definitions>
+    <inkml:context xml:id="ctx0">
+      <inkml:inkSource xml:id="inkSrc0">
+        <inkml:traceFormat>
+          <inkml:channel name="X" type="integer" min="-2.14748E9" max="2.14748E9" units="cm"/>
+          <inkml:channel name="Y" type="integer" min="-2.14748E9" max="2.14748E9" units="cm"/>
+          <inkml:channel name="F" type="integer" max="32767" units="dev"/>
+        </inkml:traceFormat>
+        <inkml:channelProperties>
+          <inkml:channelProperty channel="X" name="resolution" value="1000" units="1/cm"/>
+          <inkml:channelProperty channel="Y" name="resolution" value="1000" units="1/cm"/>
+          <inkml:channelProperty channel="F" name="resolution" value="0" units="1/dev"/>
+        </inkml:channelProperties>
+      </inkml:inkSource>
+      <inkml:timestamp xml:id="ts0" timeString="2019-09-12T03:55:34.024"/>
+    </inkml:context>
+    <inkml:brush xml:id="br0">
+      <inkml:brushProperty name="width" value="0.05292" units="cm"/>
+      <inkml:brushProperty name="height" value="0.05292" units="cm"/>
+      <inkml:brushProperty name="color" value="#FF0000"/>
+    </inkml:brush>
+  </inkml:definitions>
+  <inkml:trace contextRef="#ctx0" brushRef="#br0">8823 8348 24575,'36'0'0,"0"0"0,-3 0 0,17 0 0,3 0-901,0 0 901,10 0 0,-25 0 0,-2 0 0,14 0 0,10 0 0,-23 0 296,8 0-296,-8 0 149,0 0-149,8 0 0,-8 0 0,10 0 456,0 0-456,0 0 0,1 0 0,-1 0 0,0 0 0,0 0 0,12 0 0,-9 0-527,10 0 527,0 0 0,-10 0 0,10 0-42,-22 0 42,6 0 0,-7 0 0,1 0 0,6 0 0,-7 0 526,10 0-526,1 0 0,-1 0 43,0 0-43,0 0 0,-10 0 0,-2 0 0,-1-7 0,-7 5 0,18-12 0,-18 13 0,8-12 0,0 12 0,-8-10 0,7 9 0,1-10 0,-8 10 0,18-5 0,-18 7 0,18 0 0,-8 0 0,0 0 0,7-7 0,-6 5 0,9-5 0,-10 7 0,7-7 0,-16 6 0,6-7 0,-9 3 0,-1 4 0,1-5 0,0 6 0,-1-5 0,11 3 0,-8-9 0,18 10 0,-8-12 0,0 6 0,8-8 0,-8 7 0,10-6 0,0 6 0,0-8 0,0 7 0,0 2 0,-10 1 0,21 5 0,-18-4 0,20 5 0,-22 0 0,6 0 0,-17 0 0,18 0 0,-18 0 0,8 0 0,-1 0 0,-6 0 0,6 0 0,-9 0 0,0 0 0,-1 0 0,1 0 0,0 0 0,-1 0 0,1 0 0,0 0 0,0 0 0,-1 0 0,1 0 0,0 0 0,-1 0 0,1 0 0,0 0 0,-8 0 0,6 0 0,-5 0 0,0 0 0,4 0 0,-4 0 0,-1 0 0,6 0 0,-5 5 0,7 2 0,-8 0 0,6 4 0,-5-5 0,-1 5 0,6-4 0,-12 0 0,5-6 0,-7 7 0,0-7 0,-1 7 0,-3-4 0,-1 4 0,-4-4 0,0-1 0</inkml:trace>
+  <inkml:trace contextRef="#ctx0" brushRef="#br0" timeOffset="5525">3153 8387 24575,'30'0'0,"-13"0"0,31 0 0,-14 0 0,-7 0 0,18 0 0,5 0 0,1 0 0,9 0-1012,-23 0 0,2 0 1012,11 0 0,3 0 0,-3 0 0,1 0 0,13 0 0,0 0 0,-16 0 0,0 0 0,9 0 0,-1 0 0,-7 0 0,-1 0-562,-2 0 1,0 0 561,-7 0 0,-1 0 0,0 0 0,-1 0 0,27 0 0,-28 2 0,0-4 0,28-15 0,-19 15 0,2 0 0,-7-7 0,1 1 0,5 7 0,0 2 0,1 0 0,-1-2 0,-6-3 0,0 0 0,0 3 0,0-1-188,-3-6 1,-1-1 187,14 7 0,10-6 0,-22 2 1860,6 5-1860,-7-5 0,24 6 0,-11 0 186,-6 0 0,1 0-186,10 0 0,-3 0 0,1 0 0,-19 0 0,-1 0 0,13 1 0,0-2 0,-7-3 0,-2 0 0,2 3 0,-1 0 0,25-8 0,-26 9 0,-1 0 0,15-7 293,9 5-293,-13-5 0,0 7 0,0 0 0,0 0 0,-1 0 0,1 0 0,0 0 0,0 0 0,0 0 0,-10 0 0,8 0 0,-18 0 861,8 0-861,-10 0 136,-1 0-136,11 0 0,-8 0 0,8 0 0,-11 0 0,11 0 0,-8 0 0,18 0 0,-18 0 0,8 0 0,-1 0 0,-7-5 0,8 4 0,-18-5 0,6 6 0,-5 0 0,7 0 0,-1 0 0,1 0 0,0-5 0,-8 3 0,6-3 0,-5 5 0,0 0 0,5 0 0,-13 0 0,13 0 0,-5 0 0,6 0 0,1 0 0,0 0 0,-1 0 0,1 0 0,9 0 0,-6 0 0,6 0 0,1 0 0,-8 0 0,18 0 0,-18 0 0,18 0 0,-18 0 0,7 0 0,1 0 0,-8 0 0,7 0 0,1 0 0,-15 0 0,13 0 0,-15 0 0,-1 0 0,6 0 0,-12 0 0,4 0 0,1 0 0,-5 0 0,5 0 0,-7 0 0,0 0 0,0 0 0,0 0 0,0 0 0,-1 0 0,1 0 0,0 0 0,0 0 0,-1 0 0,-3 4 0,2-3 0,-2 3 0,4-4 0,0 0 0,0 0 0,0 0 0,0 0 0,0 4 0,0-3 0,0 3 0,0-4 0,-1 0 0,1 0 0,0 4 0,0-3 0,7 3 0,-5-4 0,5 0 0,0 0 0,-6 3 0,6-2 0,-7 3 0,-1-4 0,-3 4 0,0-3 0,-4 5 0,2-3 0,-3 4 0,-8 1 0,6-4 0,-6 0 0</inkml:trace>
+  <inkml:trace contextRef="#ctx0" brushRef="#br0" timeOffset="32259">5175 7961 24575,'0'0'0</inkml:trace>
+</inkml:ink>
 </file>
 
 <file path=ppt/notesMasters/notesMaster1.xml><?xml version="1.0" encoding="utf-8"?>
@@ -4741,8 +4799,8 @@
           <a:chExt cx="0" cy="0"/>
         </a:xfrm>
       </p:grpSpPr>
-      <mc:AlternateContent xmlns:mc="http://schemas.openxmlformats.org/markup-compatibility/2006">
-        <mc:Choice xmlns:a14="http://schemas.microsoft.com/office/drawing/2010/main" Requires="a14">
+      <mc:AlternateContent xmlns:mc="http://schemas.openxmlformats.org/markup-compatibility/2006" xmlns:a14="http://schemas.microsoft.com/office/drawing/2010/main">
+        <mc:Choice Requires="a14">
           <p:sp>
             <p:nvSpPr>
               <p:cNvPr id="352" name="Google Shape;352;p62"/>
@@ -4935,7 +4993,7 @@
                     <m:d>
                       <m:dPr>
                         <m:ctrlPr>
-                          <a:rPr lang="en-US" altLang="ja" sz="2400">
+                          <a:rPr lang="en-US" altLang="ja" sz="2400" i="1">
                             <a:latin typeface="Cambria Math" panose="02040503050406030204" pitchFamily="18" charset="0"/>
                           </a:rPr>
                         </m:ctrlPr>
@@ -5241,7 +5299,7 @@
             </p:txBody>
           </p:sp>
         </mc:Choice>
-        <mc:Fallback>
+        <mc:Fallback xmlns="">
           <p:sp>
             <p:nvSpPr>
               <p:cNvPr id="352" name="Google Shape;352;p62"/>
@@ -5282,8 +5340,8 @@
           </p:sp>
         </mc:Fallback>
       </mc:AlternateContent>
-      <mc:AlternateContent xmlns:mc="http://schemas.openxmlformats.org/markup-compatibility/2006">
-        <mc:Choice xmlns:a14="http://schemas.microsoft.com/office/drawing/2010/main" Requires="a14">
+      <mc:AlternateContent xmlns:mc="http://schemas.openxmlformats.org/markup-compatibility/2006" xmlns:a14="http://schemas.microsoft.com/office/drawing/2010/main">
+        <mc:Choice Requires="a14">
           <p:sp>
             <p:nvSpPr>
               <p:cNvPr id="353" name="Google Shape;353;p62"/>
@@ -5386,7 +5444,7 @@
             </p:txBody>
           </p:sp>
         </mc:Choice>
-        <mc:Fallback>
+        <mc:Fallback xmlns="">
           <p:sp>
             <p:nvSpPr>
               <p:cNvPr id="353" name="Google Shape;353;p62"/>
@@ -5485,8 +5543,8 @@
           </a:p>
         </p:txBody>
       </p:sp>
-      <mc:AlternateContent xmlns:mc="http://schemas.openxmlformats.org/markup-compatibility/2006">
-        <mc:Choice xmlns:a14="http://schemas.microsoft.com/office/drawing/2010/main" Requires="a14">
+      <mc:AlternateContent xmlns:mc="http://schemas.openxmlformats.org/markup-compatibility/2006" xmlns:a14="http://schemas.microsoft.com/office/drawing/2010/main">
+        <mc:Choice Requires="a14">
           <p:sp>
             <p:nvSpPr>
               <p:cNvPr id="3" name="コンテンツ プレースホルダー 2">
@@ -5996,7 +6054,7 @@
             </p:txBody>
           </p:sp>
         </mc:Choice>
-        <mc:Fallback>
+        <mc:Fallback xmlns="">
           <p:sp>
             <p:nvSpPr>
               <p:cNvPr id="3" name="コンテンツ プレースホルダー 2">
@@ -6094,8 +6152,8 @@
           </a:p>
         </p:txBody>
       </p:sp>
-      <mc:AlternateContent xmlns:mc="http://schemas.openxmlformats.org/markup-compatibility/2006">
-        <mc:Choice xmlns:a14="http://schemas.microsoft.com/office/drawing/2010/main" Requires="a14">
+      <mc:AlternateContent xmlns:mc="http://schemas.openxmlformats.org/markup-compatibility/2006" xmlns:a14="http://schemas.microsoft.com/office/drawing/2010/main">
+        <mc:Choice Requires="a14">
           <p:sp>
             <p:nvSpPr>
               <p:cNvPr id="3" name="コンテンツ プレースホルダー 2">
@@ -6145,7 +6203,13 @@
                             <a:rPr lang="en-US" altLang="ja-JP" i="1">
                               <a:latin typeface="Cambria Math" panose="02040503050406030204" pitchFamily="18" charset="0"/>
                             </a:rPr>
-                            <m:t>, ・</m:t>
+                            <m:t>, </m:t>
+                          </m:r>
+                          <m:r>
+                            <a:rPr lang="en-US" altLang="ja-JP" i="1">
+                              <a:latin typeface="Cambria Math" panose="02040503050406030204" pitchFamily="18" charset="0"/>
+                            </a:rPr>
+                            <m:t>・</m:t>
                           </m:r>
                         </m:e>
                       </m:d>
@@ -6710,7 +6774,7 @@
             </p:txBody>
           </p:sp>
         </mc:Choice>
-        <mc:Fallback>
+        <mc:Fallback xmlns="">
           <p:sp>
             <p:nvSpPr>
               <p:cNvPr id="3" name="コンテンツ プレースホルダー 2">
@@ -6780,8 +6844,8 @@
           <a:chExt cx="0" cy="0"/>
         </a:xfrm>
       </p:grpSpPr>
-      <mc:AlternateContent xmlns:mc="http://schemas.openxmlformats.org/markup-compatibility/2006">
-        <mc:Choice xmlns:a14="http://schemas.microsoft.com/office/drawing/2010/main" Requires="a14">
+      <mc:AlternateContent xmlns:mc="http://schemas.openxmlformats.org/markup-compatibility/2006" xmlns:a14="http://schemas.microsoft.com/office/drawing/2010/main">
+        <mc:Choice Requires="a14">
           <p:sp>
             <p:nvSpPr>
               <p:cNvPr id="376" name="Google Shape;376;p66"/>
@@ -6888,7 +6952,7 @@
             </p:txBody>
           </p:sp>
         </mc:Choice>
-        <mc:Fallback>
+        <mc:Fallback xmlns="">
           <p:sp>
             <p:nvSpPr>
               <p:cNvPr id="376" name="Google Shape;376;p66"/>
@@ -6929,8 +6993,8 @@
           </p:sp>
         </mc:Fallback>
       </mc:AlternateContent>
-      <mc:AlternateContent xmlns:mc="http://schemas.openxmlformats.org/markup-compatibility/2006">
-        <mc:Choice xmlns:a14="http://schemas.microsoft.com/office/drawing/2010/main" Requires="a14">
+      <mc:AlternateContent xmlns:mc="http://schemas.openxmlformats.org/markup-compatibility/2006" xmlns:a14="http://schemas.microsoft.com/office/drawing/2010/main">
+        <mc:Choice Requires="a14">
           <p:sp>
             <p:nvSpPr>
               <p:cNvPr id="377" name="Google Shape;377;p66"/>
@@ -7533,7 +7597,7 @@
             </p:txBody>
           </p:sp>
         </mc:Choice>
-        <mc:Fallback>
+        <mc:Fallback xmlns="">
           <p:sp>
             <p:nvSpPr>
               <p:cNvPr id="377" name="Google Shape;377;p66"/>
@@ -7604,8 +7668,8 @@
           <a:chExt cx="0" cy="0"/>
         </a:xfrm>
       </p:grpSpPr>
-      <mc:AlternateContent xmlns:mc="http://schemas.openxmlformats.org/markup-compatibility/2006">
-        <mc:Choice xmlns:a14="http://schemas.microsoft.com/office/drawing/2010/main" Requires="a14">
+      <mc:AlternateContent xmlns:mc="http://schemas.openxmlformats.org/markup-compatibility/2006" xmlns:a14="http://schemas.microsoft.com/office/drawing/2010/main">
+        <mc:Choice Requires="a14">
           <p:sp>
             <p:nvSpPr>
               <p:cNvPr id="382" name="Google Shape;382;p67"/>
@@ -7727,7 +7791,7 @@
             </p:txBody>
           </p:sp>
         </mc:Choice>
-        <mc:Fallback>
+        <mc:Fallback xmlns="">
           <p:sp>
             <p:nvSpPr>
               <p:cNvPr id="382" name="Google Shape;382;p67"/>
@@ -7768,8 +7832,8 @@
           </p:sp>
         </mc:Fallback>
       </mc:AlternateContent>
-      <mc:AlternateContent xmlns:mc="http://schemas.openxmlformats.org/markup-compatibility/2006">
-        <mc:Choice xmlns:a14="http://schemas.microsoft.com/office/drawing/2010/main" Requires="a14">
+      <mc:AlternateContent xmlns:mc="http://schemas.openxmlformats.org/markup-compatibility/2006" xmlns:a14="http://schemas.microsoft.com/office/drawing/2010/main">
+        <mc:Choice Requires="a14">
           <p:sp>
             <p:nvSpPr>
               <p:cNvPr id="383" name="Google Shape;383;p67"/>
@@ -8193,7 +8257,7 @@
             </p:txBody>
           </p:sp>
         </mc:Choice>
-        <mc:Fallback>
+        <mc:Fallback xmlns="">
           <p:sp>
             <p:nvSpPr>
               <p:cNvPr id="383" name="Google Shape;383;p67"/>
@@ -8468,8 +8532,8 @@
           </a:p>
         </p:txBody>
       </p:sp>
-      <mc:AlternateContent xmlns:mc="http://schemas.openxmlformats.org/markup-compatibility/2006">
-        <mc:Choice xmlns:a14="http://schemas.microsoft.com/office/drawing/2010/main" Requires="a14">
+      <mc:AlternateContent xmlns:mc="http://schemas.openxmlformats.org/markup-compatibility/2006" xmlns:a14="http://schemas.microsoft.com/office/drawing/2010/main">
+        <mc:Choice Requires="a14">
           <p:sp>
             <p:nvSpPr>
               <p:cNvPr id="3" name="コンテンツ プレースホルダー 2">
@@ -9070,7 +9134,7 @@
             </p:txBody>
           </p:sp>
         </mc:Choice>
-        <mc:Fallback>
+        <mc:Fallback xmlns="">
           <p:sp>
             <p:nvSpPr>
               <p:cNvPr id="3" name="コンテンツ プレースホルダー 2">
@@ -9168,8 +9232,8 @@
           </a:p>
         </p:txBody>
       </p:sp>
-      <mc:AlternateContent xmlns:mc="http://schemas.openxmlformats.org/markup-compatibility/2006">
-        <mc:Choice xmlns:a14="http://schemas.microsoft.com/office/drawing/2010/main" Requires="a14">
+      <mc:AlternateContent xmlns:mc="http://schemas.openxmlformats.org/markup-compatibility/2006" xmlns:a14="http://schemas.microsoft.com/office/drawing/2010/main">
+        <mc:Choice Requires="a14">
           <p:sp>
             <p:nvSpPr>
               <p:cNvPr id="3" name="コンテンツ プレースホルダー 2">
@@ -9257,13 +9321,7 @@
                             <a:rPr lang="ja-JP" altLang="en-US" i="1">
                               <a:latin typeface="Cambria Math" panose="02040503050406030204" pitchFamily="18" charset="0"/>
                             </a:rPr>
-                            <m:t>次元</m:t>
-                          </m:r>
-                          <m:r>
-                            <a:rPr lang="ja-JP" altLang="en-US" i="1">
-                              <a:latin typeface="Cambria Math" panose="02040503050406030204" pitchFamily="18" charset="0"/>
-                            </a:rPr>
-                            <m:t>複素</m:t>
+                            <m:t>次元複素</m:t>
                           </m:r>
                           <m:r>
                             <a:rPr lang="ja-JP" altLang="en-US" i="1">
@@ -9460,7 +9518,7 @@
                     <m:d>
                       <m:dPr>
                         <m:ctrlPr>
-                          <a:rPr lang="en-US" altLang="ja-JP" b="0" i="0" smtClean="0">
+                          <a:rPr lang="en-US" altLang="ja-JP" b="0" i="1" smtClean="0">
                             <a:latin typeface="Cambria Math" panose="02040503050406030204" pitchFamily="18" charset="0"/>
                             <a:ea typeface="Cambria Math" panose="02040503050406030204" pitchFamily="18" charset="0"/>
                           </a:rPr>
@@ -9587,7 +9645,7 @@
                     <m:d>
                       <m:dPr>
                         <m:ctrlPr>
-                          <a:rPr lang="en-US" altLang="ja-JP">
+                          <a:rPr lang="en-US" altLang="ja-JP" i="1">
                             <a:latin typeface="Cambria Math" panose="02040503050406030204" pitchFamily="18" charset="0"/>
                           </a:rPr>
                         </m:ctrlPr>
@@ -9639,7 +9697,7 @@
                     <m:d>
                       <m:dPr>
                         <m:ctrlPr>
-                          <a:rPr lang="en-US" altLang="ja-JP">
+                          <a:rPr lang="en-US" altLang="ja-JP" i="1">
                             <a:latin typeface="Cambria Math" panose="02040503050406030204" pitchFamily="18" charset="0"/>
                           </a:rPr>
                         </m:ctrlPr>
@@ -9676,7 +9734,7 @@
                     <m:d>
                       <m:dPr>
                         <m:ctrlPr>
-                          <a:rPr lang="en-US" altLang="ja-JP">
+                          <a:rPr lang="en-US" altLang="ja-JP" i="1">
                             <a:latin typeface="Cambria Math" panose="02040503050406030204" pitchFamily="18" charset="0"/>
                             <a:ea typeface="Cambria Math" panose="02040503050406030204" pitchFamily="18" charset="0"/>
                           </a:rPr>
@@ -9715,7 +9773,7 @@
                     <m:d>
                       <m:dPr>
                         <m:ctrlPr>
-                          <a:rPr lang="en-US" altLang="ja-JP" i="0">
+                          <a:rPr lang="en-US" altLang="ja-JP" i="1">
                             <a:latin typeface="Cambria Math" panose="02040503050406030204" pitchFamily="18" charset="0"/>
                             <a:ea typeface="Cambria Math" panose="02040503050406030204" pitchFamily="18" charset="0"/>
                           </a:rPr>
@@ -9803,7 +9861,7 @@
             </p:txBody>
           </p:sp>
         </mc:Choice>
-        <mc:Fallback>
+        <mc:Fallback xmlns="">
           <p:sp>
             <p:nvSpPr>
               <p:cNvPr id="3" name="コンテンツ プレースホルダー 2">
@@ -9841,6 +9899,57 @@
               </a:p>
             </p:txBody>
           </p:sp>
+        </mc:Fallback>
+      </mc:AlternateContent>
+      <mc:AlternateContent xmlns:mc="http://schemas.openxmlformats.org/markup-compatibility/2006">
+        <mc:Choice xmlns:p14="http://schemas.microsoft.com/office/powerpoint/2010/main" Requires="p14">
+          <p:contentPart p14:bwMode="auto" r:id="rId3">
+            <p14:nvContentPartPr>
+              <p14:cNvPr id="4" name="インク 3">
+                <a:extLst>
+                  <a:ext uri="{FF2B5EF4-FFF2-40B4-BE49-F238E27FC236}">
+                    <a16:creationId xmlns:a16="http://schemas.microsoft.com/office/drawing/2014/main" id="{EE684E44-E53C-C04D-BB67-925AAF863582}"/>
+                  </a:ext>
+                </a:extLst>
+              </p14:cNvPr>
+              <p14:cNvContentPartPr/>
+              <p14:nvPr/>
+            </p14:nvContentPartPr>
+            <p14:xfrm>
+              <a:off x="960480" y="4403520"/>
+              <a:ext cx="354240" cy="11520"/>
+            </p14:xfrm>
+          </p:contentPart>
+        </mc:Choice>
+        <mc:Fallback>
+          <p:pic>
+            <p:nvPicPr>
+              <p:cNvPr id="4" name="インク 3">
+                <a:extLst>
+                  <a:ext uri="{FF2B5EF4-FFF2-40B4-BE49-F238E27FC236}">
+                    <a16:creationId xmlns:a16="http://schemas.microsoft.com/office/drawing/2014/main" id="{EE684E44-E53C-C04D-BB67-925AAF863582}"/>
+                  </a:ext>
+                </a:extLst>
+              </p:cNvPr>
+              <p:cNvPicPr/>
+              <p:nvPr/>
+            </p:nvPicPr>
+            <p:blipFill>
+              <a:blip r:embed="rId4"/>
+              <a:stretch>
+                <a:fillRect/>
+              </a:stretch>
+            </p:blipFill>
+            <p:spPr>
+              <a:xfrm>
+                <a:off x="951120" y="4394160"/>
+                <a:ext cx="372960" cy="30240"/>
+              </a:xfrm>
+              <a:prstGeom prst="rect">
+                <a:avLst/>
+              </a:prstGeom>
+            </p:spPr>
+          </p:pic>
         </mc:Fallback>
       </mc:AlternateContent>
     </p:spTree>
@@ -9873,8 +9982,8 @@
           <a:chExt cx="0" cy="0"/>
         </a:xfrm>
       </p:grpSpPr>
-      <mc:AlternateContent xmlns:mc="http://schemas.openxmlformats.org/markup-compatibility/2006">
-        <mc:Choice xmlns:a14="http://schemas.microsoft.com/office/drawing/2010/main" Requires="a14">
+      <mc:AlternateContent xmlns:mc="http://schemas.openxmlformats.org/markup-compatibility/2006" xmlns:a14="http://schemas.microsoft.com/office/drawing/2010/main">
+        <mc:Choice Requires="a14">
           <p:sp>
             <p:nvSpPr>
               <p:cNvPr id="400" name="Google Shape;400;p70"/>
@@ -10298,7 +10407,7 @@
             </p:txBody>
           </p:sp>
         </mc:Choice>
-        <mc:Fallback>
+        <mc:Fallback xmlns="">
           <p:sp>
             <p:nvSpPr>
               <p:cNvPr id="400" name="Google Shape;400;p70"/>
@@ -10399,6 +10508,57 @@
           </a:p>
         </p:txBody>
       </p:sp>
+      <mc:AlternateContent xmlns:mc="http://schemas.openxmlformats.org/markup-compatibility/2006">
+        <mc:Choice xmlns:p14="http://schemas.microsoft.com/office/powerpoint/2010/main" Requires="p14">
+          <p:contentPart p14:bwMode="auto" r:id="rId4">
+            <p14:nvContentPartPr>
+              <p14:cNvPr id="2" name="インク 1">
+                <a:extLst>
+                  <a:ext uri="{FF2B5EF4-FFF2-40B4-BE49-F238E27FC236}">
+                    <a16:creationId xmlns:a16="http://schemas.microsoft.com/office/drawing/2014/main" id="{7CB9764C-DA96-4A4F-AAF0-323EC3626D79}"/>
+                  </a:ext>
+                </a:extLst>
+              </p14:cNvPr>
+              <p14:cNvContentPartPr/>
+              <p14:nvPr/>
+            </p14:nvContentPartPr>
+            <p14:xfrm>
+              <a:off x="1135080" y="2865960"/>
+              <a:ext cx="3700440" cy="154440"/>
+            </p14:xfrm>
+          </p:contentPart>
+        </mc:Choice>
+        <mc:Fallback>
+          <p:pic>
+            <p:nvPicPr>
+              <p:cNvPr id="2" name="インク 1">
+                <a:extLst>
+                  <a:ext uri="{FF2B5EF4-FFF2-40B4-BE49-F238E27FC236}">
+                    <a16:creationId xmlns:a16="http://schemas.microsoft.com/office/drawing/2014/main" id="{7CB9764C-DA96-4A4F-AAF0-323EC3626D79}"/>
+                  </a:ext>
+                </a:extLst>
+              </p:cNvPr>
+              <p:cNvPicPr/>
+              <p:nvPr/>
+            </p:nvPicPr>
+            <p:blipFill>
+              <a:blip r:embed="rId5"/>
+              <a:stretch>
+                <a:fillRect/>
+              </a:stretch>
+            </p:blipFill>
+            <p:spPr>
+              <a:xfrm>
+                <a:off x="1125720" y="2856600"/>
+                <a:ext cx="3719160" cy="173160"/>
+              </a:xfrm>
+              <a:prstGeom prst="rect">
+                <a:avLst/>
+              </a:prstGeom>
+            </p:spPr>
+          </p:pic>
+        </mc:Fallback>
+      </mc:AlternateContent>
     </p:spTree>
     <p:extLst>
       <p:ext uri="{BB962C8B-B14F-4D97-AF65-F5344CB8AC3E}">
@@ -11595,8 +11755,8 @@
           </a:p>
         </p:txBody>
       </p:sp>
-      <mc:AlternateContent xmlns:mc="http://schemas.openxmlformats.org/markup-compatibility/2006">
-        <mc:Choice xmlns:a14="http://schemas.microsoft.com/office/drawing/2010/main" Requires="a14">
+      <mc:AlternateContent xmlns:mc="http://schemas.openxmlformats.org/markup-compatibility/2006" xmlns:a14="http://schemas.microsoft.com/office/drawing/2010/main">
+        <mc:Choice Requires="a14">
           <p:sp>
             <p:nvSpPr>
               <p:cNvPr id="3" name="コンテンツ プレースホルダー 2">
@@ -11794,7 +11954,7 @@
             </p:txBody>
           </p:sp>
         </mc:Choice>
-        <mc:Fallback>
+        <mc:Fallback xmlns="">
           <p:sp>
             <p:nvSpPr>
               <p:cNvPr id="3" name="コンテンツ プレースホルダー 2">
@@ -11892,8 +12052,8 @@
           </a:p>
         </p:txBody>
       </p:sp>
-      <mc:AlternateContent xmlns:mc="http://schemas.openxmlformats.org/markup-compatibility/2006">
-        <mc:Choice xmlns:a14="http://schemas.microsoft.com/office/drawing/2010/main" Requires="a14">
+      <mc:AlternateContent xmlns:mc="http://schemas.openxmlformats.org/markup-compatibility/2006" xmlns:a14="http://schemas.microsoft.com/office/drawing/2010/main">
+        <mc:Choice Requires="a14">
           <p:sp>
             <p:nvSpPr>
               <p:cNvPr id="3" name="コンテンツ プレースホルダー 2">
@@ -12091,13 +12251,7 @@
                       <a:rPr lang="en-US" altLang="ja-JP" i="1">
                         <a:latin typeface="Cambria Math" panose="02040503050406030204" pitchFamily="18" charset="0"/>
                       </a:rPr>
-                      <m:t>,</m:t>
-                    </m:r>
-                    <m:r>
-                      <a:rPr lang="ja-JP" altLang="en-US" i="1">
-                        <a:latin typeface="Cambria Math" panose="02040503050406030204" pitchFamily="18" charset="0"/>
-                      </a:rPr>
-                      <m:t>∀</m:t>
+                      <m:t>,∀</m:t>
                     </m:r>
                     <m:r>
                       <a:rPr lang="en-US" altLang="ja-JP" i="1">
@@ -12310,13 +12464,7 @@
                         <a:latin typeface="Cambria Math" panose="02040503050406030204" pitchFamily="18" charset="0"/>
                         <a:ea typeface="Cambria Math" panose="02040503050406030204" pitchFamily="18" charset="0"/>
                       </a:rPr>
-                      <m:t>, </m:t>
-                    </m:r>
-                    <m:r>
-                      <a:rPr lang="ja-JP" altLang="en-US" i="1">
-                        <a:latin typeface="Cambria Math" panose="02040503050406030204" pitchFamily="18" charset="0"/>
-                      </a:rPr>
-                      <m:t>∀</m:t>
+                      <m:t>, ∀</m:t>
                     </m:r>
                     <m:r>
                       <a:rPr lang="en-US" altLang="ja-JP" i="1">
@@ -12657,7 +12805,7 @@
             </p:txBody>
           </p:sp>
         </mc:Choice>
-        <mc:Fallback>
+        <mc:Fallback xmlns="">
           <p:sp>
             <p:nvSpPr>
               <p:cNvPr id="3" name="コンテンツ プレースホルダー 2">

--- a/section1(導入と一次分数変換)/群の気持ち.pptx
+++ b/section1(導入と一次分数変換)/群の気持ち.pptx
@@ -5,7 +5,7 @@
     <p:sldMasterId id="2147483648" r:id="rId1"/>
   </p:sldMasterIdLst>
   <p:notesMasterIdLst>
-    <p:notesMasterId r:id="rId22"/>
+    <p:notesMasterId r:id="rId31"/>
   </p:notesMasterIdLst>
   <p:sldIdLst>
     <p:sldId id="256" r:id="rId2"/>
@@ -23,11 +23,20 @@
     <p:sldId id="301" r:id="rId14"/>
     <p:sldId id="297" r:id="rId15"/>
     <p:sldId id="305" r:id="rId16"/>
-    <p:sldId id="266" r:id="rId17"/>
-    <p:sldId id="302" r:id="rId18"/>
-    <p:sldId id="303" r:id="rId19"/>
-    <p:sldId id="304" r:id="rId20"/>
-    <p:sldId id="298" r:id="rId21"/>
+    <p:sldId id="298" r:id="rId17"/>
+    <p:sldId id="266" r:id="rId18"/>
+    <p:sldId id="302" r:id="rId19"/>
+    <p:sldId id="303" r:id="rId20"/>
+    <p:sldId id="304" r:id="rId21"/>
+    <p:sldId id="351" r:id="rId22"/>
+    <p:sldId id="356" r:id="rId23"/>
+    <p:sldId id="357" r:id="rId24"/>
+    <p:sldId id="358" r:id="rId25"/>
+    <p:sldId id="359" r:id="rId26"/>
+    <p:sldId id="345" r:id="rId27"/>
+    <p:sldId id="360" r:id="rId28"/>
+    <p:sldId id="344" r:id="rId29"/>
+    <p:sldId id="361" r:id="rId30"/>
   </p:sldIdLst>
   <p:sldSz cx="12192000" cy="6858000"/>
   <p:notesSz cx="6858000" cy="9144000"/>
@@ -134,64 +143,6 @@
 </p:presentation>
 </file>
 
-<file path=ppt/ink/ink1.xml><?xml version="1.0" encoding="utf-8"?>
-<inkml:ink xmlns:inkml="http://www.w3.org/2003/InkML">
-  <inkml:definitions>
-    <inkml:context xml:id="ctx0">
-      <inkml:inkSource xml:id="inkSrc0">
-        <inkml:traceFormat>
-          <inkml:channel name="X" type="integer" min="-2.14748E9" max="2.14748E9" units="cm"/>
-          <inkml:channel name="Y" type="integer" min="-2.14748E9" max="2.14748E9" units="cm"/>
-          <inkml:channel name="F" type="integer" max="32767" units="dev"/>
-        </inkml:traceFormat>
-        <inkml:channelProperties>
-          <inkml:channelProperty channel="X" name="resolution" value="1000" units="1/cm"/>
-          <inkml:channelProperty channel="Y" name="resolution" value="1000" units="1/cm"/>
-          <inkml:channelProperty channel="F" name="resolution" value="0" units="1/dev"/>
-        </inkml:channelProperties>
-      </inkml:inkSource>
-      <inkml:timestamp xml:id="ts0" timeString="2019-09-12T03:56:43.265"/>
-    </inkml:context>
-    <inkml:brush xml:id="br0">
-      <inkml:brushProperty name="width" value="0.05292" units="cm"/>
-      <inkml:brushProperty name="height" value="0.05292" units="cm"/>
-      <inkml:brushProperty name="color" value="#FF0000"/>
-    </inkml:brush>
-  </inkml:definitions>
-  <inkml:trace contextRef="#ctx0" brushRef="#br0">2668 12239 24575,'4'-4'0,"6"1"0,26 3 0,5 0 0,-2 0 0,12 0 0,0 0 0,-11 0-878,4 0 1,2 0 877,8 0 0,-10 0 0,1 0 0,18 0 0,-25 0 0,1 0 0,-1 0 0,0 0 0,26 0 479,-4 0-479,-23 0 312,-2 0-312,-11 0 0,-6 0 0,-3 0 894,-10 3-894,-1 1 70,-8 3-70,3 1 0,-3-3 0,4-1 0</inkml:trace>
-</inkml:ink>
-</file>
-
-<file path=ppt/ink/ink2.xml><?xml version="1.0" encoding="utf-8"?>
-<inkml:ink xmlns:inkml="http://www.w3.org/2003/InkML">
-  <inkml:definitions>
-    <inkml:context xml:id="ctx0">
-      <inkml:inkSource xml:id="inkSrc0">
-        <inkml:traceFormat>
-          <inkml:channel name="X" type="integer" min="-2.14748E9" max="2.14748E9" units="cm"/>
-          <inkml:channel name="Y" type="integer" min="-2.14748E9" max="2.14748E9" units="cm"/>
-          <inkml:channel name="F" type="integer" max="32767" units="dev"/>
-        </inkml:traceFormat>
-        <inkml:channelProperties>
-          <inkml:channelProperty channel="X" name="resolution" value="1000" units="1/cm"/>
-          <inkml:channelProperty channel="Y" name="resolution" value="1000" units="1/cm"/>
-          <inkml:channelProperty channel="F" name="resolution" value="0" units="1/dev"/>
-        </inkml:channelProperties>
-      </inkml:inkSource>
-      <inkml:timestamp xml:id="ts0" timeString="2019-09-12T03:55:34.024"/>
-    </inkml:context>
-    <inkml:brush xml:id="br0">
-      <inkml:brushProperty name="width" value="0.05292" units="cm"/>
-      <inkml:brushProperty name="height" value="0.05292" units="cm"/>
-      <inkml:brushProperty name="color" value="#FF0000"/>
-    </inkml:brush>
-  </inkml:definitions>
-  <inkml:trace contextRef="#ctx0" brushRef="#br0">8823 8348 24575,'36'0'0,"0"0"0,-3 0 0,17 0 0,3 0-901,0 0 901,10 0 0,-25 0 0,-2 0 0,14 0 0,10 0 0,-23 0 296,8 0-296,-8 0 149,0 0-149,8 0 0,-8 0 0,10 0 456,0 0-456,0 0 0,1 0 0,-1 0 0,0 0 0,0 0 0,12 0 0,-9 0-527,10 0 527,0 0 0,-10 0 0,10 0-42,-22 0 42,6 0 0,-7 0 0,1 0 0,6 0 0,-7 0 526,10 0-526,1 0 0,-1 0 43,0 0-43,0 0 0,-10 0 0,-2 0 0,-1-7 0,-7 5 0,18-12 0,-18 13 0,8-12 0,0 12 0,-8-10 0,7 9 0,1-10 0,-8 10 0,18-5 0,-18 7 0,18 0 0,-8 0 0,0 0 0,7-7 0,-6 5 0,9-5 0,-10 7 0,7-7 0,-16 6 0,6-7 0,-9 3 0,-1 4 0,1-5 0,0 6 0,-1-5 0,11 3 0,-8-9 0,18 10 0,-8-12 0,0 6 0,8-8 0,-8 7 0,10-6 0,0 6 0,0-8 0,0 7 0,0 2 0,-10 1 0,21 5 0,-18-4 0,20 5 0,-22 0 0,6 0 0,-17 0 0,18 0 0,-18 0 0,8 0 0,-1 0 0,-6 0 0,6 0 0,-9 0 0,0 0 0,-1 0 0,1 0 0,0 0 0,-1 0 0,1 0 0,0 0 0,0 0 0,-1 0 0,1 0 0,0 0 0,-1 0 0,1 0 0,0 0 0,-8 0 0,6 0 0,-5 0 0,0 0 0,4 0 0,-4 0 0,-1 0 0,6 0 0,-5 5 0,7 2 0,-8 0 0,6 4 0,-5-5 0,-1 5 0,6-4 0,-12 0 0,5-6 0,-7 7 0,0-7 0,-1 7 0,-3-4 0,-1 4 0,-4-4 0,0-1 0</inkml:trace>
-  <inkml:trace contextRef="#ctx0" brushRef="#br0" timeOffset="5525">3153 8387 24575,'30'0'0,"-13"0"0,31 0 0,-14 0 0,-7 0 0,18 0 0,5 0 0,1 0 0,9 0-1012,-23 0 0,2 0 1012,11 0 0,3 0 0,-3 0 0,1 0 0,13 0 0,0 0 0,-16 0 0,0 0 0,9 0 0,-1 0 0,-7 0 0,-1 0-562,-2 0 1,0 0 561,-7 0 0,-1 0 0,0 0 0,-1 0 0,27 0 0,-28 2 0,0-4 0,28-15 0,-19 15 0,2 0 0,-7-7 0,1 1 0,5 7 0,0 2 0,1 0 0,-1-2 0,-6-3 0,0 0 0,0 3 0,0-1-188,-3-6 1,-1-1 187,14 7 0,10-6 0,-22 2 1860,6 5-1860,-7-5 0,24 6 0,-11 0 186,-6 0 0,1 0-186,10 0 0,-3 0 0,1 0 0,-19 0 0,-1 0 0,13 1 0,0-2 0,-7-3 0,-2 0 0,2 3 0,-1 0 0,25-8 0,-26 9 0,-1 0 0,15-7 293,9 5-293,-13-5 0,0 7 0,0 0 0,0 0 0,-1 0 0,1 0 0,0 0 0,0 0 0,0 0 0,-10 0 0,8 0 0,-18 0 861,8 0-861,-10 0 136,-1 0-136,11 0 0,-8 0 0,8 0 0,-11 0 0,11 0 0,-8 0 0,18 0 0,-18 0 0,8 0 0,-1 0 0,-7-5 0,8 4 0,-18-5 0,6 6 0,-5 0 0,7 0 0,-1 0 0,1 0 0,0-5 0,-8 3 0,6-3 0,-5 5 0,0 0 0,5 0 0,-13 0 0,13 0 0,-5 0 0,6 0 0,1 0 0,0 0 0,-1 0 0,1 0 0,9 0 0,-6 0 0,6 0 0,1 0 0,-8 0 0,18 0 0,-18 0 0,18 0 0,-18 0 0,7 0 0,1 0 0,-8 0 0,7 0 0,1 0 0,-15 0 0,13 0 0,-15 0 0,-1 0 0,6 0 0,-12 0 0,4 0 0,1 0 0,-5 0 0,5 0 0,-7 0 0,0 0 0,0 0 0,0 0 0,0 0 0,-1 0 0,1 0 0,0 0 0,0 0 0,-1 0 0,-3 4 0,2-3 0,-2 3 0,4-4 0,0 0 0,0 0 0,0 0 0,0 0 0,0 4 0,0-3 0,0 3 0,0-4 0,-1 0 0,1 0 0,0 4 0,0-3 0,7 3 0,-5-4 0,5 0 0,0 0 0,-6 3 0,6-2 0,-7 3 0,-1-4 0,-3 4 0,0-3 0,-4 5 0,2-3 0,-3 4 0,-8 1 0,6-4 0,-6 0 0</inkml:trace>
-  <inkml:trace contextRef="#ctx0" brushRef="#br0" timeOffset="32259">5175 7961 24575,'0'0'0</inkml:trace>
-</inkml:ink>
-</file>
-
 <file path=ppt/notesMasters/notesMaster1.xml><?xml version="1.0" encoding="utf-8"?>
 <p:notesMaster xmlns:a="http://schemas.openxmlformats.org/drawingml/2006/main" xmlns:r="http://schemas.openxmlformats.org/officeDocument/2006/relationships" xmlns:p="http://schemas.openxmlformats.org/presentationml/2006/main">
   <p:cSld>
@@ -274,7 +225,7 @@
           <a:p>
             <a:fld id="{E85C3C0A-4735-8642-9600-C77F3AC271A6}" type="datetimeFigureOut">
               <a:rPr kumimoji="1" lang="ja-JP" altLang="en-US" smtClean="0"/>
-              <a:t>2019/9/12</a:t>
+              <a:t>2019/9/15</a:t>
             </a:fld>
             <a:endParaRPr kumimoji="1" lang="ja-JP" altLang="en-US"/>
           </a:p>
@@ -682,6 +633,224 @@
 </p:notes>
 </file>
 
+<file path=ppt/notesSlides/notesSlide10.xml><?xml version="1.0" encoding="utf-8"?>
+<p:notes xmlns:a="http://schemas.openxmlformats.org/drawingml/2006/main" xmlns:r="http://schemas.openxmlformats.org/officeDocument/2006/relationships" xmlns:p="http://schemas.openxmlformats.org/presentationml/2006/main" showMasterSp="0" showMasterPhAnim="0">
+  <p:cSld>
+    <p:spTree>
+      <p:nvGrpSpPr>
+        <p:cNvPr id="1" name="Shape 420"/>
+        <p:cNvGrpSpPr/>
+        <p:nvPr/>
+      </p:nvGrpSpPr>
+      <p:grpSpPr>
+        <a:xfrm>
+          <a:off x="0" y="0"/>
+          <a:ext cx="0" cy="0"/>
+          <a:chOff x="0" y="0"/>
+          <a:chExt cx="0" cy="0"/>
+        </a:xfrm>
+      </p:grpSpPr>
+      <p:sp>
+        <p:nvSpPr>
+          <p:cNvPr id="421" name="Google Shape;421;g5f98c830ba_1_0:notes"/>
+          <p:cNvSpPr>
+            <a:spLocks noGrp="1" noRot="1" noChangeAspect="1"/>
+          </p:cNvSpPr>
+          <p:nvPr>
+            <p:ph type="sldImg" idx="2"/>
+          </p:nvPr>
+        </p:nvSpPr>
+        <p:spPr>
+          <a:xfrm>
+            <a:off x="381000" y="685800"/>
+            <a:ext cx="6096000" cy="3429000"/>
+          </a:xfrm>
+          <a:custGeom>
+            <a:avLst/>
+            <a:gdLst/>
+            <a:ahLst/>
+            <a:cxnLst/>
+            <a:rect l="l" t="t" r="r" b="b"/>
+            <a:pathLst>
+              <a:path w="120000" h="120000" extrusionOk="0">
+                <a:moveTo>
+                  <a:pt x="0" y="0"/>
+                </a:moveTo>
+                <a:lnTo>
+                  <a:pt x="120000" y="0"/>
+                </a:lnTo>
+                <a:lnTo>
+                  <a:pt x="120000" y="120000"/>
+                </a:lnTo>
+                <a:lnTo>
+                  <a:pt x="0" y="120000"/>
+                </a:lnTo>
+                <a:close/>
+              </a:path>
+            </a:pathLst>
+          </a:custGeom>
+        </p:spPr>
+      </p:sp>
+      <p:sp>
+        <p:nvSpPr>
+          <p:cNvPr id="422" name="Google Shape;422;g5f98c830ba_1_0:notes"/>
+          <p:cNvSpPr txBox="1">
+            <a:spLocks noGrp="1"/>
+          </p:cNvSpPr>
+          <p:nvPr>
+            <p:ph type="body" idx="1"/>
+          </p:nvPr>
+        </p:nvSpPr>
+        <p:spPr>
+          <a:xfrm>
+            <a:off x="685800" y="4343400"/>
+            <a:ext cx="5486400" cy="4114800"/>
+          </a:xfrm>
+          <a:prstGeom prst="rect">
+            <a:avLst/>
+          </a:prstGeom>
+        </p:spPr>
+        <p:txBody>
+          <a:bodyPr spcFirstLastPara="1" wrap="square" lIns="91425" tIns="91425" rIns="91425" bIns="91425" anchor="t" anchorCtr="0">
+            <a:noAutofit/>
+          </a:bodyPr>
+          <a:lstStyle/>
+          <a:p>
+            <a:pPr marL="0" lvl="0" indent="0" algn="l" rtl="0">
+              <a:spcBef>
+                <a:spcPts val="0"/>
+              </a:spcBef>
+              <a:spcAft>
+                <a:spcPts val="0"/>
+              </a:spcAft>
+              <a:buNone/>
+            </a:pPr>
+            <a:endParaRPr/>
+          </a:p>
+        </p:txBody>
+      </p:sp>
+    </p:spTree>
+    <p:extLst>
+      <p:ext uri="{BB962C8B-B14F-4D97-AF65-F5344CB8AC3E}">
+        <p14:creationId xmlns:p14="http://schemas.microsoft.com/office/powerpoint/2010/main" val="3319765795"/>
+      </p:ext>
+    </p:extLst>
+  </p:cSld>
+  <p:clrMapOvr>
+    <a:masterClrMapping/>
+  </p:clrMapOvr>
+</p:notes>
+</file>
+
+<file path=ppt/notesSlides/notesSlide11.xml><?xml version="1.0" encoding="utf-8"?>
+<p:notes xmlns:a="http://schemas.openxmlformats.org/drawingml/2006/main" xmlns:r="http://schemas.openxmlformats.org/officeDocument/2006/relationships" xmlns:p="http://schemas.openxmlformats.org/presentationml/2006/main" showMasterSp="0" showMasterPhAnim="0">
+  <p:cSld>
+    <p:spTree>
+      <p:nvGrpSpPr>
+        <p:cNvPr id="1" name="Shape 420"/>
+        <p:cNvGrpSpPr/>
+        <p:nvPr/>
+      </p:nvGrpSpPr>
+      <p:grpSpPr>
+        <a:xfrm>
+          <a:off x="0" y="0"/>
+          <a:ext cx="0" cy="0"/>
+          <a:chOff x="0" y="0"/>
+          <a:chExt cx="0" cy="0"/>
+        </a:xfrm>
+      </p:grpSpPr>
+      <p:sp>
+        <p:nvSpPr>
+          <p:cNvPr id="421" name="Google Shape;421;g5f98c830ba_1_0:notes"/>
+          <p:cNvSpPr>
+            <a:spLocks noGrp="1" noRot="1" noChangeAspect="1"/>
+          </p:cNvSpPr>
+          <p:nvPr>
+            <p:ph type="sldImg" idx="2"/>
+          </p:nvPr>
+        </p:nvSpPr>
+        <p:spPr>
+          <a:xfrm>
+            <a:off x="381000" y="685800"/>
+            <a:ext cx="6096000" cy="3429000"/>
+          </a:xfrm>
+          <a:custGeom>
+            <a:avLst/>
+            <a:gdLst/>
+            <a:ahLst/>
+            <a:cxnLst/>
+            <a:rect l="l" t="t" r="r" b="b"/>
+            <a:pathLst>
+              <a:path w="120000" h="120000" extrusionOk="0">
+                <a:moveTo>
+                  <a:pt x="0" y="0"/>
+                </a:moveTo>
+                <a:lnTo>
+                  <a:pt x="120000" y="0"/>
+                </a:lnTo>
+                <a:lnTo>
+                  <a:pt x="120000" y="120000"/>
+                </a:lnTo>
+                <a:lnTo>
+                  <a:pt x="0" y="120000"/>
+                </a:lnTo>
+                <a:close/>
+              </a:path>
+            </a:pathLst>
+          </a:custGeom>
+        </p:spPr>
+      </p:sp>
+      <p:sp>
+        <p:nvSpPr>
+          <p:cNvPr id="422" name="Google Shape;422;g5f98c830ba_1_0:notes"/>
+          <p:cNvSpPr txBox="1">
+            <a:spLocks noGrp="1"/>
+          </p:cNvSpPr>
+          <p:nvPr>
+            <p:ph type="body" idx="1"/>
+          </p:nvPr>
+        </p:nvSpPr>
+        <p:spPr>
+          <a:xfrm>
+            <a:off x="685800" y="4343400"/>
+            <a:ext cx="5486400" cy="4114800"/>
+          </a:xfrm>
+          <a:prstGeom prst="rect">
+            <a:avLst/>
+          </a:prstGeom>
+        </p:spPr>
+        <p:txBody>
+          <a:bodyPr spcFirstLastPara="1" wrap="square" lIns="91425" tIns="91425" rIns="91425" bIns="91425" anchor="t" anchorCtr="0">
+            <a:noAutofit/>
+          </a:bodyPr>
+          <a:lstStyle/>
+          <a:p>
+            <a:pPr marL="0" lvl="0" indent="0" algn="l" rtl="0">
+              <a:spcBef>
+                <a:spcPts val="0"/>
+              </a:spcBef>
+              <a:spcAft>
+                <a:spcPts val="0"/>
+              </a:spcAft>
+              <a:buNone/>
+            </a:pPr>
+            <a:endParaRPr/>
+          </a:p>
+        </p:txBody>
+      </p:sp>
+    </p:spTree>
+    <p:extLst>
+      <p:ext uri="{BB962C8B-B14F-4D97-AF65-F5344CB8AC3E}">
+        <p14:creationId xmlns:p14="http://schemas.microsoft.com/office/powerpoint/2010/main" val="1947918485"/>
+      </p:ext>
+    </p:extLst>
+  </p:cSld>
+  <p:clrMapOvr>
+    <a:masterClrMapping/>
+  </p:clrMapOvr>
+</p:notes>
+</file>
+
 <file path=ppt/notesSlides/notesSlide2.xml><?xml version="1.0" encoding="utf-8"?>
 <p:notes xmlns:a="http://schemas.openxmlformats.org/drawingml/2006/main" xmlns:r="http://schemas.openxmlformats.org/officeDocument/2006/relationships" xmlns:p="http://schemas.openxmlformats.org/presentationml/2006/main" showMasterSp="0" showMasterPhAnim="0">
   <p:cSld>
@@ -965,7 +1134,7 @@
           <a:p>
             <a:fld id="{4F6631D1-B60D-8B42-827D-93EFDA4DE72F}" type="slidenum">
               <a:rPr kumimoji="1" lang="ja-JP" altLang="en-US" smtClean="0"/>
-              <a:t>17</a:t>
+              <a:t>18</a:t>
             </a:fld>
             <a:endParaRPr kumimoji="1" lang="ja-JP" altLang="en-US"/>
           </a:p>
@@ -1093,6 +1262,442 @@
 </p:notes>
 </file>
 
+<file path=ppt/notesSlides/notesSlide6.xml><?xml version="1.0" encoding="utf-8"?>
+<p:notes xmlns:a="http://schemas.openxmlformats.org/drawingml/2006/main" xmlns:r="http://schemas.openxmlformats.org/officeDocument/2006/relationships" xmlns:p="http://schemas.openxmlformats.org/presentationml/2006/main" showMasterSp="0" showMasterPhAnim="0">
+  <p:cSld>
+    <p:spTree>
+      <p:nvGrpSpPr>
+        <p:cNvPr id="1" name="Shape 420"/>
+        <p:cNvGrpSpPr/>
+        <p:nvPr/>
+      </p:nvGrpSpPr>
+      <p:grpSpPr>
+        <a:xfrm>
+          <a:off x="0" y="0"/>
+          <a:ext cx="0" cy="0"/>
+          <a:chOff x="0" y="0"/>
+          <a:chExt cx="0" cy="0"/>
+        </a:xfrm>
+      </p:grpSpPr>
+      <p:sp>
+        <p:nvSpPr>
+          <p:cNvPr id="421" name="Google Shape;421;g5f98c830ba_1_0:notes"/>
+          <p:cNvSpPr>
+            <a:spLocks noGrp="1" noRot="1" noChangeAspect="1"/>
+          </p:cNvSpPr>
+          <p:nvPr>
+            <p:ph type="sldImg" idx="2"/>
+          </p:nvPr>
+        </p:nvSpPr>
+        <p:spPr>
+          <a:xfrm>
+            <a:off x="381000" y="685800"/>
+            <a:ext cx="6096000" cy="3429000"/>
+          </a:xfrm>
+          <a:custGeom>
+            <a:avLst/>
+            <a:gdLst/>
+            <a:ahLst/>
+            <a:cxnLst/>
+            <a:rect l="l" t="t" r="r" b="b"/>
+            <a:pathLst>
+              <a:path w="120000" h="120000" extrusionOk="0">
+                <a:moveTo>
+                  <a:pt x="0" y="0"/>
+                </a:moveTo>
+                <a:lnTo>
+                  <a:pt x="120000" y="0"/>
+                </a:lnTo>
+                <a:lnTo>
+                  <a:pt x="120000" y="120000"/>
+                </a:lnTo>
+                <a:lnTo>
+                  <a:pt x="0" y="120000"/>
+                </a:lnTo>
+                <a:close/>
+              </a:path>
+            </a:pathLst>
+          </a:custGeom>
+        </p:spPr>
+      </p:sp>
+      <p:sp>
+        <p:nvSpPr>
+          <p:cNvPr id="422" name="Google Shape;422;g5f98c830ba_1_0:notes"/>
+          <p:cNvSpPr txBox="1">
+            <a:spLocks noGrp="1"/>
+          </p:cNvSpPr>
+          <p:nvPr>
+            <p:ph type="body" idx="1"/>
+          </p:nvPr>
+        </p:nvSpPr>
+        <p:spPr>
+          <a:xfrm>
+            <a:off x="685800" y="4343400"/>
+            <a:ext cx="5486400" cy="4114800"/>
+          </a:xfrm>
+          <a:prstGeom prst="rect">
+            <a:avLst/>
+          </a:prstGeom>
+        </p:spPr>
+        <p:txBody>
+          <a:bodyPr spcFirstLastPara="1" wrap="square" lIns="91425" tIns="91425" rIns="91425" bIns="91425" anchor="t" anchorCtr="0">
+            <a:noAutofit/>
+          </a:bodyPr>
+          <a:lstStyle/>
+          <a:p>
+            <a:pPr marL="0" lvl="0" indent="0" algn="l" rtl="0">
+              <a:spcBef>
+                <a:spcPts val="0"/>
+              </a:spcBef>
+              <a:spcAft>
+                <a:spcPts val="0"/>
+              </a:spcAft>
+              <a:buNone/>
+            </a:pPr>
+            <a:endParaRPr/>
+          </a:p>
+        </p:txBody>
+      </p:sp>
+    </p:spTree>
+    <p:extLst>
+      <p:ext uri="{BB962C8B-B14F-4D97-AF65-F5344CB8AC3E}">
+        <p14:creationId xmlns:p14="http://schemas.microsoft.com/office/powerpoint/2010/main" val="1267325842"/>
+      </p:ext>
+    </p:extLst>
+  </p:cSld>
+  <p:clrMapOvr>
+    <a:masterClrMapping/>
+  </p:clrMapOvr>
+</p:notes>
+</file>
+
+<file path=ppt/notesSlides/notesSlide7.xml><?xml version="1.0" encoding="utf-8"?>
+<p:notes xmlns:a="http://schemas.openxmlformats.org/drawingml/2006/main" xmlns:r="http://schemas.openxmlformats.org/officeDocument/2006/relationships" xmlns:p="http://schemas.openxmlformats.org/presentationml/2006/main" showMasterSp="0" showMasterPhAnim="0">
+  <p:cSld>
+    <p:spTree>
+      <p:nvGrpSpPr>
+        <p:cNvPr id="1" name="Shape 420"/>
+        <p:cNvGrpSpPr/>
+        <p:nvPr/>
+      </p:nvGrpSpPr>
+      <p:grpSpPr>
+        <a:xfrm>
+          <a:off x="0" y="0"/>
+          <a:ext cx="0" cy="0"/>
+          <a:chOff x="0" y="0"/>
+          <a:chExt cx="0" cy="0"/>
+        </a:xfrm>
+      </p:grpSpPr>
+      <p:sp>
+        <p:nvSpPr>
+          <p:cNvPr id="421" name="Google Shape;421;g5f98c830ba_1_0:notes"/>
+          <p:cNvSpPr>
+            <a:spLocks noGrp="1" noRot="1" noChangeAspect="1"/>
+          </p:cNvSpPr>
+          <p:nvPr>
+            <p:ph type="sldImg" idx="2"/>
+          </p:nvPr>
+        </p:nvSpPr>
+        <p:spPr>
+          <a:xfrm>
+            <a:off x="381000" y="685800"/>
+            <a:ext cx="6096000" cy="3429000"/>
+          </a:xfrm>
+          <a:custGeom>
+            <a:avLst/>
+            <a:gdLst/>
+            <a:ahLst/>
+            <a:cxnLst/>
+            <a:rect l="l" t="t" r="r" b="b"/>
+            <a:pathLst>
+              <a:path w="120000" h="120000" extrusionOk="0">
+                <a:moveTo>
+                  <a:pt x="0" y="0"/>
+                </a:moveTo>
+                <a:lnTo>
+                  <a:pt x="120000" y="0"/>
+                </a:lnTo>
+                <a:lnTo>
+                  <a:pt x="120000" y="120000"/>
+                </a:lnTo>
+                <a:lnTo>
+                  <a:pt x="0" y="120000"/>
+                </a:lnTo>
+                <a:close/>
+              </a:path>
+            </a:pathLst>
+          </a:custGeom>
+        </p:spPr>
+      </p:sp>
+      <p:sp>
+        <p:nvSpPr>
+          <p:cNvPr id="422" name="Google Shape;422;g5f98c830ba_1_0:notes"/>
+          <p:cNvSpPr txBox="1">
+            <a:spLocks noGrp="1"/>
+          </p:cNvSpPr>
+          <p:nvPr>
+            <p:ph type="body" idx="1"/>
+          </p:nvPr>
+        </p:nvSpPr>
+        <p:spPr>
+          <a:xfrm>
+            <a:off x="685800" y="4343400"/>
+            <a:ext cx="5486400" cy="4114800"/>
+          </a:xfrm>
+          <a:prstGeom prst="rect">
+            <a:avLst/>
+          </a:prstGeom>
+        </p:spPr>
+        <p:txBody>
+          <a:bodyPr spcFirstLastPara="1" wrap="square" lIns="91425" tIns="91425" rIns="91425" bIns="91425" anchor="t" anchorCtr="0">
+            <a:noAutofit/>
+          </a:bodyPr>
+          <a:lstStyle/>
+          <a:p>
+            <a:pPr marL="0" lvl="0" indent="0" algn="l" rtl="0">
+              <a:spcBef>
+                <a:spcPts val="0"/>
+              </a:spcBef>
+              <a:spcAft>
+                <a:spcPts val="0"/>
+              </a:spcAft>
+              <a:buNone/>
+            </a:pPr>
+            <a:endParaRPr/>
+          </a:p>
+        </p:txBody>
+      </p:sp>
+    </p:spTree>
+    <p:extLst>
+      <p:ext uri="{BB962C8B-B14F-4D97-AF65-F5344CB8AC3E}">
+        <p14:creationId xmlns:p14="http://schemas.microsoft.com/office/powerpoint/2010/main" val="3147745320"/>
+      </p:ext>
+    </p:extLst>
+  </p:cSld>
+  <p:clrMapOvr>
+    <a:masterClrMapping/>
+  </p:clrMapOvr>
+</p:notes>
+</file>
+
+<file path=ppt/notesSlides/notesSlide8.xml><?xml version="1.0" encoding="utf-8"?>
+<p:notes xmlns:a="http://schemas.openxmlformats.org/drawingml/2006/main" xmlns:r="http://schemas.openxmlformats.org/officeDocument/2006/relationships" xmlns:p="http://schemas.openxmlformats.org/presentationml/2006/main" showMasterSp="0" showMasterPhAnim="0">
+  <p:cSld>
+    <p:spTree>
+      <p:nvGrpSpPr>
+        <p:cNvPr id="1" name="Shape 420"/>
+        <p:cNvGrpSpPr/>
+        <p:nvPr/>
+      </p:nvGrpSpPr>
+      <p:grpSpPr>
+        <a:xfrm>
+          <a:off x="0" y="0"/>
+          <a:ext cx="0" cy="0"/>
+          <a:chOff x="0" y="0"/>
+          <a:chExt cx="0" cy="0"/>
+        </a:xfrm>
+      </p:grpSpPr>
+      <p:sp>
+        <p:nvSpPr>
+          <p:cNvPr id="421" name="Google Shape;421;g5f98c830ba_1_0:notes"/>
+          <p:cNvSpPr>
+            <a:spLocks noGrp="1" noRot="1" noChangeAspect="1"/>
+          </p:cNvSpPr>
+          <p:nvPr>
+            <p:ph type="sldImg" idx="2"/>
+          </p:nvPr>
+        </p:nvSpPr>
+        <p:spPr>
+          <a:xfrm>
+            <a:off x="381000" y="685800"/>
+            <a:ext cx="6096000" cy="3429000"/>
+          </a:xfrm>
+          <a:custGeom>
+            <a:avLst/>
+            <a:gdLst/>
+            <a:ahLst/>
+            <a:cxnLst/>
+            <a:rect l="l" t="t" r="r" b="b"/>
+            <a:pathLst>
+              <a:path w="120000" h="120000" extrusionOk="0">
+                <a:moveTo>
+                  <a:pt x="0" y="0"/>
+                </a:moveTo>
+                <a:lnTo>
+                  <a:pt x="120000" y="0"/>
+                </a:lnTo>
+                <a:lnTo>
+                  <a:pt x="120000" y="120000"/>
+                </a:lnTo>
+                <a:lnTo>
+                  <a:pt x="0" y="120000"/>
+                </a:lnTo>
+                <a:close/>
+              </a:path>
+            </a:pathLst>
+          </a:custGeom>
+        </p:spPr>
+      </p:sp>
+      <p:sp>
+        <p:nvSpPr>
+          <p:cNvPr id="422" name="Google Shape;422;g5f98c830ba_1_0:notes"/>
+          <p:cNvSpPr txBox="1">
+            <a:spLocks noGrp="1"/>
+          </p:cNvSpPr>
+          <p:nvPr>
+            <p:ph type="body" idx="1"/>
+          </p:nvPr>
+        </p:nvSpPr>
+        <p:spPr>
+          <a:xfrm>
+            <a:off x="685800" y="4343400"/>
+            <a:ext cx="5486400" cy="4114800"/>
+          </a:xfrm>
+          <a:prstGeom prst="rect">
+            <a:avLst/>
+          </a:prstGeom>
+        </p:spPr>
+        <p:txBody>
+          <a:bodyPr spcFirstLastPara="1" wrap="square" lIns="91425" tIns="91425" rIns="91425" bIns="91425" anchor="t" anchorCtr="0">
+            <a:noAutofit/>
+          </a:bodyPr>
+          <a:lstStyle/>
+          <a:p>
+            <a:pPr marL="0" lvl="0" indent="0" algn="l" rtl="0">
+              <a:spcBef>
+                <a:spcPts val="0"/>
+              </a:spcBef>
+              <a:spcAft>
+                <a:spcPts val="0"/>
+              </a:spcAft>
+              <a:buNone/>
+            </a:pPr>
+            <a:endParaRPr/>
+          </a:p>
+        </p:txBody>
+      </p:sp>
+    </p:spTree>
+    <p:extLst>
+      <p:ext uri="{BB962C8B-B14F-4D97-AF65-F5344CB8AC3E}">
+        <p14:creationId xmlns:p14="http://schemas.microsoft.com/office/powerpoint/2010/main" val="4138299237"/>
+      </p:ext>
+    </p:extLst>
+  </p:cSld>
+  <p:clrMapOvr>
+    <a:masterClrMapping/>
+  </p:clrMapOvr>
+</p:notes>
+</file>
+
+<file path=ppt/notesSlides/notesSlide9.xml><?xml version="1.0" encoding="utf-8"?>
+<p:notes xmlns:a="http://schemas.openxmlformats.org/drawingml/2006/main" xmlns:r="http://schemas.openxmlformats.org/officeDocument/2006/relationships" xmlns:p="http://schemas.openxmlformats.org/presentationml/2006/main" showMasterSp="0" showMasterPhAnim="0">
+  <p:cSld>
+    <p:spTree>
+      <p:nvGrpSpPr>
+        <p:cNvPr id="1" name="Shape 420"/>
+        <p:cNvGrpSpPr/>
+        <p:nvPr/>
+      </p:nvGrpSpPr>
+      <p:grpSpPr>
+        <a:xfrm>
+          <a:off x="0" y="0"/>
+          <a:ext cx="0" cy="0"/>
+          <a:chOff x="0" y="0"/>
+          <a:chExt cx="0" cy="0"/>
+        </a:xfrm>
+      </p:grpSpPr>
+      <p:sp>
+        <p:nvSpPr>
+          <p:cNvPr id="421" name="Google Shape;421;g5f98c830ba_1_0:notes"/>
+          <p:cNvSpPr>
+            <a:spLocks noGrp="1" noRot="1" noChangeAspect="1"/>
+          </p:cNvSpPr>
+          <p:nvPr>
+            <p:ph type="sldImg" idx="2"/>
+          </p:nvPr>
+        </p:nvSpPr>
+        <p:spPr>
+          <a:xfrm>
+            <a:off x="381000" y="685800"/>
+            <a:ext cx="6096000" cy="3429000"/>
+          </a:xfrm>
+          <a:custGeom>
+            <a:avLst/>
+            <a:gdLst/>
+            <a:ahLst/>
+            <a:cxnLst/>
+            <a:rect l="l" t="t" r="r" b="b"/>
+            <a:pathLst>
+              <a:path w="120000" h="120000" extrusionOk="0">
+                <a:moveTo>
+                  <a:pt x="0" y="0"/>
+                </a:moveTo>
+                <a:lnTo>
+                  <a:pt x="120000" y="0"/>
+                </a:lnTo>
+                <a:lnTo>
+                  <a:pt x="120000" y="120000"/>
+                </a:lnTo>
+                <a:lnTo>
+                  <a:pt x="0" y="120000"/>
+                </a:lnTo>
+                <a:close/>
+              </a:path>
+            </a:pathLst>
+          </a:custGeom>
+        </p:spPr>
+      </p:sp>
+      <p:sp>
+        <p:nvSpPr>
+          <p:cNvPr id="422" name="Google Shape;422;g5f98c830ba_1_0:notes"/>
+          <p:cNvSpPr txBox="1">
+            <a:spLocks noGrp="1"/>
+          </p:cNvSpPr>
+          <p:nvPr>
+            <p:ph type="body" idx="1"/>
+          </p:nvPr>
+        </p:nvSpPr>
+        <p:spPr>
+          <a:xfrm>
+            <a:off x="685800" y="4343400"/>
+            <a:ext cx="5486400" cy="4114800"/>
+          </a:xfrm>
+          <a:prstGeom prst="rect">
+            <a:avLst/>
+          </a:prstGeom>
+        </p:spPr>
+        <p:txBody>
+          <a:bodyPr spcFirstLastPara="1" wrap="square" lIns="91425" tIns="91425" rIns="91425" bIns="91425" anchor="t" anchorCtr="0">
+            <a:noAutofit/>
+          </a:bodyPr>
+          <a:lstStyle/>
+          <a:p>
+            <a:pPr marL="0" lvl="0" indent="0" algn="l" rtl="0">
+              <a:spcBef>
+                <a:spcPts val="0"/>
+              </a:spcBef>
+              <a:spcAft>
+                <a:spcPts val="0"/>
+              </a:spcAft>
+              <a:buNone/>
+            </a:pPr>
+            <a:endParaRPr/>
+          </a:p>
+        </p:txBody>
+      </p:sp>
+    </p:spTree>
+    <p:extLst>
+      <p:ext uri="{BB962C8B-B14F-4D97-AF65-F5344CB8AC3E}">
+        <p14:creationId xmlns:p14="http://schemas.microsoft.com/office/powerpoint/2010/main" val="1049163036"/>
+      </p:ext>
+    </p:extLst>
+  </p:cSld>
+  <p:clrMapOvr>
+    <a:masterClrMapping/>
+  </p:clrMapOvr>
+</p:notes>
+</file>
+
 <file path=ppt/slideLayouts/slideLayout1.xml><?xml version="1.0" encoding="utf-8"?>
 <p:sldLayout xmlns:a="http://schemas.openxmlformats.org/drawingml/2006/main" xmlns:r="http://schemas.openxmlformats.org/officeDocument/2006/relationships" xmlns:p="http://schemas.openxmlformats.org/presentationml/2006/main" type="title" preserve="1">
   <p:cSld name="タイトル スライド">
@@ -1240,7 +1845,7 @@
           <a:p>
             <a:fld id="{FB228F3F-1D5C-2A4F-ADEE-40EA5537BF3E}" type="datetimeFigureOut">
               <a:rPr kumimoji="1" lang="ja-JP" altLang="en-US" smtClean="0"/>
-              <a:t>2019/9/12</a:t>
+              <a:t>2019/9/15</a:t>
             </a:fld>
             <a:endParaRPr kumimoji="1" lang="ja-JP" altLang="en-US"/>
           </a:p>
@@ -1470,7 +2075,7 @@
           <a:p>
             <a:fld id="{FB228F3F-1D5C-2A4F-ADEE-40EA5537BF3E}" type="datetimeFigureOut">
               <a:rPr kumimoji="1" lang="ja-JP" altLang="en-US" smtClean="0"/>
-              <a:t>2019/9/12</a:t>
+              <a:t>2019/9/15</a:t>
             </a:fld>
             <a:endParaRPr kumimoji="1" lang="ja-JP" altLang="en-US"/>
           </a:p>
@@ -1710,7 +2315,7 @@
           <a:p>
             <a:fld id="{FB228F3F-1D5C-2A4F-ADEE-40EA5537BF3E}" type="datetimeFigureOut">
               <a:rPr kumimoji="1" lang="ja-JP" altLang="en-US" smtClean="0"/>
-              <a:t>2019/9/12</a:t>
+              <a:t>2019/9/15</a:t>
             </a:fld>
             <a:endParaRPr kumimoji="1" lang="ja-JP" altLang="en-US"/>
           </a:p>
@@ -1940,7 +2545,7 @@
           <a:p>
             <a:fld id="{FB228F3F-1D5C-2A4F-ADEE-40EA5537BF3E}" type="datetimeFigureOut">
               <a:rPr kumimoji="1" lang="ja-JP" altLang="en-US" smtClean="0"/>
-              <a:t>2019/9/12</a:t>
+              <a:t>2019/9/15</a:t>
             </a:fld>
             <a:endParaRPr kumimoji="1" lang="ja-JP" altLang="en-US"/>
           </a:p>
@@ -2215,7 +2820,7 @@
           <a:p>
             <a:fld id="{FB228F3F-1D5C-2A4F-ADEE-40EA5537BF3E}" type="datetimeFigureOut">
               <a:rPr kumimoji="1" lang="ja-JP" altLang="en-US" smtClean="0"/>
-              <a:t>2019/9/12</a:t>
+              <a:t>2019/9/15</a:t>
             </a:fld>
             <a:endParaRPr kumimoji="1" lang="ja-JP" altLang="en-US"/>
           </a:p>
@@ -2544,7 +3149,7 @@
           <a:p>
             <a:fld id="{FB228F3F-1D5C-2A4F-ADEE-40EA5537BF3E}" type="datetimeFigureOut">
               <a:rPr kumimoji="1" lang="ja-JP" altLang="en-US" smtClean="0"/>
-              <a:t>2019/9/12</a:t>
+              <a:t>2019/9/15</a:t>
             </a:fld>
             <a:endParaRPr kumimoji="1" lang="ja-JP" altLang="en-US"/>
           </a:p>
@@ -3020,7 +3625,7 @@
           <a:p>
             <a:fld id="{FB228F3F-1D5C-2A4F-ADEE-40EA5537BF3E}" type="datetimeFigureOut">
               <a:rPr kumimoji="1" lang="ja-JP" altLang="en-US" smtClean="0"/>
-              <a:t>2019/9/12</a:t>
+              <a:t>2019/9/15</a:t>
             </a:fld>
             <a:endParaRPr kumimoji="1" lang="ja-JP" altLang="en-US"/>
           </a:p>
@@ -3161,7 +3766,7 @@
           <a:p>
             <a:fld id="{FB228F3F-1D5C-2A4F-ADEE-40EA5537BF3E}" type="datetimeFigureOut">
               <a:rPr kumimoji="1" lang="ja-JP" altLang="en-US" smtClean="0"/>
-              <a:t>2019/9/12</a:t>
+              <a:t>2019/9/15</a:t>
             </a:fld>
             <a:endParaRPr kumimoji="1" lang="ja-JP" altLang="en-US"/>
           </a:p>
@@ -3274,7 +3879,7 @@
           <a:p>
             <a:fld id="{FB228F3F-1D5C-2A4F-ADEE-40EA5537BF3E}" type="datetimeFigureOut">
               <a:rPr kumimoji="1" lang="ja-JP" altLang="en-US" smtClean="0"/>
-              <a:t>2019/9/12</a:t>
+              <a:t>2019/9/15</a:t>
             </a:fld>
             <a:endParaRPr kumimoji="1" lang="ja-JP" altLang="en-US"/>
           </a:p>
@@ -3617,7 +4222,7 @@
           <a:p>
             <a:fld id="{FB228F3F-1D5C-2A4F-ADEE-40EA5537BF3E}" type="datetimeFigureOut">
               <a:rPr kumimoji="1" lang="ja-JP" altLang="en-US" smtClean="0"/>
-              <a:t>2019/9/12</a:t>
+              <a:t>2019/9/15</a:t>
             </a:fld>
             <a:endParaRPr kumimoji="1" lang="ja-JP" altLang="en-US"/>
           </a:p>
@@ -3905,7 +4510,7 @@
           <a:p>
             <a:fld id="{FB228F3F-1D5C-2A4F-ADEE-40EA5537BF3E}" type="datetimeFigureOut">
               <a:rPr kumimoji="1" lang="ja-JP" altLang="en-US" smtClean="0"/>
-              <a:t>2019/9/12</a:t>
+              <a:t>2019/9/15</a:t>
             </a:fld>
             <a:endParaRPr kumimoji="1" lang="ja-JP" altLang="en-US"/>
           </a:p>
@@ -4178,7 +4783,7 @@
           <a:p>
             <a:fld id="{FB228F3F-1D5C-2A4F-ADEE-40EA5537BF3E}" type="datetimeFigureOut">
               <a:rPr kumimoji="1" lang="ja-JP" altLang="en-US" smtClean="0"/>
-              <a:t>2019/9/12</a:t>
+              <a:t>2019/9/15</a:t>
             </a:fld>
             <a:endParaRPr kumimoji="1" lang="ja-JP" altLang="en-US"/>
           </a:p>
@@ -6203,13 +6808,7 @@
                             <a:rPr lang="en-US" altLang="ja-JP" i="1">
                               <a:latin typeface="Cambria Math" panose="02040503050406030204" pitchFamily="18" charset="0"/>
                             </a:rPr>
-                            <m:t>, </m:t>
-                          </m:r>
-                          <m:r>
-                            <a:rPr lang="en-US" altLang="ja-JP" i="1">
-                              <a:latin typeface="Cambria Math" panose="02040503050406030204" pitchFamily="18" charset="0"/>
-                            </a:rPr>
-                            <m:t>・</m:t>
+                            <m:t>, ・</m:t>
                           </m:r>
                         </m:e>
                       </m:d>
@@ -8333,6 +8932,360 @@
           <p:cNvPr id="2" name="タイトル 1">
             <a:extLst>
               <a:ext uri="{FF2B5EF4-FFF2-40B4-BE49-F238E27FC236}">
+                <a16:creationId xmlns:a16="http://schemas.microsoft.com/office/drawing/2014/main" id="{9DA69A30-AF95-324B-A5E3-8B825D4CC415}"/>
+              </a:ext>
+            </a:extLst>
+          </p:cNvPr>
+          <p:cNvSpPr>
+            <a:spLocks noGrp="1"/>
+          </p:cNvSpPr>
+          <p:nvPr>
+            <p:ph type="title"/>
+          </p:nvPr>
+        </p:nvSpPr>
+        <p:spPr/>
+        <p:txBody>
+          <a:bodyPr/>
+          <a:lstStyle/>
+          <a:p>
+            <a:r>
+              <a:rPr kumimoji="1" lang="ja-JP" altLang="en-US"/>
+              <a:t>群の種類（クラス）</a:t>
+            </a:r>
+          </a:p>
+        </p:txBody>
+      </p:sp>
+      <p:sp>
+        <p:nvSpPr>
+          <p:cNvPr id="3" name="コンテンツ プレースホルダー 2">
+            <a:extLst>
+              <a:ext uri="{FF2B5EF4-FFF2-40B4-BE49-F238E27FC236}">
+                <a16:creationId xmlns:a16="http://schemas.microsoft.com/office/drawing/2014/main" id="{D8F413E1-9001-8A49-A818-51A435D1379A}"/>
+              </a:ext>
+            </a:extLst>
+          </p:cNvPr>
+          <p:cNvSpPr>
+            <a:spLocks noGrp="1"/>
+          </p:cNvSpPr>
+          <p:nvPr>
+            <p:ph idx="1"/>
+          </p:nvPr>
+        </p:nvSpPr>
+        <p:spPr>
+          <a:xfrm>
+            <a:off x="838200" y="1354238"/>
+            <a:ext cx="10515600" cy="4822725"/>
+          </a:xfrm>
+        </p:spPr>
+        <p:txBody>
+          <a:bodyPr>
+            <a:normAutofit/>
+          </a:bodyPr>
+          <a:lstStyle/>
+          <a:p>
+            <a:pPr marL="0" indent="0">
+              <a:buNone/>
+            </a:pPr>
+            <a:r>
+              <a:rPr kumimoji="1" lang="ja-JP" altLang="en-US"/>
+              <a:t>構造で分けた際に群の元（＝写像）の性質で分けることができる</a:t>
+            </a:r>
+            <a:endParaRPr kumimoji="1" lang="en-US" altLang="ja-JP" dirty="0"/>
+          </a:p>
+          <a:p>
+            <a:pPr marL="0" indent="0">
+              <a:buNone/>
+            </a:pPr>
+            <a:endParaRPr lang="en-US" altLang="ja-JP" dirty="0"/>
+          </a:p>
+          <a:p>
+            <a:r>
+              <a:rPr kumimoji="1" lang="ja-JP" altLang="en-US"/>
+              <a:t>置換群：</a:t>
+            </a:r>
+            <a:r>
+              <a:rPr lang="ja-JP" altLang="en-US">
+                <a:solidFill>
+                  <a:schemeClr val="tx1">
+                    <a:lumMod val="50000"/>
+                    <a:lumOff val="50000"/>
+                  </a:schemeClr>
+                </a:solidFill>
+              </a:rPr>
+              <a:t>任意の集合</a:t>
+            </a:r>
+            <a:r>
+              <a:rPr lang="en-US" altLang="ja-JP" dirty="0">
+                <a:solidFill>
+                  <a:schemeClr val="tx1">
+                    <a:lumMod val="50000"/>
+                    <a:lumOff val="50000"/>
+                  </a:schemeClr>
+                </a:solidFill>
+              </a:rPr>
+              <a:t>A</a:t>
+            </a:r>
+            <a:r>
+              <a:rPr lang="ja-JP" altLang="en-US">
+                <a:solidFill>
+                  <a:schemeClr val="tx1">
+                    <a:lumMod val="50000"/>
+                    <a:lumOff val="50000"/>
+                  </a:schemeClr>
+                </a:solidFill>
+              </a:rPr>
+              <a:t>から集合</a:t>
+            </a:r>
+            <a:r>
+              <a:rPr lang="en-US" altLang="ja-JP" dirty="0">
+                <a:solidFill>
+                  <a:schemeClr val="tx1">
+                    <a:lumMod val="50000"/>
+                    <a:lumOff val="50000"/>
+                  </a:schemeClr>
+                </a:solidFill>
+              </a:rPr>
+              <a:t>A</a:t>
+            </a:r>
+            <a:r>
+              <a:rPr lang="ja-JP" altLang="en-US">
+                <a:solidFill>
+                  <a:schemeClr val="tx1">
+                    <a:lumMod val="50000"/>
+                    <a:lumOff val="50000"/>
+                  </a:schemeClr>
+                </a:solidFill>
+              </a:rPr>
+              <a:t>への全単射</a:t>
+            </a:r>
+            <a:endParaRPr kumimoji="1" lang="en-US" altLang="ja-JP" dirty="0">
+              <a:solidFill>
+                <a:schemeClr val="tx1">
+                  <a:lumMod val="50000"/>
+                  <a:lumOff val="50000"/>
+                </a:schemeClr>
+              </a:solidFill>
+            </a:endParaRPr>
+          </a:p>
+          <a:p>
+            <a:r>
+              <a:rPr lang="ja-JP" altLang="en-US"/>
+              <a:t>行列群：</a:t>
+            </a:r>
+            <a:r>
+              <a:rPr lang="ja-JP" altLang="en-US">
+                <a:solidFill>
+                  <a:schemeClr val="tx1">
+                    <a:lumMod val="50000"/>
+                    <a:lumOff val="50000"/>
+                  </a:schemeClr>
+                </a:solidFill>
+              </a:rPr>
+              <a:t>正則行列を集めた群</a:t>
+            </a:r>
+            <a:endParaRPr lang="en-US" altLang="ja-JP" dirty="0">
+              <a:solidFill>
+                <a:schemeClr val="tx1">
+                  <a:lumMod val="50000"/>
+                  <a:lumOff val="50000"/>
+                </a:schemeClr>
+              </a:solidFill>
+            </a:endParaRPr>
+          </a:p>
+          <a:p>
+            <a:r>
+              <a:rPr kumimoji="1" lang="ja-JP" altLang="en-US"/>
+              <a:t>変換群</a:t>
+            </a:r>
+            <a:r>
+              <a:rPr lang="ja-JP" altLang="en-US"/>
+              <a:t>：</a:t>
+            </a:r>
+            <a:r>
+              <a:rPr lang="ja-JP" altLang="en-US">
+                <a:solidFill>
+                  <a:schemeClr val="tx1">
+                    <a:lumMod val="50000"/>
+                    <a:lumOff val="50000"/>
+                  </a:schemeClr>
+                </a:solidFill>
+              </a:rPr>
+              <a:t>集合</a:t>
+            </a:r>
+            <a:r>
+              <a:rPr lang="en-US" altLang="ja-JP" dirty="0">
+                <a:solidFill>
+                  <a:schemeClr val="tx1">
+                    <a:lumMod val="50000"/>
+                    <a:lumOff val="50000"/>
+                  </a:schemeClr>
+                </a:solidFill>
+              </a:rPr>
+              <a:t>A</a:t>
+            </a:r>
+            <a:r>
+              <a:rPr lang="ja-JP" altLang="en-US">
+                <a:solidFill>
+                  <a:schemeClr val="tx1">
+                    <a:lumMod val="50000"/>
+                    <a:lumOff val="50000"/>
+                  </a:schemeClr>
+                </a:solidFill>
+              </a:rPr>
+              <a:t>から集合</a:t>
+            </a:r>
+            <a:r>
+              <a:rPr lang="en-US" altLang="ja-JP" dirty="0">
+                <a:solidFill>
+                  <a:schemeClr val="tx1">
+                    <a:lumMod val="50000"/>
+                    <a:lumOff val="50000"/>
+                  </a:schemeClr>
+                </a:solidFill>
+              </a:rPr>
+              <a:t>A</a:t>
+            </a:r>
+            <a:r>
+              <a:rPr lang="ja-JP" altLang="en-US">
+                <a:solidFill>
+                  <a:schemeClr val="tx1">
+                    <a:lumMod val="50000"/>
+                    <a:lumOff val="50000"/>
+                  </a:schemeClr>
+                </a:solidFill>
+              </a:rPr>
+              <a:t>への構造を保つ写像全体の集合．</a:t>
+            </a:r>
+            <a:br>
+              <a:rPr lang="en-US" altLang="ja-JP" dirty="0">
+                <a:solidFill>
+                  <a:schemeClr val="tx1">
+                    <a:lumMod val="50000"/>
+                    <a:lumOff val="50000"/>
+                  </a:schemeClr>
+                </a:solidFill>
+              </a:rPr>
+            </a:br>
+            <a:r>
+              <a:rPr lang="en-US" altLang="ja-JP" dirty="0">
+                <a:solidFill>
+                  <a:schemeClr val="tx1">
+                    <a:lumMod val="50000"/>
+                    <a:lumOff val="50000"/>
+                  </a:schemeClr>
+                </a:solidFill>
+              </a:rPr>
+              <a:t>		</a:t>
+            </a:r>
+            <a:r>
+              <a:rPr lang="ja-JP" altLang="en-US">
+                <a:solidFill>
+                  <a:schemeClr val="tx1">
+                    <a:lumMod val="50000"/>
+                    <a:lumOff val="50000"/>
+                  </a:schemeClr>
+                </a:solidFill>
+              </a:rPr>
+              <a:t>置換群と行列群は変換群の特別な場合</a:t>
+            </a:r>
+            <a:endParaRPr lang="en-US" altLang="ja-JP" dirty="0">
+              <a:solidFill>
+                <a:schemeClr val="tx1">
+                  <a:lumMod val="50000"/>
+                  <a:lumOff val="50000"/>
+                </a:schemeClr>
+              </a:solidFill>
+            </a:endParaRPr>
+          </a:p>
+          <a:p>
+            <a:r>
+              <a:rPr kumimoji="1" lang="ja-JP" altLang="en-US"/>
+              <a:t>位相群・代数群</a:t>
+            </a:r>
+            <a:r>
+              <a:rPr lang="ja-JP" altLang="en-US"/>
+              <a:t>：</a:t>
+            </a:r>
+            <a:r>
+              <a:rPr lang="ja-JP" altLang="en-US">
+                <a:solidFill>
+                  <a:schemeClr val="tx1">
+                    <a:lumMod val="50000"/>
+                    <a:lumOff val="50000"/>
+                  </a:schemeClr>
+                </a:solidFill>
+              </a:rPr>
+              <a:t>変換群の構造に連続性を加えたもの</a:t>
+            </a:r>
+            <a:endParaRPr lang="en-US" altLang="ja-JP" dirty="0">
+              <a:solidFill>
+                <a:schemeClr val="tx1">
+                  <a:lumMod val="50000"/>
+                  <a:lumOff val="50000"/>
+                </a:schemeClr>
+              </a:solidFill>
+            </a:endParaRPr>
+          </a:p>
+          <a:p>
+            <a:pPr marL="0" indent="0">
+              <a:buNone/>
+            </a:pPr>
+            <a:endParaRPr lang="en-US" altLang="ja-JP" dirty="0">
+              <a:solidFill>
+                <a:schemeClr val="tx1">
+                  <a:lumMod val="50000"/>
+                  <a:lumOff val="50000"/>
+                </a:schemeClr>
+              </a:solidFill>
+            </a:endParaRPr>
+          </a:p>
+          <a:p>
+            <a:pPr marL="0" indent="0">
+              <a:buNone/>
+            </a:pPr>
+            <a:r>
+              <a:rPr lang="ja-JP" altLang="en-US"/>
+              <a:t>「作用」というもので群を分類している</a:t>
+            </a:r>
+            <a:endParaRPr lang="en-US" altLang="ja-JP" dirty="0"/>
+          </a:p>
+        </p:txBody>
+      </p:sp>
+    </p:spTree>
+    <p:extLst>
+      <p:ext uri="{BB962C8B-B14F-4D97-AF65-F5344CB8AC3E}">
+        <p14:creationId xmlns:p14="http://schemas.microsoft.com/office/powerpoint/2010/main" val="3985254540"/>
+      </p:ext>
+    </p:extLst>
+  </p:cSld>
+  <p:clrMapOvr>
+    <a:masterClrMapping/>
+  </p:clrMapOvr>
+</p:sld>
+</file>
+
+<file path=ppt/slides/slide17.xml><?xml version="1.0" encoding="utf-8"?>
+<p:sld xmlns:a="http://schemas.openxmlformats.org/drawingml/2006/main" xmlns:r="http://schemas.openxmlformats.org/officeDocument/2006/relationships" xmlns:p="http://schemas.openxmlformats.org/presentationml/2006/main">
+  <p:cSld>
+    <p:spTree>
+      <p:nvGrpSpPr>
+        <p:cNvPr id="1" name=""/>
+        <p:cNvGrpSpPr/>
+        <p:nvPr/>
+      </p:nvGrpSpPr>
+      <p:grpSpPr>
+        <a:xfrm>
+          <a:off x="0" y="0"/>
+          <a:ext cx="0" cy="0"/>
+          <a:chOff x="0" y="0"/>
+          <a:chExt cx="0" cy="0"/>
+        </a:xfrm>
+      </p:grpSpPr>
+      <p:sp>
+        <p:nvSpPr>
+          <p:cNvPr id="2" name="タイトル 1">
+            <a:extLst>
+              <a:ext uri="{FF2B5EF4-FFF2-40B4-BE49-F238E27FC236}">
                 <a16:creationId xmlns:a16="http://schemas.microsoft.com/office/drawing/2014/main" id="{3FADE1B3-2A00-6944-8C45-6FCF6E2330EC}"/>
               </a:ext>
             </a:extLst>
@@ -8487,7 +9440,7 @@
 </p:sld>
 </file>
 
-<file path=ppt/slides/slide17.xml><?xml version="1.0" encoding="utf-8"?>
+<file path=ppt/slides/slide18.xml><?xml version="1.0" encoding="utf-8"?>
 <p:sld xmlns:a="http://schemas.openxmlformats.org/drawingml/2006/main" xmlns:r="http://schemas.openxmlformats.org/officeDocument/2006/relationships" xmlns:p="http://schemas.openxmlformats.org/presentationml/2006/main">
   <p:cSld>
     <p:spTree>
@@ -9187,7 +10140,7 @@
 </p:sld>
 </file>
 
-<file path=ppt/slides/slide18.xml><?xml version="1.0" encoding="utf-8"?>
+<file path=ppt/slides/slide19.xml><?xml version="1.0" encoding="utf-8"?>
 <p:sld xmlns:a="http://schemas.openxmlformats.org/drawingml/2006/main" xmlns:r="http://schemas.openxmlformats.org/officeDocument/2006/relationships" xmlns:p="http://schemas.openxmlformats.org/presentationml/2006/main">
   <p:cSld>
     <p:spTree>
@@ -9901,57 +10854,6 @@
           </p:sp>
         </mc:Fallback>
       </mc:AlternateContent>
-      <mc:AlternateContent xmlns:mc="http://schemas.openxmlformats.org/markup-compatibility/2006">
-        <mc:Choice xmlns:p14="http://schemas.microsoft.com/office/powerpoint/2010/main" Requires="p14">
-          <p:contentPart p14:bwMode="auto" r:id="rId3">
-            <p14:nvContentPartPr>
-              <p14:cNvPr id="4" name="インク 3">
-                <a:extLst>
-                  <a:ext uri="{FF2B5EF4-FFF2-40B4-BE49-F238E27FC236}">
-                    <a16:creationId xmlns:a16="http://schemas.microsoft.com/office/drawing/2014/main" id="{EE684E44-E53C-C04D-BB67-925AAF863582}"/>
-                  </a:ext>
-                </a:extLst>
-              </p14:cNvPr>
-              <p14:cNvContentPartPr/>
-              <p14:nvPr/>
-            </p14:nvContentPartPr>
-            <p14:xfrm>
-              <a:off x="960480" y="4403520"/>
-              <a:ext cx="354240" cy="11520"/>
-            </p14:xfrm>
-          </p:contentPart>
-        </mc:Choice>
-        <mc:Fallback>
-          <p:pic>
-            <p:nvPicPr>
-              <p:cNvPr id="4" name="インク 3">
-                <a:extLst>
-                  <a:ext uri="{FF2B5EF4-FFF2-40B4-BE49-F238E27FC236}">
-                    <a16:creationId xmlns:a16="http://schemas.microsoft.com/office/drawing/2014/main" id="{EE684E44-E53C-C04D-BB67-925AAF863582}"/>
-                  </a:ext>
-                </a:extLst>
-              </p:cNvPr>
-              <p:cNvPicPr/>
-              <p:nvPr/>
-            </p:nvPicPr>
-            <p:blipFill>
-              <a:blip r:embed="rId4"/>
-              <a:stretch>
-                <a:fillRect/>
-              </a:stretch>
-            </p:blipFill>
-            <p:spPr>
-              <a:xfrm>
-                <a:off x="951120" y="4394160"/>
-                <a:ext cx="372960" cy="30240"/>
-              </a:xfrm>
-              <a:prstGeom prst="rect">
-                <a:avLst/>
-              </a:prstGeom>
-            </p:spPr>
-          </p:pic>
-        </mc:Fallback>
-      </mc:AlternateContent>
     </p:spTree>
     <p:extLst>
       <p:ext uri="{BB962C8B-B14F-4D97-AF65-F5344CB8AC3E}">
@@ -9965,7 +10867,118 @@
 </p:sld>
 </file>
 
-<file path=ppt/slides/slide19.xml><?xml version="1.0" encoding="utf-8"?>
+<file path=ppt/slides/slide2.xml><?xml version="1.0" encoding="utf-8"?>
+<p:sld xmlns:a="http://schemas.openxmlformats.org/drawingml/2006/main" xmlns:r="http://schemas.openxmlformats.org/officeDocument/2006/relationships" xmlns:p="http://schemas.openxmlformats.org/presentationml/2006/main">
+  <p:cSld>
+    <p:spTree>
+      <p:nvGrpSpPr>
+        <p:cNvPr id="1" name=""/>
+        <p:cNvGrpSpPr/>
+        <p:nvPr/>
+      </p:nvGrpSpPr>
+      <p:grpSpPr>
+        <a:xfrm>
+          <a:off x="0" y="0"/>
+          <a:ext cx="0" cy="0"/>
+          <a:chOff x="0" y="0"/>
+          <a:chExt cx="0" cy="0"/>
+        </a:xfrm>
+      </p:grpSpPr>
+      <p:sp>
+        <p:nvSpPr>
+          <p:cNvPr id="2" name="タイトル 1">
+            <a:extLst>
+              <a:ext uri="{FF2B5EF4-FFF2-40B4-BE49-F238E27FC236}">
+                <a16:creationId xmlns:a16="http://schemas.microsoft.com/office/drawing/2014/main" id="{D15296A9-FEA3-C347-9C29-4D1D9D409994}"/>
+              </a:ext>
+            </a:extLst>
+          </p:cNvPr>
+          <p:cNvSpPr>
+            <a:spLocks noGrp="1"/>
+          </p:cNvSpPr>
+          <p:nvPr>
+            <p:ph type="title"/>
+          </p:nvPr>
+        </p:nvSpPr>
+        <p:spPr/>
+        <p:txBody>
+          <a:bodyPr/>
+          <a:lstStyle/>
+          <a:p>
+            <a:r>
+              <a:rPr lang="ja-JP" altLang="en-US"/>
+              <a:t>一般的な人の数学に対するイメージ</a:t>
+            </a:r>
+            <a:endParaRPr kumimoji="1" lang="ja-JP" altLang="en-US"/>
+          </a:p>
+        </p:txBody>
+      </p:sp>
+      <p:sp>
+        <p:nvSpPr>
+          <p:cNvPr id="3" name="コンテンツ プレースホルダー 2">
+            <a:extLst>
+              <a:ext uri="{FF2B5EF4-FFF2-40B4-BE49-F238E27FC236}">
+                <a16:creationId xmlns:a16="http://schemas.microsoft.com/office/drawing/2014/main" id="{E2893A0D-7CA2-AC47-BB59-CC8504926F3C}"/>
+              </a:ext>
+            </a:extLst>
+          </p:cNvPr>
+          <p:cNvSpPr>
+            <a:spLocks noGrp="1"/>
+          </p:cNvSpPr>
+          <p:nvPr>
+            <p:ph idx="1"/>
+          </p:nvPr>
+        </p:nvSpPr>
+        <p:spPr/>
+        <p:txBody>
+          <a:bodyPr/>
+          <a:lstStyle/>
+          <a:p>
+            <a:r>
+              <a:rPr kumimoji="1" lang="ja-JP" altLang="en-US"/>
+              <a:t>足し算とか掛け算とかの計算で数字をいじるんでしょう？</a:t>
+            </a:r>
+            <a:endParaRPr kumimoji="1" lang="en-US" altLang="ja-JP" dirty="0"/>
+          </a:p>
+          <a:p>
+            <a:r>
+              <a:rPr kumimoji="1" lang="ja-JP" altLang="en-US"/>
+              <a:t>とりあえず微分・積分してイイ気分になるんでしょう？</a:t>
+            </a:r>
+            <a:endParaRPr kumimoji="1" lang="en-US" altLang="ja-JP" dirty="0"/>
+          </a:p>
+          <a:p>
+            <a:pPr marL="0" indent="0">
+              <a:buNone/>
+            </a:pPr>
+            <a:endParaRPr lang="en-US" altLang="ja-JP" dirty="0"/>
+          </a:p>
+          <a:p>
+            <a:pPr marL="0" indent="0">
+              <a:buNone/>
+            </a:pPr>
+            <a:r>
+              <a:rPr lang="ja-JP" altLang="en-US"/>
+              <a:t>これらは「対象（数）自体に着目して計算」しているだけ．</a:t>
+            </a:r>
+            <a:endParaRPr lang="en-US" altLang="ja-JP" dirty="0"/>
+          </a:p>
+        </p:txBody>
+      </p:sp>
+    </p:spTree>
+    <p:extLst>
+      <p:ext uri="{BB962C8B-B14F-4D97-AF65-F5344CB8AC3E}">
+        <p14:creationId xmlns:p14="http://schemas.microsoft.com/office/powerpoint/2010/main" val="580124383"/>
+      </p:ext>
+    </p:extLst>
+  </p:cSld>
+  <p:clrMapOvr>
+    <a:masterClrMapping/>
+  </p:clrMapOvr>
+</p:sld>
+</file>
+
+<file path=ppt/slides/slide20.xml><?xml version="1.0" encoding="utf-8"?>
 <p:sld xmlns:a="http://schemas.openxmlformats.org/drawingml/2006/main" xmlns:r="http://schemas.openxmlformats.org/officeDocument/2006/relationships" xmlns:p="http://schemas.openxmlformats.org/presentationml/2006/main">
   <p:cSld>
     <p:spTree>
@@ -10508,57 +11521,6 @@
           </a:p>
         </p:txBody>
       </p:sp>
-      <mc:AlternateContent xmlns:mc="http://schemas.openxmlformats.org/markup-compatibility/2006">
-        <mc:Choice xmlns:p14="http://schemas.microsoft.com/office/powerpoint/2010/main" Requires="p14">
-          <p:contentPart p14:bwMode="auto" r:id="rId4">
-            <p14:nvContentPartPr>
-              <p14:cNvPr id="2" name="インク 1">
-                <a:extLst>
-                  <a:ext uri="{FF2B5EF4-FFF2-40B4-BE49-F238E27FC236}">
-                    <a16:creationId xmlns:a16="http://schemas.microsoft.com/office/drawing/2014/main" id="{7CB9764C-DA96-4A4F-AAF0-323EC3626D79}"/>
-                  </a:ext>
-                </a:extLst>
-              </p14:cNvPr>
-              <p14:cNvContentPartPr/>
-              <p14:nvPr/>
-            </p14:nvContentPartPr>
-            <p14:xfrm>
-              <a:off x="1135080" y="2865960"/>
-              <a:ext cx="3700440" cy="154440"/>
-            </p14:xfrm>
-          </p:contentPart>
-        </mc:Choice>
-        <mc:Fallback>
-          <p:pic>
-            <p:nvPicPr>
-              <p:cNvPr id="2" name="インク 1">
-                <a:extLst>
-                  <a:ext uri="{FF2B5EF4-FFF2-40B4-BE49-F238E27FC236}">
-                    <a16:creationId xmlns:a16="http://schemas.microsoft.com/office/drawing/2014/main" id="{7CB9764C-DA96-4A4F-AAF0-323EC3626D79}"/>
-                  </a:ext>
-                </a:extLst>
-              </p:cNvPr>
-              <p:cNvPicPr/>
-              <p:nvPr/>
-            </p:nvPicPr>
-            <p:blipFill>
-              <a:blip r:embed="rId5"/>
-              <a:stretch>
-                <a:fillRect/>
-              </a:stretch>
-            </p:blipFill>
-            <p:spPr>
-              <a:xfrm>
-                <a:off x="1125720" y="2856600"/>
-                <a:ext cx="3719160" cy="173160"/>
-              </a:xfrm>
-              <a:prstGeom prst="rect">
-                <a:avLst/>
-              </a:prstGeom>
-            </p:spPr>
-          </p:pic>
-        </mc:Fallback>
-      </mc:AlternateContent>
     </p:spTree>
     <p:extLst>
       <p:ext uri="{BB962C8B-B14F-4D97-AF65-F5344CB8AC3E}">
@@ -10572,7 +11534,4839 @@
 </p:sld>
 </file>
 
-<file path=ppt/slides/slide2.xml><?xml version="1.0" encoding="utf-8"?>
+<file path=ppt/slides/slide21.xml><?xml version="1.0" encoding="utf-8"?>
+<p:sld xmlns:a="http://schemas.openxmlformats.org/drawingml/2006/main" xmlns:r="http://schemas.openxmlformats.org/officeDocument/2006/relationships" xmlns:p="http://schemas.openxmlformats.org/presentationml/2006/main">
+  <p:cSld>
+    <p:spTree>
+      <p:nvGrpSpPr>
+        <p:cNvPr id="1" name="Shape 423"/>
+        <p:cNvGrpSpPr/>
+        <p:nvPr/>
+      </p:nvGrpSpPr>
+      <p:grpSpPr>
+        <a:xfrm>
+          <a:off x="0" y="0"/>
+          <a:ext cx="0" cy="0"/>
+          <a:chOff x="0" y="0"/>
+          <a:chExt cx="0" cy="0"/>
+        </a:xfrm>
+      </p:grpSpPr>
+      <p:sp>
+        <p:nvSpPr>
+          <p:cNvPr id="424" name="Google Shape;424;p74"/>
+          <p:cNvSpPr txBox="1">
+            <a:spLocks noGrp="1"/>
+          </p:cNvSpPr>
+          <p:nvPr>
+            <p:ph type="title"/>
+          </p:nvPr>
+        </p:nvSpPr>
+        <p:spPr>
+          <a:xfrm>
+            <a:off x="838200" y="365125"/>
+            <a:ext cx="10515600" cy="1325600"/>
+          </a:xfrm>
+          <a:prstGeom prst="rect">
+            <a:avLst/>
+          </a:prstGeom>
+        </p:spPr>
+        <p:txBody>
+          <a:bodyPr spcFirstLastPara="1" vert="horz" wrap="square" lIns="91433" tIns="45700" rIns="91433" bIns="45700" rtlCol="0" anchor="ctr" anchorCtr="0">
+            <a:noAutofit/>
+          </a:bodyPr>
+          <a:lstStyle/>
+          <a:p>
+            <a:pPr>
+              <a:spcBef>
+                <a:spcPts val="0"/>
+              </a:spcBef>
+            </a:pPr>
+            <a:r>
+              <a:rPr lang="ja-JP" altLang="en-US"/>
+              <a:t>同型とはなんぞや</a:t>
+            </a:r>
+            <a:endParaRPr dirty="0"/>
+          </a:p>
+        </p:txBody>
+      </p:sp>
+      <p:sp>
+        <p:nvSpPr>
+          <p:cNvPr id="425" name="Google Shape;425;p74"/>
+          <p:cNvSpPr txBox="1">
+            <a:spLocks noGrp="1"/>
+          </p:cNvSpPr>
+          <p:nvPr>
+            <p:ph type="body" idx="1"/>
+          </p:nvPr>
+        </p:nvSpPr>
+        <p:spPr>
+          <a:xfrm>
+            <a:off x="838200" y="1825625"/>
+            <a:ext cx="10515600" cy="4351200"/>
+          </a:xfrm>
+          <a:prstGeom prst="rect">
+            <a:avLst/>
+          </a:prstGeom>
+        </p:spPr>
+        <p:txBody>
+          <a:bodyPr spcFirstLastPara="1" vert="horz" wrap="square" lIns="91433" tIns="45700" rIns="91433" bIns="45700" rtlCol="0" anchor="t" anchorCtr="0">
+            <a:noAutofit/>
+          </a:bodyPr>
+          <a:lstStyle/>
+          <a:p>
+            <a:pPr marL="0" indent="0">
+              <a:spcBef>
+                <a:spcPts val="1067"/>
+              </a:spcBef>
+              <a:buNone/>
+            </a:pPr>
+            <a:r>
+              <a:rPr lang="ja-JP" altLang="en-US"/>
+              <a:t>群が２つあったときに，それぞれの群が同じ「構造」を持っていること．命題でいう同値．</a:t>
+            </a:r>
+            <a:endParaRPr lang="en-US" altLang="ja-JP" dirty="0"/>
+          </a:p>
+          <a:p>
+            <a:pPr marL="0" indent="0">
+              <a:spcBef>
+                <a:spcPts val="1067"/>
+              </a:spcBef>
+              <a:buNone/>
+            </a:pPr>
+            <a:endParaRPr lang="en-US" altLang="ja-JP" dirty="0"/>
+          </a:p>
+          <a:p>
+            <a:pPr marL="0" indent="0">
+              <a:spcBef>
+                <a:spcPts val="1067"/>
+              </a:spcBef>
+              <a:buNone/>
+            </a:pPr>
+            <a:r>
+              <a:rPr lang="ja-JP" altLang="en-US"/>
+              <a:t>元（要素）が完全に異なり演算も全く違う場合でも，</a:t>
+            </a:r>
+            <a:endParaRPr lang="en-US" altLang="ja-JP" dirty="0"/>
+          </a:p>
+          <a:p>
+            <a:pPr marL="457189" indent="-457189">
+              <a:spcBef>
+                <a:spcPts val="1067"/>
+              </a:spcBef>
+              <a:buFontTx/>
+              <a:buChar char="-"/>
+            </a:pPr>
+            <a:r>
+              <a:rPr lang="ja-JP" altLang="en-US"/>
+              <a:t>元の数（要素数）が等しい</a:t>
+            </a:r>
+            <a:endParaRPr lang="en-US" altLang="ja-JP" dirty="0"/>
+          </a:p>
+          <a:p>
+            <a:pPr marL="457189" indent="-457189">
+              <a:spcBef>
+                <a:spcPts val="1067"/>
+              </a:spcBef>
+              <a:buFontTx/>
+              <a:buChar char="-"/>
+            </a:pPr>
+            <a:r>
+              <a:rPr lang="ja-JP" altLang="en-US"/>
+              <a:t>演算の振る舞いが等しい</a:t>
+            </a:r>
+            <a:endParaRPr lang="en-US" altLang="ja-JP" dirty="0"/>
+          </a:p>
+          <a:p>
+            <a:pPr marL="0" indent="0">
+              <a:spcBef>
+                <a:spcPts val="1067"/>
+              </a:spcBef>
+              <a:buNone/>
+            </a:pPr>
+            <a:r>
+              <a:rPr lang="ja-JP" altLang="en-US"/>
+              <a:t>場合は構造が同じである．このことを同型であるという．</a:t>
+            </a:r>
+            <a:endParaRPr lang="en-US" altLang="ja-JP" dirty="0"/>
+          </a:p>
+          <a:p>
+            <a:pPr marL="0" indent="0">
+              <a:spcBef>
+                <a:spcPts val="1067"/>
+              </a:spcBef>
+              <a:buNone/>
+            </a:pPr>
+            <a:endParaRPr lang="en-US" altLang="ja-JP" dirty="0"/>
+          </a:p>
+          <a:p>
+            <a:pPr marL="0" indent="0">
+              <a:spcBef>
+                <a:spcPts val="1067"/>
+              </a:spcBef>
+              <a:buNone/>
+            </a:pPr>
+            <a:r>
+              <a:rPr lang="ja-JP" altLang="en-US"/>
+              <a:t>具体例を出してみる</a:t>
+            </a:r>
+            <a:endParaRPr lang="en-US" altLang="ja-JP" dirty="0"/>
+          </a:p>
+        </p:txBody>
+      </p:sp>
+    </p:spTree>
+    <p:extLst>
+      <p:ext uri="{BB962C8B-B14F-4D97-AF65-F5344CB8AC3E}">
+        <p14:creationId xmlns:p14="http://schemas.microsoft.com/office/powerpoint/2010/main" val="2218309914"/>
+      </p:ext>
+    </p:extLst>
+  </p:cSld>
+  <p:clrMapOvr>
+    <a:masterClrMapping/>
+  </p:clrMapOvr>
+</p:sld>
+</file>
+
+<file path=ppt/slides/slide22.xml><?xml version="1.0" encoding="utf-8"?>
+<p:sld xmlns:a="http://schemas.openxmlformats.org/drawingml/2006/main" xmlns:r="http://schemas.openxmlformats.org/officeDocument/2006/relationships" xmlns:p="http://schemas.openxmlformats.org/presentationml/2006/main">
+  <p:cSld>
+    <p:spTree>
+      <p:nvGrpSpPr>
+        <p:cNvPr id="1" name="Shape 423"/>
+        <p:cNvGrpSpPr/>
+        <p:nvPr/>
+      </p:nvGrpSpPr>
+      <p:grpSpPr>
+        <a:xfrm>
+          <a:off x="0" y="0"/>
+          <a:ext cx="0" cy="0"/>
+          <a:chOff x="0" y="0"/>
+          <a:chExt cx="0" cy="0"/>
+        </a:xfrm>
+      </p:grpSpPr>
+      <p:sp>
+        <p:nvSpPr>
+          <p:cNvPr id="424" name="Google Shape;424;p74"/>
+          <p:cNvSpPr txBox="1">
+            <a:spLocks noGrp="1"/>
+          </p:cNvSpPr>
+          <p:nvPr>
+            <p:ph type="title"/>
+          </p:nvPr>
+        </p:nvSpPr>
+        <p:spPr>
+          <a:xfrm>
+            <a:off x="838200" y="242420"/>
+            <a:ext cx="10515600" cy="1325600"/>
+          </a:xfrm>
+          <a:prstGeom prst="rect">
+            <a:avLst/>
+          </a:prstGeom>
+        </p:spPr>
+        <p:txBody>
+          <a:bodyPr spcFirstLastPara="1" vert="horz" wrap="square" lIns="91433" tIns="45700" rIns="91433" bIns="45700" rtlCol="0" anchor="ctr" anchorCtr="0">
+            <a:noAutofit/>
+          </a:bodyPr>
+          <a:lstStyle/>
+          <a:p>
+            <a:pPr>
+              <a:spcBef>
+                <a:spcPts val="0"/>
+              </a:spcBef>
+            </a:pPr>
+            <a:r>
+              <a:rPr lang="ja-JP" altLang="en-US"/>
+              <a:t>同型とはなんぞや</a:t>
+            </a:r>
+            <a:br>
+              <a:rPr lang="en-US" altLang="ja-JP" dirty="0"/>
+            </a:br>
+            <a:r>
+              <a:rPr lang="en-US" altLang="ja-JP" sz="2400" dirty="0"/>
+              <a:t>1</a:t>
+            </a:r>
+            <a:r>
+              <a:rPr lang="ja-JP" altLang="en-US" sz="2400"/>
+              <a:t>つ目の群を定義する</a:t>
+            </a:r>
+            <a:endParaRPr dirty="0"/>
+          </a:p>
+        </p:txBody>
+      </p:sp>
+      <mc:AlternateContent xmlns:mc="http://schemas.openxmlformats.org/markup-compatibility/2006">
+        <mc:Choice xmlns:a14="http://schemas.microsoft.com/office/drawing/2010/main" Requires="a14">
+          <p:sp>
+            <p:nvSpPr>
+              <p:cNvPr id="425" name="Google Shape;425;p74"/>
+              <p:cNvSpPr txBox="1">
+                <a:spLocks noGrp="1"/>
+              </p:cNvSpPr>
+              <p:nvPr>
+                <p:ph type="body" idx="1"/>
+              </p:nvPr>
+            </p:nvSpPr>
+            <p:spPr>
+              <a:xfrm>
+                <a:off x="838200" y="1559148"/>
+                <a:ext cx="10515600" cy="4107875"/>
+              </a:xfrm>
+              <a:prstGeom prst="rect">
+                <a:avLst/>
+              </a:prstGeom>
+            </p:spPr>
+            <p:txBody>
+              <a:bodyPr spcFirstLastPara="1" vert="horz" wrap="square" lIns="91433" tIns="45700" rIns="91433" bIns="45700" rtlCol="0" anchor="t" anchorCtr="0">
+                <a:noAutofit/>
+              </a:bodyPr>
+              <a:lstStyle/>
+              <a:p>
+                <a:pPr marL="0" indent="0">
+                  <a:spcBef>
+                    <a:spcPts val="1067"/>
+                  </a:spcBef>
+                  <a:buNone/>
+                </a:pPr>
+                <a14:m>
+                  <m:oMath xmlns:m="http://schemas.openxmlformats.org/officeDocument/2006/math">
+                    <m:r>
+                      <a:rPr lang="en-US" altLang="ja-JP" b="0" i="1" smtClean="0">
+                        <a:latin typeface="Cambria Math" panose="02040503050406030204" pitchFamily="18" charset="0"/>
+                      </a:rPr>
+                      <m:t>𝐺</m:t>
+                    </m:r>
+                    <m:r>
+                      <a:rPr lang="en-US" altLang="ja-JP" b="0" i="1" smtClean="0">
+                        <a:latin typeface="Cambria Math" panose="02040503050406030204" pitchFamily="18" charset="0"/>
+                      </a:rPr>
+                      <m:t>={0, 1, 2}</m:t>
+                    </m:r>
+                  </m:oMath>
+                </a14:m>
+                <a:r>
+                  <a:rPr lang="ja-JP" altLang="en-US"/>
+                  <a:t>という３で割った時のあまりの集合に対して</a:t>
+                </a:r>
+                <a:endParaRPr lang="en-US" altLang="ja-JP" dirty="0"/>
+              </a:p>
+              <a:p>
+                <a:pPr marL="0" indent="0">
+                  <a:buNone/>
+                </a:pPr>
+                <a:r>
+                  <a:rPr lang="ja-JP" altLang="en-US"/>
+                  <a:t>「１足して３で割ってあまりを求める」という演算</a:t>
+                </a:r>
+                <a:r>
+                  <a:rPr lang="en-US" altLang="ja-JP" dirty="0"/>
+                  <a:t>f</a:t>
+                </a:r>
+              </a:p>
+              <a:p>
+                <a:pPr marL="0" indent="0">
+                  <a:buNone/>
+                </a:pPr>
+                <a:endParaRPr lang="en-US" altLang="ja-JP" dirty="0"/>
+              </a:p>
+              <a:p>
+                <a:pPr marL="0" indent="0">
+                  <a:buNone/>
+                </a:pPr>
+                <a14:m>
+                  <m:oMathPara xmlns:m="http://schemas.openxmlformats.org/officeDocument/2006/math">
+                    <m:oMathParaPr>
+                      <m:jc m:val="centerGroup"/>
+                    </m:oMathParaPr>
+                    <m:oMath xmlns:m="http://schemas.openxmlformats.org/officeDocument/2006/math">
+                      <m:d>
+                        <m:dPr>
+                          <m:begChr m:val="{"/>
+                          <m:endChr m:val=""/>
+                          <m:ctrlPr>
+                            <a:rPr lang="en-US" altLang="ja-JP" i="1" smtClean="0">
+                              <a:latin typeface="Cambria Math" panose="02040503050406030204" pitchFamily="18" charset="0"/>
+                            </a:rPr>
+                          </m:ctrlPr>
+                        </m:dPr>
+                        <m:e>
+                          <m:eqArr>
+                            <m:eqArrPr>
+                              <m:ctrlPr>
+                                <a:rPr lang="en-US" altLang="ja-JP" b="0" i="1" smtClean="0">
+                                  <a:latin typeface="Cambria Math" panose="02040503050406030204" pitchFamily="18" charset="0"/>
+                                </a:rPr>
+                              </m:ctrlPr>
+                            </m:eqArrPr>
+                            <m:e>
+                              <m:r>
+                                <a:rPr lang="en-US" altLang="ja-JP" b="0" i="1" smtClean="0">
+                                  <a:latin typeface="Cambria Math" panose="02040503050406030204" pitchFamily="18" charset="0"/>
+                                </a:rPr>
+                                <m:t>𝑓</m:t>
+                              </m:r>
+                              <m:d>
+                                <m:dPr>
+                                  <m:ctrlPr>
+                                    <a:rPr lang="en-US" altLang="ja-JP" b="0" i="1" smtClean="0">
+                                      <a:latin typeface="Cambria Math" panose="02040503050406030204" pitchFamily="18" charset="0"/>
+                                    </a:rPr>
+                                  </m:ctrlPr>
+                                </m:dPr>
+                                <m:e>
+                                  <m:r>
+                                    <a:rPr lang="en-US" altLang="ja-JP" b="0" i="1" smtClean="0">
+                                      <a:latin typeface="Cambria Math" panose="02040503050406030204" pitchFamily="18" charset="0"/>
+                                    </a:rPr>
+                                    <m:t>0</m:t>
+                                  </m:r>
+                                </m:e>
+                              </m:d>
+                              <m:r>
+                                <a:rPr lang="en-US" altLang="ja-JP" b="0" i="1" smtClean="0">
+                                  <a:latin typeface="Cambria Math" panose="02040503050406030204" pitchFamily="18" charset="0"/>
+                                </a:rPr>
+                                <m:t>=</m:t>
+                              </m:r>
+                              <m:r>
+                                <a:rPr lang="en-US" altLang="ja-JP" b="0" i="1" smtClean="0">
+                                  <a:latin typeface="Cambria Math" panose="02040503050406030204" pitchFamily="18" charset="0"/>
+                                  <a:ea typeface="Cambria Math" panose="02040503050406030204" pitchFamily="18" charset="0"/>
+                                </a:rPr>
+                                <m:t>1</m:t>
+                              </m:r>
+                            </m:e>
+                            <m:e>
+                              <m:r>
+                                <a:rPr lang="en-US" altLang="ja-JP" i="1">
+                                  <a:latin typeface="Cambria Math" panose="02040503050406030204" pitchFamily="18" charset="0"/>
+                                </a:rPr>
+                                <m:t>𝑓</m:t>
+                              </m:r>
+                              <m:d>
+                                <m:dPr>
+                                  <m:ctrlPr>
+                                    <a:rPr lang="en-US" altLang="ja-JP" i="1">
+                                      <a:latin typeface="Cambria Math" panose="02040503050406030204" pitchFamily="18" charset="0"/>
+                                    </a:rPr>
+                                  </m:ctrlPr>
+                                </m:dPr>
+                                <m:e>
+                                  <m:r>
+                                    <a:rPr lang="en-US" altLang="ja-JP" b="0" i="1" smtClean="0">
+                                      <a:latin typeface="Cambria Math" panose="02040503050406030204" pitchFamily="18" charset="0"/>
+                                    </a:rPr>
+                                    <m:t>1</m:t>
+                                  </m:r>
+                                </m:e>
+                              </m:d>
+                              <m:r>
+                                <a:rPr lang="en-US" altLang="ja-JP" i="1">
+                                  <a:latin typeface="Cambria Math" panose="02040503050406030204" pitchFamily="18" charset="0"/>
+                                </a:rPr>
+                                <m:t>=</m:t>
+                              </m:r>
+                              <m:r>
+                                <a:rPr lang="en-US" altLang="ja-JP" b="0" i="1" smtClean="0">
+                                  <a:latin typeface="Cambria Math" panose="02040503050406030204" pitchFamily="18" charset="0"/>
+                                </a:rPr>
+                                <m:t>2</m:t>
+                              </m:r>
+                            </m:e>
+                            <m:e>
+                              <m:r>
+                                <a:rPr lang="en-US" altLang="ja-JP" i="1">
+                                  <a:latin typeface="Cambria Math" panose="02040503050406030204" pitchFamily="18" charset="0"/>
+                                </a:rPr>
+                                <m:t>𝑓</m:t>
+                              </m:r>
+                              <m:d>
+                                <m:dPr>
+                                  <m:ctrlPr>
+                                    <a:rPr lang="en-US" altLang="ja-JP" i="1">
+                                      <a:latin typeface="Cambria Math" panose="02040503050406030204" pitchFamily="18" charset="0"/>
+                                    </a:rPr>
+                                  </m:ctrlPr>
+                                </m:dPr>
+                                <m:e>
+                                  <m:r>
+                                    <a:rPr lang="en-US" altLang="ja-JP" b="0" i="1" smtClean="0">
+                                      <a:latin typeface="Cambria Math" panose="02040503050406030204" pitchFamily="18" charset="0"/>
+                                    </a:rPr>
+                                    <m:t>2</m:t>
+                                  </m:r>
+                                </m:e>
+                              </m:d>
+                              <m:r>
+                                <a:rPr lang="en-US" altLang="ja-JP" i="1">
+                                  <a:latin typeface="Cambria Math" panose="02040503050406030204" pitchFamily="18" charset="0"/>
+                                </a:rPr>
+                                <m:t>=</m:t>
+                              </m:r>
+                              <m:r>
+                                <a:rPr lang="en-US" altLang="ja-JP" b="0" i="1" smtClean="0">
+                                  <a:latin typeface="Cambria Math" panose="02040503050406030204" pitchFamily="18" charset="0"/>
+                                </a:rPr>
+                                <m:t>0</m:t>
+                              </m:r>
+                            </m:e>
+                            <m:e/>
+                          </m:eqArr>
+                        </m:e>
+                      </m:d>
+                    </m:oMath>
+                  </m:oMathPara>
+                </a14:m>
+                <a:endParaRPr lang="en-US" altLang="ja-JP" dirty="0"/>
+              </a:p>
+              <a:p>
+                <a:pPr marL="0" indent="0">
+                  <a:buNone/>
+                </a:pPr>
+                <a:r>
+                  <a:rPr lang="ja-JP" altLang="en-US"/>
+                  <a:t>を定義する</a:t>
+                </a:r>
+                <a:endParaRPr lang="en-US" altLang="ja-JP" dirty="0"/>
+              </a:p>
+            </p:txBody>
+          </p:sp>
+        </mc:Choice>
+        <mc:Fallback>
+          <p:sp>
+            <p:nvSpPr>
+              <p:cNvPr id="425" name="Google Shape;425;p74"/>
+              <p:cNvSpPr txBox="1">
+                <a:spLocks noGrp="1" noRot="1" noChangeAspect="1" noMove="1" noResize="1" noEditPoints="1" noAdjustHandles="1" noChangeArrowheads="1" noChangeShapeType="1" noTextEdit="1"/>
+              </p:cNvSpPr>
+              <p:nvPr>
+                <p:ph type="body" idx="1"/>
+              </p:nvPr>
+            </p:nvSpPr>
+            <p:spPr>
+              <a:xfrm>
+                <a:off x="838200" y="1559148"/>
+                <a:ext cx="10515600" cy="4107875"/>
+              </a:xfrm>
+              <a:prstGeom prst="rect">
+                <a:avLst/>
+              </a:prstGeom>
+              <a:blipFill>
+                <a:blip r:embed="rId3"/>
+                <a:stretch>
+                  <a:fillRect l="-1086"/>
+                </a:stretch>
+              </a:blipFill>
+            </p:spPr>
+            <p:txBody>
+              <a:bodyPr/>
+              <a:lstStyle/>
+              <a:p>
+                <a:r>
+                  <a:rPr lang="ja-JP" altLang="en-US">
+                    <a:noFill/>
+                  </a:rPr>
+                  <a:t> </a:t>
+                </a:r>
+              </a:p>
+            </p:txBody>
+          </p:sp>
+        </mc:Fallback>
+      </mc:AlternateContent>
+      <p:sp>
+        <p:nvSpPr>
+          <p:cNvPr id="5" name="Rectangle 2">
+            <a:extLst>
+              <a:ext uri="{FF2B5EF4-FFF2-40B4-BE49-F238E27FC236}">
+                <a16:creationId xmlns:a16="http://schemas.microsoft.com/office/drawing/2014/main" id="{B42EA93F-5ED0-204B-AF43-D969D7011FDF}"/>
+              </a:ext>
+            </a:extLst>
+          </p:cNvPr>
+          <p:cNvSpPr>
+            <a:spLocks noChangeArrowheads="1"/>
+          </p:cNvSpPr>
+          <p:nvPr/>
+        </p:nvSpPr>
+        <p:spPr bwMode="auto">
+          <a:xfrm>
+            <a:off x="484975" y="4031048"/>
+            <a:ext cx="246286" cy="861774"/>
+          </a:xfrm>
+          <a:prstGeom prst="rect">
+            <a:avLst/>
+          </a:prstGeom>
+          <a:noFill/>
+          <a:ln>
+            <a:noFill/>
+          </a:ln>
+          <a:effectLst/>
+          <a:extLst>
+            <a:ext uri="{909E8E84-426E-40DD-AFC4-6F175D3DCCD1}">
+              <a14:hiddenFill xmlns:a14="http://schemas.microsoft.com/office/drawing/2010/main">
+                <a:solidFill>
+                  <a:schemeClr val="accent1"/>
+                </a:solidFill>
+              </a14:hiddenFill>
+            </a:ext>
+            <a:ext uri="{91240B29-F687-4F45-9708-019B960494DF}">
+              <a14:hiddenLine xmlns:a14="http://schemas.microsoft.com/office/drawing/2010/main" w="9525">
+                <a:solidFill>
+                  <a:schemeClr val="tx1"/>
+                </a:solidFill>
+                <a:miter lim="800000"/>
+                <a:headEnd/>
+                <a:tailEnd/>
+              </a14:hiddenLine>
+            </a:ext>
+            <a:ext uri="{AF507438-7753-43E0-B8FC-AC1667EBCBE1}">
+              <a14:hiddenEffects xmlns:a14="http://schemas.microsoft.com/office/drawing/2010/main">
+                <a:effectLst>
+                  <a:outerShdw dist="35921" dir="2700000" algn="ctr" rotWithShape="0">
+                    <a:schemeClr val="bg2"/>
+                  </a:outerShdw>
+                </a:effectLst>
+              </a14:hiddenEffects>
+            </a:ext>
+          </a:extLst>
+        </p:spPr>
+        <p:txBody>
+          <a:bodyPr vert="horz" wrap="none" lIns="121920" tIns="60960" rIns="121920" bIns="60960" numCol="1" anchor="ctr" anchorCtr="0" compatLnSpc="1">
+            <a:prstTxWarp prst="textNoShape">
+              <a:avLst/>
+            </a:prstTxWarp>
+            <a:spAutoFit/>
+          </a:bodyPr>
+          <a:lstStyle/>
+          <a:p>
+            <a:pPr defTabSz="1219170" eaLnBrk="0" fontAlgn="base" hangingPunct="0">
+              <a:spcBef>
+                <a:spcPct val="0"/>
+              </a:spcBef>
+              <a:spcAft>
+                <a:spcPct val="0"/>
+              </a:spcAft>
+            </a:pPr>
+            <a:br>
+              <a:rPr kumimoji="0" lang="ja-JP" altLang="ja-JP" sz="2400">
+                <a:latin typeface="Arial" panose="020B0604020202020204" pitchFamily="34" charset="0"/>
+              </a:rPr>
+            </a:br>
+            <a:endParaRPr kumimoji="0" lang="ja-JP" altLang="ja-JP" sz="2400">
+              <a:latin typeface="Arial" panose="020B0604020202020204" pitchFamily="34" charset="0"/>
+            </a:endParaRPr>
+          </a:p>
+        </p:txBody>
+      </p:sp>
+    </p:spTree>
+    <p:extLst>
+      <p:ext uri="{BB962C8B-B14F-4D97-AF65-F5344CB8AC3E}">
+        <p14:creationId xmlns:p14="http://schemas.microsoft.com/office/powerpoint/2010/main" val="2900233893"/>
+      </p:ext>
+    </p:extLst>
+  </p:cSld>
+  <p:clrMapOvr>
+    <a:masterClrMapping/>
+  </p:clrMapOvr>
+</p:sld>
+</file>
+
+<file path=ppt/slides/slide23.xml><?xml version="1.0" encoding="utf-8"?>
+<p:sld xmlns:a="http://schemas.openxmlformats.org/drawingml/2006/main" xmlns:r="http://schemas.openxmlformats.org/officeDocument/2006/relationships" xmlns:p="http://schemas.openxmlformats.org/presentationml/2006/main">
+  <p:cSld>
+    <p:spTree>
+      <p:nvGrpSpPr>
+        <p:cNvPr id="1" name="Shape 423"/>
+        <p:cNvGrpSpPr/>
+        <p:nvPr/>
+      </p:nvGrpSpPr>
+      <p:grpSpPr>
+        <a:xfrm>
+          <a:off x="0" y="0"/>
+          <a:ext cx="0" cy="0"/>
+          <a:chOff x="0" y="0"/>
+          <a:chExt cx="0" cy="0"/>
+        </a:xfrm>
+      </p:grpSpPr>
+      <p:sp>
+        <p:nvSpPr>
+          <p:cNvPr id="424" name="Google Shape;424;p74"/>
+          <p:cNvSpPr txBox="1">
+            <a:spLocks noGrp="1"/>
+          </p:cNvSpPr>
+          <p:nvPr>
+            <p:ph type="title"/>
+          </p:nvPr>
+        </p:nvSpPr>
+        <p:spPr>
+          <a:xfrm>
+            <a:off x="838200" y="365125"/>
+            <a:ext cx="10515600" cy="1325600"/>
+          </a:xfrm>
+          <a:prstGeom prst="rect">
+            <a:avLst/>
+          </a:prstGeom>
+        </p:spPr>
+        <p:txBody>
+          <a:bodyPr spcFirstLastPara="1" vert="horz" wrap="square" lIns="91433" tIns="45700" rIns="91433" bIns="45700" rtlCol="0" anchor="ctr" anchorCtr="0">
+            <a:noAutofit/>
+          </a:bodyPr>
+          <a:lstStyle/>
+          <a:p>
+            <a:pPr>
+              <a:spcBef>
+                <a:spcPts val="0"/>
+              </a:spcBef>
+            </a:pPr>
+            <a:r>
+              <a:rPr lang="ja-JP" altLang="en-US"/>
+              <a:t>同型とはなんぞや</a:t>
+            </a:r>
+            <a:br>
+              <a:rPr lang="en-US" altLang="ja-JP" dirty="0"/>
+            </a:br>
+            <a:r>
+              <a:rPr lang="en-US" altLang="ja-JP" sz="2400" dirty="0"/>
+              <a:t>2</a:t>
+            </a:r>
+            <a:r>
+              <a:rPr lang="ja-JP" altLang="en-US" sz="2400"/>
+              <a:t>つ目の群を定義する</a:t>
+            </a:r>
+            <a:endParaRPr dirty="0"/>
+          </a:p>
+        </p:txBody>
+      </p:sp>
+      <mc:AlternateContent xmlns:mc="http://schemas.openxmlformats.org/markup-compatibility/2006">
+        <mc:Choice xmlns:a14="http://schemas.microsoft.com/office/drawing/2010/main" Requires="a14">
+          <p:sp>
+            <p:nvSpPr>
+              <p:cNvPr id="425" name="Google Shape;425;p74"/>
+              <p:cNvSpPr txBox="1">
+                <a:spLocks noGrp="1"/>
+              </p:cNvSpPr>
+              <p:nvPr>
+                <p:ph type="body" idx="1"/>
+              </p:nvPr>
+            </p:nvSpPr>
+            <p:spPr>
+              <a:xfrm>
+                <a:off x="838200" y="1690725"/>
+                <a:ext cx="10515600" cy="2575115"/>
+              </a:xfrm>
+              <a:prstGeom prst="rect">
+                <a:avLst/>
+              </a:prstGeom>
+            </p:spPr>
+            <p:txBody>
+              <a:bodyPr spcFirstLastPara="1" vert="horz" wrap="square" lIns="91433" tIns="45700" rIns="91433" bIns="45700" rtlCol="0" anchor="t" anchorCtr="0">
+                <a:noAutofit/>
+              </a:bodyPr>
+              <a:lstStyle/>
+              <a:p>
+                <a:pPr marL="0" indent="0">
+                  <a:buNone/>
+                </a:pPr>
+                <a14:m>
+                  <m:oMath xmlns:m="http://schemas.openxmlformats.org/officeDocument/2006/math">
+                    <m:r>
+                      <a:rPr lang="en-US" altLang="ja-JP" b="0" i="1" smtClean="0">
+                        <a:latin typeface="Cambria Math" panose="02040503050406030204" pitchFamily="18" charset="0"/>
+                      </a:rPr>
+                      <m:t>𝐻</m:t>
+                    </m:r>
+                    <m:r>
+                      <a:rPr lang="en-US" altLang="ja-JP" b="0" i="1" smtClean="0">
+                        <a:latin typeface="Cambria Math" panose="02040503050406030204" pitchFamily="18" charset="0"/>
+                      </a:rPr>
+                      <m:t>={(</m:t>
+                    </m:r>
+                    <m:r>
+                      <a:rPr lang="ja-JP" altLang="en-US" i="1">
+                        <a:latin typeface="Cambria Math" panose="02040503050406030204" pitchFamily="18" charset="0"/>
+                      </a:rPr>
+                      <m:t>グー</m:t>
+                    </m:r>
+                    <m:r>
+                      <a:rPr lang="en-US" altLang="ja-JP" b="0" i="1" smtClean="0">
+                        <a:latin typeface="Cambria Math" panose="02040503050406030204" pitchFamily="18" charset="0"/>
+                      </a:rPr>
+                      <m:t>)</m:t>
+                    </m:r>
+                    <m:r>
+                      <a:rPr lang="ja-JP" altLang="en-US" i="1">
+                        <a:latin typeface="Cambria Math" panose="02040503050406030204" pitchFamily="18" charset="0"/>
+                      </a:rPr>
+                      <m:t>，</m:t>
+                    </m:r>
+                    <m:r>
+                      <a:rPr lang="en-US" altLang="ja-JP" b="0" i="1" smtClean="0">
+                        <a:latin typeface="Cambria Math" panose="02040503050406030204" pitchFamily="18" charset="0"/>
+                      </a:rPr>
+                      <m:t>(</m:t>
+                    </m:r>
+                    <m:r>
+                      <a:rPr lang="ja-JP" altLang="en-US" i="1" smtClean="0">
+                        <a:latin typeface="Cambria Math" panose="02040503050406030204" pitchFamily="18" charset="0"/>
+                      </a:rPr>
+                      <m:t>チョキ</m:t>
+                    </m:r>
+                    <m:r>
+                      <a:rPr lang="ja-JP" altLang="en-US" i="1">
+                        <a:latin typeface="Cambria Math" panose="02040503050406030204" pitchFamily="18" charset="0"/>
+                      </a:rPr>
+                      <m:t>ー</m:t>
+                    </m:r>
+                    <m:r>
+                      <a:rPr lang="en-US" altLang="ja-JP" b="0" i="1" smtClean="0">
+                        <a:latin typeface="Cambria Math" panose="02040503050406030204" pitchFamily="18" charset="0"/>
+                      </a:rPr>
+                      <m:t>)</m:t>
+                    </m:r>
+                    <m:r>
+                      <a:rPr lang="ja-JP" altLang="en-US" i="1" smtClean="0">
+                        <a:latin typeface="Cambria Math" panose="02040503050406030204" pitchFamily="18" charset="0"/>
+                      </a:rPr>
+                      <m:t>，</m:t>
+                    </m:r>
+                    <m:r>
+                      <a:rPr lang="en-US" altLang="ja-JP" b="0" i="1" smtClean="0">
+                        <a:latin typeface="Cambria Math" panose="02040503050406030204" pitchFamily="18" charset="0"/>
+                      </a:rPr>
+                      <m:t>(</m:t>
+                    </m:r>
+                    <m:r>
+                      <a:rPr lang="ja-JP" altLang="en-US" i="1">
+                        <a:latin typeface="Cambria Math" panose="02040503050406030204" pitchFamily="18" charset="0"/>
+                      </a:rPr>
+                      <m:t>パー</m:t>
+                    </m:r>
+                    <m:r>
+                      <a:rPr lang="en-US" altLang="ja-JP" b="0" i="1" smtClean="0">
+                        <a:latin typeface="Cambria Math" panose="02040503050406030204" pitchFamily="18" charset="0"/>
+                      </a:rPr>
+                      <m:t>)}</m:t>
+                    </m:r>
+                  </m:oMath>
+                </a14:m>
+                <a:r>
+                  <a:rPr lang="ja-JP" altLang="en-US"/>
+                  <a:t>というじゃんけんの手の集合に対して</a:t>
+                </a:r>
+                <a:endParaRPr lang="en-US" altLang="ja-JP" dirty="0"/>
+              </a:p>
+              <a:p>
+                <a:pPr marL="0" indent="0">
+                  <a:buNone/>
+                </a:pPr>
+                <a:r>
+                  <a:rPr lang="ja-JP" altLang="en-US"/>
+                  <a:t>「とある手に勝つための手を求める」という演算</a:t>
+                </a:r>
+                <a:r>
+                  <a:rPr lang="en-US" altLang="ja-JP" dirty="0"/>
+                  <a:t>g</a:t>
+                </a:r>
+              </a:p>
+              <a:p>
+                <a:pPr marL="0" indent="0">
+                  <a:buNone/>
+                </a:pPr>
+                <a:endParaRPr lang="en-US" altLang="ja-JP" i="1" dirty="0">
+                  <a:latin typeface="Cambria Math" panose="02040503050406030204" pitchFamily="18" charset="0"/>
+                </a:endParaRPr>
+              </a:p>
+              <a:p>
+                <a:pPr marL="0" indent="0">
+                  <a:buNone/>
+                </a:pPr>
+                <a14:m>
+                  <m:oMathPara xmlns:m="http://schemas.openxmlformats.org/officeDocument/2006/math">
+                    <m:oMathParaPr>
+                      <m:jc m:val="centerGroup"/>
+                    </m:oMathParaPr>
+                    <m:oMath xmlns:m="http://schemas.openxmlformats.org/officeDocument/2006/math">
+                      <m:d>
+                        <m:dPr>
+                          <m:begChr m:val="{"/>
+                          <m:endChr m:val=""/>
+                          <m:ctrlPr>
+                            <a:rPr lang="en-US" altLang="ja-JP" i="1" smtClean="0">
+                              <a:latin typeface="Cambria Math" panose="02040503050406030204" pitchFamily="18" charset="0"/>
+                            </a:rPr>
+                          </m:ctrlPr>
+                        </m:dPr>
+                        <m:e>
+                          <m:eqArr>
+                            <m:eqArrPr>
+                              <m:ctrlPr>
+                                <a:rPr lang="en-US" altLang="ja-JP" b="0" i="1" smtClean="0">
+                                  <a:latin typeface="Cambria Math" panose="02040503050406030204" pitchFamily="18" charset="0"/>
+                                </a:rPr>
+                              </m:ctrlPr>
+                            </m:eqArrPr>
+                            <m:e>
+                              <m:r>
+                                <a:rPr lang="en-US" altLang="ja-JP" b="0" i="1" smtClean="0">
+                                  <a:latin typeface="Cambria Math" panose="02040503050406030204" pitchFamily="18" charset="0"/>
+                                </a:rPr>
+                                <m:t>𝑔</m:t>
+                              </m:r>
+                              <m:d>
+                                <m:dPr>
+                                  <m:ctrlPr>
+                                    <a:rPr lang="en-US" altLang="ja-JP" b="0" i="1" smtClean="0">
+                                      <a:latin typeface="Cambria Math" panose="02040503050406030204" pitchFamily="18" charset="0"/>
+                                    </a:rPr>
+                                  </m:ctrlPr>
+                                </m:dPr>
+                                <m:e>
+                                  <m:r>
+                                    <a:rPr lang="ja-JP" altLang="en-US" b="0" i="1" smtClean="0">
+                                      <a:latin typeface="Cambria Math" panose="02040503050406030204" pitchFamily="18" charset="0"/>
+                                    </a:rPr>
+                                    <m:t>  </m:t>
+                                  </m:r>
+                                  <m:r>
+                                    <a:rPr lang="ja-JP" altLang="en-US" i="1">
+                                      <a:latin typeface="Cambria Math" panose="02040503050406030204" pitchFamily="18" charset="0"/>
+                                    </a:rPr>
+                                    <m:t>グー</m:t>
+                                  </m:r>
+                                </m:e>
+                              </m:d>
+                              <m:r>
+                                <a:rPr lang="en-US" altLang="ja-JP" b="0" i="1" smtClean="0">
+                                  <a:latin typeface="Cambria Math" panose="02040503050406030204" pitchFamily="18" charset="0"/>
+                                </a:rPr>
+                                <m:t>=(</m:t>
+                              </m:r>
+                              <m:r>
+                                <a:rPr lang="ja-JP" altLang="en-US" b="0" i="1" smtClean="0">
+                                  <a:latin typeface="Cambria Math" panose="02040503050406030204" pitchFamily="18" charset="0"/>
+                                </a:rPr>
+                                <m:t>  </m:t>
+                              </m:r>
+                              <m:r>
+                                <a:rPr lang="ja-JP" altLang="en-US" i="1">
+                                  <a:latin typeface="Cambria Math" panose="02040503050406030204" pitchFamily="18" charset="0"/>
+                                </a:rPr>
+                                <m:t>パー</m:t>
+                              </m:r>
+                              <m:r>
+                                <a:rPr lang="en-US" altLang="ja-JP" b="0" i="1" smtClean="0">
+                                  <a:latin typeface="Cambria Math" panose="02040503050406030204" pitchFamily="18" charset="0"/>
+                                </a:rPr>
+                                <m:t>)</m:t>
+                              </m:r>
+                            </m:e>
+                            <m:e>
+                              <m:r>
+                                <a:rPr lang="en-US" altLang="ja-JP" b="0" i="1" smtClean="0">
+                                  <a:latin typeface="Cambria Math" panose="02040503050406030204" pitchFamily="18" charset="0"/>
+                                </a:rPr>
+                                <m:t>𝑔</m:t>
+                              </m:r>
+                              <m:d>
+                                <m:dPr>
+                                  <m:ctrlPr>
+                                    <a:rPr lang="en-US" altLang="ja-JP" i="1">
+                                      <a:latin typeface="Cambria Math" panose="02040503050406030204" pitchFamily="18" charset="0"/>
+                                    </a:rPr>
+                                  </m:ctrlPr>
+                                </m:dPr>
+                                <m:e>
+                                  <m:r>
+                                    <a:rPr lang="ja-JP" altLang="en-US" i="1" smtClean="0">
+                                      <a:latin typeface="Cambria Math" panose="02040503050406030204" pitchFamily="18" charset="0"/>
+                                    </a:rPr>
+                                    <m:t>パー</m:t>
+                                  </m:r>
+                                </m:e>
+                              </m:d>
+                              <m:r>
+                                <a:rPr lang="en-US" altLang="ja-JP" i="1">
+                                  <a:latin typeface="Cambria Math" panose="02040503050406030204" pitchFamily="18" charset="0"/>
+                                </a:rPr>
+                                <m:t>=(</m:t>
+                              </m:r>
+                              <m:r>
+                                <a:rPr lang="ja-JP" altLang="en-US" i="1" smtClean="0">
+                                  <a:latin typeface="Cambria Math" panose="02040503050406030204" pitchFamily="18" charset="0"/>
+                                </a:rPr>
+                                <m:t>チョキ</m:t>
+                              </m:r>
+                              <m:r>
+                                <a:rPr lang="en-US" altLang="ja-JP" i="1">
+                                  <a:latin typeface="Cambria Math" panose="02040503050406030204" pitchFamily="18" charset="0"/>
+                                </a:rPr>
+                                <m:t>)</m:t>
+                              </m:r>
+                            </m:e>
+                            <m:e>
+                              <m:r>
+                                <a:rPr lang="en-US" altLang="ja-JP" b="0" i="1" smtClean="0">
+                                  <a:latin typeface="Cambria Math" panose="02040503050406030204" pitchFamily="18" charset="0"/>
+                                </a:rPr>
+                                <m:t>𝑔</m:t>
+                              </m:r>
+                              <m:d>
+                                <m:dPr>
+                                  <m:ctrlPr>
+                                    <a:rPr lang="en-US" altLang="ja-JP" i="1">
+                                      <a:latin typeface="Cambria Math" panose="02040503050406030204" pitchFamily="18" charset="0"/>
+                                    </a:rPr>
+                                  </m:ctrlPr>
+                                </m:dPr>
+                                <m:e>
+                                  <m:r>
+                                    <a:rPr lang="ja-JP" altLang="en-US" i="1" smtClean="0">
+                                      <a:latin typeface="Cambria Math" panose="02040503050406030204" pitchFamily="18" charset="0"/>
+                                    </a:rPr>
+                                    <m:t>チョキ</m:t>
+                                  </m:r>
+                                </m:e>
+                              </m:d>
+                              <m:r>
+                                <a:rPr lang="en-US" altLang="ja-JP" i="1">
+                                  <a:latin typeface="Cambria Math" panose="02040503050406030204" pitchFamily="18" charset="0"/>
+                                </a:rPr>
+                                <m:t>=(</m:t>
+                              </m:r>
+                              <m:r>
+                                <a:rPr lang="ja-JP" altLang="en-US" i="1" smtClean="0">
+                                  <a:latin typeface="Cambria Math" panose="02040503050406030204" pitchFamily="18" charset="0"/>
+                                </a:rPr>
+                                <m:t>グー</m:t>
+                              </m:r>
+                              <m:r>
+                                <a:rPr lang="en-US" altLang="ja-JP" i="1">
+                                  <a:latin typeface="Cambria Math" panose="02040503050406030204" pitchFamily="18" charset="0"/>
+                                </a:rPr>
+                                <m:t>)</m:t>
+                              </m:r>
+                            </m:e>
+                          </m:eqArr>
+                        </m:e>
+                      </m:d>
+                    </m:oMath>
+                  </m:oMathPara>
+                </a14:m>
+                <a:endParaRPr lang="en-US" altLang="ja-JP" b="0" dirty="0"/>
+              </a:p>
+              <a:p>
+                <a:pPr marL="0" indent="0">
+                  <a:buNone/>
+                </a:pPr>
+                <a:r>
+                  <a:rPr lang="ja-JP" altLang="en-US"/>
+                  <a:t>を定義する</a:t>
+                </a:r>
+                <a:endParaRPr lang="en-US" altLang="ja-JP" dirty="0"/>
+              </a:p>
+            </p:txBody>
+          </p:sp>
+        </mc:Choice>
+        <mc:Fallback>
+          <p:sp>
+            <p:nvSpPr>
+              <p:cNvPr id="425" name="Google Shape;425;p74"/>
+              <p:cNvSpPr txBox="1">
+                <a:spLocks noGrp="1" noRot="1" noChangeAspect="1" noMove="1" noResize="1" noEditPoints="1" noAdjustHandles="1" noChangeArrowheads="1" noChangeShapeType="1" noTextEdit="1"/>
+              </p:cNvSpPr>
+              <p:nvPr>
+                <p:ph type="body" idx="1"/>
+              </p:nvPr>
+            </p:nvSpPr>
+            <p:spPr>
+              <a:xfrm>
+                <a:off x="838200" y="1690725"/>
+                <a:ext cx="10515600" cy="2575115"/>
+              </a:xfrm>
+              <a:prstGeom prst="rect">
+                <a:avLst/>
+              </a:prstGeom>
+              <a:blipFill>
+                <a:blip r:embed="rId3"/>
+                <a:stretch>
+                  <a:fillRect l="-1086" t="-73039" b="-238725"/>
+                </a:stretch>
+              </a:blipFill>
+            </p:spPr>
+            <p:txBody>
+              <a:bodyPr/>
+              <a:lstStyle/>
+              <a:p>
+                <a:r>
+                  <a:rPr lang="ja-JP" altLang="en-US">
+                    <a:noFill/>
+                  </a:rPr>
+                  <a:t> </a:t>
+                </a:r>
+              </a:p>
+            </p:txBody>
+          </p:sp>
+        </mc:Fallback>
+      </mc:AlternateContent>
+      <p:sp>
+        <p:nvSpPr>
+          <p:cNvPr id="5" name="Rectangle 2">
+            <a:extLst>
+              <a:ext uri="{FF2B5EF4-FFF2-40B4-BE49-F238E27FC236}">
+                <a16:creationId xmlns:a16="http://schemas.microsoft.com/office/drawing/2014/main" id="{B42EA93F-5ED0-204B-AF43-D969D7011FDF}"/>
+              </a:ext>
+            </a:extLst>
+          </p:cNvPr>
+          <p:cNvSpPr>
+            <a:spLocks noChangeArrowheads="1"/>
+          </p:cNvSpPr>
+          <p:nvPr/>
+        </p:nvSpPr>
+        <p:spPr bwMode="auto">
+          <a:xfrm>
+            <a:off x="484975" y="4031048"/>
+            <a:ext cx="246286" cy="861774"/>
+          </a:xfrm>
+          <a:prstGeom prst="rect">
+            <a:avLst/>
+          </a:prstGeom>
+          <a:noFill/>
+          <a:ln>
+            <a:noFill/>
+          </a:ln>
+          <a:effectLst/>
+          <a:extLst>
+            <a:ext uri="{909E8E84-426E-40DD-AFC4-6F175D3DCCD1}">
+              <a14:hiddenFill xmlns:a14="http://schemas.microsoft.com/office/drawing/2010/main">
+                <a:solidFill>
+                  <a:schemeClr val="accent1"/>
+                </a:solidFill>
+              </a14:hiddenFill>
+            </a:ext>
+            <a:ext uri="{91240B29-F687-4F45-9708-019B960494DF}">
+              <a14:hiddenLine xmlns:a14="http://schemas.microsoft.com/office/drawing/2010/main" w="9525">
+                <a:solidFill>
+                  <a:schemeClr val="tx1"/>
+                </a:solidFill>
+                <a:miter lim="800000"/>
+                <a:headEnd/>
+                <a:tailEnd/>
+              </a14:hiddenLine>
+            </a:ext>
+            <a:ext uri="{AF507438-7753-43E0-B8FC-AC1667EBCBE1}">
+              <a14:hiddenEffects xmlns:a14="http://schemas.microsoft.com/office/drawing/2010/main">
+                <a:effectLst>
+                  <a:outerShdw dist="35921" dir="2700000" algn="ctr" rotWithShape="0">
+                    <a:schemeClr val="bg2"/>
+                  </a:outerShdw>
+                </a:effectLst>
+              </a14:hiddenEffects>
+            </a:ext>
+          </a:extLst>
+        </p:spPr>
+        <p:txBody>
+          <a:bodyPr vert="horz" wrap="none" lIns="121920" tIns="60960" rIns="121920" bIns="60960" numCol="1" anchor="ctr" anchorCtr="0" compatLnSpc="1">
+            <a:prstTxWarp prst="textNoShape">
+              <a:avLst/>
+            </a:prstTxWarp>
+            <a:spAutoFit/>
+          </a:bodyPr>
+          <a:lstStyle/>
+          <a:p>
+            <a:pPr defTabSz="1219170" eaLnBrk="0" fontAlgn="base" hangingPunct="0">
+              <a:spcBef>
+                <a:spcPct val="0"/>
+              </a:spcBef>
+              <a:spcAft>
+                <a:spcPct val="0"/>
+              </a:spcAft>
+            </a:pPr>
+            <a:br>
+              <a:rPr kumimoji="0" lang="ja-JP" altLang="ja-JP" sz="2400">
+                <a:latin typeface="Arial" panose="020B0604020202020204" pitchFamily="34" charset="0"/>
+              </a:rPr>
+            </a:br>
+            <a:endParaRPr kumimoji="0" lang="ja-JP" altLang="ja-JP" sz="2400">
+              <a:latin typeface="Arial" panose="020B0604020202020204" pitchFamily="34" charset="0"/>
+            </a:endParaRPr>
+          </a:p>
+        </p:txBody>
+      </p:sp>
+    </p:spTree>
+    <p:extLst>
+      <p:ext uri="{BB962C8B-B14F-4D97-AF65-F5344CB8AC3E}">
+        <p14:creationId xmlns:p14="http://schemas.microsoft.com/office/powerpoint/2010/main" val="1308434672"/>
+      </p:ext>
+    </p:extLst>
+  </p:cSld>
+  <p:clrMapOvr>
+    <a:masterClrMapping/>
+  </p:clrMapOvr>
+</p:sld>
+</file>
+
+<file path=ppt/slides/slide24.xml><?xml version="1.0" encoding="utf-8"?>
+<p:sld xmlns:a="http://schemas.openxmlformats.org/drawingml/2006/main" xmlns:r="http://schemas.openxmlformats.org/officeDocument/2006/relationships" xmlns:p="http://schemas.openxmlformats.org/presentationml/2006/main">
+  <p:cSld>
+    <p:spTree>
+      <p:nvGrpSpPr>
+        <p:cNvPr id="1" name="Shape 423"/>
+        <p:cNvGrpSpPr/>
+        <p:nvPr/>
+      </p:nvGrpSpPr>
+      <p:grpSpPr>
+        <a:xfrm>
+          <a:off x="0" y="0"/>
+          <a:ext cx="0" cy="0"/>
+          <a:chOff x="0" y="0"/>
+          <a:chExt cx="0" cy="0"/>
+        </a:xfrm>
+      </p:grpSpPr>
+      <p:sp>
+        <p:nvSpPr>
+          <p:cNvPr id="424" name="Google Shape;424;p74"/>
+          <p:cNvSpPr txBox="1">
+            <a:spLocks noGrp="1"/>
+          </p:cNvSpPr>
+          <p:nvPr>
+            <p:ph type="title"/>
+          </p:nvPr>
+        </p:nvSpPr>
+        <p:spPr>
+          <a:xfrm>
+            <a:off x="838200" y="365125"/>
+            <a:ext cx="10515600" cy="1325600"/>
+          </a:xfrm>
+          <a:prstGeom prst="rect">
+            <a:avLst/>
+          </a:prstGeom>
+        </p:spPr>
+        <p:txBody>
+          <a:bodyPr spcFirstLastPara="1" vert="horz" wrap="square" lIns="91433" tIns="45700" rIns="91433" bIns="45700" rtlCol="0" anchor="ctr" anchorCtr="0">
+            <a:noAutofit/>
+          </a:bodyPr>
+          <a:lstStyle/>
+          <a:p>
+            <a:pPr>
+              <a:spcBef>
+                <a:spcPts val="0"/>
+              </a:spcBef>
+            </a:pPr>
+            <a:r>
+              <a:rPr lang="ja-JP" altLang="en-US"/>
+              <a:t>同型とはなんぞや</a:t>
+            </a:r>
+            <a:br>
+              <a:rPr lang="en-US" altLang="ja-JP" dirty="0"/>
+            </a:br>
+            <a:r>
+              <a:rPr lang="en-US" altLang="ja-JP" sz="2400" dirty="0"/>
+              <a:t>2</a:t>
+            </a:r>
+            <a:r>
+              <a:rPr lang="ja-JP" altLang="en-US" sz="2400"/>
+              <a:t>つの群</a:t>
+            </a:r>
+            <a:r>
+              <a:rPr lang="en-US" altLang="ja-JP" sz="2400" dirty="0"/>
+              <a:t>G</a:t>
+            </a:r>
+            <a:r>
+              <a:rPr lang="ja-JP" altLang="en-US" sz="2400"/>
+              <a:t>と</a:t>
+            </a:r>
+            <a:r>
+              <a:rPr lang="en-US" altLang="ja-JP" sz="2400" dirty="0"/>
+              <a:t>H</a:t>
+            </a:r>
+            <a:r>
+              <a:rPr lang="ja-JP" altLang="en-US" sz="2400"/>
+              <a:t>を比較する</a:t>
+            </a:r>
+            <a:endParaRPr dirty="0"/>
+          </a:p>
+        </p:txBody>
+      </p:sp>
+      <p:sp>
+        <p:nvSpPr>
+          <p:cNvPr id="5" name="Rectangle 2">
+            <a:extLst>
+              <a:ext uri="{FF2B5EF4-FFF2-40B4-BE49-F238E27FC236}">
+                <a16:creationId xmlns:a16="http://schemas.microsoft.com/office/drawing/2014/main" id="{B42EA93F-5ED0-204B-AF43-D969D7011FDF}"/>
+              </a:ext>
+            </a:extLst>
+          </p:cNvPr>
+          <p:cNvSpPr>
+            <a:spLocks noChangeArrowheads="1"/>
+          </p:cNvSpPr>
+          <p:nvPr/>
+        </p:nvSpPr>
+        <p:spPr bwMode="auto">
+          <a:xfrm>
+            <a:off x="484975" y="4031048"/>
+            <a:ext cx="246286" cy="861774"/>
+          </a:xfrm>
+          <a:prstGeom prst="rect">
+            <a:avLst/>
+          </a:prstGeom>
+          <a:noFill/>
+          <a:ln>
+            <a:noFill/>
+          </a:ln>
+          <a:effectLst/>
+          <a:extLst>
+            <a:ext uri="{909E8E84-426E-40DD-AFC4-6F175D3DCCD1}">
+              <a14:hiddenFill xmlns:a14="http://schemas.microsoft.com/office/drawing/2010/main">
+                <a:solidFill>
+                  <a:schemeClr val="accent1"/>
+                </a:solidFill>
+              </a14:hiddenFill>
+            </a:ext>
+            <a:ext uri="{91240B29-F687-4F45-9708-019B960494DF}">
+              <a14:hiddenLine xmlns:a14="http://schemas.microsoft.com/office/drawing/2010/main" w="9525">
+                <a:solidFill>
+                  <a:schemeClr val="tx1"/>
+                </a:solidFill>
+                <a:miter lim="800000"/>
+                <a:headEnd/>
+                <a:tailEnd/>
+              </a14:hiddenLine>
+            </a:ext>
+            <a:ext uri="{AF507438-7753-43E0-B8FC-AC1667EBCBE1}">
+              <a14:hiddenEffects xmlns:a14="http://schemas.microsoft.com/office/drawing/2010/main">
+                <a:effectLst>
+                  <a:outerShdw dist="35921" dir="2700000" algn="ctr" rotWithShape="0">
+                    <a:schemeClr val="bg2"/>
+                  </a:outerShdw>
+                </a:effectLst>
+              </a14:hiddenEffects>
+            </a:ext>
+          </a:extLst>
+        </p:spPr>
+        <p:txBody>
+          <a:bodyPr vert="horz" wrap="none" lIns="121920" tIns="60960" rIns="121920" bIns="60960" numCol="1" anchor="ctr" anchorCtr="0" compatLnSpc="1">
+            <a:prstTxWarp prst="textNoShape">
+              <a:avLst/>
+            </a:prstTxWarp>
+            <a:spAutoFit/>
+          </a:bodyPr>
+          <a:lstStyle/>
+          <a:p>
+            <a:pPr defTabSz="1219170" eaLnBrk="0" fontAlgn="base" hangingPunct="0">
+              <a:spcBef>
+                <a:spcPct val="0"/>
+              </a:spcBef>
+              <a:spcAft>
+                <a:spcPct val="0"/>
+              </a:spcAft>
+            </a:pPr>
+            <a:br>
+              <a:rPr kumimoji="0" lang="ja-JP" altLang="ja-JP" sz="2400">
+                <a:latin typeface="Arial" panose="020B0604020202020204" pitchFamily="34" charset="0"/>
+              </a:rPr>
+            </a:br>
+            <a:endParaRPr kumimoji="0" lang="ja-JP" altLang="ja-JP" sz="2400">
+              <a:latin typeface="Arial" panose="020B0604020202020204" pitchFamily="34" charset="0"/>
+            </a:endParaRPr>
+          </a:p>
+        </p:txBody>
+      </p:sp>
+      <p:sp>
+        <p:nvSpPr>
+          <p:cNvPr id="3" name="テキスト プレースホルダー 2">
+            <a:extLst>
+              <a:ext uri="{FF2B5EF4-FFF2-40B4-BE49-F238E27FC236}">
+                <a16:creationId xmlns:a16="http://schemas.microsoft.com/office/drawing/2014/main" id="{16512D1D-B0E5-784E-80C6-A21E764F7002}"/>
+              </a:ext>
+            </a:extLst>
+          </p:cNvPr>
+          <p:cNvSpPr>
+            <a:spLocks noGrp="1"/>
+          </p:cNvSpPr>
+          <p:nvPr>
+            <p:ph type="body" idx="1"/>
+          </p:nvPr>
+        </p:nvSpPr>
+        <p:spPr>
+          <a:xfrm>
+            <a:off x="838200" y="5384851"/>
+            <a:ext cx="10515600" cy="959495"/>
+          </a:xfrm>
+        </p:spPr>
+        <p:txBody>
+          <a:bodyPr>
+            <a:normAutofit lnSpcReduction="10000"/>
+          </a:bodyPr>
+          <a:lstStyle/>
+          <a:p>
+            <a:pPr marL="186262" indent="0">
+              <a:buNone/>
+            </a:pPr>
+            <a:r>
+              <a:rPr lang="ja-JP" altLang="en-US"/>
+              <a:t>集合の元も演算も全然違うけど，構造は同じ！</a:t>
+            </a:r>
+            <a:endParaRPr lang="en-US" altLang="ja-JP" dirty="0"/>
+          </a:p>
+          <a:p>
+            <a:pPr marL="186262" indent="0">
+              <a:buNone/>
+            </a:pPr>
+            <a:r>
+              <a:rPr lang="ja-JP" altLang="en-US"/>
+              <a:t>これを同型という．</a:t>
+            </a:r>
+          </a:p>
+        </p:txBody>
+      </p:sp>
+      <p:sp>
+        <p:nvSpPr>
+          <p:cNvPr id="2" name="テキスト ボックス 1">
+            <a:extLst>
+              <a:ext uri="{FF2B5EF4-FFF2-40B4-BE49-F238E27FC236}">
+                <a16:creationId xmlns:a16="http://schemas.microsoft.com/office/drawing/2014/main" id="{1F20F8BD-0586-1B46-9997-AAD433F67356}"/>
+              </a:ext>
+            </a:extLst>
+          </p:cNvPr>
+          <p:cNvSpPr txBox="1"/>
+          <p:nvPr/>
+        </p:nvSpPr>
+        <p:spPr>
+          <a:xfrm>
+            <a:off x="3178456" y="1690726"/>
+            <a:ext cx="412292" cy="584775"/>
+          </a:xfrm>
+          <a:prstGeom prst="rect">
+            <a:avLst/>
+          </a:prstGeom>
+          <a:noFill/>
+        </p:spPr>
+        <p:txBody>
+          <a:bodyPr wrap="none" rtlCol="0">
+            <a:spAutoFit/>
+          </a:bodyPr>
+          <a:lstStyle/>
+          <a:p>
+            <a:r>
+              <a:rPr lang="en-US" altLang="ja-JP" sz="3200" dirty="0"/>
+              <a:t>0</a:t>
+            </a:r>
+            <a:endParaRPr lang="ja-JP" altLang="en-US" sz="3200"/>
+          </a:p>
+        </p:txBody>
+      </p:sp>
+      <p:sp>
+        <p:nvSpPr>
+          <p:cNvPr id="6" name="テキスト ボックス 5">
+            <a:extLst>
+              <a:ext uri="{FF2B5EF4-FFF2-40B4-BE49-F238E27FC236}">
+                <a16:creationId xmlns:a16="http://schemas.microsoft.com/office/drawing/2014/main" id="{9036F10D-27A3-D342-942E-EC7073E6524A}"/>
+              </a:ext>
+            </a:extLst>
+          </p:cNvPr>
+          <p:cNvSpPr txBox="1"/>
+          <p:nvPr/>
+        </p:nvSpPr>
+        <p:spPr>
+          <a:xfrm>
+            <a:off x="1603023" y="4461934"/>
+            <a:ext cx="412292" cy="584775"/>
+          </a:xfrm>
+          <a:prstGeom prst="rect">
+            <a:avLst/>
+          </a:prstGeom>
+          <a:noFill/>
+        </p:spPr>
+        <p:txBody>
+          <a:bodyPr wrap="none" rtlCol="0">
+            <a:spAutoFit/>
+          </a:bodyPr>
+          <a:lstStyle/>
+          <a:p>
+            <a:r>
+              <a:rPr lang="en-US" altLang="ja-JP" sz="3200" dirty="0"/>
+              <a:t>1</a:t>
+            </a:r>
+            <a:endParaRPr lang="ja-JP" altLang="en-US" sz="3200"/>
+          </a:p>
+        </p:txBody>
+      </p:sp>
+      <p:sp>
+        <p:nvSpPr>
+          <p:cNvPr id="7" name="テキスト ボックス 6">
+            <a:extLst>
+              <a:ext uri="{FF2B5EF4-FFF2-40B4-BE49-F238E27FC236}">
+                <a16:creationId xmlns:a16="http://schemas.microsoft.com/office/drawing/2014/main" id="{406E52A6-DA1B-3144-80F1-5658B82CAB31}"/>
+              </a:ext>
+            </a:extLst>
+          </p:cNvPr>
+          <p:cNvSpPr txBox="1"/>
+          <p:nvPr/>
+        </p:nvSpPr>
+        <p:spPr>
+          <a:xfrm>
+            <a:off x="4842932" y="4461933"/>
+            <a:ext cx="412292" cy="584775"/>
+          </a:xfrm>
+          <a:prstGeom prst="rect">
+            <a:avLst/>
+          </a:prstGeom>
+          <a:noFill/>
+        </p:spPr>
+        <p:txBody>
+          <a:bodyPr wrap="none" rtlCol="0">
+            <a:spAutoFit/>
+          </a:bodyPr>
+          <a:lstStyle/>
+          <a:p>
+            <a:r>
+              <a:rPr lang="en-US" altLang="ja-JP" sz="3200" dirty="0"/>
+              <a:t>2</a:t>
+            </a:r>
+            <a:endParaRPr lang="ja-JP" altLang="en-US" sz="3200"/>
+          </a:p>
+        </p:txBody>
+      </p:sp>
+      <p:sp>
+        <p:nvSpPr>
+          <p:cNvPr id="10" name="テキスト ボックス 9">
+            <a:extLst>
+              <a:ext uri="{FF2B5EF4-FFF2-40B4-BE49-F238E27FC236}">
+                <a16:creationId xmlns:a16="http://schemas.microsoft.com/office/drawing/2014/main" id="{367DF673-20BB-9245-8569-1DDDC521ED11}"/>
+              </a:ext>
+            </a:extLst>
+          </p:cNvPr>
+          <p:cNvSpPr txBox="1"/>
+          <p:nvPr/>
+        </p:nvSpPr>
+        <p:spPr>
+          <a:xfrm>
+            <a:off x="7653758" y="1690726"/>
+            <a:ext cx="1005403" cy="584775"/>
+          </a:xfrm>
+          <a:prstGeom prst="rect">
+            <a:avLst/>
+          </a:prstGeom>
+          <a:noFill/>
+        </p:spPr>
+        <p:txBody>
+          <a:bodyPr wrap="none" rtlCol="0">
+            <a:spAutoFit/>
+          </a:bodyPr>
+          <a:lstStyle/>
+          <a:p>
+            <a:r>
+              <a:rPr lang="ja-JP" altLang="en-US" sz="3200"/>
+              <a:t>グー</a:t>
+            </a:r>
+          </a:p>
+        </p:txBody>
+      </p:sp>
+      <p:sp>
+        <p:nvSpPr>
+          <p:cNvPr id="12" name="テキスト ボックス 11">
+            <a:extLst>
+              <a:ext uri="{FF2B5EF4-FFF2-40B4-BE49-F238E27FC236}">
+                <a16:creationId xmlns:a16="http://schemas.microsoft.com/office/drawing/2014/main" id="{5055E73E-9F00-7848-B402-BE2D8081BFD7}"/>
+              </a:ext>
+            </a:extLst>
+          </p:cNvPr>
+          <p:cNvSpPr txBox="1"/>
+          <p:nvPr/>
+        </p:nvSpPr>
+        <p:spPr>
+          <a:xfrm>
+            <a:off x="6060661" y="4513023"/>
+            <a:ext cx="1005403" cy="584775"/>
+          </a:xfrm>
+          <a:prstGeom prst="rect">
+            <a:avLst/>
+          </a:prstGeom>
+          <a:noFill/>
+        </p:spPr>
+        <p:txBody>
+          <a:bodyPr wrap="none" rtlCol="0">
+            <a:spAutoFit/>
+          </a:bodyPr>
+          <a:lstStyle/>
+          <a:p>
+            <a:r>
+              <a:rPr lang="ja-JP" altLang="en-US" sz="3200"/>
+              <a:t>パー</a:t>
+            </a:r>
+          </a:p>
+        </p:txBody>
+      </p:sp>
+      <p:sp>
+        <p:nvSpPr>
+          <p:cNvPr id="13" name="テキスト ボックス 12">
+            <a:extLst>
+              <a:ext uri="{FF2B5EF4-FFF2-40B4-BE49-F238E27FC236}">
+                <a16:creationId xmlns:a16="http://schemas.microsoft.com/office/drawing/2014/main" id="{34FEF3C3-B377-DC45-A036-266C18219F76}"/>
+              </a:ext>
+            </a:extLst>
+          </p:cNvPr>
+          <p:cNvSpPr txBox="1"/>
+          <p:nvPr/>
+        </p:nvSpPr>
+        <p:spPr>
+          <a:xfrm>
+            <a:off x="9144000" y="4523763"/>
+            <a:ext cx="1415772" cy="584775"/>
+          </a:xfrm>
+          <a:prstGeom prst="rect">
+            <a:avLst/>
+          </a:prstGeom>
+          <a:noFill/>
+        </p:spPr>
+        <p:txBody>
+          <a:bodyPr wrap="none" rtlCol="0">
+            <a:spAutoFit/>
+          </a:bodyPr>
+          <a:lstStyle/>
+          <a:p>
+            <a:r>
+              <a:rPr lang="ja-JP" altLang="en-US" sz="3200"/>
+              <a:t>チョキ</a:t>
+            </a:r>
+          </a:p>
+        </p:txBody>
+      </p:sp>
+      <p:cxnSp>
+        <p:nvCxnSpPr>
+          <p:cNvPr id="15" name="直線矢印コネクタ 14">
+            <a:extLst>
+              <a:ext uri="{FF2B5EF4-FFF2-40B4-BE49-F238E27FC236}">
+                <a16:creationId xmlns:a16="http://schemas.microsoft.com/office/drawing/2014/main" id="{E1575FDB-B8C9-684F-93FE-A0BCD9EE18CB}"/>
+              </a:ext>
+            </a:extLst>
+          </p:cNvPr>
+          <p:cNvCxnSpPr>
+            <a:cxnSpLocks/>
+            <a:stCxn id="2" idx="1"/>
+            <a:endCxn id="6" idx="0"/>
+          </p:cNvCxnSpPr>
+          <p:nvPr/>
+        </p:nvCxnSpPr>
+        <p:spPr>
+          <a:xfrm flipH="1">
+            <a:off x="1809169" y="1983114"/>
+            <a:ext cx="1369287" cy="2478820"/>
+          </a:xfrm>
+          <a:prstGeom prst="straightConnector1">
+            <a:avLst/>
+          </a:prstGeom>
+          <a:ln w="25400">
+            <a:headEnd w="lg" len="lg"/>
+            <a:tailEnd type="triangle"/>
+          </a:ln>
+        </p:spPr>
+        <p:style>
+          <a:lnRef idx="1">
+            <a:schemeClr val="accent1"/>
+          </a:lnRef>
+          <a:fillRef idx="0">
+            <a:schemeClr val="accent1"/>
+          </a:fillRef>
+          <a:effectRef idx="0">
+            <a:schemeClr val="accent1"/>
+          </a:effectRef>
+          <a:fontRef idx="minor">
+            <a:schemeClr val="tx1"/>
+          </a:fontRef>
+        </p:style>
+      </p:cxnSp>
+      <p:cxnSp>
+        <p:nvCxnSpPr>
+          <p:cNvPr id="17" name="直線矢印コネクタ 16">
+            <a:extLst>
+              <a:ext uri="{FF2B5EF4-FFF2-40B4-BE49-F238E27FC236}">
+                <a16:creationId xmlns:a16="http://schemas.microsoft.com/office/drawing/2014/main" id="{A76CCC63-2FCB-B042-804B-6624397431DA}"/>
+              </a:ext>
+            </a:extLst>
+          </p:cNvPr>
+          <p:cNvCxnSpPr>
+            <a:stCxn id="6" idx="3"/>
+            <a:endCxn id="7" idx="1"/>
+          </p:cNvCxnSpPr>
+          <p:nvPr/>
+        </p:nvCxnSpPr>
+        <p:spPr>
+          <a:xfrm flipV="1">
+            <a:off x="2015315" y="4754321"/>
+            <a:ext cx="2827617" cy="1"/>
+          </a:xfrm>
+          <a:prstGeom prst="straightConnector1">
+            <a:avLst/>
+          </a:prstGeom>
+          <a:ln w="25400">
+            <a:headEnd w="lg" len="lg"/>
+            <a:tailEnd type="triangle"/>
+          </a:ln>
+        </p:spPr>
+        <p:style>
+          <a:lnRef idx="1">
+            <a:schemeClr val="accent1"/>
+          </a:lnRef>
+          <a:fillRef idx="0">
+            <a:schemeClr val="accent1"/>
+          </a:fillRef>
+          <a:effectRef idx="0">
+            <a:schemeClr val="accent1"/>
+          </a:effectRef>
+          <a:fontRef idx="minor">
+            <a:schemeClr val="tx1"/>
+          </a:fontRef>
+        </p:style>
+      </p:cxnSp>
+      <p:cxnSp>
+        <p:nvCxnSpPr>
+          <p:cNvPr id="19" name="直線矢印コネクタ 18">
+            <a:extLst>
+              <a:ext uri="{FF2B5EF4-FFF2-40B4-BE49-F238E27FC236}">
+                <a16:creationId xmlns:a16="http://schemas.microsoft.com/office/drawing/2014/main" id="{996A22D7-97EE-4347-A735-6239A2B3FC8A}"/>
+              </a:ext>
+            </a:extLst>
+          </p:cNvPr>
+          <p:cNvCxnSpPr>
+            <a:stCxn id="7" idx="0"/>
+            <a:endCxn id="2" idx="3"/>
+          </p:cNvCxnSpPr>
+          <p:nvPr/>
+        </p:nvCxnSpPr>
+        <p:spPr>
+          <a:xfrm flipH="1" flipV="1">
+            <a:off x="3590748" y="1983114"/>
+            <a:ext cx="1458330" cy="2478819"/>
+          </a:xfrm>
+          <a:prstGeom prst="straightConnector1">
+            <a:avLst/>
+          </a:prstGeom>
+          <a:ln w="25400">
+            <a:headEnd w="lg" len="lg"/>
+            <a:tailEnd type="triangle"/>
+          </a:ln>
+        </p:spPr>
+        <p:style>
+          <a:lnRef idx="1">
+            <a:schemeClr val="accent1"/>
+          </a:lnRef>
+          <a:fillRef idx="0">
+            <a:schemeClr val="accent1"/>
+          </a:fillRef>
+          <a:effectRef idx="0">
+            <a:schemeClr val="accent1"/>
+          </a:effectRef>
+          <a:fontRef idx="minor">
+            <a:schemeClr val="tx1"/>
+          </a:fontRef>
+        </p:style>
+      </p:cxnSp>
+      <p:cxnSp>
+        <p:nvCxnSpPr>
+          <p:cNvPr id="23" name="直線矢印コネクタ 22">
+            <a:extLst>
+              <a:ext uri="{FF2B5EF4-FFF2-40B4-BE49-F238E27FC236}">
+                <a16:creationId xmlns:a16="http://schemas.microsoft.com/office/drawing/2014/main" id="{9AC53473-CA66-8D4B-BC44-CCC3027756FD}"/>
+              </a:ext>
+            </a:extLst>
+          </p:cNvPr>
+          <p:cNvCxnSpPr>
+            <a:stCxn id="10" idx="1"/>
+            <a:endCxn id="12" idx="0"/>
+          </p:cNvCxnSpPr>
+          <p:nvPr/>
+        </p:nvCxnSpPr>
+        <p:spPr>
+          <a:xfrm flipH="1">
+            <a:off x="6563363" y="1983114"/>
+            <a:ext cx="1090395" cy="2529909"/>
+          </a:xfrm>
+          <a:prstGeom prst="straightConnector1">
+            <a:avLst/>
+          </a:prstGeom>
+          <a:ln w="25400">
+            <a:headEnd w="lg" len="lg"/>
+            <a:tailEnd type="triangle"/>
+          </a:ln>
+        </p:spPr>
+        <p:style>
+          <a:lnRef idx="1">
+            <a:schemeClr val="accent2"/>
+          </a:lnRef>
+          <a:fillRef idx="0">
+            <a:schemeClr val="accent2"/>
+          </a:fillRef>
+          <a:effectRef idx="0">
+            <a:schemeClr val="accent2"/>
+          </a:effectRef>
+          <a:fontRef idx="minor">
+            <a:schemeClr val="tx1"/>
+          </a:fontRef>
+        </p:style>
+      </p:cxnSp>
+      <p:cxnSp>
+        <p:nvCxnSpPr>
+          <p:cNvPr id="27" name="直線矢印コネクタ 26">
+            <a:extLst>
+              <a:ext uri="{FF2B5EF4-FFF2-40B4-BE49-F238E27FC236}">
+                <a16:creationId xmlns:a16="http://schemas.microsoft.com/office/drawing/2014/main" id="{3B1AEF32-7BA9-4C4F-A1BB-CA960BE52F30}"/>
+              </a:ext>
+            </a:extLst>
+          </p:cNvPr>
+          <p:cNvCxnSpPr>
+            <a:stCxn id="12" idx="3"/>
+            <a:endCxn id="13" idx="1"/>
+          </p:cNvCxnSpPr>
+          <p:nvPr/>
+        </p:nvCxnSpPr>
+        <p:spPr>
+          <a:xfrm>
+            <a:off x="7066064" y="4805411"/>
+            <a:ext cx="2077936" cy="10740"/>
+          </a:xfrm>
+          <a:prstGeom prst="straightConnector1">
+            <a:avLst/>
+          </a:prstGeom>
+          <a:ln w="25400">
+            <a:headEnd w="lg" len="lg"/>
+            <a:tailEnd type="triangle"/>
+          </a:ln>
+        </p:spPr>
+        <p:style>
+          <a:lnRef idx="1">
+            <a:schemeClr val="accent2"/>
+          </a:lnRef>
+          <a:fillRef idx="0">
+            <a:schemeClr val="accent2"/>
+          </a:fillRef>
+          <a:effectRef idx="0">
+            <a:schemeClr val="accent2"/>
+          </a:effectRef>
+          <a:fontRef idx="minor">
+            <a:schemeClr val="tx1"/>
+          </a:fontRef>
+        </p:style>
+      </p:cxnSp>
+      <p:cxnSp>
+        <p:nvCxnSpPr>
+          <p:cNvPr id="29" name="直線矢印コネクタ 28">
+            <a:extLst>
+              <a:ext uri="{FF2B5EF4-FFF2-40B4-BE49-F238E27FC236}">
+                <a16:creationId xmlns:a16="http://schemas.microsoft.com/office/drawing/2014/main" id="{5FBC2BBC-8C5C-B94B-97A7-B61C32D43B40}"/>
+              </a:ext>
+            </a:extLst>
+          </p:cNvPr>
+          <p:cNvCxnSpPr>
+            <a:stCxn id="13" idx="0"/>
+            <a:endCxn id="10" idx="3"/>
+          </p:cNvCxnSpPr>
+          <p:nvPr/>
+        </p:nvCxnSpPr>
+        <p:spPr>
+          <a:xfrm flipH="1" flipV="1">
+            <a:off x="8659161" y="1983114"/>
+            <a:ext cx="1192725" cy="2540649"/>
+          </a:xfrm>
+          <a:prstGeom prst="straightConnector1">
+            <a:avLst/>
+          </a:prstGeom>
+          <a:ln w="25400">
+            <a:headEnd w="lg" len="lg"/>
+            <a:tailEnd type="triangle"/>
+          </a:ln>
+        </p:spPr>
+        <p:style>
+          <a:lnRef idx="1">
+            <a:schemeClr val="accent2"/>
+          </a:lnRef>
+          <a:fillRef idx="0">
+            <a:schemeClr val="accent2"/>
+          </a:fillRef>
+          <a:effectRef idx="0">
+            <a:schemeClr val="accent2"/>
+          </a:effectRef>
+          <a:fontRef idx="minor">
+            <a:schemeClr val="tx1"/>
+          </a:fontRef>
+        </p:style>
+      </p:cxnSp>
+      <p:sp>
+        <p:nvSpPr>
+          <p:cNvPr id="30" name="テキスト ボックス 29">
+            <a:extLst>
+              <a:ext uri="{FF2B5EF4-FFF2-40B4-BE49-F238E27FC236}">
+                <a16:creationId xmlns:a16="http://schemas.microsoft.com/office/drawing/2014/main" id="{103C5B4B-F935-5049-B150-C3D47B7A234B}"/>
+              </a:ext>
+            </a:extLst>
+          </p:cNvPr>
+          <p:cNvSpPr txBox="1"/>
+          <p:nvPr/>
+        </p:nvSpPr>
+        <p:spPr>
+          <a:xfrm>
+            <a:off x="2009201" y="2754661"/>
+            <a:ext cx="409086" cy="584775"/>
+          </a:xfrm>
+          <a:prstGeom prst="rect">
+            <a:avLst/>
+          </a:prstGeom>
+          <a:noFill/>
+        </p:spPr>
+        <p:txBody>
+          <a:bodyPr wrap="none" rtlCol="0">
+            <a:spAutoFit/>
+          </a:bodyPr>
+          <a:lstStyle/>
+          <a:p>
+            <a:r>
+              <a:rPr lang="en-US" altLang="ja-JP" sz="3200" dirty="0"/>
+              <a:t>g</a:t>
+            </a:r>
+            <a:endParaRPr lang="ja-JP" altLang="en-US" sz="3200"/>
+          </a:p>
+        </p:txBody>
+      </p:sp>
+      <p:sp>
+        <p:nvSpPr>
+          <p:cNvPr id="32" name="テキスト ボックス 31">
+            <a:extLst>
+              <a:ext uri="{FF2B5EF4-FFF2-40B4-BE49-F238E27FC236}">
+                <a16:creationId xmlns:a16="http://schemas.microsoft.com/office/drawing/2014/main" id="{3FDA5F35-BC82-E349-93B0-29A1D5D53070}"/>
+              </a:ext>
+            </a:extLst>
+          </p:cNvPr>
+          <p:cNvSpPr txBox="1"/>
+          <p:nvPr/>
+        </p:nvSpPr>
+        <p:spPr>
+          <a:xfrm>
+            <a:off x="3224180" y="4214523"/>
+            <a:ext cx="409086" cy="584775"/>
+          </a:xfrm>
+          <a:prstGeom prst="rect">
+            <a:avLst/>
+          </a:prstGeom>
+          <a:noFill/>
+        </p:spPr>
+        <p:txBody>
+          <a:bodyPr wrap="none" rtlCol="0">
+            <a:spAutoFit/>
+          </a:bodyPr>
+          <a:lstStyle/>
+          <a:p>
+            <a:r>
+              <a:rPr lang="en-US" altLang="ja-JP" sz="3200" dirty="0"/>
+              <a:t>g</a:t>
+            </a:r>
+            <a:endParaRPr lang="ja-JP" altLang="en-US" sz="3200"/>
+          </a:p>
+        </p:txBody>
+      </p:sp>
+      <p:sp>
+        <p:nvSpPr>
+          <p:cNvPr id="33" name="テキスト ボックス 32">
+            <a:extLst>
+              <a:ext uri="{FF2B5EF4-FFF2-40B4-BE49-F238E27FC236}">
+                <a16:creationId xmlns:a16="http://schemas.microsoft.com/office/drawing/2014/main" id="{8DF90D1C-4AE9-6942-9117-DDE65FA5E0B4}"/>
+              </a:ext>
+            </a:extLst>
+          </p:cNvPr>
+          <p:cNvSpPr txBox="1"/>
+          <p:nvPr/>
+        </p:nvSpPr>
+        <p:spPr>
+          <a:xfrm>
+            <a:off x="4404517" y="2657991"/>
+            <a:ext cx="409086" cy="584775"/>
+          </a:xfrm>
+          <a:prstGeom prst="rect">
+            <a:avLst/>
+          </a:prstGeom>
+          <a:noFill/>
+        </p:spPr>
+        <p:txBody>
+          <a:bodyPr wrap="none" rtlCol="0">
+            <a:spAutoFit/>
+          </a:bodyPr>
+          <a:lstStyle/>
+          <a:p>
+            <a:r>
+              <a:rPr lang="en-US" altLang="ja-JP" sz="3200" dirty="0"/>
+              <a:t>g</a:t>
+            </a:r>
+            <a:endParaRPr lang="ja-JP" altLang="en-US" sz="3200"/>
+          </a:p>
+        </p:txBody>
+      </p:sp>
+      <p:sp>
+        <p:nvSpPr>
+          <p:cNvPr id="34" name="テキスト ボックス 33">
+            <a:extLst>
+              <a:ext uri="{FF2B5EF4-FFF2-40B4-BE49-F238E27FC236}">
+                <a16:creationId xmlns:a16="http://schemas.microsoft.com/office/drawing/2014/main" id="{95DCBD9D-5FB8-D24F-B258-5233E0A635DB}"/>
+              </a:ext>
+            </a:extLst>
+          </p:cNvPr>
+          <p:cNvSpPr txBox="1"/>
+          <p:nvPr/>
+        </p:nvSpPr>
+        <p:spPr>
+          <a:xfrm>
+            <a:off x="6594139" y="2871146"/>
+            <a:ext cx="423514" cy="584775"/>
+          </a:xfrm>
+          <a:prstGeom prst="rect">
+            <a:avLst/>
+          </a:prstGeom>
+          <a:noFill/>
+        </p:spPr>
+        <p:txBody>
+          <a:bodyPr wrap="none" rtlCol="0">
+            <a:spAutoFit/>
+          </a:bodyPr>
+          <a:lstStyle/>
+          <a:p>
+            <a:r>
+              <a:rPr lang="en-US" altLang="ja-JP" sz="3200" dirty="0"/>
+              <a:t>h</a:t>
+            </a:r>
+          </a:p>
+        </p:txBody>
+      </p:sp>
+      <p:sp>
+        <p:nvSpPr>
+          <p:cNvPr id="35" name="テキスト ボックス 34">
+            <a:extLst>
+              <a:ext uri="{FF2B5EF4-FFF2-40B4-BE49-F238E27FC236}">
+                <a16:creationId xmlns:a16="http://schemas.microsoft.com/office/drawing/2014/main" id="{86E11208-12B0-3B42-99AD-8C3DC893090B}"/>
+              </a:ext>
+            </a:extLst>
+          </p:cNvPr>
+          <p:cNvSpPr txBox="1"/>
+          <p:nvPr/>
+        </p:nvSpPr>
+        <p:spPr>
+          <a:xfrm>
+            <a:off x="7898146" y="4214523"/>
+            <a:ext cx="423514" cy="584775"/>
+          </a:xfrm>
+          <a:prstGeom prst="rect">
+            <a:avLst/>
+          </a:prstGeom>
+          <a:noFill/>
+        </p:spPr>
+        <p:txBody>
+          <a:bodyPr wrap="none" rtlCol="0">
+            <a:spAutoFit/>
+          </a:bodyPr>
+          <a:lstStyle/>
+          <a:p>
+            <a:r>
+              <a:rPr lang="en-US" altLang="ja-JP" sz="3200" dirty="0"/>
+              <a:t>h</a:t>
+            </a:r>
+          </a:p>
+        </p:txBody>
+      </p:sp>
+      <p:sp>
+        <p:nvSpPr>
+          <p:cNvPr id="36" name="テキスト ボックス 35">
+            <a:extLst>
+              <a:ext uri="{FF2B5EF4-FFF2-40B4-BE49-F238E27FC236}">
+                <a16:creationId xmlns:a16="http://schemas.microsoft.com/office/drawing/2014/main" id="{BE4F8E88-FF8A-D149-AE61-7D0F6289C9B7}"/>
+              </a:ext>
+            </a:extLst>
+          </p:cNvPr>
+          <p:cNvSpPr txBox="1"/>
+          <p:nvPr/>
+        </p:nvSpPr>
+        <p:spPr>
+          <a:xfrm>
+            <a:off x="9350947" y="2768553"/>
+            <a:ext cx="423514" cy="584775"/>
+          </a:xfrm>
+          <a:prstGeom prst="rect">
+            <a:avLst/>
+          </a:prstGeom>
+          <a:noFill/>
+        </p:spPr>
+        <p:txBody>
+          <a:bodyPr wrap="none" rtlCol="0">
+            <a:spAutoFit/>
+          </a:bodyPr>
+          <a:lstStyle/>
+          <a:p>
+            <a:r>
+              <a:rPr lang="en-US" altLang="ja-JP" sz="3200" dirty="0"/>
+              <a:t>h</a:t>
+            </a:r>
+          </a:p>
+        </p:txBody>
+      </p:sp>
+      <p:sp>
+        <p:nvSpPr>
+          <p:cNvPr id="31" name="テキスト ボックス 30">
+            <a:extLst>
+              <a:ext uri="{FF2B5EF4-FFF2-40B4-BE49-F238E27FC236}">
+                <a16:creationId xmlns:a16="http://schemas.microsoft.com/office/drawing/2014/main" id="{DBEFE0F0-C87E-2247-A983-D4C054E1B937}"/>
+              </a:ext>
+            </a:extLst>
+          </p:cNvPr>
+          <p:cNvSpPr txBox="1"/>
+          <p:nvPr/>
+        </p:nvSpPr>
+        <p:spPr>
+          <a:xfrm>
+            <a:off x="2932051" y="3030863"/>
+            <a:ext cx="681597" cy="913007"/>
+          </a:xfrm>
+          <a:prstGeom prst="rect">
+            <a:avLst/>
+          </a:prstGeom>
+          <a:noFill/>
+        </p:spPr>
+        <p:txBody>
+          <a:bodyPr wrap="none" rtlCol="0">
+            <a:spAutoFit/>
+          </a:bodyPr>
+          <a:lstStyle/>
+          <a:p>
+            <a:r>
+              <a:rPr lang="en-US" altLang="ja-JP" sz="5333" dirty="0"/>
+              <a:t>G</a:t>
+            </a:r>
+            <a:endParaRPr lang="ja-JP" altLang="en-US" sz="5333"/>
+          </a:p>
+        </p:txBody>
+      </p:sp>
+      <p:sp>
+        <p:nvSpPr>
+          <p:cNvPr id="37" name="テキスト ボックス 36">
+            <a:extLst>
+              <a:ext uri="{FF2B5EF4-FFF2-40B4-BE49-F238E27FC236}">
+                <a16:creationId xmlns:a16="http://schemas.microsoft.com/office/drawing/2014/main" id="{8594A469-28AD-1643-B494-CDBDA27144A6}"/>
+              </a:ext>
+            </a:extLst>
+          </p:cNvPr>
+          <p:cNvSpPr txBox="1"/>
+          <p:nvPr/>
+        </p:nvSpPr>
+        <p:spPr>
+          <a:xfrm>
+            <a:off x="7842859" y="2973639"/>
+            <a:ext cx="694421" cy="913007"/>
+          </a:xfrm>
+          <a:prstGeom prst="rect">
+            <a:avLst/>
+          </a:prstGeom>
+          <a:noFill/>
+        </p:spPr>
+        <p:txBody>
+          <a:bodyPr wrap="none" rtlCol="0">
+            <a:spAutoFit/>
+          </a:bodyPr>
+          <a:lstStyle/>
+          <a:p>
+            <a:r>
+              <a:rPr lang="en-US" altLang="ja-JP" sz="5333" dirty="0"/>
+              <a:t>H</a:t>
+            </a:r>
+            <a:endParaRPr lang="ja-JP" altLang="en-US" sz="5333"/>
+          </a:p>
+        </p:txBody>
+      </p:sp>
+    </p:spTree>
+    <p:extLst>
+      <p:ext uri="{BB962C8B-B14F-4D97-AF65-F5344CB8AC3E}">
+        <p14:creationId xmlns:p14="http://schemas.microsoft.com/office/powerpoint/2010/main" val="2869955483"/>
+      </p:ext>
+    </p:extLst>
+  </p:cSld>
+  <p:clrMapOvr>
+    <a:masterClrMapping/>
+  </p:clrMapOvr>
+</p:sld>
+</file>
+
+<file path=ppt/slides/slide25.xml><?xml version="1.0" encoding="utf-8"?>
+<p:sld xmlns:a="http://schemas.openxmlformats.org/drawingml/2006/main" xmlns:r="http://schemas.openxmlformats.org/officeDocument/2006/relationships" xmlns:p="http://schemas.openxmlformats.org/presentationml/2006/main">
+  <p:cSld>
+    <p:spTree>
+      <p:nvGrpSpPr>
+        <p:cNvPr id="1" name=""/>
+        <p:cNvGrpSpPr/>
+        <p:nvPr/>
+      </p:nvGrpSpPr>
+      <p:grpSpPr>
+        <a:xfrm>
+          <a:off x="0" y="0"/>
+          <a:ext cx="0" cy="0"/>
+          <a:chOff x="0" y="0"/>
+          <a:chExt cx="0" cy="0"/>
+        </a:xfrm>
+      </p:grpSpPr>
+      <mc:AlternateContent xmlns:mc="http://schemas.openxmlformats.org/markup-compatibility/2006" xmlns:a14="http://schemas.microsoft.com/office/drawing/2010/main">
+        <mc:Choice Requires="a14">
+          <p:sp>
+            <p:nvSpPr>
+              <p:cNvPr id="2" name="タイトル 1">
+                <a:extLst>
+                  <a:ext uri="{FF2B5EF4-FFF2-40B4-BE49-F238E27FC236}">
+                    <a16:creationId xmlns:a16="http://schemas.microsoft.com/office/drawing/2014/main" id="{E75AD8F7-82CD-094B-8723-B8AB78506D17}"/>
+                  </a:ext>
+                </a:extLst>
+              </p:cNvPr>
+              <p:cNvSpPr>
+                <a:spLocks noGrp="1"/>
+              </p:cNvSpPr>
+              <p:nvPr>
+                <p:ph type="title"/>
+              </p:nvPr>
+            </p:nvSpPr>
+            <p:spPr/>
+            <p:txBody>
+              <a:bodyPr/>
+              <a:lstStyle/>
+              <a:p>
+                <a:r>
+                  <a:rPr kumimoji="1" lang="ja-JP" altLang="en-US"/>
+                  <a:t>準同型写像</a:t>
+                </a:r>
+                <a14:m>
+                  <m:oMath xmlns:m="http://schemas.openxmlformats.org/officeDocument/2006/math">
+                    <m:r>
+                      <a:rPr kumimoji="1" lang="ja-JP" altLang="en-US" i="1" smtClean="0">
+                        <a:latin typeface="Cambria Math" panose="02040503050406030204" pitchFamily="18" charset="0"/>
+                      </a:rPr>
+                      <m:t>𝜑</m:t>
+                    </m:r>
+                  </m:oMath>
+                </a14:m>
+                <a:r>
+                  <a:rPr kumimoji="1" lang="ja-JP" altLang="en-US"/>
+                  <a:t>：群から群への写像</a:t>
+                </a:r>
+              </a:p>
+            </p:txBody>
+          </p:sp>
+        </mc:Choice>
+        <mc:Fallback xmlns="">
+          <p:sp>
+            <p:nvSpPr>
+              <p:cNvPr id="2" name="タイトル 1">
+                <a:extLst>
+                  <a:ext uri="{FF2B5EF4-FFF2-40B4-BE49-F238E27FC236}">
+                    <a16:creationId xmlns:a16="http://schemas.microsoft.com/office/drawing/2014/main" id="{E75AD8F7-82CD-094B-8723-B8AB78506D17}"/>
+                  </a:ext>
+                </a:extLst>
+              </p:cNvPr>
+              <p:cNvSpPr>
+                <a:spLocks noGrp="1" noRot="1" noChangeAspect="1" noMove="1" noResize="1" noEditPoints="1" noAdjustHandles="1" noChangeArrowheads="1" noChangeShapeType="1" noTextEdit="1"/>
+              </p:cNvSpPr>
+              <p:nvPr>
+                <p:ph type="title"/>
+              </p:nvPr>
+            </p:nvSpPr>
+            <p:spPr>
+              <a:blipFill>
+                <a:blip r:embed="rId2"/>
+                <a:stretch>
+                  <a:fillRect l="-2412"/>
+                </a:stretch>
+              </a:blipFill>
+            </p:spPr>
+            <p:txBody>
+              <a:bodyPr/>
+              <a:lstStyle/>
+              <a:p>
+                <a:r>
+                  <a:rPr lang="ja-JP" altLang="en-US">
+                    <a:noFill/>
+                  </a:rPr>
+                  <a:t> </a:t>
+                </a:r>
+              </a:p>
+            </p:txBody>
+          </p:sp>
+        </mc:Fallback>
+      </mc:AlternateContent>
+      <p:grpSp>
+        <p:nvGrpSpPr>
+          <p:cNvPr id="63" name="グループ化 62">
+            <a:extLst>
+              <a:ext uri="{FF2B5EF4-FFF2-40B4-BE49-F238E27FC236}">
+                <a16:creationId xmlns:a16="http://schemas.microsoft.com/office/drawing/2014/main" id="{1F8A05C7-2C4F-4345-AC21-B4EB64F50035}"/>
+              </a:ext>
+            </a:extLst>
+          </p:cNvPr>
+          <p:cNvGrpSpPr/>
+          <p:nvPr/>
+        </p:nvGrpSpPr>
+        <p:grpSpPr>
+          <a:xfrm>
+            <a:off x="1328371" y="1589311"/>
+            <a:ext cx="9044776" cy="3827868"/>
+            <a:chOff x="996278" y="1191983"/>
+            <a:chExt cx="6783582" cy="2870901"/>
+          </a:xfrm>
+        </p:grpSpPr>
+        <p:sp>
+          <p:nvSpPr>
+            <p:cNvPr id="5" name="テキスト ボックス 4">
+              <a:extLst>
+                <a:ext uri="{FF2B5EF4-FFF2-40B4-BE49-F238E27FC236}">
+                  <a16:creationId xmlns:a16="http://schemas.microsoft.com/office/drawing/2014/main" id="{F9296C02-2563-2647-A2BA-68B2A054E1C2}"/>
+                </a:ext>
+              </a:extLst>
+            </p:cNvPr>
+            <p:cNvSpPr txBox="1"/>
+            <p:nvPr/>
+          </p:nvSpPr>
+          <p:spPr>
+            <a:xfrm>
+              <a:off x="2600424" y="1191984"/>
+              <a:ext cx="309219" cy="438581"/>
+            </a:xfrm>
+            <a:prstGeom prst="rect">
+              <a:avLst/>
+            </a:prstGeom>
+            <a:noFill/>
+          </p:spPr>
+          <p:txBody>
+            <a:bodyPr wrap="none" rtlCol="0">
+              <a:spAutoFit/>
+            </a:bodyPr>
+            <a:lstStyle/>
+            <a:p>
+              <a:r>
+                <a:rPr lang="en-US" altLang="ja-JP" sz="3200" dirty="0">
+                  <a:solidFill>
+                    <a:schemeClr val="accent1"/>
+                  </a:solidFill>
+                </a:rPr>
+                <a:t>0</a:t>
+              </a:r>
+              <a:endParaRPr lang="ja-JP" altLang="en-US" sz="3200">
+                <a:solidFill>
+                  <a:schemeClr val="accent1"/>
+                </a:solidFill>
+              </a:endParaRPr>
+            </a:p>
+          </p:txBody>
+        </p:sp>
+        <p:sp>
+          <p:nvSpPr>
+            <p:cNvPr id="6" name="テキスト ボックス 5">
+              <a:extLst>
+                <a:ext uri="{FF2B5EF4-FFF2-40B4-BE49-F238E27FC236}">
+                  <a16:creationId xmlns:a16="http://schemas.microsoft.com/office/drawing/2014/main" id="{4BA1855B-0A53-6449-8FDA-FBF9FB11D6E2}"/>
+                </a:ext>
+              </a:extLst>
+            </p:cNvPr>
+            <p:cNvSpPr txBox="1"/>
+            <p:nvPr/>
+          </p:nvSpPr>
+          <p:spPr>
+            <a:xfrm>
+              <a:off x="2600424" y="2264885"/>
+              <a:ext cx="309219" cy="438581"/>
+            </a:xfrm>
+            <a:prstGeom prst="rect">
+              <a:avLst/>
+            </a:prstGeom>
+            <a:noFill/>
+          </p:spPr>
+          <p:txBody>
+            <a:bodyPr wrap="none" rtlCol="0">
+              <a:spAutoFit/>
+            </a:bodyPr>
+            <a:lstStyle/>
+            <a:p>
+              <a:r>
+                <a:rPr lang="en-US" altLang="ja-JP" sz="3200" dirty="0">
+                  <a:solidFill>
+                    <a:schemeClr val="accent1"/>
+                  </a:solidFill>
+                </a:rPr>
+                <a:t>1</a:t>
+              </a:r>
+              <a:endParaRPr lang="ja-JP" altLang="en-US" sz="3200">
+                <a:solidFill>
+                  <a:schemeClr val="accent1"/>
+                </a:solidFill>
+              </a:endParaRPr>
+            </a:p>
+          </p:txBody>
+        </p:sp>
+        <p:sp>
+          <p:nvSpPr>
+            <p:cNvPr id="7" name="テキスト ボックス 6">
+              <a:extLst>
+                <a:ext uri="{FF2B5EF4-FFF2-40B4-BE49-F238E27FC236}">
+                  <a16:creationId xmlns:a16="http://schemas.microsoft.com/office/drawing/2014/main" id="{98E2549B-0335-8C4C-A375-CAE537720F10}"/>
+                </a:ext>
+              </a:extLst>
+            </p:cNvPr>
+            <p:cNvSpPr txBox="1"/>
+            <p:nvPr/>
+          </p:nvSpPr>
+          <p:spPr>
+            <a:xfrm>
+              <a:off x="2600424" y="3337786"/>
+              <a:ext cx="309219" cy="438581"/>
+            </a:xfrm>
+            <a:prstGeom prst="rect">
+              <a:avLst/>
+            </a:prstGeom>
+            <a:noFill/>
+          </p:spPr>
+          <p:txBody>
+            <a:bodyPr wrap="none" rtlCol="0">
+              <a:spAutoFit/>
+            </a:bodyPr>
+            <a:lstStyle/>
+            <a:p>
+              <a:r>
+                <a:rPr lang="en-US" altLang="ja-JP" sz="3200" dirty="0">
+                  <a:solidFill>
+                    <a:schemeClr val="accent1"/>
+                  </a:solidFill>
+                </a:rPr>
+                <a:t>2</a:t>
+              </a:r>
+              <a:endParaRPr lang="ja-JP" altLang="en-US" sz="3200">
+                <a:solidFill>
+                  <a:schemeClr val="accent1"/>
+                </a:solidFill>
+              </a:endParaRPr>
+            </a:p>
+          </p:txBody>
+        </p:sp>
+        <p:sp>
+          <p:nvSpPr>
+            <p:cNvPr id="8" name="テキスト ボックス 7">
+              <a:extLst>
+                <a:ext uri="{FF2B5EF4-FFF2-40B4-BE49-F238E27FC236}">
+                  <a16:creationId xmlns:a16="http://schemas.microsoft.com/office/drawing/2014/main" id="{141A5723-1E1E-E443-B929-BA367D94D2BB}"/>
+                </a:ext>
+              </a:extLst>
+            </p:cNvPr>
+            <p:cNvSpPr txBox="1"/>
+            <p:nvPr/>
+          </p:nvSpPr>
+          <p:spPr>
+            <a:xfrm>
+              <a:off x="5437776" y="1191983"/>
+              <a:ext cx="754052" cy="438581"/>
+            </a:xfrm>
+            <a:prstGeom prst="rect">
+              <a:avLst/>
+            </a:prstGeom>
+            <a:noFill/>
+          </p:spPr>
+          <p:txBody>
+            <a:bodyPr wrap="none" rtlCol="0">
+              <a:spAutoFit/>
+            </a:bodyPr>
+            <a:lstStyle/>
+            <a:p>
+              <a:r>
+                <a:rPr lang="ja-JP" altLang="en-US" sz="3200">
+                  <a:solidFill>
+                    <a:schemeClr val="accent2"/>
+                  </a:solidFill>
+                </a:rPr>
+                <a:t>グー</a:t>
+              </a:r>
+            </a:p>
+          </p:txBody>
+        </p:sp>
+        <p:sp>
+          <p:nvSpPr>
+            <p:cNvPr id="9" name="テキスト ボックス 8">
+              <a:extLst>
+                <a:ext uri="{FF2B5EF4-FFF2-40B4-BE49-F238E27FC236}">
+                  <a16:creationId xmlns:a16="http://schemas.microsoft.com/office/drawing/2014/main" id="{6D83DE15-3BFB-9F4D-B998-FDEE2709ABD5}"/>
+                </a:ext>
+              </a:extLst>
+            </p:cNvPr>
+            <p:cNvSpPr txBox="1"/>
+            <p:nvPr/>
+          </p:nvSpPr>
+          <p:spPr>
+            <a:xfrm>
+              <a:off x="5437776" y="2264885"/>
+              <a:ext cx="754052" cy="438581"/>
+            </a:xfrm>
+            <a:prstGeom prst="rect">
+              <a:avLst/>
+            </a:prstGeom>
+            <a:noFill/>
+          </p:spPr>
+          <p:txBody>
+            <a:bodyPr wrap="none" rtlCol="0">
+              <a:spAutoFit/>
+            </a:bodyPr>
+            <a:lstStyle/>
+            <a:p>
+              <a:r>
+                <a:rPr lang="ja-JP" altLang="en-US" sz="3200">
+                  <a:solidFill>
+                    <a:schemeClr val="accent2"/>
+                  </a:solidFill>
+                </a:rPr>
+                <a:t>パー</a:t>
+              </a:r>
+            </a:p>
+          </p:txBody>
+        </p:sp>
+        <p:sp>
+          <p:nvSpPr>
+            <p:cNvPr id="10" name="テキスト ボックス 9">
+              <a:extLst>
+                <a:ext uri="{FF2B5EF4-FFF2-40B4-BE49-F238E27FC236}">
+                  <a16:creationId xmlns:a16="http://schemas.microsoft.com/office/drawing/2014/main" id="{E7D0F647-9916-1E41-90E6-6BCCBFBE197A}"/>
+                </a:ext>
+              </a:extLst>
+            </p:cNvPr>
+            <p:cNvSpPr txBox="1"/>
+            <p:nvPr/>
+          </p:nvSpPr>
+          <p:spPr>
+            <a:xfrm>
+              <a:off x="5283887" y="3337785"/>
+              <a:ext cx="1061829" cy="438581"/>
+            </a:xfrm>
+            <a:prstGeom prst="rect">
+              <a:avLst/>
+            </a:prstGeom>
+            <a:noFill/>
+          </p:spPr>
+          <p:txBody>
+            <a:bodyPr wrap="none" rtlCol="0">
+              <a:spAutoFit/>
+            </a:bodyPr>
+            <a:lstStyle/>
+            <a:p>
+              <a:r>
+                <a:rPr lang="ja-JP" altLang="en-US" sz="3200">
+                  <a:solidFill>
+                    <a:schemeClr val="accent2"/>
+                  </a:solidFill>
+                </a:rPr>
+                <a:t>チョキ</a:t>
+              </a:r>
+            </a:p>
+          </p:txBody>
+        </p:sp>
+        <p:cxnSp>
+          <p:nvCxnSpPr>
+            <p:cNvPr id="26" name="直線矢印コネクタ 25">
+              <a:extLst>
+                <a:ext uri="{FF2B5EF4-FFF2-40B4-BE49-F238E27FC236}">
+                  <a16:creationId xmlns:a16="http://schemas.microsoft.com/office/drawing/2014/main" id="{8B4D55DF-EE59-D848-B6FB-A80419664052}"/>
+                </a:ext>
+              </a:extLst>
+            </p:cNvPr>
+            <p:cNvCxnSpPr>
+              <a:stCxn id="5" idx="3"/>
+              <a:endCxn id="8" idx="1"/>
+            </p:cNvCxnSpPr>
+            <p:nvPr/>
+          </p:nvCxnSpPr>
+          <p:spPr>
+            <a:xfrm flipV="1">
+              <a:off x="2909643" y="1411274"/>
+              <a:ext cx="2528134" cy="1"/>
+            </a:xfrm>
+            <a:prstGeom prst="straightConnector1">
+              <a:avLst/>
+            </a:prstGeom>
+            <a:ln w="38100">
+              <a:solidFill>
+                <a:schemeClr val="tx1"/>
+              </a:solidFill>
+              <a:tailEnd type="triangle"/>
+            </a:ln>
+          </p:spPr>
+          <p:style>
+            <a:lnRef idx="1">
+              <a:schemeClr val="accent1"/>
+            </a:lnRef>
+            <a:fillRef idx="0">
+              <a:schemeClr val="accent1"/>
+            </a:fillRef>
+            <a:effectRef idx="0">
+              <a:schemeClr val="accent1"/>
+            </a:effectRef>
+            <a:fontRef idx="minor">
+              <a:schemeClr val="tx1"/>
+            </a:fontRef>
+          </p:style>
+        </p:cxnSp>
+        <p:cxnSp>
+          <p:nvCxnSpPr>
+            <p:cNvPr id="27" name="直線矢印コネクタ 26">
+              <a:extLst>
+                <a:ext uri="{FF2B5EF4-FFF2-40B4-BE49-F238E27FC236}">
+                  <a16:creationId xmlns:a16="http://schemas.microsoft.com/office/drawing/2014/main" id="{947FB664-58E4-A348-BE88-068A0942CF72}"/>
+                </a:ext>
+              </a:extLst>
+            </p:cNvPr>
+            <p:cNvCxnSpPr>
+              <a:cxnSpLocks/>
+              <a:stCxn id="6" idx="3"/>
+              <a:endCxn id="9" idx="1"/>
+            </p:cNvCxnSpPr>
+            <p:nvPr/>
+          </p:nvCxnSpPr>
+          <p:spPr>
+            <a:xfrm>
+              <a:off x="2909643" y="2484176"/>
+              <a:ext cx="2528134" cy="0"/>
+            </a:xfrm>
+            <a:prstGeom prst="straightConnector1">
+              <a:avLst/>
+            </a:prstGeom>
+            <a:ln w="38100">
+              <a:solidFill>
+                <a:schemeClr val="tx1"/>
+              </a:solidFill>
+              <a:tailEnd type="triangle"/>
+            </a:ln>
+          </p:spPr>
+          <p:style>
+            <a:lnRef idx="1">
+              <a:schemeClr val="accent1"/>
+            </a:lnRef>
+            <a:fillRef idx="0">
+              <a:schemeClr val="accent1"/>
+            </a:fillRef>
+            <a:effectRef idx="0">
+              <a:schemeClr val="accent1"/>
+            </a:effectRef>
+            <a:fontRef idx="minor">
+              <a:schemeClr val="tx1"/>
+            </a:fontRef>
+          </p:style>
+        </p:cxnSp>
+        <p:cxnSp>
+          <p:nvCxnSpPr>
+            <p:cNvPr id="30" name="直線矢印コネクタ 29">
+              <a:extLst>
+                <a:ext uri="{FF2B5EF4-FFF2-40B4-BE49-F238E27FC236}">
+                  <a16:creationId xmlns:a16="http://schemas.microsoft.com/office/drawing/2014/main" id="{5E6C2BE4-4CAC-5049-B0FF-ABF5B580B5AB}"/>
+                </a:ext>
+              </a:extLst>
+            </p:cNvPr>
+            <p:cNvCxnSpPr>
+              <a:cxnSpLocks/>
+              <a:stCxn id="7" idx="3"/>
+              <a:endCxn id="10" idx="1"/>
+            </p:cNvCxnSpPr>
+            <p:nvPr/>
+          </p:nvCxnSpPr>
+          <p:spPr>
+            <a:xfrm flipV="1">
+              <a:off x="2909643" y="3557076"/>
+              <a:ext cx="2374244" cy="1"/>
+            </a:xfrm>
+            <a:prstGeom prst="straightConnector1">
+              <a:avLst/>
+            </a:prstGeom>
+            <a:ln w="38100">
+              <a:solidFill>
+                <a:schemeClr val="tx1"/>
+              </a:solidFill>
+              <a:tailEnd type="triangle"/>
+            </a:ln>
+          </p:spPr>
+          <p:style>
+            <a:lnRef idx="1">
+              <a:schemeClr val="accent1"/>
+            </a:lnRef>
+            <a:fillRef idx="0">
+              <a:schemeClr val="accent1"/>
+            </a:fillRef>
+            <a:effectRef idx="0">
+              <a:schemeClr val="accent1"/>
+            </a:effectRef>
+            <a:fontRef idx="minor">
+              <a:schemeClr val="tx1"/>
+            </a:fontRef>
+          </p:style>
+        </p:cxnSp>
+        <mc:AlternateContent xmlns:mc="http://schemas.openxmlformats.org/markup-compatibility/2006">
+          <mc:Choice xmlns:a14="http://schemas.microsoft.com/office/drawing/2010/main" Requires="a14">
+            <p:sp>
+              <p:nvSpPr>
+                <p:cNvPr id="33" name="正方形/長方形 32">
+                  <a:extLst>
+                    <a:ext uri="{FF2B5EF4-FFF2-40B4-BE49-F238E27FC236}">
+                      <a16:creationId xmlns:a16="http://schemas.microsoft.com/office/drawing/2014/main" id="{9832CAEB-D195-0342-A567-CA521441CF6B}"/>
+                    </a:ext>
+                  </a:extLst>
+                </p:cNvPr>
+                <p:cNvSpPr/>
+                <p:nvPr/>
+              </p:nvSpPr>
+              <p:spPr>
+                <a:xfrm>
+                  <a:off x="3827925" y="1347283"/>
+                  <a:ext cx="541639" cy="561741"/>
+                </a:xfrm>
+                <a:prstGeom prst="rect">
+                  <a:avLst/>
+                </a:prstGeom>
+              </p:spPr>
+              <p:txBody>
+                <a:bodyPr wrap="none">
+                  <a:spAutoFit/>
+                </a:bodyPr>
+                <a:lstStyle/>
+                <a:p>
+                  <a:pPr/>
+                  <a14:m>
+                    <m:oMathPara xmlns:m="http://schemas.openxmlformats.org/officeDocument/2006/math">
+                      <m:oMathParaPr>
+                        <m:jc m:val="centerGroup"/>
+                      </m:oMathParaPr>
+                      <m:oMath xmlns:m="http://schemas.openxmlformats.org/officeDocument/2006/math">
+                        <m:r>
+                          <a:rPr lang="ja-JP" altLang="en-US" sz="4267" i="1">
+                            <a:latin typeface="Cambria Math" panose="02040503050406030204" pitchFamily="18" charset="0"/>
+                          </a:rPr>
+                          <m:t>𝜑</m:t>
+                        </m:r>
+                      </m:oMath>
+                    </m:oMathPara>
+                  </a14:m>
+                  <a:endParaRPr lang="ja-JP" altLang="en-US" sz="4267"/>
+                </a:p>
+              </p:txBody>
+            </p:sp>
+          </mc:Choice>
+          <mc:Fallback>
+            <p:sp>
+              <p:nvSpPr>
+                <p:cNvPr id="33" name="正方形/長方形 32">
+                  <a:extLst>
+                    <a:ext uri="{FF2B5EF4-FFF2-40B4-BE49-F238E27FC236}">
+                      <a16:creationId xmlns:a16="http://schemas.microsoft.com/office/drawing/2014/main" id="{9832CAEB-D195-0342-A567-CA521441CF6B}"/>
+                    </a:ext>
+                  </a:extLst>
+                </p:cNvPr>
+                <p:cNvSpPr>
+                  <a:spLocks noRot="1" noChangeAspect="1" noMove="1" noResize="1" noEditPoints="1" noAdjustHandles="1" noChangeArrowheads="1" noChangeShapeType="1" noTextEdit="1"/>
+                </p:cNvSpPr>
+                <p:nvPr/>
+              </p:nvSpPr>
+              <p:spPr>
+                <a:xfrm>
+                  <a:off x="3827925" y="1347283"/>
+                  <a:ext cx="541639" cy="561741"/>
+                </a:xfrm>
+                <a:prstGeom prst="rect">
+                  <a:avLst/>
+                </a:prstGeom>
+                <a:blipFill>
+                  <a:blip r:embed="rId3"/>
+                  <a:stretch>
+                    <a:fillRect l="-1724" b="-11667"/>
+                  </a:stretch>
+                </a:blipFill>
+              </p:spPr>
+              <p:txBody>
+                <a:bodyPr/>
+                <a:lstStyle/>
+                <a:p>
+                  <a:r>
+                    <a:rPr lang="ja-JP" altLang="en-US">
+                      <a:noFill/>
+                    </a:rPr>
+                    <a:t> </a:t>
+                  </a:r>
+                </a:p>
+              </p:txBody>
+            </p:sp>
+          </mc:Fallback>
+        </mc:AlternateContent>
+        <mc:AlternateContent xmlns:mc="http://schemas.openxmlformats.org/markup-compatibility/2006">
+          <mc:Choice xmlns:a14="http://schemas.microsoft.com/office/drawing/2010/main" Requires="a14">
+            <p:sp>
+              <p:nvSpPr>
+                <p:cNvPr id="34" name="正方形/長方形 33">
+                  <a:extLst>
+                    <a:ext uri="{FF2B5EF4-FFF2-40B4-BE49-F238E27FC236}">
+                      <a16:creationId xmlns:a16="http://schemas.microsoft.com/office/drawing/2014/main" id="{F3258B38-F882-D448-89AD-871305C2E18D}"/>
+                    </a:ext>
+                  </a:extLst>
+                </p:cNvPr>
+                <p:cNvSpPr/>
+                <p:nvPr/>
+              </p:nvSpPr>
+              <p:spPr>
+                <a:xfrm>
+                  <a:off x="3827925" y="2420182"/>
+                  <a:ext cx="541639" cy="561741"/>
+                </a:xfrm>
+                <a:prstGeom prst="rect">
+                  <a:avLst/>
+                </a:prstGeom>
+              </p:spPr>
+              <p:txBody>
+                <a:bodyPr wrap="none">
+                  <a:spAutoFit/>
+                </a:bodyPr>
+                <a:lstStyle/>
+                <a:p>
+                  <a:pPr/>
+                  <a14:m>
+                    <m:oMathPara xmlns:m="http://schemas.openxmlformats.org/officeDocument/2006/math">
+                      <m:oMathParaPr>
+                        <m:jc m:val="centerGroup"/>
+                      </m:oMathParaPr>
+                      <m:oMath xmlns:m="http://schemas.openxmlformats.org/officeDocument/2006/math">
+                        <m:r>
+                          <a:rPr lang="ja-JP" altLang="en-US" sz="4267" i="1">
+                            <a:latin typeface="Cambria Math" panose="02040503050406030204" pitchFamily="18" charset="0"/>
+                          </a:rPr>
+                          <m:t>𝜑</m:t>
+                        </m:r>
+                      </m:oMath>
+                    </m:oMathPara>
+                  </a14:m>
+                  <a:endParaRPr lang="ja-JP" altLang="en-US" sz="4267"/>
+                </a:p>
+              </p:txBody>
+            </p:sp>
+          </mc:Choice>
+          <mc:Fallback>
+            <p:sp>
+              <p:nvSpPr>
+                <p:cNvPr id="34" name="正方形/長方形 33">
+                  <a:extLst>
+                    <a:ext uri="{FF2B5EF4-FFF2-40B4-BE49-F238E27FC236}">
+                      <a16:creationId xmlns:a16="http://schemas.microsoft.com/office/drawing/2014/main" id="{F3258B38-F882-D448-89AD-871305C2E18D}"/>
+                    </a:ext>
+                  </a:extLst>
+                </p:cNvPr>
+                <p:cNvSpPr>
+                  <a:spLocks noRot="1" noChangeAspect="1" noMove="1" noResize="1" noEditPoints="1" noAdjustHandles="1" noChangeArrowheads="1" noChangeShapeType="1" noTextEdit="1"/>
+                </p:cNvSpPr>
+                <p:nvPr/>
+              </p:nvSpPr>
+              <p:spPr>
+                <a:xfrm>
+                  <a:off x="3827925" y="2420182"/>
+                  <a:ext cx="541639" cy="561741"/>
+                </a:xfrm>
+                <a:prstGeom prst="rect">
+                  <a:avLst/>
+                </a:prstGeom>
+                <a:blipFill>
+                  <a:blip r:embed="rId4"/>
+                  <a:stretch>
+                    <a:fillRect l="-1724" b="-11667"/>
+                  </a:stretch>
+                </a:blipFill>
+              </p:spPr>
+              <p:txBody>
+                <a:bodyPr/>
+                <a:lstStyle/>
+                <a:p>
+                  <a:r>
+                    <a:rPr lang="ja-JP" altLang="en-US">
+                      <a:noFill/>
+                    </a:rPr>
+                    <a:t> </a:t>
+                  </a:r>
+                </a:p>
+              </p:txBody>
+            </p:sp>
+          </mc:Fallback>
+        </mc:AlternateContent>
+        <mc:AlternateContent xmlns:mc="http://schemas.openxmlformats.org/markup-compatibility/2006">
+          <mc:Choice xmlns:a14="http://schemas.microsoft.com/office/drawing/2010/main" Requires="a14">
+            <p:sp>
+              <p:nvSpPr>
+                <p:cNvPr id="35" name="正方形/長方形 34">
+                  <a:extLst>
+                    <a:ext uri="{FF2B5EF4-FFF2-40B4-BE49-F238E27FC236}">
+                      <a16:creationId xmlns:a16="http://schemas.microsoft.com/office/drawing/2014/main" id="{B97AD7F0-4BE0-CE47-B570-D49BF2D69EBE}"/>
+                    </a:ext>
+                  </a:extLst>
+                </p:cNvPr>
+                <p:cNvSpPr/>
+                <p:nvPr/>
+              </p:nvSpPr>
+              <p:spPr>
+                <a:xfrm>
+                  <a:off x="3827925" y="3501143"/>
+                  <a:ext cx="541639" cy="561741"/>
+                </a:xfrm>
+                <a:prstGeom prst="rect">
+                  <a:avLst/>
+                </a:prstGeom>
+              </p:spPr>
+              <p:txBody>
+                <a:bodyPr wrap="none">
+                  <a:spAutoFit/>
+                </a:bodyPr>
+                <a:lstStyle/>
+                <a:p>
+                  <a:pPr/>
+                  <a14:m>
+                    <m:oMathPara xmlns:m="http://schemas.openxmlformats.org/officeDocument/2006/math">
+                      <m:oMathParaPr>
+                        <m:jc m:val="centerGroup"/>
+                      </m:oMathParaPr>
+                      <m:oMath xmlns:m="http://schemas.openxmlformats.org/officeDocument/2006/math">
+                        <m:r>
+                          <a:rPr lang="ja-JP" altLang="en-US" sz="4267" i="1">
+                            <a:latin typeface="Cambria Math" panose="02040503050406030204" pitchFamily="18" charset="0"/>
+                          </a:rPr>
+                          <m:t>𝜑</m:t>
+                        </m:r>
+                      </m:oMath>
+                    </m:oMathPara>
+                  </a14:m>
+                  <a:endParaRPr lang="ja-JP" altLang="en-US" sz="4267"/>
+                </a:p>
+              </p:txBody>
+            </p:sp>
+          </mc:Choice>
+          <mc:Fallback>
+            <p:sp>
+              <p:nvSpPr>
+                <p:cNvPr id="35" name="正方形/長方形 34">
+                  <a:extLst>
+                    <a:ext uri="{FF2B5EF4-FFF2-40B4-BE49-F238E27FC236}">
+                      <a16:creationId xmlns:a16="http://schemas.microsoft.com/office/drawing/2014/main" id="{B97AD7F0-4BE0-CE47-B570-D49BF2D69EBE}"/>
+                    </a:ext>
+                  </a:extLst>
+                </p:cNvPr>
+                <p:cNvSpPr>
+                  <a:spLocks noRot="1" noChangeAspect="1" noMove="1" noResize="1" noEditPoints="1" noAdjustHandles="1" noChangeArrowheads="1" noChangeShapeType="1" noTextEdit="1"/>
+                </p:cNvSpPr>
+                <p:nvPr/>
+              </p:nvSpPr>
+              <p:spPr>
+                <a:xfrm>
+                  <a:off x="3827925" y="3501143"/>
+                  <a:ext cx="541639" cy="561741"/>
+                </a:xfrm>
+                <a:prstGeom prst="rect">
+                  <a:avLst/>
+                </a:prstGeom>
+                <a:blipFill>
+                  <a:blip r:embed="rId5"/>
+                  <a:stretch>
+                    <a:fillRect l="-1724" b="-10000"/>
+                  </a:stretch>
+                </a:blipFill>
+              </p:spPr>
+              <p:txBody>
+                <a:bodyPr/>
+                <a:lstStyle/>
+                <a:p>
+                  <a:r>
+                    <a:rPr lang="ja-JP" altLang="en-US">
+                      <a:noFill/>
+                    </a:rPr>
+                    <a:t> </a:t>
+                  </a:r>
+                </a:p>
+              </p:txBody>
+            </p:sp>
+          </mc:Fallback>
+        </mc:AlternateContent>
+        <p:cxnSp>
+          <p:nvCxnSpPr>
+            <p:cNvPr id="37" name="直線矢印コネクタ 36">
+              <a:extLst>
+                <a:ext uri="{FF2B5EF4-FFF2-40B4-BE49-F238E27FC236}">
+                  <a16:creationId xmlns:a16="http://schemas.microsoft.com/office/drawing/2014/main" id="{C9A43A6D-5C35-614D-AB77-B125AF5BA69B}"/>
+                </a:ext>
+              </a:extLst>
+            </p:cNvPr>
+            <p:cNvCxnSpPr>
+              <a:stCxn id="5" idx="2"/>
+              <a:endCxn id="6" idx="0"/>
+            </p:cNvCxnSpPr>
+            <p:nvPr/>
+          </p:nvCxnSpPr>
+          <p:spPr>
+            <a:xfrm>
+              <a:off x="2755033" y="1630565"/>
+              <a:ext cx="0" cy="634320"/>
+            </a:xfrm>
+            <a:prstGeom prst="straightConnector1">
+              <a:avLst/>
+            </a:prstGeom>
+            <a:ln w="50800">
+              <a:solidFill>
+                <a:schemeClr val="accent1"/>
+              </a:solidFill>
+              <a:tailEnd type="triangle"/>
+            </a:ln>
+          </p:spPr>
+          <p:style>
+            <a:lnRef idx="1">
+              <a:schemeClr val="accent1"/>
+            </a:lnRef>
+            <a:fillRef idx="0">
+              <a:schemeClr val="accent1"/>
+            </a:fillRef>
+            <a:effectRef idx="0">
+              <a:schemeClr val="accent1"/>
+            </a:effectRef>
+            <a:fontRef idx="minor">
+              <a:schemeClr val="tx1"/>
+            </a:fontRef>
+          </p:style>
+        </p:cxnSp>
+        <p:cxnSp>
+          <p:nvCxnSpPr>
+            <p:cNvPr id="39" name="直線矢印コネクタ 38">
+              <a:extLst>
+                <a:ext uri="{FF2B5EF4-FFF2-40B4-BE49-F238E27FC236}">
+                  <a16:creationId xmlns:a16="http://schemas.microsoft.com/office/drawing/2014/main" id="{E6894FEC-4DDA-D843-810B-EA57225C72A3}"/>
+                </a:ext>
+              </a:extLst>
+            </p:cNvPr>
+            <p:cNvCxnSpPr>
+              <a:stCxn id="6" idx="2"/>
+              <a:endCxn id="7" idx="0"/>
+            </p:cNvCxnSpPr>
+            <p:nvPr/>
+          </p:nvCxnSpPr>
+          <p:spPr>
+            <a:xfrm>
+              <a:off x="2755033" y="2703466"/>
+              <a:ext cx="0" cy="634320"/>
+            </a:xfrm>
+            <a:prstGeom prst="straightConnector1">
+              <a:avLst/>
+            </a:prstGeom>
+            <a:ln w="50800">
+              <a:tailEnd type="triangle"/>
+            </a:ln>
+          </p:spPr>
+          <p:style>
+            <a:lnRef idx="1">
+              <a:schemeClr val="accent1"/>
+            </a:lnRef>
+            <a:fillRef idx="0">
+              <a:schemeClr val="accent1"/>
+            </a:fillRef>
+            <a:effectRef idx="0">
+              <a:schemeClr val="accent1"/>
+            </a:effectRef>
+            <a:fontRef idx="minor">
+              <a:schemeClr val="tx1"/>
+            </a:fontRef>
+          </p:style>
+        </p:cxnSp>
+        <p:cxnSp>
+          <p:nvCxnSpPr>
+            <p:cNvPr id="41" name="カギ線コネクタ 40">
+              <a:extLst>
+                <a:ext uri="{FF2B5EF4-FFF2-40B4-BE49-F238E27FC236}">
+                  <a16:creationId xmlns:a16="http://schemas.microsoft.com/office/drawing/2014/main" id="{A0934AC5-6A11-F442-AFB2-AF10FF90D24A}"/>
+                </a:ext>
+              </a:extLst>
+            </p:cNvPr>
+            <p:cNvCxnSpPr>
+              <a:stCxn id="7" idx="1"/>
+              <a:endCxn id="5" idx="1"/>
+            </p:cNvCxnSpPr>
+            <p:nvPr/>
+          </p:nvCxnSpPr>
+          <p:spPr>
+            <a:xfrm rot="10800000">
+              <a:off x="2600424" y="1411275"/>
+              <a:ext cx="9525" cy="2145802"/>
+            </a:xfrm>
+            <a:prstGeom prst="bentConnector3">
+              <a:avLst>
+                <a:gd name="adj1" fmla="val 11700000"/>
+              </a:avLst>
+            </a:prstGeom>
+            <a:ln w="50800">
+              <a:tailEnd type="triangle"/>
+            </a:ln>
+          </p:spPr>
+          <p:style>
+            <a:lnRef idx="1">
+              <a:schemeClr val="accent1"/>
+            </a:lnRef>
+            <a:fillRef idx="0">
+              <a:schemeClr val="accent1"/>
+            </a:fillRef>
+            <a:effectRef idx="0">
+              <a:schemeClr val="accent1"/>
+            </a:effectRef>
+            <a:fontRef idx="minor">
+              <a:schemeClr val="tx1"/>
+            </a:fontRef>
+          </p:style>
+        </p:cxnSp>
+        <p:cxnSp>
+          <p:nvCxnSpPr>
+            <p:cNvPr id="44" name="直線矢印コネクタ 43">
+              <a:extLst>
+                <a:ext uri="{FF2B5EF4-FFF2-40B4-BE49-F238E27FC236}">
+                  <a16:creationId xmlns:a16="http://schemas.microsoft.com/office/drawing/2014/main" id="{E1135A68-EB9E-EB45-8554-1020099BEDCB}"/>
+                </a:ext>
+              </a:extLst>
+            </p:cNvPr>
+            <p:cNvCxnSpPr>
+              <a:stCxn id="8" idx="2"/>
+              <a:endCxn id="9" idx="0"/>
+            </p:cNvCxnSpPr>
+            <p:nvPr/>
+          </p:nvCxnSpPr>
+          <p:spPr>
+            <a:xfrm>
+              <a:off x="5814803" y="1630564"/>
+              <a:ext cx="0" cy="634321"/>
+            </a:xfrm>
+            <a:prstGeom prst="straightConnector1">
+              <a:avLst/>
+            </a:prstGeom>
+            <a:ln w="50800">
+              <a:solidFill>
+                <a:schemeClr val="accent2"/>
+              </a:solidFill>
+              <a:tailEnd type="triangle"/>
+            </a:ln>
+          </p:spPr>
+          <p:style>
+            <a:lnRef idx="1">
+              <a:schemeClr val="accent1"/>
+            </a:lnRef>
+            <a:fillRef idx="0">
+              <a:schemeClr val="accent1"/>
+            </a:fillRef>
+            <a:effectRef idx="0">
+              <a:schemeClr val="accent1"/>
+            </a:effectRef>
+            <a:fontRef idx="minor">
+              <a:schemeClr val="tx1"/>
+            </a:fontRef>
+          </p:style>
+        </p:cxnSp>
+        <p:cxnSp>
+          <p:nvCxnSpPr>
+            <p:cNvPr id="46" name="直線矢印コネクタ 45">
+              <a:extLst>
+                <a:ext uri="{FF2B5EF4-FFF2-40B4-BE49-F238E27FC236}">
+                  <a16:creationId xmlns:a16="http://schemas.microsoft.com/office/drawing/2014/main" id="{69012851-EBF6-D646-8C3A-09EAF637EC5A}"/>
+                </a:ext>
+              </a:extLst>
+            </p:cNvPr>
+            <p:cNvCxnSpPr>
+              <a:stCxn id="9" idx="2"/>
+              <a:endCxn id="10" idx="0"/>
+            </p:cNvCxnSpPr>
+            <p:nvPr/>
+          </p:nvCxnSpPr>
+          <p:spPr>
+            <a:xfrm flipH="1">
+              <a:off x="5814801" y="2703466"/>
+              <a:ext cx="1" cy="634319"/>
+            </a:xfrm>
+            <a:prstGeom prst="straightConnector1">
+              <a:avLst/>
+            </a:prstGeom>
+            <a:ln w="50800">
+              <a:solidFill>
+                <a:schemeClr val="accent2"/>
+              </a:solidFill>
+              <a:tailEnd type="triangle"/>
+            </a:ln>
+          </p:spPr>
+          <p:style>
+            <a:lnRef idx="1">
+              <a:schemeClr val="accent1"/>
+            </a:lnRef>
+            <a:fillRef idx="0">
+              <a:schemeClr val="accent1"/>
+            </a:fillRef>
+            <a:effectRef idx="0">
+              <a:schemeClr val="accent1"/>
+            </a:effectRef>
+            <a:fontRef idx="minor">
+              <a:schemeClr val="tx1"/>
+            </a:fontRef>
+          </p:style>
+        </p:cxnSp>
+        <p:cxnSp>
+          <p:nvCxnSpPr>
+            <p:cNvPr id="48" name="カギ線コネクタ 47">
+              <a:extLst>
+                <a:ext uri="{FF2B5EF4-FFF2-40B4-BE49-F238E27FC236}">
+                  <a16:creationId xmlns:a16="http://schemas.microsoft.com/office/drawing/2014/main" id="{D0B64081-690C-914A-A667-5BCE4C07EFC7}"/>
+                </a:ext>
+              </a:extLst>
+            </p:cNvPr>
+            <p:cNvCxnSpPr>
+              <a:stCxn id="10" idx="3"/>
+              <a:endCxn id="8" idx="3"/>
+            </p:cNvCxnSpPr>
+            <p:nvPr/>
+          </p:nvCxnSpPr>
+          <p:spPr>
+            <a:xfrm flipH="1" flipV="1">
+              <a:off x="6191829" y="1411274"/>
+              <a:ext cx="153887" cy="2145802"/>
+            </a:xfrm>
+            <a:prstGeom prst="bentConnector3">
+              <a:avLst>
+                <a:gd name="adj1" fmla="val -619734"/>
+              </a:avLst>
+            </a:prstGeom>
+            <a:ln w="50800">
+              <a:solidFill>
+                <a:schemeClr val="accent2"/>
+              </a:solidFill>
+              <a:tailEnd type="triangle"/>
+            </a:ln>
+          </p:spPr>
+          <p:style>
+            <a:lnRef idx="1">
+              <a:schemeClr val="accent1"/>
+            </a:lnRef>
+            <a:fillRef idx="0">
+              <a:schemeClr val="accent1"/>
+            </a:fillRef>
+            <a:effectRef idx="0">
+              <a:schemeClr val="accent1"/>
+            </a:effectRef>
+            <a:fontRef idx="minor">
+              <a:schemeClr val="tx1"/>
+            </a:fontRef>
+          </p:style>
+        </p:cxnSp>
+        <mc:AlternateContent xmlns:mc="http://schemas.openxmlformats.org/markup-compatibility/2006">
+          <mc:Choice xmlns:a14="http://schemas.microsoft.com/office/drawing/2010/main" Requires="a14">
+            <p:sp>
+              <p:nvSpPr>
+                <p:cNvPr id="50" name="テキスト ボックス 49">
+                  <a:extLst>
+                    <a:ext uri="{FF2B5EF4-FFF2-40B4-BE49-F238E27FC236}">
+                      <a16:creationId xmlns:a16="http://schemas.microsoft.com/office/drawing/2014/main" id="{007C91FF-4EB8-C340-8556-B84BFD8D8FED}"/>
+                    </a:ext>
+                  </a:extLst>
+                </p:cNvPr>
+                <p:cNvSpPr txBox="1"/>
+                <p:nvPr/>
+              </p:nvSpPr>
+              <p:spPr>
+                <a:xfrm>
+                  <a:off x="2441478" y="1653648"/>
+                  <a:ext cx="328359" cy="430840"/>
+                </a:xfrm>
+                <a:prstGeom prst="rect">
+                  <a:avLst/>
+                </a:prstGeom>
+                <a:noFill/>
+              </p:spPr>
+              <p:txBody>
+                <a:bodyPr wrap="none" lIns="0" tIns="0" rIns="0" bIns="0" rtlCol="0">
+                  <a:spAutoFit/>
+                </a:bodyPr>
+                <a:lstStyle/>
+                <a:p>
+                  <a:pPr/>
+                  <a14:m>
+                    <m:oMathPara xmlns:m="http://schemas.openxmlformats.org/officeDocument/2006/math">
+                      <m:oMathParaPr>
+                        <m:jc m:val="centerGroup"/>
+                      </m:oMathParaPr>
+                      <m:oMath xmlns:m="http://schemas.openxmlformats.org/officeDocument/2006/math">
+                        <m:r>
+                          <a:rPr lang="en-US" altLang="ja-JP" sz="3733" i="1">
+                            <a:solidFill>
+                              <a:schemeClr val="accent1"/>
+                            </a:solidFill>
+                            <a:latin typeface="Cambria Math" panose="02040503050406030204" pitchFamily="18" charset="0"/>
+                          </a:rPr>
+                          <m:t>𝑔</m:t>
+                        </m:r>
+                      </m:oMath>
+                    </m:oMathPara>
+                  </a14:m>
+                  <a:endParaRPr lang="ja-JP" altLang="en-US" sz="3733">
+                    <a:solidFill>
+                      <a:schemeClr val="accent1"/>
+                    </a:solidFill>
+                  </a:endParaRPr>
+                </a:p>
+              </p:txBody>
+            </p:sp>
+          </mc:Choice>
+          <mc:Fallback>
+            <p:sp>
+              <p:nvSpPr>
+                <p:cNvPr id="50" name="テキスト ボックス 49">
+                  <a:extLst>
+                    <a:ext uri="{FF2B5EF4-FFF2-40B4-BE49-F238E27FC236}">
+                      <a16:creationId xmlns:a16="http://schemas.microsoft.com/office/drawing/2014/main" id="{007C91FF-4EB8-C340-8556-B84BFD8D8FED}"/>
+                    </a:ext>
+                  </a:extLst>
+                </p:cNvPr>
+                <p:cNvSpPr txBox="1">
+                  <a:spLocks noRot="1" noChangeAspect="1" noMove="1" noResize="1" noEditPoints="1" noAdjustHandles="1" noChangeArrowheads="1" noChangeShapeType="1" noTextEdit="1"/>
+                </p:cNvSpPr>
+                <p:nvPr/>
+              </p:nvSpPr>
+              <p:spPr>
+                <a:xfrm>
+                  <a:off x="2441478" y="1653648"/>
+                  <a:ext cx="328359" cy="430840"/>
+                </a:xfrm>
+                <a:prstGeom prst="rect">
+                  <a:avLst/>
+                </a:prstGeom>
+                <a:blipFill>
+                  <a:blip r:embed="rId6"/>
+                  <a:stretch>
+                    <a:fillRect l="-19444" r="-19444" b="-21739"/>
+                  </a:stretch>
+                </a:blipFill>
+              </p:spPr>
+              <p:txBody>
+                <a:bodyPr/>
+                <a:lstStyle/>
+                <a:p>
+                  <a:r>
+                    <a:rPr lang="ja-JP" altLang="en-US">
+                      <a:noFill/>
+                    </a:rPr>
+                    <a:t> </a:t>
+                  </a:r>
+                </a:p>
+              </p:txBody>
+            </p:sp>
+          </mc:Fallback>
+        </mc:AlternateContent>
+        <mc:AlternateContent xmlns:mc="http://schemas.openxmlformats.org/markup-compatibility/2006">
+          <mc:Choice xmlns:a14="http://schemas.microsoft.com/office/drawing/2010/main" Requires="a14">
+            <p:sp>
+              <p:nvSpPr>
+                <p:cNvPr id="51" name="テキスト ボックス 50">
+                  <a:extLst>
+                    <a:ext uri="{FF2B5EF4-FFF2-40B4-BE49-F238E27FC236}">
+                      <a16:creationId xmlns:a16="http://schemas.microsoft.com/office/drawing/2014/main" id="{060ECE76-2D2A-0741-8D73-D76D557623B1}"/>
+                    </a:ext>
+                  </a:extLst>
+                </p:cNvPr>
+                <p:cNvSpPr txBox="1"/>
+                <p:nvPr/>
+              </p:nvSpPr>
+              <p:spPr>
+                <a:xfrm>
+                  <a:off x="2402612" y="2730220"/>
+                  <a:ext cx="328359" cy="430840"/>
+                </a:xfrm>
+                <a:prstGeom prst="rect">
+                  <a:avLst/>
+                </a:prstGeom>
+                <a:noFill/>
+              </p:spPr>
+              <p:txBody>
+                <a:bodyPr wrap="none" lIns="0" tIns="0" rIns="0" bIns="0" rtlCol="0">
+                  <a:spAutoFit/>
+                </a:bodyPr>
+                <a:lstStyle/>
+                <a:p>
+                  <a:pPr/>
+                  <a14:m>
+                    <m:oMathPara xmlns:m="http://schemas.openxmlformats.org/officeDocument/2006/math">
+                      <m:oMathParaPr>
+                        <m:jc m:val="centerGroup"/>
+                      </m:oMathParaPr>
+                      <m:oMath xmlns:m="http://schemas.openxmlformats.org/officeDocument/2006/math">
+                        <m:r>
+                          <a:rPr lang="en-US" altLang="ja-JP" sz="3733" i="1">
+                            <a:solidFill>
+                              <a:schemeClr val="accent1"/>
+                            </a:solidFill>
+                            <a:latin typeface="Cambria Math" panose="02040503050406030204" pitchFamily="18" charset="0"/>
+                          </a:rPr>
+                          <m:t>𝑔</m:t>
+                        </m:r>
+                      </m:oMath>
+                    </m:oMathPara>
+                  </a14:m>
+                  <a:endParaRPr lang="ja-JP" altLang="en-US" sz="3733">
+                    <a:solidFill>
+                      <a:schemeClr val="accent1"/>
+                    </a:solidFill>
+                  </a:endParaRPr>
+                </a:p>
+              </p:txBody>
+            </p:sp>
+          </mc:Choice>
+          <mc:Fallback>
+            <p:sp>
+              <p:nvSpPr>
+                <p:cNvPr id="51" name="テキスト ボックス 50">
+                  <a:extLst>
+                    <a:ext uri="{FF2B5EF4-FFF2-40B4-BE49-F238E27FC236}">
+                      <a16:creationId xmlns:a16="http://schemas.microsoft.com/office/drawing/2014/main" id="{060ECE76-2D2A-0741-8D73-D76D557623B1}"/>
+                    </a:ext>
+                  </a:extLst>
+                </p:cNvPr>
+                <p:cNvSpPr txBox="1">
+                  <a:spLocks noRot="1" noChangeAspect="1" noMove="1" noResize="1" noEditPoints="1" noAdjustHandles="1" noChangeArrowheads="1" noChangeShapeType="1" noTextEdit="1"/>
+                </p:cNvSpPr>
+                <p:nvPr/>
+              </p:nvSpPr>
+              <p:spPr>
+                <a:xfrm>
+                  <a:off x="2402612" y="2730220"/>
+                  <a:ext cx="328359" cy="430840"/>
+                </a:xfrm>
+                <a:prstGeom prst="rect">
+                  <a:avLst/>
+                </a:prstGeom>
+                <a:blipFill>
+                  <a:blip r:embed="rId7"/>
+                  <a:stretch>
+                    <a:fillRect l="-22857" r="-17143" b="-21739"/>
+                  </a:stretch>
+                </a:blipFill>
+              </p:spPr>
+              <p:txBody>
+                <a:bodyPr/>
+                <a:lstStyle/>
+                <a:p>
+                  <a:r>
+                    <a:rPr lang="ja-JP" altLang="en-US">
+                      <a:noFill/>
+                    </a:rPr>
+                    <a:t> </a:t>
+                  </a:r>
+                </a:p>
+              </p:txBody>
+            </p:sp>
+          </mc:Fallback>
+        </mc:AlternateContent>
+        <mc:AlternateContent xmlns:mc="http://schemas.openxmlformats.org/markup-compatibility/2006">
+          <mc:Choice xmlns:a14="http://schemas.microsoft.com/office/drawing/2010/main" Requires="a14">
+            <p:sp>
+              <p:nvSpPr>
+                <p:cNvPr id="52" name="テキスト ボックス 51">
+                  <a:extLst>
+                    <a:ext uri="{FF2B5EF4-FFF2-40B4-BE49-F238E27FC236}">
+                      <a16:creationId xmlns:a16="http://schemas.microsoft.com/office/drawing/2014/main" id="{B63A7B67-22D0-EA46-BFE6-EBD1AAEB9B93}"/>
+                    </a:ext>
+                  </a:extLst>
+                </p:cNvPr>
+                <p:cNvSpPr txBox="1"/>
+                <p:nvPr/>
+              </p:nvSpPr>
+              <p:spPr>
+                <a:xfrm>
+                  <a:off x="996278" y="2257350"/>
+                  <a:ext cx="328359" cy="430840"/>
+                </a:xfrm>
+                <a:prstGeom prst="rect">
+                  <a:avLst/>
+                </a:prstGeom>
+                <a:noFill/>
+              </p:spPr>
+              <p:txBody>
+                <a:bodyPr wrap="none" lIns="0" tIns="0" rIns="0" bIns="0" rtlCol="0">
+                  <a:spAutoFit/>
+                </a:bodyPr>
+                <a:lstStyle/>
+                <a:p>
+                  <a:pPr/>
+                  <a14:m>
+                    <m:oMathPara xmlns:m="http://schemas.openxmlformats.org/officeDocument/2006/math">
+                      <m:oMathParaPr>
+                        <m:jc m:val="centerGroup"/>
+                      </m:oMathParaPr>
+                      <m:oMath xmlns:m="http://schemas.openxmlformats.org/officeDocument/2006/math">
+                        <m:r>
+                          <a:rPr lang="en-US" altLang="ja-JP" sz="3733" i="1">
+                            <a:solidFill>
+                              <a:schemeClr val="accent1"/>
+                            </a:solidFill>
+                            <a:latin typeface="Cambria Math" panose="02040503050406030204" pitchFamily="18" charset="0"/>
+                          </a:rPr>
+                          <m:t>𝑔</m:t>
+                        </m:r>
+                      </m:oMath>
+                    </m:oMathPara>
+                  </a14:m>
+                  <a:endParaRPr lang="ja-JP" altLang="en-US" sz="3733">
+                    <a:solidFill>
+                      <a:schemeClr val="accent1"/>
+                    </a:solidFill>
+                  </a:endParaRPr>
+                </a:p>
+              </p:txBody>
+            </p:sp>
+          </mc:Choice>
+          <mc:Fallback>
+            <p:sp>
+              <p:nvSpPr>
+                <p:cNvPr id="52" name="テキスト ボックス 51">
+                  <a:extLst>
+                    <a:ext uri="{FF2B5EF4-FFF2-40B4-BE49-F238E27FC236}">
+                      <a16:creationId xmlns:a16="http://schemas.microsoft.com/office/drawing/2014/main" id="{B63A7B67-22D0-EA46-BFE6-EBD1AAEB9B93}"/>
+                    </a:ext>
+                  </a:extLst>
+                </p:cNvPr>
+                <p:cNvSpPr txBox="1">
+                  <a:spLocks noRot="1" noChangeAspect="1" noMove="1" noResize="1" noEditPoints="1" noAdjustHandles="1" noChangeArrowheads="1" noChangeShapeType="1" noTextEdit="1"/>
+                </p:cNvSpPr>
+                <p:nvPr/>
+              </p:nvSpPr>
+              <p:spPr>
+                <a:xfrm>
+                  <a:off x="996278" y="2257350"/>
+                  <a:ext cx="328359" cy="430840"/>
+                </a:xfrm>
+                <a:prstGeom prst="rect">
+                  <a:avLst/>
+                </a:prstGeom>
+                <a:blipFill>
+                  <a:blip r:embed="rId8"/>
+                  <a:stretch>
+                    <a:fillRect l="-22857" r="-17143" b="-23913"/>
+                  </a:stretch>
+                </a:blipFill>
+              </p:spPr>
+              <p:txBody>
+                <a:bodyPr/>
+                <a:lstStyle/>
+                <a:p>
+                  <a:r>
+                    <a:rPr lang="ja-JP" altLang="en-US">
+                      <a:noFill/>
+                    </a:rPr>
+                    <a:t> </a:t>
+                  </a:r>
+                </a:p>
+              </p:txBody>
+            </p:sp>
+          </mc:Fallback>
+        </mc:AlternateContent>
+        <mc:AlternateContent xmlns:mc="http://schemas.openxmlformats.org/markup-compatibility/2006">
+          <mc:Choice xmlns:a14="http://schemas.microsoft.com/office/drawing/2010/main" Requires="a14">
+            <p:sp>
+              <p:nvSpPr>
+                <p:cNvPr id="53" name="テキスト ボックス 52">
+                  <a:extLst>
+                    <a:ext uri="{FF2B5EF4-FFF2-40B4-BE49-F238E27FC236}">
+                      <a16:creationId xmlns:a16="http://schemas.microsoft.com/office/drawing/2014/main" id="{C1BBC50A-4E1E-054E-8BFE-1A6ED189E221}"/>
+                    </a:ext>
+                  </a:extLst>
+                </p:cNvPr>
+                <p:cNvSpPr txBox="1"/>
+                <p:nvPr/>
+              </p:nvSpPr>
+              <p:spPr>
+                <a:xfrm>
+                  <a:off x="5930542" y="1643884"/>
+                  <a:ext cx="307921" cy="430840"/>
+                </a:xfrm>
+                <a:prstGeom prst="rect">
+                  <a:avLst/>
+                </a:prstGeom>
+                <a:noFill/>
+              </p:spPr>
+              <p:txBody>
+                <a:bodyPr wrap="none" lIns="0" tIns="0" rIns="0" bIns="0" rtlCol="0">
+                  <a:spAutoFit/>
+                </a:bodyPr>
+                <a:lstStyle/>
+                <a:p>
+                  <a:pPr/>
+                  <a14:m>
+                    <m:oMathPara xmlns:m="http://schemas.openxmlformats.org/officeDocument/2006/math">
+                      <m:oMathParaPr>
+                        <m:jc m:val="centerGroup"/>
+                      </m:oMathParaPr>
+                      <m:oMath xmlns:m="http://schemas.openxmlformats.org/officeDocument/2006/math">
+                        <m:r>
+                          <a:rPr lang="en-US" altLang="ja-JP" sz="3733" i="1">
+                            <a:solidFill>
+                              <a:schemeClr val="accent2"/>
+                            </a:solidFill>
+                            <a:latin typeface="Cambria Math" panose="02040503050406030204" pitchFamily="18" charset="0"/>
+                          </a:rPr>
+                          <m:t>h</m:t>
+                        </m:r>
+                      </m:oMath>
+                    </m:oMathPara>
+                  </a14:m>
+                  <a:endParaRPr lang="ja-JP" altLang="en-US" sz="3733">
+                    <a:solidFill>
+                      <a:schemeClr val="accent2"/>
+                    </a:solidFill>
+                  </a:endParaRPr>
+                </a:p>
+              </p:txBody>
+            </p:sp>
+          </mc:Choice>
+          <mc:Fallback>
+            <p:sp>
+              <p:nvSpPr>
+                <p:cNvPr id="53" name="テキスト ボックス 52">
+                  <a:extLst>
+                    <a:ext uri="{FF2B5EF4-FFF2-40B4-BE49-F238E27FC236}">
+                      <a16:creationId xmlns:a16="http://schemas.microsoft.com/office/drawing/2014/main" id="{C1BBC50A-4E1E-054E-8BFE-1A6ED189E221}"/>
+                    </a:ext>
+                  </a:extLst>
+                </p:cNvPr>
+                <p:cNvSpPr txBox="1">
+                  <a:spLocks noRot="1" noChangeAspect="1" noMove="1" noResize="1" noEditPoints="1" noAdjustHandles="1" noChangeArrowheads="1" noChangeShapeType="1" noTextEdit="1"/>
+                </p:cNvSpPr>
+                <p:nvPr/>
+              </p:nvSpPr>
+              <p:spPr>
+                <a:xfrm>
+                  <a:off x="5930542" y="1643884"/>
+                  <a:ext cx="307921" cy="430840"/>
+                </a:xfrm>
+                <a:prstGeom prst="rect">
+                  <a:avLst/>
+                </a:prstGeom>
+                <a:blipFill>
+                  <a:blip r:embed="rId9"/>
+                  <a:stretch>
+                    <a:fillRect l="-24242" r="-18182" b="-4348"/>
+                  </a:stretch>
+                </a:blipFill>
+              </p:spPr>
+              <p:txBody>
+                <a:bodyPr/>
+                <a:lstStyle/>
+                <a:p>
+                  <a:r>
+                    <a:rPr lang="ja-JP" altLang="en-US">
+                      <a:noFill/>
+                    </a:rPr>
+                    <a:t> </a:t>
+                  </a:r>
+                </a:p>
+              </p:txBody>
+            </p:sp>
+          </mc:Fallback>
+        </mc:AlternateContent>
+        <mc:AlternateContent xmlns:mc="http://schemas.openxmlformats.org/markup-compatibility/2006">
+          <mc:Choice xmlns:a14="http://schemas.microsoft.com/office/drawing/2010/main" Requires="a14">
+            <p:sp>
+              <p:nvSpPr>
+                <p:cNvPr id="54" name="テキスト ボックス 53">
+                  <a:extLst>
+                    <a:ext uri="{FF2B5EF4-FFF2-40B4-BE49-F238E27FC236}">
+                      <a16:creationId xmlns:a16="http://schemas.microsoft.com/office/drawing/2014/main" id="{B1106FAA-307B-7447-B150-39AF92EE9912}"/>
+                    </a:ext>
+                  </a:extLst>
+                </p:cNvPr>
+                <p:cNvSpPr txBox="1"/>
+                <p:nvPr/>
+              </p:nvSpPr>
+              <p:spPr>
+                <a:xfrm>
+                  <a:off x="5891676" y="2720456"/>
+                  <a:ext cx="307921" cy="430840"/>
+                </a:xfrm>
+                <a:prstGeom prst="rect">
+                  <a:avLst/>
+                </a:prstGeom>
+                <a:noFill/>
+              </p:spPr>
+              <p:txBody>
+                <a:bodyPr wrap="none" lIns="0" tIns="0" rIns="0" bIns="0" rtlCol="0">
+                  <a:spAutoFit/>
+                </a:bodyPr>
+                <a:lstStyle/>
+                <a:p>
+                  <a:pPr/>
+                  <a14:m>
+                    <m:oMathPara xmlns:m="http://schemas.openxmlformats.org/officeDocument/2006/math">
+                      <m:oMathParaPr>
+                        <m:jc m:val="centerGroup"/>
+                      </m:oMathParaPr>
+                      <m:oMath xmlns:m="http://schemas.openxmlformats.org/officeDocument/2006/math">
+                        <m:r>
+                          <a:rPr lang="en-US" altLang="ja-JP" sz="3733" i="1">
+                            <a:solidFill>
+                              <a:schemeClr val="accent2"/>
+                            </a:solidFill>
+                            <a:latin typeface="Cambria Math" panose="02040503050406030204" pitchFamily="18" charset="0"/>
+                          </a:rPr>
+                          <m:t>h</m:t>
+                        </m:r>
+                      </m:oMath>
+                    </m:oMathPara>
+                  </a14:m>
+                  <a:endParaRPr lang="ja-JP" altLang="en-US" sz="3733">
+                    <a:solidFill>
+                      <a:schemeClr val="accent2"/>
+                    </a:solidFill>
+                  </a:endParaRPr>
+                </a:p>
+              </p:txBody>
+            </p:sp>
+          </mc:Choice>
+          <mc:Fallback>
+            <p:sp>
+              <p:nvSpPr>
+                <p:cNvPr id="54" name="テキスト ボックス 53">
+                  <a:extLst>
+                    <a:ext uri="{FF2B5EF4-FFF2-40B4-BE49-F238E27FC236}">
+                      <a16:creationId xmlns:a16="http://schemas.microsoft.com/office/drawing/2014/main" id="{B1106FAA-307B-7447-B150-39AF92EE9912}"/>
+                    </a:ext>
+                  </a:extLst>
+                </p:cNvPr>
+                <p:cNvSpPr txBox="1">
+                  <a:spLocks noRot="1" noChangeAspect="1" noMove="1" noResize="1" noEditPoints="1" noAdjustHandles="1" noChangeArrowheads="1" noChangeShapeType="1" noTextEdit="1"/>
+                </p:cNvSpPr>
+                <p:nvPr/>
+              </p:nvSpPr>
+              <p:spPr>
+                <a:xfrm>
+                  <a:off x="5891676" y="2720456"/>
+                  <a:ext cx="307921" cy="430840"/>
+                </a:xfrm>
+                <a:prstGeom prst="rect">
+                  <a:avLst/>
+                </a:prstGeom>
+                <a:blipFill>
+                  <a:blip r:embed="rId10"/>
+                  <a:stretch>
+                    <a:fillRect l="-24242" r="-21212" b="-6522"/>
+                  </a:stretch>
+                </a:blipFill>
+              </p:spPr>
+              <p:txBody>
+                <a:bodyPr/>
+                <a:lstStyle/>
+                <a:p>
+                  <a:r>
+                    <a:rPr lang="ja-JP" altLang="en-US">
+                      <a:noFill/>
+                    </a:rPr>
+                    <a:t> </a:t>
+                  </a:r>
+                </a:p>
+              </p:txBody>
+            </p:sp>
+          </mc:Fallback>
+        </mc:AlternateContent>
+        <mc:AlternateContent xmlns:mc="http://schemas.openxmlformats.org/markup-compatibility/2006">
+          <mc:Choice xmlns:a14="http://schemas.microsoft.com/office/drawing/2010/main" Requires="a14">
+            <p:sp>
+              <p:nvSpPr>
+                <p:cNvPr id="55" name="テキスト ボックス 54">
+                  <a:extLst>
+                    <a:ext uri="{FF2B5EF4-FFF2-40B4-BE49-F238E27FC236}">
+                      <a16:creationId xmlns:a16="http://schemas.microsoft.com/office/drawing/2014/main" id="{63F2B047-ADD0-4B43-891A-800D1885DF06}"/>
+                    </a:ext>
+                  </a:extLst>
+                </p:cNvPr>
+                <p:cNvSpPr txBox="1"/>
+                <p:nvPr/>
+              </p:nvSpPr>
+              <p:spPr>
+                <a:xfrm>
+                  <a:off x="7471939" y="2213601"/>
+                  <a:ext cx="307921" cy="430840"/>
+                </a:xfrm>
+                <a:prstGeom prst="rect">
+                  <a:avLst/>
+                </a:prstGeom>
+                <a:noFill/>
+              </p:spPr>
+              <p:txBody>
+                <a:bodyPr wrap="none" lIns="0" tIns="0" rIns="0" bIns="0" rtlCol="0">
+                  <a:spAutoFit/>
+                </a:bodyPr>
+                <a:lstStyle/>
+                <a:p>
+                  <a:pPr/>
+                  <a14:m>
+                    <m:oMathPara xmlns:m="http://schemas.openxmlformats.org/officeDocument/2006/math">
+                      <m:oMathParaPr>
+                        <m:jc m:val="centerGroup"/>
+                      </m:oMathParaPr>
+                      <m:oMath xmlns:m="http://schemas.openxmlformats.org/officeDocument/2006/math">
+                        <m:r>
+                          <a:rPr lang="en-US" altLang="ja-JP" sz="3733" i="1">
+                            <a:solidFill>
+                              <a:schemeClr val="accent2"/>
+                            </a:solidFill>
+                            <a:latin typeface="Cambria Math" panose="02040503050406030204" pitchFamily="18" charset="0"/>
+                          </a:rPr>
+                          <m:t>h</m:t>
+                        </m:r>
+                      </m:oMath>
+                    </m:oMathPara>
+                  </a14:m>
+                  <a:endParaRPr lang="ja-JP" altLang="en-US" sz="3733">
+                    <a:solidFill>
+                      <a:schemeClr val="accent2"/>
+                    </a:solidFill>
+                  </a:endParaRPr>
+                </a:p>
+              </p:txBody>
+            </p:sp>
+          </mc:Choice>
+          <mc:Fallback>
+            <p:sp>
+              <p:nvSpPr>
+                <p:cNvPr id="55" name="テキスト ボックス 54">
+                  <a:extLst>
+                    <a:ext uri="{FF2B5EF4-FFF2-40B4-BE49-F238E27FC236}">
+                      <a16:creationId xmlns:a16="http://schemas.microsoft.com/office/drawing/2014/main" id="{63F2B047-ADD0-4B43-891A-800D1885DF06}"/>
+                    </a:ext>
+                  </a:extLst>
+                </p:cNvPr>
+                <p:cNvSpPr txBox="1">
+                  <a:spLocks noRot="1" noChangeAspect="1" noMove="1" noResize="1" noEditPoints="1" noAdjustHandles="1" noChangeArrowheads="1" noChangeShapeType="1" noTextEdit="1"/>
+                </p:cNvSpPr>
+                <p:nvPr/>
+              </p:nvSpPr>
+              <p:spPr>
+                <a:xfrm>
+                  <a:off x="7471939" y="2213601"/>
+                  <a:ext cx="307921" cy="430840"/>
+                </a:xfrm>
+                <a:prstGeom prst="rect">
+                  <a:avLst/>
+                </a:prstGeom>
+                <a:blipFill>
+                  <a:blip r:embed="rId11"/>
+                  <a:stretch>
+                    <a:fillRect l="-20588" r="-17647" b="-4255"/>
+                  </a:stretch>
+                </a:blipFill>
+              </p:spPr>
+              <p:txBody>
+                <a:bodyPr/>
+                <a:lstStyle/>
+                <a:p>
+                  <a:r>
+                    <a:rPr lang="ja-JP" altLang="en-US">
+                      <a:noFill/>
+                    </a:rPr>
+                    <a:t> </a:t>
+                  </a:r>
+                </a:p>
+              </p:txBody>
+            </p:sp>
+          </mc:Fallback>
+        </mc:AlternateContent>
+        <p:sp>
+          <p:nvSpPr>
+            <p:cNvPr id="58" name="テキスト ボックス 57">
+              <a:extLst>
+                <a:ext uri="{FF2B5EF4-FFF2-40B4-BE49-F238E27FC236}">
+                  <a16:creationId xmlns:a16="http://schemas.microsoft.com/office/drawing/2014/main" id="{8D302800-60EA-9549-BA08-47AF06E53663}"/>
+                </a:ext>
+              </a:extLst>
+            </p:cNvPr>
+            <p:cNvSpPr txBox="1"/>
+            <p:nvPr/>
+          </p:nvSpPr>
+          <p:spPr>
+            <a:xfrm>
+              <a:off x="1722177" y="2167437"/>
+              <a:ext cx="473928" cy="623248"/>
+            </a:xfrm>
+            <a:prstGeom prst="rect">
+              <a:avLst/>
+            </a:prstGeom>
+            <a:noFill/>
+          </p:spPr>
+          <p:txBody>
+            <a:bodyPr wrap="none" rtlCol="0">
+              <a:spAutoFit/>
+            </a:bodyPr>
+            <a:lstStyle>
+              <a:defPPr marR="0" lvl="0" algn="l" rtl="0">
+                <a:lnSpc>
+                  <a:spcPct val="100000"/>
+                </a:lnSpc>
+                <a:spcBef>
+                  <a:spcPts val="0"/>
+                </a:spcBef>
+                <a:spcAft>
+                  <a:spcPts val="0"/>
+                </a:spcAft>
+              </a:defPPr>
+              <a:lvl1pPr>
+                <a:defRPr kumimoji="1" sz="3600">
+                  <a:solidFill>
+                    <a:schemeClr val="accent2"/>
+                  </a:solidFill>
+                </a:defRPr>
+              </a:lvl1pPr>
+            </a:lstStyle>
+            <a:p>
+              <a:r>
+                <a:rPr lang="en-US" altLang="ja-JP" sz="4800" dirty="0">
+                  <a:solidFill>
+                    <a:schemeClr val="accent1"/>
+                  </a:solidFill>
+                </a:rPr>
+                <a:t>G</a:t>
+              </a:r>
+              <a:endParaRPr lang="ja-JP" altLang="en-US" sz="4800">
+                <a:solidFill>
+                  <a:schemeClr val="accent1"/>
+                </a:solidFill>
+              </a:endParaRPr>
+            </a:p>
+          </p:txBody>
+        </p:sp>
+        <p:sp>
+          <p:nvSpPr>
+            <p:cNvPr id="59" name="テキスト ボックス 58">
+              <a:extLst>
+                <a:ext uri="{FF2B5EF4-FFF2-40B4-BE49-F238E27FC236}">
+                  <a16:creationId xmlns:a16="http://schemas.microsoft.com/office/drawing/2014/main" id="{6C4F11E4-5920-BB4D-8EFF-B65BBED1776A}"/>
+                </a:ext>
+              </a:extLst>
+            </p:cNvPr>
+            <p:cNvSpPr txBox="1"/>
+            <p:nvPr/>
+          </p:nvSpPr>
+          <p:spPr>
+            <a:xfrm>
+              <a:off x="6604043" y="2167437"/>
+              <a:ext cx="482344" cy="623248"/>
+            </a:xfrm>
+            <a:prstGeom prst="rect">
+              <a:avLst/>
+            </a:prstGeom>
+            <a:noFill/>
+          </p:spPr>
+          <p:txBody>
+            <a:bodyPr wrap="none" rtlCol="0">
+              <a:spAutoFit/>
+            </a:bodyPr>
+            <a:lstStyle/>
+            <a:p>
+              <a:r>
+                <a:rPr lang="en-US" altLang="ja-JP" sz="4800" dirty="0">
+                  <a:solidFill>
+                    <a:schemeClr val="accent2"/>
+                  </a:solidFill>
+                </a:rPr>
+                <a:t>H</a:t>
+              </a:r>
+              <a:endParaRPr lang="ja-JP" altLang="en-US" sz="4800">
+                <a:solidFill>
+                  <a:schemeClr val="accent2"/>
+                </a:solidFill>
+              </a:endParaRPr>
+            </a:p>
+          </p:txBody>
+        </p:sp>
+      </p:grpSp>
+    </p:spTree>
+    <p:extLst>
+      <p:ext uri="{BB962C8B-B14F-4D97-AF65-F5344CB8AC3E}">
+        <p14:creationId xmlns:p14="http://schemas.microsoft.com/office/powerpoint/2010/main" val="3274242685"/>
+      </p:ext>
+    </p:extLst>
+  </p:cSld>
+  <p:clrMapOvr>
+    <a:masterClrMapping/>
+  </p:clrMapOvr>
+</p:sld>
+</file>
+
+<file path=ppt/slides/slide26.xml><?xml version="1.0" encoding="utf-8"?>
+<p:sld xmlns:a="http://schemas.openxmlformats.org/drawingml/2006/main" xmlns:r="http://schemas.openxmlformats.org/officeDocument/2006/relationships" xmlns:p="http://schemas.openxmlformats.org/presentationml/2006/main">
+  <p:cSld>
+    <p:spTree>
+      <p:nvGrpSpPr>
+        <p:cNvPr id="1" name="Shape 423"/>
+        <p:cNvGrpSpPr/>
+        <p:nvPr/>
+      </p:nvGrpSpPr>
+      <p:grpSpPr>
+        <a:xfrm>
+          <a:off x="0" y="0"/>
+          <a:ext cx="0" cy="0"/>
+          <a:chOff x="0" y="0"/>
+          <a:chExt cx="0" cy="0"/>
+        </a:xfrm>
+      </p:grpSpPr>
+      <p:sp>
+        <p:nvSpPr>
+          <p:cNvPr id="424" name="Google Shape;424;p74"/>
+          <p:cNvSpPr txBox="1">
+            <a:spLocks noGrp="1"/>
+          </p:cNvSpPr>
+          <p:nvPr>
+            <p:ph type="title"/>
+          </p:nvPr>
+        </p:nvSpPr>
+        <p:spPr>
+          <a:xfrm>
+            <a:off x="838200" y="365125"/>
+            <a:ext cx="10515600" cy="1325600"/>
+          </a:xfrm>
+          <a:prstGeom prst="rect">
+            <a:avLst/>
+          </a:prstGeom>
+        </p:spPr>
+        <p:txBody>
+          <a:bodyPr spcFirstLastPara="1" vert="horz" wrap="square" lIns="91433" tIns="45700" rIns="91433" bIns="45700" rtlCol="0" anchor="ctr" anchorCtr="0">
+            <a:noAutofit/>
+          </a:bodyPr>
+          <a:lstStyle/>
+          <a:p>
+            <a:pPr>
+              <a:spcBef>
+                <a:spcPts val="0"/>
+              </a:spcBef>
+            </a:pPr>
+            <a:r>
+              <a:rPr lang="ja-JP" altLang="en-US"/>
+              <a:t>写像</a:t>
+            </a:r>
+            <a:r>
+              <a:rPr lang="en-US" altLang="ja-JP" dirty="0" err="1"/>
+              <a:t>φ</a:t>
+            </a:r>
+            <a:r>
+              <a:rPr lang="ja-JP" altLang="en-US"/>
+              <a:t>は準同型写像</a:t>
+            </a:r>
+            <a:endParaRPr dirty="0"/>
+          </a:p>
+        </p:txBody>
+      </p:sp>
+      <mc:AlternateContent xmlns:mc="http://schemas.openxmlformats.org/markup-compatibility/2006">
+        <mc:Choice xmlns:a14="http://schemas.microsoft.com/office/drawing/2010/main" Requires="a14">
+          <p:sp>
+            <p:nvSpPr>
+              <p:cNvPr id="425" name="Google Shape;425;p74"/>
+              <p:cNvSpPr txBox="1">
+                <a:spLocks noGrp="1"/>
+              </p:cNvSpPr>
+              <p:nvPr>
+                <p:ph type="body" idx="1"/>
+              </p:nvPr>
+            </p:nvSpPr>
+            <p:spPr>
+              <a:xfrm>
+                <a:off x="838200" y="1825625"/>
+                <a:ext cx="10515600" cy="4351200"/>
+              </a:xfrm>
+              <a:prstGeom prst="rect">
+                <a:avLst/>
+              </a:prstGeom>
+            </p:spPr>
+            <p:txBody>
+              <a:bodyPr spcFirstLastPara="1" vert="horz" wrap="square" lIns="91433" tIns="45700" rIns="91433" bIns="45700" rtlCol="0" anchor="t" anchorCtr="0">
+                <a:noAutofit/>
+              </a:bodyPr>
+              <a:lstStyle/>
+              <a:p>
+                <a:pPr marL="0" indent="0">
+                  <a:spcBef>
+                    <a:spcPts val="1067"/>
+                  </a:spcBef>
+                  <a:buNone/>
+                </a:pPr>
+                <a:r>
+                  <a:rPr lang="en-US" dirty="0"/>
+                  <a:t>Lem 1.43 </a:t>
+                </a:r>
+              </a:p>
+              <a:p>
+                <a:pPr marL="0" indent="0">
+                  <a:buNone/>
+                </a:pPr>
+                <a14:m>
+                  <m:oMath xmlns:m="http://schemas.openxmlformats.org/officeDocument/2006/math">
+                    <m:r>
+                      <a:rPr lang="ja-JP" altLang="en-US" i="1" smtClean="0">
+                        <a:latin typeface="Cambria Math" panose="02040503050406030204" pitchFamily="18" charset="0"/>
+                      </a:rPr>
+                      <m:t>𝜑</m:t>
+                    </m:r>
+                    <m:r>
+                      <a:rPr lang="en-US" altLang="ja-JP" b="0" i="1" smtClean="0">
+                        <a:latin typeface="Cambria Math" panose="02040503050406030204" pitchFamily="18" charset="0"/>
+                      </a:rPr>
+                      <m:t>:</m:t>
+                    </m:r>
+                    <m:r>
+                      <a:rPr lang="en-US" altLang="ja-JP" b="0" i="1" smtClean="0">
+                        <a:latin typeface="Cambria Math" panose="02040503050406030204" pitchFamily="18" charset="0"/>
+                      </a:rPr>
+                      <m:t>𝑆𝐿</m:t>
+                    </m:r>
+                    <m:r>
+                      <a:rPr lang="en-US" altLang="ja-JP" b="0" i="1" smtClean="0">
+                        <a:latin typeface="Cambria Math" panose="02040503050406030204" pitchFamily="18" charset="0"/>
+                      </a:rPr>
+                      <m:t>(2;</m:t>
+                    </m:r>
+                    <m:r>
+                      <a:rPr lang="en-US" altLang="ja-JP" i="1">
+                        <a:latin typeface="Cambria Math" panose="02040503050406030204" pitchFamily="18" charset="0"/>
+                        <a:ea typeface="Cambria Math" panose="02040503050406030204" pitchFamily="18" charset="0"/>
+                      </a:rPr>
+                      <m:t>ℂ</m:t>
+                    </m:r>
+                    <m:r>
+                      <a:rPr lang="en-US" altLang="ja-JP" b="0" i="1" smtClean="0">
+                        <a:latin typeface="Cambria Math" panose="02040503050406030204" pitchFamily="18" charset="0"/>
+                      </a:rPr>
+                      <m:t>)</m:t>
+                    </m:r>
+                    <m:r>
+                      <a:rPr lang="en-US" altLang="ja-JP" b="0" i="1" smtClean="0">
+                        <a:latin typeface="Cambria Math" panose="02040503050406030204" pitchFamily="18" charset="0"/>
+                        <a:ea typeface="Cambria Math" panose="02040503050406030204" pitchFamily="18" charset="0"/>
+                      </a:rPr>
+                      <m:t>→</m:t>
+                    </m:r>
+                    <m:r>
+                      <a:rPr lang="en-US" altLang="ja-JP" b="0" i="1" smtClean="0">
+                        <a:latin typeface="Cambria Math" panose="02040503050406030204" pitchFamily="18" charset="0"/>
+                        <a:ea typeface="Cambria Math" panose="02040503050406030204" pitchFamily="18" charset="0"/>
+                      </a:rPr>
+                      <m:t>𝑃𝑆𝐿</m:t>
+                    </m:r>
+                    <m:r>
+                      <a:rPr lang="en-US" altLang="ja-JP" b="0" i="1" smtClean="0">
+                        <a:latin typeface="Cambria Math" panose="02040503050406030204" pitchFamily="18" charset="0"/>
+                        <a:ea typeface="Cambria Math" panose="02040503050406030204" pitchFamily="18" charset="0"/>
+                      </a:rPr>
+                      <m:t>(2;</m:t>
+                    </m:r>
+                    <m:r>
+                      <a:rPr lang="en-US" altLang="ja-JP" b="0" i="1" smtClean="0">
+                        <a:latin typeface="Cambria Math" panose="02040503050406030204" pitchFamily="18" charset="0"/>
+                        <a:ea typeface="Cambria Math" panose="02040503050406030204" pitchFamily="18" charset="0"/>
+                      </a:rPr>
+                      <m:t>ℂ</m:t>
+                    </m:r>
+                    <m:r>
+                      <a:rPr lang="en-US" altLang="ja-JP" b="0" i="1" smtClean="0">
+                        <a:latin typeface="Cambria Math" panose="02040503050406030204" pitchFamily="18" charset="0"/>
+                        <a:ea typeface="Cambria Math" panose="02040503050406030204" pitchFamily="18" charset="0"/>
+                      </a:rPr>
+                      <m:t>)</m:t>
+                    </m:r>
+                  </m:oMath>
+                </a14:m>
+                <a:r>
+                  <a:rPr lang="en-US" altLang="ja-JP" dirty="0"/>
+                  <a:t>:</a:t>
+                </a:r>
+                <a:r>
+                  <a:rPr lang="ja-JP" altLang="en-US"/>
+                  <a:t>準同型写像．</a:t>
+                </a:r>
+                <a:endParaRPr lang="en-US" altLang="ja-JP" dirty="0"/>
+              </a:p>
+              <a:p>
+                <a:pPr marL="0" indent="0">
+                  <a:buNone/>
+                </a:pPr>
+                <a:endParaRPr lang="en-US" altLang="ja-JP" dirty="0"/>
+              </a:p>
+              <a:p>
+                <a:pPr marL="0" indent="0">
+                  <a:buNone/>
+                </a:pPr>
+                <a:r>
+                  <a:rPr lang="ja-JP" altLang="en-US">
+                    <a:solidFill>
+                      <a:schemeClr val="bg1">
+                        <a:lumMod val="50000"/>
+                      </a:schemeClr>
+                    </a:solidFill>
+                    <a:latin typeface="Cambria Math" panose="02040503050406030204" pitchFamily="18" charset="0"/>
+                  </a:rPr>
+                  <a:t>準同型写像の定義</a:t>
+                </a:r>
+                <a:endParaRPr lang="ja-JP" altLang="en-US" dirty="0">
+                  <a:solidFill>
+                    <a:schemeClr val="bg1">
+                      <a:lumMod val="50000"/>
+                    </a:schemeClr>
+                  </a:solidFill>
+                  <a:latin typeface="Cambria Math" panose="02040503050406030204" pitchFamily="18" charset="0"/>
+                </a:endParaRPr>
+              </a:p>
+              <a:p>
+                <a:pPr marL="0" indent="0">
+                  <a:buNone/>
+                </a:pPr>
+                <a14:m>
+                  <m:oMathPara xmlns:m="http://schemas.openxmlformats.org/officeDocument/2006/math">
+                    <m:oMathParaPr>
+                      <m:jc m:val="centerGroup"/>
+                    </m:oMathParaPr>
+                    <m:oMath xmlns:m="http://schemas.openxmlformats.org/officeDocument/2006/math">
+                      <m:r>
+                        <m:rPr>
+                          <m:sty m:val="p"/>
+                        </m:rPr>
+                        <a:rPr lang="fr-CA" altLang="ja-JP">
+                          <a:solidFill>
+                            <a:schemeClr val="bg1">
+                              <a:lumMod val="50000"/>
+                            </a:schemeClr>
+                          </a:solidFill>
+                          <a:latin typeface="Cambria Math" panose="02040503050406030204" pitchFamily="18" charset="0"/>
+                        </a:rPr>
+                        <m:t>G</m:t>
+                      </m:r>
+                      <m:r>
+                        <a:rPr lang="fr-CA" altLang="ja-JP">
+                          <a:solidFill>
+                            <a:schemeClr val="bg1">
+                              <a:lumMod val="50000"/>
+                            </a:schemeClr>
+                          </a:solidFill>
+                          <a:latin typeface="Cambria Math" panose="02040503050406030204" pitchFamily="18" charset="0"/>
+                        </a:rPr>
+                        <m:t>,</m:t>
+                      </m:r>
+                      <m:r>
+                        <m:rPr>
+                          <m:sty m:val="p"/>
+                        </m:rPr>
+                        <a:rPr lang="fr-CA" altLang="ja-JP">
+                          <a:solidFill>
+                            <a:schemeClr val="bg1">
+                              <a:lumMod val="50000"/>
+                            </a:schemeClr>
+                          </a:solidFill>
+                          <a:latin typeface="Cambria Math" panose="02040503050406030204" pitchFamily="18" charset="0"/>
+                        </a:rPr>
+                        <m:t>H</m:t>
+                      </m:r>
+                      <m:r>
+                        <a:rPr lang="fr-CA" altLang="ja-JP">
+                          <a:solidFill>
+                            <a:schemeClr val="bg1">
+                              <a:lumMod val="50000"/>
+                            </a:schemeClr>
+                          </a:solidFill>
+                          <a:latin typeface="Cambria Math" panose="02040503050406030204" pitchFamily="18" charset="0"/>
+                        </a:rPr>
+                        <m:t>:</m:t>
+                      </m:r>
+                      <m:r>
+                        <m:rPr>
+                          <m:sty m:val="p"/>
+                        </m:rPr>
+                        <a:rPr lang="fr-CA" altLang="ja-JP">
+                          <a:solidFill>
+                            <a:schemeClr val="bg1">
+                              <a:lumMod val="50000"/>
+                            </a:schemeClr>
+                          </a:solidFill>
+                          <a:latin typeface="Cambria Math" panose="02040503050406030204" pitchFamily="18" charset="0"/>
+                        </a:rPr>
+                        <m:t>group</m:t>
+                      </m:r>
+                      <m:r>
+                        <a:rPr lang="fr-CA" altLang="ja-JP">
+                          <a:solidFill>
+                            <a:schemeClr val="bg1">
+                              <a:lumMod val="50000"/>
+                            </a:schemeClr>
+                          </a:solidFill>
+                          <a:latin typeface="Cambria Math" panose="02040503050406030204" pitchFamily="18" charset="0"/>
+                        </a:rPr>
+                        <m:t>,</m:t>
+                      </m:r>
+                      <m:r>
+                        <a:rPr lang="fr-CA" altLang="ja-JP" i="1">
+                          <a:solidFill>
+                            <a:schemeClr val="bg1">
+                              <a:lumMod val="50000"/>
+                            </a:schemeClr>
+                          </a:solidFill>
+                          <a:latin typeface="Cambria Math" panose="02040503050406030204" pitchFamily="18" charset="0"/>
+                        </a:rPr>
+                        <m:t> </m:t>
+                      </m:r>
+                      <m:r>
+                        <a:rPr lang="fr-CA" altLang="ja-JP" i="1">
+                          <a:solidFill>
+                            <a:schemeClr val="bg1">
+                              <a:lumMod val="50000"/>
+                            </a:schemeClr>
+                          </a:solidFill>
+                          <a:latin typeface="Cambria Math" panose="02040503050406030204" pitchFamily="18" charset="0"/>
+                        </a:rPr>
+                        <m:t>𝜑</m:t>
+                      </m:r>
+                      <m:r>
+                        <a:rPr lang="fr-CA" altLang="ja-JP" i="1">
+                          <a:solidFill>
+                            <a:schemeClr val="bg1">
+                              <a:lumMod val="50000"/>
+                            </a:schemeClr>
+                          </a:solidFill>
+                          <a:latin typeface="Cambria Math" panose="02040503050406030204" pitchFamily="18" charset="0"/>
+                        </a:rPr>
+                        <m:t>:</m:t>
+                      </m:r>
+                      <m:r>
+                        <m:rPr>
+                          <m:sty m:val="p"/>
+                        </m:rPr>
+                        <a:rPr lang="fr-CA" altLang="ja-JP">
+                          <a:solidFill>
+                            <a:schemeClr val="bg1">
+                              <a:lumMod val="50000"/>
+                            </a:schemeClr>
+                          </a:solidFill>
+                          <a:latin typeface="Cambria Math" panose="02040503050406030204" pitchFamily="18" charset="0"/>
+                        </a:rPr>
+                        <m:t>G</m:t>
+                      </m:r>
+                      <m:r>
+                        <a:rPr lang="fr-CA" altLang="ja-JP" i="1">
+                          <a:solidFill>
+                            <a:schemeClr val="bg1">
+                              <a:lumMod val="50000"/>
+                            </a:schemeClr>
+                          </a:solidFill>
+                          <a:latin typeface="Cambria Math" panose="02040503050406030204" pitchFamily="18" charset="0"/>
+                          <a:ea typeface="Cambria Math" panose="02040503050406030204" pitchFamily="18" charset="0"/>
+                        </a:rPr>
+                        <m:t>→</m:t>
+                      </m:r>
+                      <m:r>
+                        <m:rPr>
+                          <m:sty m:val="p"/>
+                        </m:rPr>
+                        <a:rPr lang="fr-CA" altLang="ja-JP">
+                          <a:solidFill>
+                            <a:schemeClr val="bg1">
+                              <a:lumMod val="50000"/>
+                            </a:schemeClr>
+                          </a:solidFill>
+                          <a:latin typeface="Cambria Math" panose="02040503050406030204" pitchFamily="18" charset="0"/>
+                        </a:rPr>
+                        <m:t>H</m:t>
+                      </m:r>
+                    </m:oMath>
+                  </m:oMathPara>
+                </a14:m>
+                <a:endParaRPr lang="fr-CA" altLang="ja-JP" dirty="0">
+                  <a:solidFill>
+                    <a:schemeClr val="bg1">
+                      <a:lumMod val="50000"/>
+                    </a:schemeClr>
+                  </a:solidFill>
+                </a:endParaRPr>
+              </a:p>
+              <a:p>
+                <a:pPr marL="0" indent="0">
+                  <a:buNone/>
+                </a:pPr>
+                <a14:m>
+                  <m:oMathPara xmlns:m="http://schemas.openxmlformats.org/officeDocument/2006/math">
+                    <m:oMathParaPr>
+                      <m:jc m:val="centerGroup"/>
+                    </m:oMathParaPr>
+                    <m:oMath xmlns:m="http://schemas.openxmlformats.org/officeDocument/2006/math">
+                      <m:r>
+                        <a:rPr lang="fr-CA" altLang="ja-JP" i="1">
+                          <a:solidFill>
+                            <a:schemeClr val="bg1">
+                              <a:lumMod val="50000"/>
+                            </a:schemeClr>
+                          </a:solidFill>
+                          <a:latin typeface="Cambria Math" panose="02040503050406030204" pitchFamily="18" charset="0"/>
+                          <a:ea typeface="Cambria Math" panose="02040503050406030204" pitchFamily="18" charset="0"/>
+                        </a:rPr>
+                        <m:t>∀</m:t>
+                      </m:r>
+                      <m:sSub>
+                        <m:sSubPr>
+                          <m:ctrlPr>
+                            <a:rPr lang="ar-AE" altLang="ja-JP" i="1">
+                              <a:solidFill>
+                                <a:schemeClr val="bg1">
+                                  <a:lumMod val="50000"/>
+                                </a:schemeClr>
+                              </a:solidFill>
+                              <a:latin typeface="Cambria Math" panose="02040503050406030204" pitchFamily="18" charset="0"/>
+                              <a:ea typeface="Cambria Math" panose="02040503050406030204" pitchFamily="18" charset="0"/>
+                            </a:rPr>
+                          </m:ctrlPr>
+                        </m:sSubPr>
+                        <m:e>
+                          <m:r>
+                            <a:rPr lang="ar-AE" altLang="ja-JP" i="1">
+                              <a:solidFill>
+                                <a:schemeClr val="bg1">
+                                  <a:lumMod val="50000"/>
+                                </a:schemeClr>
+                              </a:solidFill>
+                              <a:latin typeface="Cambria Math" panose="02040503050406030204" pitchFamily="18" charset="0"/>
+                              <a:ea typeface="Cambria Math" panose="02040503050406030204" pitchFamily="18" charset="0"/>
+                            </a:rPr>
+                            <m:t>𝑔</m:t>
+                          </m:r>
+                        </m:e>
+                        <m:sub>
+                          <m:r>
+                            <a:rPr lang="ar-AE" altLang="ja-JP" i="1">
+                              <a:solidFill>
+                                <a:schemeClr val="bg1">
+                                  <a:lumMod val="50000"/>
+                                </a:schemeClr>
+                              </a:solidFill>
+                              <a:latin typeface="Cambria Math" panose="02040503050406030204" pitchFamily="18" charset="0"/>
+                              <a:ea typeface="Cambria Math" panose="02040503050406030204" pitchFamily="18" charset="0"/>
+                            </a:rPr>
+                            <m:t>1</m:t>
+                          </m:r>
+                        </m:sub>
+                      </m:sSub>
+                      <m:r>
+                        <a:rPr lang="ar-AE" altLang="ja-JP" i="1">
+                          <a:solidFill>
+                            <a:schemeClr val="bg1">
+                              <a:lumMod val="50000"/>
+                            </a:schemeClr>
+                          </a:solidFill>
+                          <a:latin typeface="Cambria Math" panose="02040503050406030204" pitchFamily="18" charset="0"/>
+                          <a:ea typeface="Cambria Math" panose="02040503050406030204" pitchFamily="18" charset="0"/>
+                        </a:rPr>
+                        <m:t>,</m:t>
+                      </m:r>
+                      <m:sSub>
+                        <m:sSubPr>
+                          <m:ctrlPr>
+                            <a:rPr lang="ar-AE" altLang="ja-JP" i="1">
+                              <a:solidFill>
+                                <a:schemeClr val="bg1">
+                                  <a:lumMod val="50000"/>
+                                </a:schemeClr>
+                              </a:solidFill>
+                              <a:latin typeface="Cambria Math" panose="02040503050406030204" pitchFamily="18" charset="0"/>
+                              <a:ea typeface="Cambria Math" panose="02040503050406030204" pitchFamily="18" charset="0"/>
+                            </a:rPr>
+                          </m:ctrlPr>
+                        </m:sSubPr>
+                        <m:e>
+                          <m:r>
+                            <a:rPr lang="ar-AE" altLang="ja-JP" i="1">
+                              <a:solidFill>
+                                <a:schemeClr val="bg1">
+                                  <a:lumMod val="50000"/>
+                                </a:schemeClr>
+                              </a:solidFill>
+                              <a:latin typeface="Cambria Math" panose="02040503050406030204" pitchFamily="18" charset="0"/>
+                              <a:ea typeface="Cambria Math" panose="02040503050406030204" pitchFamily="18" charset="0"/>
+                            </a:rPr>
+                            <m:t>𝑔</m:t>
+                          </m:r>
+                        </m:e>
+                        <m:sub>
+                          <m:r>
+                            <a:rPr lang="ar-AE" altLang="ja-JP" i="1">
+                              <a:solidFill>
+                                <a:schemeClr val="bg1">
+                                  <a:lumMod val="50000"/>
+                                </a:schemeClr>
+                              </a:solidFill>
+                              <a:latin typeface="Cambria Math" panose="02040503050406030204" pitchFamily="18" charset="0"/>
+                              <a:ea typeface="Cambria Math" panose="02040503050406030204" pitchFamily="18" charset="0"/>
+                            </a:rPr>
+                            <m:t>2</m:t>
+                          </m:r>
+                        </m:sub>
+                      </m:sSub>
+                      <m:r>
+                        <a:rPr lang="ar-AE" altLang="ja-JP" i="1">
+                          <a:solidFill>
+                            <a:schemeClr val="bg1">
+                              <a:lumMod val="50000"/>
+                            </a:schemeClr>
+                          </a:solidFill>
+                          <a:latin typeface="Cambria Math" panose="02040503050406030204" pitchFamily="18" charset="0"/>
+                          <a:ea typeface="Cambria Math" panose="02040503050406030204" pitchFamily="18" charset="0"/>
+                        </a:rPr>
+                        <m:t>∈</m:t>
+                      </m:r>
+                      <m:r>
+                        <m:rPr>
+                          <m:sty m:val="p"/>
+                        </m:rPr>
+                        <a:rPr lang="fr-CA" altLang="ja-JP">
+                          <a:solidFill>
+                            <a:schemeClr val="bg1">
+                              <a:lumMod val="50000"/>
+                            </a:schemeClr>
+                          </a:solidFill>
+                          <a:latin typeface="Cambria Math" panose="02040503050406030204" pitchFamily="18" charset="0"/>
+                          <a:ea typeface="Cambria Math" panose="02040503050406030204" pitchFamily="18" charset="0"/>
+                        </a:rPr>
+                        <m:t>G</m:t>
+                      </m:r>
+                      <m:r>
+                        <a:rPr lang="fr-CA" altLang="ja-JP">
+                          <a:solidFill>
+                            <a:schemeClr val="bg1">
+                              <a:lumMod val="50000"/>
+                            </a:schemeClr>
+                          </a:solidFill>
+                          <a:latin typeface="Cambria Math" panose="02040503050406030204" pitchFamily="18" charset="0"/>
+                          <a:ea typeface="Cambria Math" panose="02040503050406030204" pitchFamily="18" charset="0"/>
+                        </a:rPr>
+                        <m:t>,</m:t>
+                      </m:r>
+                      <m:r>
+                        <a:rPr lang="fr-CA" altLang="ja-JP" i="1">
+                          <a:solidFill>
+                            <a:schemeClr val="bg1">
+                              <a:lumMod val="50000"/>
+                            </a:schemeClr>
+                          </a:solidFill>
+                          <a:latin typeface="Cambria Math" panose="02040503050406030204" pitchFamily="18" charset="0"/>
+                        </a:rPr>
+                        <m:t>𝜑</m:t>
+                      </m:r>
+                      <m:d>
+                        <m:dPr>
+                          <m:ctrlPr>
+                            <a:rPr lang="ar-AE" altLang="ja-JP" i="1">
+                              <a:solidFill>
+                                <a:schemeClr val="bg1">
+                                  <a:lumMod val="50000"/>
+                                </a:schemeClr>
+                              </a:solidFill>
+                              <a:latin typeface="Cambria Math" panose="02040503050406030204" pitchFamily="18" charset="0"/>
+                            </a:rPr>
+                          </m:ctrlPr>
+                        </m:dPr>
+                        <m:e>
+                          <m:sSub>
+                            <m:sSubPr>
+                              <m:ctrlPr>
+                                <a:rPr lang="ar-AE" altLang="ja-JP" i="1">
+                                  <a:solidFill>
+                                    <a:schemeClr val="bg1">
+                                      <a:lumMod val="50000"/>
+                                    </a:schemeClr>
+                                  </a:solidFill>
+                                  <a:latin typeface="Cambria Math" panose="02040503050406030204" pitchFamily="18" charset="0"/>
+                                  <a:ea typeface="Cambria Math" panose="02040503050406030204" pitchFamily="18" charset="0"/>
+                                </a:rPr>
+                              </m:ctrlPr>
+                            </m:sSubPr>
+                            <m:e>
+                              <m:r>
+                                <a:rPr lang="ar-AE" altLang="ja-JP" i="1">
+                                  <a:solidFill>
+                                    <a:schemeClr val="bg1">
+                                      <a:lumMod val="50000"/>
+                                    </a:schemeClr>
+                                  </a:solidFill>
+                                  <a:latin typeface="Cambria Math" panose="02040503050406030204" pitchFamily="18" charset="0"/>
+                                  <a:ea typeface="Cambria Math" panose="02040503050406030204" pitchFamily="18" charset="0"/>
+                                </a:rPr>
+                                <m:t>𝑔</m:t>
+                              </m:r>
+                            </m:e>
+                            <m:sub>
+                              <m:r>
+                                <a:rPr lang="ar-AE" altLang="ja-JP" i="1">
+                                  <a:solidFill>
+                                    <a:schemeClr val="bg1">
+                                      <a:lumMod val="50000"/>
+                                    </a:schemeClr>
+                                  </a:solidFill>
+                                  <a:latin typeface="Cambria Math" panose="02040503050406030204" pitchFamily="18" charset="0"/>
+                                  <a:ea typeface="Cambria Math" panose="02040503050406030204" pitchFamily="18" charset="0"/>
+                                </a:rPr>
+                                <m:t>1</m:t>
+                              </m:r>
+                            </m:sub>
+                          </m:sSub>
+                          <m:sSub>
+                            <m:sSubPr>
+                              <m:ctrlPr>
+                                <a:rPr lang="ar-AE" altLang="ja-JP" i="1">
+                                  <a:solidFill>
+                                    <a:schemeClr val="bg1">
+                                      <a:lumMod val="50000"/>
+                                    </a:schemeClr>
+                                  </a:solidFill>
+                                  <a:latin typeface="Cambria Math" panose="02040503050406030204" pitchFamily="18" charset="0"/>
+                                  <a:ea typeface="Cambria Math" panose="02040503050406030204" pitchFamily="18" charset="0"/>
+                                </a:rPr>
+                              </m:ctrlPr>
+                            </m:sSubPr>
+                            <m:e>
+                              <m:r>
+                                <a:rPr lang="ar-AE" altLang="ja-JP" i="1">
+                                  <a:solidFill>
+                                    <a:schemeClr val="bg1">
+                                      <a:lumMod val="50000"/>
+                                    </a:schemeClr>
+                                  </a:solidFill>
+                                  <a:latin typeface="Cambria Math" panose="02040503050406030204" pitchFamily="18" charset="0"/>
+                                  <a:ea typeface="Cambria Math" panose="02040503050406030204" pitchFamily="18" charset="0"/>
+                                </a:rPr>
+                                <m:t>𝑔</m:t>
+                              </m:r>
+                            </m:e>
+                            <m:sub>
+                              <m:r>
+                                <a:rPr lang="ar-AE" altLang="ja-JP" i="1">
+                                  <a:solidFill>
+                                    <a:schemeClr val="bg1">
+                                      <a:lumMod val="50000"/>
+                                    </a:schemeClr>
+                                  </a:solidFill>
+                                  <a:latin typeface="Cambria Math" panose="02040503050406030204" pitchFamily="18" charset="0"/>
+                                  <a:ea typeface="Cambria Math" panose="02040503050406030204" pitchFamily="18" charset="0"/>
+                                </a:rPr>
+                                <m:t>2</m:t>
+                              </m:r>
+                            </m:sub>
+                          </m:sSub>
+                        </m:e>
+                      </m:d>
+                      <m:r>
+                        <a:rPr lang="ar-AE" altLang="ja-JP" i="1">
+                          <a:solidFill>
+                            <a:schemeClr val="bg1">
+                              <a:lumMod val="50000"/>
+                            </a:schemeClr>
+                          </a:solidFill>
+                          <a:latin typeface="Cambria Math" panose="02040503050406030204" pitchFamily="18" charset="0"/>
+                        </a:rPr>
+                        <m:t>=</m:t>
+                      </m:r>
+                      <m:r>
+                        <a:rPr lang="ar-AE" altLang="ja-JP" i="1">
+                          <a:solidFill>
+                            <a:schemeClr val="bg1">
+                              <a:lumMod val="50000"/>
+                            </a:schemeClr>
+                          </a:solidFill>
+                          <a:latin typeface="Cambria Math" panose="02040503050406030204" pitchFamily="18" charset="0"/>
+                        </a:rPr>
+                        <m:t>𝜑</m:t>
+                      </m:r>
+                      <m:d>
+                        <m:dPr>
+                          <m:ctrlPr>
+                            <a:rPr lang="ar-AE" altLang="ja-JP" i="1">
+                              <a:solidFill>
+                                <a:schemeClr val="bg1">
+                                  <a:lumMod val="50000"/>
+                                </a:schemeClr>
+                              </a:solidFill>
+                              <a:latin typeface="Cambria Math" panose="02040503050406030204" pitchFamily="18" charset="0"/>
+                            </a:rPr>
+                          </m:ctrlPr>
+                        </m:dPr>
+                        <m:e>
+                          <m:sSub>
+                            <m:sSubPr>
+                              <m:ctrlPr>
+                                <a:rPr lang="ar-AE" altLang="ja-JP" i="1">
+                                  <a:solidFill>
+                                    <a:schemeClr val="bg1">
+                                      <a:lumMod val="50000"/>
+                                    </a:schemeClr>
+                                  </a:solidFill>
+                                  <a:latin typeface="Cambria Math" panose="02040503050406030204" pitchFamily="18" charset="0"/>
+                                  <a:ea typeface="Cambria Math" panose="02040503050406030204" pitchFamily="18" charset="0"/>
+                                </a:rPr>
+                              </m:ctrlPr>
+                            </m:sSubPr>
+                            <m:e>
+                              <m:r>
+                                <a:rPr lang="ar-AE" altLang="ja-JP" i="1">
+                                  <a:solidFill>
+                                    <a:schemeClr val="bg1">
+                                      <a:lumMod val="50000"/>
+                                    </a:schemeClr>
+                                  </a:solidFill>
+                                  <a:latin typeface="Cambria Math" panose="02040503050406030204" pitchFamily="18" charset="0"/>
+                                  <a:ea typeface="Cambria Math" panose="02040503050406030204" pitchFamily="18" charset="0"/>
+                                </a:rPr>
+                                <m:t>𝑔</m:t>
+                              </m:r>
+                            </m:e>
+                            <m:sub>
+                              <m:r>
+                                <a:rPr lang="ar-AE" altLang="ja-JP" i="1">
+                                  <a:solidFill>
+                                    <a:schemeClr val="bg1">
+                                      <a:lumMod val="50000"/>
+                                    </a:schemeClr>
+                                  </a:solidFill>
+                                  <a:latin typeface="Cambria Math" panose="02040503050406030204" pitchFamily="18" charset="0"/>
+                                  <a:ea typeface="Cambria Math" panose="02040503050406030204" pitchFamily="18" charset="0"/>
+                                </a:rPr>
+                                <m:t>1</m:t>
+                              </m:r>
+                            </m:sub>
+                          </m:sSub>
+                        </m:e>
+                      </m:d>
+                      <m:r>
+                        <a:rPr lang="ar-AE" altLang="ja-JP" i="1">
+                          <a:solidFill>
+                            <a:schemeClr val="bg1">
+                              <a:lumMod val="50000"/>
+                            </a:schemeClr>
+                          </a:solidFill>
+                          <a:latin typeface="Cambria Math" panose="02040503050406030204" pitchFamily="18" charset="0"/>
+                        </a:rPr>
+                        <m:t>𝜑</m:t>
+                      </m:r>
+                      <m:d>
+                        <m:dPr>
+                          <m:ctrlPr>
+                            <a:rPr lang="ar-AE" altLang="ja-JP" i="1">
+                              <a:solidFill>
+                                <a:schemeClr val="bg1">
+                                  <a:lumMod val="50000"/>
+                                </a:schemeClr>
+                              </a:solidFill>
+                              <a:latin typeface="Cambria Math" panose="02040503050406030204" pitchFamily="18" charset="0"/>
+                            </a:rPr>
+                          </m:ctrlPr>
+                        </m:dPr>
+                        <m:e>
+                          <m:sSub>
+                            <m:sSubPr>
+                              <m:ctrlPr>
+                                <a:rPr lang="ar-AE" altLang="ja-JP" i="1">
+                                  <a:solidFill>
+                                    <a:schemeClr val="bg1">
+                                      <a:lumMod val="50000"/>
+                                    </a:schemeClr>
+                                  </a:solidFill>
+                                  <a:latin typeface="Cambria Math" panose="02040503050406030204" pitchFamily="18" charset="0"/>
+                                  <a:ea typeface="Cambria Math" panose="02040503050406030204" pitchFamily="18" charset="0"/>
+                                </a:rPr>
+                              </m:ctrlPr>
+                            </m:sSubPr>
+                            <m:e>
+                              <m:r>
+                                <a:rPr lang="ar-AE" altLang="ja-JP" i="1">
+                                  <a:solidFill>
+                                    <a:schemeClr val="bg1">
+                                      <a:lumMod val="50000"/>
+                                    </a:schemeClr>
+                                  </a:solidFill>
+                                  <a:latin typeface="Cambria Math" panose="02040503050406030204" pitchFamily="18" charset="0"/>
+                                  <a:ea typeface="Cambria Math" panose="02040503050406030204" pitchFamily="18" charset="0"/>
+                                </a:rPr>
+                                <m:t>𝑔</m:t>
+                              </m:r>
+                            </m:e>
+                            <m:sub>
+                              <m:r>
+                                <a:rPr lang="ar-AE" altLang="ja-JP" i="1">
+                                  <a:solidFill>
+                                    <a:schemeClr val="bg1">
+                                      <a:lumMod val="50000"/>
+                                    </a:schemeClr>
+                                  </a:solidFill>
+                                  <a:latin typeface="Cambria Math" panose="02040503050406030204" pitchFamily="18" charset="0"/>
+                                  <a:ea typeface="Cambria Math" panose="02040503050406030204" pitchFamily="18" charset="0"/>
+                                </a:rPr>
+                                <m:t>2</m:t>
+                              </m:r>
+                            </m:sub>
+                          </m:sSub>
+                        </m:e>
+                      </m:d>
+                    </m:oMath>
+                  </m:oMathPara>
+                </a14:m>
+                <a:endParaRPr lang="ar-AE" dirty="0">
+                  <a:solidFill>
+                    <a:schemeClr val="bg1">
+                      <a:lumMod val="50000"/>
+                    </a:schemeClr>
+                  </a:solidFill>
+                </a:endParaRPr>
+              </a:p>
+            </p:txBody>
+          </p:sp>
+        </mc:Choice>
+        <mc:Fallback>
+          <p:sp>
+            <p:nvSpPr>
+              <p:cNvPr id="425" name="Google Shape;425;p74"/>
+              <p:cNvSpPr txBox="1">
+                <a:spLocks noGrp="1" noRot="1" noChangeAspect="1" noMove="1" noResize="1" noEditPoints="1" noAdjustHandles="1" noChangeArrowheads="1" noChangeShapeType="1" noTextEdit="1"/>
+              </p:cNvSpPr>
+              <p:nvPr>
+                <p:ph type="body" idx="1"/>
+              </p:nvPr>
+            </p:nvSpPr>
+            <p:spPr>
+              <a:xfrm>
+                <a:off x="838200" y="1825625"/>
+                <a:ext cx="10515600" cy="4351200"/>
+              </a:xfrm>
+              <a:prstGeom prst="rect">
+                <a:avLst/>
+              </a:prstGeom>
+              <a:blipFill>
+                <a:blip r:embed="rId3"/>
+                <a:stretch>
+                  <a:fillRect l="-1086"/>
+                </a:stretch>
+              </a:blipFill>
+            </p:spPr>
+            <p:txBody>
+              <a:bodyPr/>
+              <a:lstStyle/>
+              <a:p>
+                <a:r>
+                  <a:rPr lang="ja-JP" altLang="en-US">
+                    <a:noFill/>
+                  </a:rPr>
+                  <a:t> </a:t>
+                </a:r>
+              </a:p>
+            </p:txBody>
+          </p:sp>
+        </mc:Fallback>
+      </mc:AlternateContent>
+    </p:spTree>
+    <p:extLst>
+      <p:ext uri="{BB962C8B-B14F-4D97-AF65-F5344CB8AC3E}">
+        <p14:creationId xmlns:p14="http://schemas.microsoft.com/office/powerpoint/2010/main" val="2265818907"/>
+      </p:ext>
+    </p:extLst>
+  </p:cSld>
+  <p:clrMapOvr>
+    <a:masterClrMapping/>
+  </p:clrMapOvr>
+</p:sld>
+</file>
+
+<file path=ppt/slides/slide27.xml><?xml version="1.0" encoding="utf-8"?>
 <p:sld xmlns:a="http://schemas.openxmlformats.org/drawingml/2006/main" xmlns:r="http://schemas.openxmlformats.org/officeDocument/2006/relationships" xmlns:p="http://schemas.openxmlformats.org/presentationml/2006/main">
   <p:cSld>
     <p:spTree>
@@ -10594,7 +16388,7 @@
           <p:cNvPr id="2" name="タイトル 1">
             <a:extLst>
               <a:ext uri="{FF2B5EF4-FFF2-40B4-BE49-F238E27FC236}">
-                <a16:creationId xmlns:a16="http://schemas.microsoft.com/office/drawing/2014/main" id="{D15296A9-FEA3-C347-9C29-4D1D9D409994}"/>
+                <a16:creationId xmlns:a16="http://schemas.microsoft.com/office/drawing/2014/main" id="{2FDFE320-7D2C-284A-9E64-757DAC37D7F9}"/>
               </a:ext>
             </a:extLst>
           </p:cNvPr>
@@ -10605,75 +16399,1653 @@
             <p:ph type="title"/>
           </p:nvPr>
         </p:nvSpPr>
-        <p:spPr/>
+        <p:spPr>
+          <a:xfrm>
+            <a:off x="838200" y="365125"/>
+            <a:ext cx="10515600" cy="1325563"/>
+          </a:xfrm>
+        </p:spPr>
         <p:txBody>
           <a:bodyPr/>
           <a:lstStyle/>
           <a:p>
             <a:r>
-              <a:rPr lang="ja-JP" altLang="en-US"/>
-              <a:t>一般的な人の数学に対するイメージ</a:t>
-            </a:r>
-            <a:endParaRPr kumimoji="1" lang="ja-JP" altLang="en-US"/>
+              <a:rPr kumimoji="1" lang="ja-JP" altLang="en-US"/>
+              <a:t>例で定義を確認：０からチョキへ</a:t>
+            </a:r>
           </a:p>
         </p:txBody>
       </p:sp>
       <p:sp>
         <p:nvSpPr>
-          <p:cNvPr id="3" name="コンテンツ プレースホルダー 2">
+          <p:cNvPr id="5" name="テキスト ボックス 4">
             <a:extLst>
               <a:ext uri="{FF2B5EF4-FFF2-40B4-BE49-F238E27FC236}">
-                <a16:creationId xmlns:a16="http://schemas.microsoft.com/office/drawing/2014/main" id="{E2893A0D-7CA2-AC47-BB59-CC8504926F3C}"/>
+                <a16:creationId xmlns:a16="http://schemas.microsoft.com/office/drawing/2014/main" id="{276D73F1-C5A3-6544-BB03-4FEC2ECB6546}"/>
               </a:ext>
             </a:extLst>
           </p:cNvPr>
-          <p:cNvSpPr>
-            <a:spLocks noGrp="1"/>
-          </p:cNvSpPr>
-          <p:nvPr>
-            <p:ph idx="1"/>
-          </p:nvPr>
+          <p:cNvSpPr txBox="1"/>
+          <p:nvPr/>
         </p:nvSpPr>
-        <p:spPr/>
+        <p:spPr>
+          <a:xfrm>
+            <a:off x="3467232" y="1589313"/>
+            <a:ext cx="412292" cy="584775"/>
+          </a:xfrm>
+          <a:prstGeom prst="rect">
+            <a:avLst/>
+          </a:prstGeom>
+          <a:noFill/>
+        </p:spPr>
         <p:txBody>
-          <a:bodyPr/>
+          <a:bodyPr wrap="none" rtlCol="0">
+            <a:spAutoFit/>
+          </a:bodyPr>
           <a:lstStyle/>
           <a:p>
             <a:r>
-              <a:rPr kumimoji="1" lang="ja-JP" altLang="en-US"/>
-              <a:t>足し算とか掛け算とかの計算で数字をいじるんでしょう？</a:t>
-            </a:r>
-            <a:endParaRPr kumimoji="1" lang="en-US" altLang="ja-JP" dirty="0"/>
-          </a:p>
-          <a:p>
-            <a:r>
-              <a:rPr kumimoji="1" lang="ja-JP" altLang="en-US"/>
-              <a:t>とりあえず微分・積分してイイ気分になるんでしょう？</a:t>
-            </a:r>
-            <a:endParaRPr kumimoji="1" lang="en-US" altLang="ja-JP" dirty="0"/>
-          </a:p>
-          <a:p>
-            <a:pPr marL="0" indent="0">
-              <a:buNone/>
-            </a:pPr>
-            <a:endParaRPr lang="en-US" altLang="ja-JP" dirty="0"/>
-          </a:p>
-          <a:p>
-            <a:pPr marL="0" indent="0">
-              <a:buNone/>
-            </a:pPr>
-            <a:r>
-              <a:rPr lang="ja-JP" altLang="en-US"/>
-              <a:t>これらは「対象（数）自体に着目して計算」しているだけ．</a:t>
-            </a:r>
-            <a:endParaRPr lang="en-US" altLang="ja-JP" dirty="0"/>
+              <a:rPr lang="en-US" altLang="ja-JP" sz="3200" dirty="0"/>
+              <a:t>0</a:t>
+            </a:r>
+            <a:endParaRPr lang="ja-JP" altLang="en-US" sz="3200"/>
+          </a:p>
+        </p:txBody>
+      </p:sp>
+      <p:sp>
+        <p:nvSpPr>
+          <p:cNvPr id="6" name="テキスト ボックス 5">
+            <a:extLst>
+              <a:ext uri="{FF2B5EF4-FFF2-40B4-BE49-F238E27FC236}">
+                <a16:creationId xmlns:a16="http://schemas.microsoft.com/office/drawing/2014/main" id="{AFE960A7-FEC8-9A47-B3EB-2B53EC6E9116}"/>
+              </a:ext>
+            </a:extLst>
+          </p:cNvPr>
+          <p:cNvSpPr txBox="1"/>
+          <p:nvPr/>
+        </p:nvSpPr>
+        <p:spPr>
+          <a:xfrm>
+            <a:off x="3467232" y="3019847"/>
+            <a:ext cx="412292" cy="584775"/>
+          </a:xfrm>
+          <a:prstGeom prst="rect">
+            <a:avLst/>
+          </a:prstGeom>
+          <a:noFill/>
+        </p:spPr>
+        <p:txBody>
+          <a:bodyPr wrap="none" rtlCol="0">
+            <a:spAutoFit/>
+          </a:bodyPr>
+          <a:lstStyle/>
+          <a:p>
+            <a:r>
+              <a:rPr lang="en-US" altLang="ja-JP" sz="3200" dirty="0"/>
+              <a:t>1</a:t>
+            </a:r>
+            <a:endParaRPr lang="ja-JP" altLang="en-US" sz="3200"/>
+          </a:p>
+        </p:txBody>
+      </p:sp>
+      <p:sp>
+        <p:nvSpPr>
+          <p:cNvPr id="7" name="テキスト ボックス 6">
+            <a:extLst>
+              <a:ext uri="{FF2B5EF4-FFF2-40B4-BE49-F238E27FC236}">
+                <a16:creationId xmlns:a16="http://schemas.microsoft.com/office/drawing/2014/main" id="{6E595C5A-126F-E24F-B8B3-CDA8C5608142}"/>
+              </a:ext>
+            </a:extLst>
+          </p:cNvPr>
+          <p:cNvSpPr txBox="1"/>
+          <p:nvPr/>
+        </p:nvSpPr>
+        <p:spPr>
+          <a:xfrm>
+            <a:off x="3467232" y="4450382"/>
+            <a:ext cx="412292" cy="584775"/>
+          </a:xfrm>
+          <a:prstGeom prst="rect">
+            <a:avLst/>
+          </a:prstGeom>
+          <a:noFill/>
+        </p:spPr>
+        <p:txBody>
+          <a:bodyPr wrap="none" rtlCol="0">
+            <a:spAutoFit/>
+          </a:bodyPr>
+          <a:lstStyle/>
+          <a:p>
+            <a:r>
+              <a:rPr lang="en-US" altLang="ja-JP" sz="3200" dirty="0"/>
+              <a:t>2</a:t>
+            </a:r>
+            <a:endParaRPr lang="ja-JP" altLang="en-US" sz="3200"/>
+          </a:p>
+        </p:txBody>
+      </p:sp>
+      <p:sp>
+        <p:nvSpPr>
+          <p:cNvPr id="8" name="テキスト ボックス 7">
+            <a:extLst>
+              <a:ext uri="{FF2B5EF4-FFF2-40B4-BE49-F238E27FC236}">
+                <a16:creationId xmlns:a16="http://schemas.microsoft.com/office/drawing/2014/main" id="{FB29787D-BB77-324D-95AD-508B3DB67EE0}"/>
+              </a:ext>
+            </a:extLst>
+          </p:cNvPr>
+          <p:cNvSpPr txBox="1"/>
+          <p:nvPr/>
+        </p:nvSpPr>
+        <p:spPr>
+          <a:xfrm>
+            <a:off x="7250369" y="1589311"/>
+            <a:ext cx="1005403" cy="584775"/>
+          </a:xfrm>
+          <a:prstGeom prst="rect">
+            <a:avLst/>
+          </a:prstGeom>
+          <a:noFill/>
+        </p:spPr>
+        <p:txBody>
+          <a:bodyPr wrap="none" rtlCol="0">
+            <a:spAutoFit/>
+          </a:bodyPr>
+          <a:lstStyle/>
+          <a:p>
+            <a:r>
+              <a:rPr lang="ja-JP" altLang="en-US" sz="3200">
+                <a:solidFill>
+                  <a:sysClr val="windowText" lastClr="000000"/>
+                </a:solidFill>
+              </a:rPr>
+              <a:t>グー</a:t>
+            </a:r>
+          </a:p>
+        </p:txBody>
+      </p:sp>
+      <p:sp>
+        <p:nvSpPr>
+          <p:cNvPr id="9" name="テキスト ボックス 8">
+            <a:extLst>
+              <a:ext uri="{FF2B5EF4-FFF2-40B4-BE49-F238E27FC236}">
+                <a16:creationId xmlns:a16="http://schemas.microsoft.com/office/drawing/2014/main" id="{E0198A30-1A27-FA4C-A931-6A98B790F1BE}"/>
+              </a:ext>
+            </a:extLst>
+          </p:cNvPr>
+          <p:cNvSpPr txBox="1"/>
+          <p:nvPr/>
+        </p:nvSpPr>
+        <p:spPr>
+          <a:xfrm>
+            <a:off x="7250369" y="3019847"/>
+            <a:ext cx="1005403" cy="584775"/>
+          </a:xfrm>
+          <a:prstGeom prst="rect">
+            <a:avLst/>
+          </a:prstGeom>
+          <a:noFill/>
+        </p:spPr>
+        <p:txBody>
+          <a:bodyPr wrap="none" rtlCol="0">
+            <a:spAutoFit/>
+          </a:bodyPr>
+          <a:lstStyle/>
+          <a:p>
+            <a:r>
+              <a:rPr lang="ja-JP" altLang="en-US" sz="3200">
+                <a:solidFill>
+                  <a:sysClr val="windowText" lastClr="000000"/>
+                </a:solidFill>
+              </a:rPr>
+              <a:t>パー</a:t>
+            </a:r>
+          </a:p>
+        </p:txBody>
+      </p:sp>
+      <p:sp>
+        <p:nvSpPr>
+          <p:cNvPr id="10" name="テキスト ボックス 9">
+            <a:extLst>
+              <a:ext uri="{FF2B5EF4-FFF2-40B4-BE49-F238E27FC236}">
+                <a16:creationId xmlns:a16="http://schemas.microsoft.com/office/drawing/2014/main" id="{E1BB78D2-A420-F74A-B12B-E70DA9A7F3E2}"/>
+              </a:ext>
+            </a:extLst>
+          </p:cNvPr>
+          <p:cNvSpPr txBox="1"/>
+          <p:nvPr/>
+        </p:nvSpPr>
+        <p:spPr>
+          <a:xfrm>
+            <a:off x="7045183" y="4450381"/>
+            <a:ext cx="1415772" cy="584775"/>
+          </a:xfrm>
+          <a:prstGeom prst="rect">
+            <a:avLst/>
+          </a:prstGeom>
+          <a:noFill/>
+        </p:spPr>
+        <p:txBody>
+          <a:bodyPr wrap="none" rtlCol="0">
+            <a:spAutoFit/>
+          </a:bodyPr>
+          <a:lstStyle/>
+          <a:p>
+            <a:r>
+              <a:rPr lang="ja-JP" altLang="en-US" sz="3200">
+                <a:solidFill>
+                  <a:sysClr val="windowText" lastClr="000000"/>
+                </a:solidFill>
+              </a:rPr>
+              <a:t>チョキ</a:t>
+            </a:r>
+          </a:p>
+        </p:txBody>
+      </p:sp>
+      <p:cxnSp>
+        <p:nvCxnSpPr>
+          <p:cNvPr id="11" name="直線矢印コネクタ 10">
+            <a:extLst>
+              <a:ext uri="{FF2B5EF4-FFF2-40B4-BE49-F238E27FC236}">
+                <a16:creationId xmlns:a16="http://schemas.microsoft.com/office/drawing/2014/main" id="{9B54B386-D810-A745-9484-9D7997AC1719}"/>
+              </a:ext>
+            </a:extLst>
+          </p:cNvPr>
+          <p:cNvCxnSpPr>
+            <a:stCxn id="5" idx="3"/>
+            <a:endCxn id="8" idx="1"/>
+          </p:cNvCxnSpPr>
+          <p:nvPr/>
+        </p:nvCxnSpPr>
+        <p:spPr>
+          <a:xfrm flipV="1">
+            <a:off x="3879524" y="1881699"/>
+            <a:ext cx="3370845" cy="2"/>
+          </a:xfrm>
+          <a:prstGeom prst="straightConnector1">
+            <a:avLst/>
+          </a:prstGeom>
+          <a:ln w="63500">
+            <a:solidFill>
+              <a:schemeClr val="accent2"/>
+            </a:solidFill>
+            <a:tailEnd type="triangle"/>
+          </a:ln>
+        </p:spPr>
+        <p:style>
+          <a:lnRef idx="1">
+            <a:schemeClr val="accent1"/>
+          </a:lnRef>
+          <a:fillRef idx="0">
+            <a:schemeClr val="accent1"/>
+          </a:fillRef>
+          <a:effectRef idx="0">
+            <a:schemeClr val="accent1"/>
+          </a:effectRef>
+          <a:fontRef idx="minor">
+            <a:schemeClr val="tx1"/>
+          </a:fontRef>
+        </p:style>
+      </p:cxnSp>
+      <p:cxnSp>
+        <p:nvCxnSpPr>
+          <p:cNvPr id="12" name="直線矢印コネクタ 11">
+            <a:extLst>
+              <a:ext uri="{FF2B5EF4-FFF2-40B4-BE49-F238E27FC236}">
+                <a16:creationId xmlns:a16="http://schemas.microsoft.com/office/drawing/2014/main" id="{499A9B3A-FE9D-F44B-AE28-9DFD54317F52}"/>
+              </a:ext>
+            </a:extLst>
+          </p:cNvPr>
+          <p:cNvCxnSpPr>
+            <a:cxnSpLocks/>
+            <a:stCxn id="6" idx="3"/>
+            <a:endCxn id="9" idx="1"/>
+          </p:cNvCxnSpPr>
+          <p:nvPr/>
+        </p:nvCxnSpPr>
+        <p:spPr>
+          <a:xfrm>
+            <a:off x="3879524" y="3312235"/>
+            <a:ext cx="3370845" cy="0"/>
+          </a:xfrm>
+          <a:prstGeom prst="straightConnector1">
+            <a:avLst/>
+          </a:prstGeom>
+          <a:ln w="63500">
+            <a:solidFill>
+              <a:schemeClr val="accent2"/>
+            </a:solidFill>
+            <a:tailEnd type="triangle"/>
+          </a:ln>
+        </p:spPr>
+        <p:style>
+          <a:lnRef idx="1">
+            <a:schemeClr val="accent1"/>
+          </a:lnRef>
+          <a:fillRef idx="0">
+            <a:schemeClr val="accent1"/>
+          </a:fillRef>
+          <a:effectRef idx="0">
+            <a:schemeClr val="accent1"/>
+          </a:effectRef>
+          <a:fontRef idx="minor">
+            <a:schemeClr val="tx1"/>
+          </a:fontRef>
+        </p:style>
+      </p:cxnSp>
+      <p:cxnSp>
+        <p:nvCxnSpPr>
+          <p:cNvPr id="13" name="直線矢印コネクタ 12">
+            <a:extLst>
+              <a:ext uri="{FF2B5EF4-FFF2-40B4-BE49-F238E27FC236}">
+                <a16:creationId xmlns:a16="http://schemas.microsoft.com/office/drawing/2014/main" id="{AD85A5BB-808A-184C-B66D-DE46235C5942}"/>
+              </a:ext>
+            </a:extLst>
+          </p:cNvPr>
+          <p:cNvCxnSpPr>
+            <a:cxnSpLocks/>
+            <a:stCxn id="7" idx="3"/>
+            <a:endCxn id="10" idx="1"/>
+          </p:cNvCxnSpPr>
+          <p:nvPr/>
+        </p:nvCxnSpPr>
+        <p:spPr>
+          <a:xfrm flipV="1">
+            <a:off x="3879524" y="4742769"/>
+            <a:ext cx="3165659" cy="1"/>
+          </a:xfrm>
+          <a:prstGeom prst="straightConnector1">
+            <a:avLst/>
+          </a:prstGeom>
+          <a:ln w="63500">
+            <a:solidFill>
+              <a:schemeClr val="accent1"/>
+            </a:solidFill>
+            <a:tailEnd type="triangle"/>
+          </a:ln>
+        </p:spPr>
+        <p:style>
+          <a:lnRef idx="1">
+            <a:schemeClr val="accent1"/>
+          </a:lnRef>
+          <a:fillRef idx="0">
+            <a:schemeClr val="accent1"/>
+          </a:fillRef>
+          <a:effectRef idx="0">
+            <a:schemeClr val="accent1"/>
+          </a:effectRef>
+          <a:fontRef idx="minor">
+            <a:schemeClr val="tx1"/>
+          </a:fontRef>
+        </p:style>
+      </p:cxnSp>
+      <mc:AlternateContent xmlns:mc="http://schemas.openxmlformats.org/markup-compatibility/2006">
+        <mc:Choice xmlns:a14="http://schemas.microsoft.com/office/drawing/2010/main" Requires="a14">
+          <p:sp>
+            <p:nvSpPr>
+              <p:cNvPr id="14" name="正方形/長方形 13">
+                <a:extLst>
+                  <a:ext uri="{FF2B5EF4-FFF2-40B4-BE49-F238E27FC236}">
+                    <a16:creationId xmlns:a16="http://schemas.microsoft.com/office/drawing/2014/main" id="{65B7256F-BE24-6243-BF6F-EDB1A3A69958}"/>
+                  </a:ext>
+                </a:extLst>
+              </p:cNvPr>
+              <p:cNvSpPr/>
+              <p:nvPr/>
+            </p:nvSpPr>
+            <p:spPr>
+              <a:xfrm>
+                <a:off x="5103900" y="1796377"/>
+                <a:ext cx="722185" cy="748988"/>
+              </a:xfrm>
+              <a:prstGeom prst="rect">
+                <a:avLst/>
+              </a:prstGeom>
+            </p:spPr>
+            <p:txBody>
+              <a:bodyPr wrap="none">
+                <a:spAutoFit/>
+              </a:bodyPr>
+              <a:lstStyle/>
+              <a:p>
+                <a:pPr/>
+                <a14:m>
+                  <m:oMathPara xmlns:m="http://schemas.openxmlformats.org/officeDocument/2006/math">
+                    <m:oMathParaPr>
+                      <m:jc m:val="centerGroup"/>
+                    </m:oMathParaPr>
+                    <m:oMath xmlns:m="http://schemas.openxmlformats.org/officeDocument/2006/math">
+                      <m:r>
+                        <a:rPr lang="ja-JP" altLang="en-US" sz="4267" i="1">
+                          <a:latin typeface="Cambria Math" panose="02040503050406030204" pitchFamily="18" charset="0"/>
+                        </a:rPr>
+                        <m:t>𝜑</m:t>
+                      </m:r>
+                    </m:oMath>
+                  </m:oMathPara>
+                </a14:m>
+                <a:endParaRPr lang="ja-JP" altLang="en-US" sz="4267"/>
+              </a:p>
+            </p:txBody>
+          </p:sp>
+        </mc:Choice>
+        <mc:Fallback>
+          <p:sp>
+            <p:nvSpPr>
+              <p:cNvPr id="14" name="正方形/長方形 13">
+                <a:extLst>
+                  <a:ext uri="{FF2B5EF4-FFF2-40B4-BE49-F238E27FC236}">
+                    <a16:creationId xmlns:a16="http://schemas.microsoft.com/office/drawing/2014/main" id="{65B7256F-BE24-6243-BF6F-EDB1A3A69958}"/>
+                  </a:ext>
+                </a:extLst>
+              </p:cNvPr>
+              <p:cNvSpPr>
+                <a:spLocks noRot="1" noChangeAspect="1" noMove="1" noResize="1" noEditPoints="1" noAdjustHandles="1" noChangeArrowheads="1" noChangeShapeType="1" noTextEdit="1"/>
+              </p:cNvSpPr>
+              <p:nvPr/>
+            </p:nvSpPr>
+            <p:spPr>
+              <a:xfrm>
+                <a:off x="5103900" y="1796377"/>
+                <a:ext cx="722185" cy="748988"/>
+              </a:xfrm>
+              <a:prstGeom prst="rect">
+                <a:avLst/>
+              </a:prstGeom>
+              <a:blipFill>
+                <a:blip r:embed="rId2"/>
+                <a:stretch>
+                  <a:fillRect l="-1724" b="-11667"/>
+                </a:stretch>
+              </a:blipFill>
+            </p:spPr>
+            <p:txBody>
+              <a:bodyPr/>
+              <a:lstStyle/>
+              <a:p>
+                <a:r>
+                  <a:rPr lang="ja-JP" altLang="en-US">
+                    <a:noFill/>
+                  </a:rPr>
+                  <a:t> </a:t>
+                </a:r>
+              </a:p>
+            </p:txBody>
+          </p:sp>
+        </mc:Fallback>
+      </mc:AlternateContent>
+      <mc:AlternateContent xmlns:mc="http://schemas.openxmlformats.org/markup-compatibility/2006">
+        <mc:Choice xmlns:a14="http://schemas.microsoft.com/office/drawing/2010/main" Requires="a14">
+          <p:sp>
+            <p:nvSpPr>
+              <p:cNvPr id="15" name="正方形/長方形 14">
+                <a:extLst>
+                  <a:ext uri="{FF2B5EF4-FFF2-40B4-BE49-F238E27FC236}">
+                    <a16:creationId xmlns:a16="http://schemas.microsoft.com/office/drawing/2014/main" id="{42E254F0-3847-D442-8455-18EADB21BF67}"/>
+                  </a:ext>
+                </a:extLst>
+              </p:cNvPr>
+              <p:cNvSpPr/>
+              <p:nvPr/>
+            </p:nvSpPr>
+            <p:spPr>
+              <a:xfrm>
+                <a:off x="5103900" y="3226909"/>
+                <a:ext cx="722185" cy="748988"/>
+              </a:xfrm>
+              <a:prstGeom prst="rect">
+                <a:avLst/>
+              </a:prstGeom>
+            </p:spPr>
+            <p:txBody>
+              <a:bodyPr wrap="none">
+                <a:spAutoFit/>
+              </a:bodyPr>
+              <a:lstStyle/>
+              <a:p>
+                <a:pPr/>
+                <a14:m>
+                  <m:oMathPara xmlns:m="http://schemas.openxmlformats.org/officeDocument/2006/math">
+                    <m:oMathParaPr>
+                      <m:jc m:val="centerGroup"/>
+                    </m:oMathParaPr>
+                    <m:oMath xmlns:m="http://schemas.openxmlformats.org/officeDocument/2006/math">
+                      <m:r>
+                        <a:rPr lang="ja-JP" altLang="en-US" sz="4267" i="1">
+                          <a:latin typeface="Cambria Math" panose="02040503050406030204" pitchFamily="18" charset="0"/>
+                        </a:rPr>
+                        <m:t>𝜑</m:t>
+                      </m:r>
+                    </m:oMath>
+                  </m:oMathPara>
+                </a14:m>
+                <a:endParaRPr lang="ja-JP" altLang="en-US" sz="4267"/>
+              </a:p>
+            </p:txBody>
+          </p:sp>
+        </mc:Choice>
+        <mc:Fallback>
+          <p:sp>
+            <p:nvSpPr>
+              <p:cNvPr id="15" name="正方形/長方形 14">
+                <a:extLst>
+                  <a:ext uri="{FF2B5EF4-FFF2-40B4-BE49-F238E27FC236}">
+                    <a16:creationId xmlns:a16="http://schemas.microsoft.com/office/drawing/2014/main" id="{42E254F0-3847-D442-8455-18EADB21BF67}"/>
+                  </a:ext>
+                </a:extLst>
+              </p:cNvPr>
+              <p:cNvSpPr>
+                <a:spLocks noRot="1" noChangeAspect="1" noMove="1" noResize="1" noEditPoints="1" noAdjustHandles="1" noChangeArrowheads="1" noChangeShapeType="1" noTextEdit="1"/>
+              </p:cNvSpPr>
+              <p:nvPr/>
+            </p:nvSpPr>
+            <p:spPr>
+              <a:xfrm>
+                <a:off x="5103900" y="3226909"/>
+                <a:ext cx="722185" cy="748988"/>
+              </a:xfrm>
+              <a:prstGeom prst="rect">
+                <a:avLst/>
+              </a:prstGeom>
+              <a:blipFill>
+                <a:blip r:embed="rId3"/>
+                <a:stretch>
+                  <a:fillRect l="-1724" b="-11667"/>
+                </a:stretch>
+              </a:blipFill>
+            </p:spPr>
+            <p:txBody>
+              <a:bodyPr/>
+              <a:lstStyle/>
+              <a:p>
+                <a:r>
+                  <a:rPr lang="ja-JP" altLang="en-US">
+                    <a:noFill/>
+                  </a:rPr>
+                  <a:t> </a:t>
+                </a:r>
+              </a:p>
+            </p:txBody>
+          </p:sp>
+        </mc:Fallback>
+      </mc:AlternateContent>
+      <mc:AlternateContent xmlns:mc="http://schemas.openxmlformats.org/markup-compatibility/2006">
+        <mc:Choice xmlns:a14="http://schemas.microsoft.com/office/drawing/2010/main" Requires="a14">
+          <p:sp>
+            <p:nvSpPr>
+              <p:cNvPr id="16" name="正方形/長方形 15">
+                <a:extLst>
+                  <a:ext uri="{FF2B5EF4-FFF2-40B4-BE49-F238E27FC236}">
+                    <a16:creationId xmlns:a16="http://schemas.microsoft.com/office/drawing/2014/main" id="{8B9E2D84-7158-C147-BC95-1E9A864532AF}"/>
+                  </a:ext>
+                </a:extLst>
+              </p:cNvPr>
+              <p:cNvSpPr/>
+              <p:nvPr/>
+            </p:nvSpPr>
+            <p:spPr>
+              <a:xfrm>
+                <a:off x="5103900" y="4668191"/>
+                <a:ext cx="722185" cy="748988"/>
+              </a:xfrm>
+              <a:prstGeom prst="rect">
+                <a:avLst/>
+              </a:prstGeom>
+            </p:spPr>
+            <p:txBody>
+              <a:bodyPr wrap="none">
+                <a:spAutoFit/>
+              </a:bodyPr>
+              <a:lstStyle/>
+              <a:p>
+                <a:pPr/>
+                <a14:m>
+                  <m:oMathPara xmlns:m="http://schemas.openxmlformats.org/officeDocument/2006/math">
+                    <m:oMathParaPr>
+                      <m:jc m:val="centerGroup"/>
+                    </m:oMathParaPr>
+                    <m:oMath xmlns:m="http://schemas.openxmlformats.org/officeDocument/2006/math">
+                      <m:r>
+                        <a:rPr lang="ja-JP" altLang="en-US" sz="4267" i="1">
+                          <a:latin typeface="Cambria Math" panose="02040503050406030204" pitchFamily="18" charset="0"/>
+                        </a:rPr>
+                        <m:t>𝜑</m:t>
+                      </m:r>
+                    </m:oMath>
+                  </m:oMathPara>
+                </a14:m>
+                <a:endParaRPr lang="ja-JP" altLang="en-US" sz="4267"/>
+              </a:p>
+            </p:txBody>
+          </p:sp>
+        </mc:Choice>
+        <mc:Fallback>
+          <p:sp>
+            <p:nvSpPr>
+              <p:cNvPr id="16" name="正方形/長方形 15">
+                <a:extLst>
+                  <a:ext uri="{FF2B5EF4-FFF2-40B4-BE49-F238E27FC236}">
+                    <a16:creationId xmlns:a16="http://schemas.microsoft.com/office/drawing/2014/main" id="{8B9E2D84-7158-C147-BC95-1E9A864532AF}"/>
+                  </a:ext>
+                </a:extLst>
+              </p:cNvPr>
+              <p:cNvSpPr>
+                <a:spLocks noRot="1" noChangeAspect="1" noMove="1" noResize="1" noEditPoints="1" noAdjustHandles="1" noChangeArrowheads="1" noChangeShapeType="1" noTextEdit="1"/>
+              </p:cNvSpPr>
+              <p:nvPr/>
+            </p:nvSpPr>
+            <p:spPr>
+              <a:xfrm>
+                <a:off x="5103900" y="4668191"/>
+                <a:ext cx="722185" cy="748988"/>
+              </a:xfrm>
+              <a:prstGeom prst="rect">
+                <a:avLst/>
+              </a:prstGeom>
+              <a:blipFill>
+                <a:blip r:embed="rId4"/>
+                <a:stretch>
+                  <a:fillRect l="-1724" b="-10000"/>
+                </a:stretch>
+              </a:blipFill>
+            </p:spPr>
+            <p:txBody>
+              <a:bodyPr/>
+              <a:lstStyle/>
+              <a:p>
+                <a:r>
+                  <a:rPr lang="ja-JP" altLang="en-US">
+                    <a:noFill/>
+                  </a:rPr>
+                  <a:t> </a:t>
+                </a:r>
+              </a:p>
+            </p:txBody>
+          </p:sp>
+        </mc:Fallback>
+      </mc:AlternateContent>
+      <p:cxnSp>
+        <p:nvCxnSpPr>
+          <p:cNvPr id="17" name="直線矢印コネクタ 16">
+            <a:extLst>
+              <a:ext uri="{FF2B5EF4-FFF2-40B4-BE49-F238E27FC236}">
+                <a16:creationId xmlns:a16="http://schemas.microsoft.com/office/drawing/2014/main" id="{C19CF155-7966-0043-B695-0375CBC5F2DD}"/>
+              </a:ext>
+            </a:extLst>
+          </p:cNvPr>
+          <p:cNvCxnSpPr>
+            <a:cxnSpLocks/>
+            <a:stCxn id="5" idx="2"/>
+            <a:endCxn id="6" idx="0"/>
+          </p:cNvCxnSpPr>
+          <p:nvPr/>
+        </p:nvCxnSpPr>
+        <p:spPr>
+          <a:xfrm>
+            <a:off x="3673378" y="2174088"/>
+            <a:ext cx="0" cy="845759"/>
+          </a:xfrm>
+          <a:prstGeom prst="straightConnector1">
+            <a:avLst/>
+          </a:prstGeom>
+          <a:ln w="63500">
+            <a:solidFill>
+              <a:schemeClr val="accent1"/>
+            </a:solidFill>
+            <a:tailEnd type="triangle"/>
+          </a:ln>
+        </p:spPr>
+        <p:style>
+          <a:lnRef idx="1">
+            <a:schemeClr val="accent1"/>
+          </a:lnRef>
+          <a:fillRef idx="0">
+            <a:schemeClr val="accent1"/>
+          </a:fillRef>
+          <a:effectRef idx="0">
+            <a:schemeClr val="accent1"/>
+          </a:effectRef>
+          <a:fontRef idx="minor">
+            <a:schemeClr val="tx1"/>
+          </a:fontRef>
+        </p:style>
+      </p:cxnSp>
+      <p:cxnSp>
+        <p:nvCxnSpPr>
+          <p:cNvPr id="18" name="直線矢印コネクタ 17">
+            <a:extLst>
+              <a:ext uri="{FF2B5EF4-FFF2-40B4-BE49-F238E27FC236}">
+                <a16:creationId xmlns:a16="http://schemas.microsoft.com/office/drawing/2014/main" id="{B6CE13E4-7371-3946-9F31-4C34459F1640}"/>
+              </a:ext>
+            </a:extLst>
+          </p:cNvPr>
+          <p:cNvCxnSpPr>
+            <a:stCxn id="6" idx="2"/>
+            <a:endCxn id="7" idx="0"/>
+          </p:cNvCxnSpPr>
+          <p:nvPr/>
+        </p:nvCxnSpPr>
+        <p:spPr>
+          <a:xfrm>
+            <a:off x="3673378" y="3604622"/>
+            <a:ext cx="0" cy="845760"/>
+          </a:xfrm>
+          <a:prstGeom prst="straightConnector1">
+            <a:avLst/>
+          </a:prstGeom>
+          <a:ln w="63500">
+            <a:solidFill>
+              <a:schemeClr val="accent1"/>
+            </a:solidFill>
+            <a:tailEnd type="triangle"/>
+          </a:ln>
+        </p:spPr>
+        <p:style>
+          <a:lnRef idx="1">
+            <a:schemeClr val="accent1"/>
+          </a:lnRef>
+          <a:fillRef idx="0">
+            <a:schemeClr val="accent1"/>
+          </a:fillRef>
+          <a:effectRef idx="0">
+            <a:schemeClr val="accent1"/>
+          </a:effectRef>
+          <a:fontRef idx="minor">
+            <a:schemeClr val="tx1"/>
+          </a:fontRef>
+        </p:style>
+      </p:cxnSp>
+      <p:cxnSp>
+        <p:nvCxnSpPr>
+          <p:cNvPr id="19" name="カギ線コネクタ 18">
+            <a:extLst>
+              <a:ext uri="{FF2B5EF4-FFF2-40B4-BE49-F238E27FC236}">
+                <a16:creationId xmlns:a16="http://schemas.microsoft.com/office/drawing/2014/main" id="{D8F59139-654C-C448-8552-9F918E46631C}"/>
+              </a:ext>
+            </a:extLst>
+          </p:cNvPr>
+          <p:cNvCxnSpPr>
+            <a:stCxn id="7" idx="1"/>
+            <a:endCxn id="5" idx="1"/>
+          </p:cNvCxnSpPr>
+          <p:nvPr/>
+        </p:nvCxnSpPr>
+        <p:spPr>
+          <a:xfrm rot="10800000">
+            <a:off x="3467232" y="1881702"/>
+            <a:ext cx="12700" cy="2861069"/>
+          </a:xfrm>
+          <a:prstGeom prst="bentConnector3">
+            <a:avLst>
+              <a:gd name="adj1" fmla="val 11812504"/>
+            </a:avLst>
+          </a:prstGeom>
+          <a:ln w="50800">
+            <a:solidFill>
+              <a:schemeClr val="tx1"/>
+            </a:solidFill>
+            <a:tailEnd type="triangle"/>
+          </a:ln>
+        </p:spPr>
+        <p:style>
+          <a:lnRef idx="1">
+            <a:schemeClr val="accent1"/>
+          </a:lnRef>
+          <a:fillRef idx="0">
+            <a:schemeClr val="accent1"/>
+          </a:fillRef>
+          <a:effectRef idx="0">
+            <a:schemeClr val="accent1"/>
+          </a:effectRef>
+          <a:fontRef idx="minor">
+            <a:schemeClr val="tx1"/>
+          </a:fontRef>
+        </p:style>
+      </p:cxnSp>
+      <p:cxnSp>
+        <p:nvCxnSpPr>
+          <p:cNvPr id="20" name="直線矢印コネクタ 19">
+            <a:extLst>
+              <a:ext uri="{FF2B5EF4-FFF2-40B4-BE49-F238E27FC236}">
+                <a16:creationId xmlns:a16="http://schemas.microsoft.com/office/drawing/2014/main" id="{783287BC-544A-4E4F-85D7-89E811056A7A}"/>
+              </a:ext>
+            </a:extLst>
+          </p:cNvPr>
+          <p:cNvCxnSpPr>
+            <a:stCxn id="8" idx="2"/>
+            <a:endCxn id="9" idx="0"/>
+          </p:cNvCxnSpPr>
+          <p:nvPr/>
+        </p:nvCxnSpPr>
+        <p:spPr>
+          <a:xfrm>
+            <a:off x="7753071" y="2174086"/>
+            <a:ext cx="0" cy="845761"/>
+          </a:xfrm>
+          <a:prstGeom prst="straightConnector1">
+            <a:avLst/>
+          </a:prstGeom>
+          <a:ln w="63500">
+            <a:solidFill>
+              <a:schemeClr val="accent2"/>
+            </a:solidFill>
+            <a:tailEnd type="triangle"/>
+          </a:ln>
+        </p:spPr>
+        <p:style>
+          <a:lnRef idx="1">
+            <a:schemeClr val="accent1"/>
+          </a:lnRef>
+          <a:fillRef idx="0">
+            <a:schemeClr val="accent1"/>
+          </a:fillRef>
+          <a:effectRef idx="0">
+            <a:schemeClr val="accent1"/>
+          </a:effectRef>
+          <a:fontRef idx="minor">
+            <a:schemeClr val="tx1"/>
+          </a:fontRef>
+        </p:style>
+      </p:cxnSp>
+      <p:cxnSp>
+        <p:nvCxnSpPr>
+          <p:cNvPr id="21" name="直線矢印コネクタ 20">
+            <a:extLst>
+              <a:ext uri="{FF2B5EF4-FFF2-40B4-BE49-F238E27FC236}">
+                <a16:creationId xmlns:a16="http://schemas.microsoft.com/office/drawing/2014/main" id="{6BBAF82C-AD57-4247-9613-2B38195CCA5C}"/>
+              </a:ext>
+            </a:extLst>
+          </p:cNvPr>
+          <p:cNvCxnSpPr>
+            <a:stCxn id="9" idx="2"/>
+            <a:endCxn id="10" idx="0"/>
+          </p:cNvCxnSpPr>
+          <p:nvPr/>
+        </p:nvCxnSpPr>
+        <p:spPr>
+          <a:xfrm flipH="1">
+            <a:off x="7753069" y="3604622"/>
+            <a:ext cx="2" cy="845759"/>
+          </a:xfrm>
+          <a:prstGeom prst="straightConnector1">
+            <a:avLst/>
+          </a:prstGeom>
+          <a:ln w="63500">
+            <a:solidFill>
+              <a:schemeClr val="accent2"/>
+            </a:solidFill>
+            <a:tailEnd type="triangle"/>
+          </a:ln>
+        </p:spPr>
+        <p:style>
+          <a:lnRef idx="1">
+            <a:schemeClr val="accent1"/>
+          </a:lnRef>
+          <a:fillRef idx="0">
+            <a:schemeClr val="accent1"/>
+          </a:fillRef>
+          <a:effectRef idx="0">
+            <a:schemeClr val="accent1"/>
+          </a:effectRef>
+          <a:fontRef idx="minor">
+            <a:schemeClr val="tx1"/>
+          </a:fontRef>
+        </p:style>
+      </p:cxnSp>
+      <p:cxnSp>
+        <p:nvCxnSpPr>
+          <p:cNvPr id="22" name="カギ線コネクタ 21">
+            <a:extLst>
+              <a:ext uri="{FF2B5EF4-FFF2-40B4-BE49-F238E27FC236}">
+                <a16:creationId xmlns:a16="http://schemas.microsoft.com/office/drawing/2014/main" id="{F08DEC72-6897-8442-B8AD-35EA53F5A1C8}"/>
+              </a:ext>
+            </a:extLst>
+          </p:cNvPr>
+          <p:cNvCxnSpPr>
+            <a:stCxn id="10" idx="3"/>
+            <a:endCxn id="8" idx="3"/>
+          </p:cNvCxnSpPr>
+          <p:nvPr/>
+        </p:nvCxnSpPr>
+        <p:spPr>
+          <a:xfrm flipH="1" flipV="1">
+            <a:off x="8255772" y="1881699"/>
+            <a:ext cx="205183" cy="2861070"/>
+          </a:xfrm>
+          <a:prstGeom prst="bentConnector3">
+            <a:avLst>
+              <a:gd name="adj1" fmla="val -647587"/>
+            </a:avLst>
+          </a:prstGeom>
+          <a:ln w="50800">
+            <a:solidFill>
+              <a:schemeClr val="tx1"/>
+            </a:solidFill>
+            <a:tailEnd type="triangle"/>
+          </a:ln>
+        </p:spPr>
+        <p:style>
+          <a:lnRef idx="1">
+            <a:schemeClr val="accent1"/>
+          </a:lnRef>
+          <a:fillRef idx="0">
+            <a:schemeClr val="accent1"/>
+          </a:fillRef>
+          <a:effectRef idx="0">
+            <a:schemeClr val="accent1"/>
+          </a:effectRef>
+          <a:fontRef idx="minor">
+            <a:schemeClr val="tx1"/>
+          </a:fontRef>
+        </p:style>
+      </p:cxnSp>
+      <mc:AlternateContent xmlns:mc="http://schemas.openxmlformats.org/markup-compatibility/2006">
+        <mc:Choice xmlns:a14="http://schemas.microsoft.com/office/drawing/2010/main" Requires="a14">
+          <p:sp>
+            <p:nvSpPr>
+              <p:cNvPr id="23" name="テキスト ボックス 22">
+                <a:extLst>
+                  <a:ext uri="{FF2B5EF4-FFF2-40B4-BE49-F238E27FC236}">
+                    <a16:creationId xmlns:a16="http://schemas.microsoft.com/office/drawing/2014/main" id="{BD3F60C8-E59F-364B-A436-A0B3DE75A4D4}"/>
+                  </a:ext>
+                </a:extLst>
+              </p:cNvPr>
+              <p:cNvSpPr txBox="1"/>
+              <p:nvPr/>
+            </p:nvSpPr>
+            <p:spPr>
+              <a:xfrm>
+                <a:off x="3255304" y="2204865"/>
+                <a:ext cx="413190" cy="574453"/>
+              </a:xfrm>
+              <a:prstGeom prst="rect">
+                <a:avLst/>
+              </a:prstGeom>
+              <a:noFill/>
+            </p:spPr>
+            <p:txBody>
+              <a:bodyPr wrap="none" lIns="0" tIns="0" rIns="0" bIns="0" rtlCol="0">
+                <a:spAutoFit/>
+              </a:bodyPr>
+              <a:lstStyle/>
+              <a:p>
+                <a:pPr/>
+                <a14:m>
+                  <m:oMathPara xmlns:m="http://schemas.openxmlformats.org/officeDocument/2006/math">
+                    <m:oMathParaPr>
+                      <m:jc m:val="centerGroup"/>
+                    </m:oMathParaPr>
+                    <m:oMath xmlns:m="http://schemas.openxmlformats.org/officeDocument/2006/math">
+                      <m:r>
+                        <a:rPr lang="en-US" altLang="ja-JP" sz="3733" i="1">
+                          <a:latin typeface="Cambria Math" panose="02040503050406030204" pitchFamily="18" charset="0"/>
+                        </a:rPr>
+                        <m:t>𝑓</m:t>
+                      </m:r>
+                    </m:oMath>
+                  </m:oMathPara>
+                </a14:m>
+                <a:endParaRPr lang="ja-JP" altLang="en-US" sz="3733"/>
+              </a:p>
+            </p:txBody>
+          </p:sp>
+        </mc:Choice>
+        <mc:Fallback>
+          <p:sp>
+            <p:nvSpPr>
+              <p:cNvPr id="23" name="テキスト ボックス 22">
+                <a:extLst>
+                  <a:ext uri="{FF2B5EF4-FFF2-40B4-BE49-F238E27FC236}">
+                    <a16:creationId xmlns:a16="http://schemas.microsoft.com/office/drawing/2014/main" id="{BD3F60C8-E59F-364B-A436-A0B3DE75A4D4}"/>
+                  </a:ext>
+                </a:extLst>
+              </p:cNvPr>
+              <p:cNvSpPr txBox="1">
+                <a:spLocks noRot="1" noChangeAspect="1" noMove="1" noResize="1" noEditPoints="1" noAdjustHandles="1" noChangeArrowheads="1" noChangeShapeType="1" noTextEdit="1"/>
+              </p:cNvSpPr>
+              <p:nvPr/>
+            </p:nvSpPr>
+            <p:spPr>
+              <a:xfrm>
+                <a:off x="3255304" y="2204865"/>
+                <a:ext cx="413190" cy="574453"/>
+              </a:xfrm>
+              <a:prstGeom prst="rect">
+                <a:avLst/>
+              </a:prstGeom>
+              <a:blipFill>
+                <a:blip r:embed="rId5"/>
+                <a:stretch>
+                  <a:fillRect l="-32353" r="-29412" b="-30435"/>
+                </a:stretch>
+              </a:blipFill>
+            </p:spPr>
+            <p:txBody>
+              <a:bodyPr/>
+              <a:lstStyle/>
+              <a:p>
+                <a:r>
+                  <a:rPr lang="ja-JP" altLang="en-US">
+                    <a:noFill/>
+                  </a:rPr>
+                  <a:t> </a:t>
+                </a:r>
+              </a:p>
+            </p:txBody>
+          </p:sp>
+        </mc:Fallback>
+      </mc:AlternateContent>
+      <mc:AlternateContent xmlns:mc="http://schemas.openxmlformats.org/markup-compatibility/2006">
+        <mc:Choice xmlns:a14="http://schemas.microsoft.com/office/drawing/2010/main" Requires="a14">
+          <p:sp>
+            <p:nvSpPr>
+              <p:cNvPr id="24" name="テキスト ボックス 23">
+                <a:extLst>
+                  <a:ext uri="{FF2B5EF4-FFF2-40B4-BE49-F238E27FC236}">
+                    <a16:creationId xmlns:a16="http://schemas.microsoft.com/office/drawing/2014/main" id="{D18A486E-6B30-8E43-9E27-691FCF8EE92E}"/>
+                  </a:ext>
+                </a:extLst>
+              </p:cNvPr>
+              <p:cNvSpPr txBox="1"/>
+              <p:nvPr/>
+            </p:nvSpPr>
+            <p:spPr>
+              <a:xfrm>
+                <a:off x="3203483" y="3640294"/>
+                <a:ext cx="413190" cy="574453"/>
+              </a:xfrm>
+              <a:prstGeom prst="rect">
+                <a:avLst/>
+              </a:prstGeom>
+              <a:noFill/>
+            </p:spPr>
+            <p:txBody>
+              <a:bodyPr wrap="none" lIns="0" tIns="0" rIns="0" bIns="0" rtlCol="0">
+                <a:spAutoFit/>
+              </a:bodyPr>
+              <a:lstStyle/>
+              <a:p>
+                <a:pPr/>
+                <a14:m>
+                  <m:oMathPara xmlns:m="http://schemas.openxmlformats.org/officeDocument/2006/math">
+                    <m:oMathParaPr>
+                      <m:jc m:val="centerGroup"/>
+                    </m:oMathParaPr>
+                    <m:oMath xmlns:m="http://schemas.openxmlformats.org/officeDocument/2006/math">
+                      <m:r>
+                        <a:rPr lang="en-US" altLang="ja-JP" sz="3733" i="1">
+                          <a:latin typeface="Cambria Math" panose="02040503050406030204" pitchFamily="18" charset="0"/>
+                        </a:rPr>
+                        <m:t>𝑓</m:t>
+                      </m:r>
+                    </m:oMath>
+                  </m:oMathPara>
+                </a14:m>
+                <a:endParaRPr lang="ja-JP" altLang="en-US" sz="3733"/>
+              </a:p>
+            </p:txBody>
+          </p:sp>
+        </mc:Choice>
+        <mc:Fallback>
+          <p:sp>
+            <p:nvSpPr>
+              <p:cNvPr id="24" name="テキスト ボックス 23">
+                <a:extLst>
+                  <a:ext uri="{FF2B5EF4-FFF2-40B4-BE49-F238E27FC236}">
+                    <a16:creationId xmlns:a16="http://schemas.microsoft.com/office/drawing/2014/main" id="{D18A486E-6B30-8E43-9E27-691FCF8EE92E}"/>
+                  </a:ext>
+                </a:extLst>
+              </p:cNvPr>
+              <p:cNvSpPr txBox="1">
+                <a:spLocks noRot="1" noChangeAspect="1" noMove="1" noResize="1" noEditPoints="1" noAdjustHandles="1" noChangeArrowheads="1" noChangeShapeType="1" noTextEdit="1"/>
+              </p:cNvSpPr>
+              <p:nvPr/>
+            </p:nvSpPr>
+            <p:spPr>
+              <a:xfrm>
+                <a:off x="3203483" y="3640294"/>
+                <a:ext cx="413190" cy="574453"/>
+              </a:xfrm>
+              <a:prstGeom prst="rect">
+                <a:avLst/>
+              </a:prstGeom>
+              <a:blipFill>
+                <a:blip r:embed="rId6"/>
+                <a:stretch>
+                  <a:fillRect l="-36364" r="-30303" b="-32609"/>
+                </a:stretch>
+              </a:blipFill>
+            </p:spPr>
+            <p:txBody>
+              <a:bodyPr/>
+              <a:lstStyle/>
+              <a:p>
+                <a:r>
+                  <a:rPr lang="ja-JP" altLang="en-US">
+                    <a:noFill/>
+                  </a:rPr>
+                  <a:t> </a:t>
+                </a:r>
+              </a:p>
+            </p:txBody>
+          </p:sp>
+        </mc:Fallback>
+      </mc:AlternateContent>
+      <mc:AlternateContent xmlns:mc="http://schemas.openxmlformats.org/markup-compatibility/2006">
+        <mc:Choice xmlns:a14="http://schemas.microsoft.com/office/drawing/2010/main" Requires="a14">
+          <p:sp>
+            <p:nvSpPr>
+              <p:cNvPr id="25" name="テキスト ボックス 24">
+                <a:extLst>
+                  <a:ext uri="{FF2B5EF4-FFF2-40B4-BE49-F238E27FC236}">
+                    <a16:creationId xmlns:a16="http://schemas.microsoft.com/office/drawing/2014/main" id="{2BA08976-92CA-5947-BDAB-2C19C8609E79}"/>
+                  </a:ext>
+                </a:extLst>
+              </p:cNvPr>
+              <p:cNvSpPr txBox="1"/>
+              <p:nvPr/>
+            </p:nvSpPr>
+            <p:spPr>
+              <a:xfrm>
+                <a:off x="1328371" y="3009801"/>
+                <a:ext cx="413190" cy="574453"/>
+              </a:xfrm>
+              <a:prstGeom prst="rect">
+                <a:avLst/>
+              </a:prstGeom>
+              <a:noFill/>
+            </p:spPr>
+            <p:txBody>
+              <a:bodyPr wrap="none" lIns="0" tIns="0" rIns="0" bIns="0" rtlCol="0">
+                <a:spAutoFit/>
+              </a:bodyPr>
+              <a:lstStyle/>
+              <a:p>
+                <a:pPr/>
+                <a14:m>
+                  <m:oMathPara xmlns:m="http://schemas.openxmlformats.org/officeDocument/2006/math">
+                    <m:oMathParaPr>
+                      <m:jc m:val="centerGroup"/>
+                    </m:oMathParaPr>
+                    <m:oMath xmlns:m="http://schemas.openxmlformats.org/officeDocument/2006/math">
+                      <m:r>
+                        <a:rPr lang="en-US" altLang="ja-JP" sz="3733" i="1">
+                          <a:latin typeface="Cambria Math" panose="02040503050406030204" pitchFamily="18" charset="0"/>
+                        </a:rPr>
+                        <m:t>𝑓</m:t>
+                      </m:r>
+                    </m:oMath>
+                  </m:oMathPara>
+                </a14:m>
+                <a:endParaRPr lang="ja-JP" altLang="en-US" sz="3733"/>
+              </a:p>
+            </p:txBody>
+          </p:sp>
+        </mc:Choice>
+        <mc:Fallback>
+          <p:sp>
+            <p:nvSpPr>
+              <p:cNvPr id="25" name="テキスト ボックス 24">
+                <a:extLst>
+                  <a:ext uri="{FF2B5EF4-FFF2-40B4-BE49-F238E27FC236}">
+                    <a16:creationId xmlns:a16="http://schemas.microsoft.com/office/drawing/2014/main" id="{2BA08976-92CA-5947-BDAB-2C19C8609E79}"/>
+                  </a:ext>
+                </a:extLst>
+              </p:cNvPr>
+              <p:cNvSpPr txBox="1">
+                <a:spLocks noRot="1" noChangeAspect="1" noMove="1" noResize="1" noEditPoints="1" noAdjustHandles="1" noChangeArrowheads="1" noChangeShapeType="1" noTextEdit="1"/>
+              </p:cNvSpPr>
+              <p:nvPr/>
+            </p:nvSpPr>
+            <p:spPr>
+              <a:xfrm>
+                <a:off x="1328371" y="3009801"/>
+                <a:ext cx="413190" cy="574453"/>
+              </a:xfrm>
+              <a:prstGeom prst="rect">
+                <a:avLst/>
+              </a:prstGeom>
+              <a:blipFill>
+                <a:blip r:embed="rId7"/>
+                <a:stretch>
+                  <a:fillRect l="-36364" r="-30303" b="-32609"/>
+                </a:stretch>
+              </a:blipFill>
+            </p:spPr>
+            <p:txBody>
+              <a:bodyPr/>
+              <a:lstStyle/>
+              <a:p>
+                <a:r>
+                  <a:rPr lang="ja-JP" altLang="en-US">
+                    <a:noFill/>
+                  </a:rPr>
+                  <a:t> </a:t>
+                </a:r>
+              </a:p>
+            </p:txBody>
+          </p:sp>
+        </mc:Fallback>
+      </mc:AlternateContent>
+      <mc:AlternateContent xmlns:mc="http://schemas.openxmlformats.org/markup-compatibility/2006">
+        <mc:Choice xmlns:a14="http://schemas.microsoft.com/office/drawing/2010/main" Requires="a14">
+          <p:sp>
+            <p:nvSpPr>
+              <p:cNvPr id="26" name="テキスト ボックス 25">
+                <a:extLst>
+                  <a:ext uri="{FF2B5EF4-FFF2-40B4-BE49-F238E27FC236}">
+                    <a16:creationId xmlns:a16="http://schemas.microsoft.com/office/drawing/2014/main" id="{F7473EF6-C780-7A48-88C2-2DA9F82AECB2}"/>
+                  </a:ext>
+                </a:extLst>
+              </p:cNvPr>
+              <p:cNvSpPr txBox="1"/>
+              <p:nvPr/>
+            </p:nvSpPr>
+            <p:spPr>
+              <a:xfrm>
+                <a:off x="7907390" y="2191846"/>
+                <a:ext cx="437812" cy="574453"/>
+              </a:xfrm>
+              <a:prstGeom prst="rect">
+                <a:avLst/>
+              </a:prstGeom>
+              <a:noFill/>
+            </p:spPr>
+            <p:txBody>
+              <a:bodyPr wrap="none" lIns="0" tIns="0" rIns="0" bIns="0" rtlCol="0">
+                <a:spAutoFit/>
+              </a:bodyPr>
+              <a:lstStyle/>
+              <a:p>
+                <a:pPr/>
+                <a14:m>
+                  <m:oMathPara xmlns:m="http://schemas.openxmlformats.org/officeDocument/2006/math">
+                    <m:oMathParaPr>
+                      <m:jc m:val="centerGroup"/>
+                    </m:oMathParaPr>
+                    <m:oMath xmlns:m="http://schemas.openxmlformats.org/officeDocument/2006/math">
+                      <m:r>
+                        <a:rPr lang="en-US" altLang="ja-JP" sz="3733" i="1">
+                          <a:solidFill>
+                            <a:sysClr val="windowText" lastClr="000000"/>
+                          </a:solidFill>
+                          <a:latin typeface="Cambria Math" panose="02040503050406030204" pitchFamily="18" charset="0"/>
+                        </a:rPr>
+                        <m:t>𝑔</m:t>
+                      </m:r>
+                    </m:oMath>
+                  </m:oMathPara>
+                </a14:m>
+                <a:endParaRPr lang="ja-JP" altLang="en-US" sz="3733">
+                  <a:solidFill>
+                    <a:sysClr val="windowText" lastClr="000000"/>
+                  </a:solidFill>
+                </a:endParaRPr>
+              </a:p>
+            </p:txBody>
+          </p:sp>
+        </mc:Choice>
+        <mc:Fallback>
+          <p:sp>
+            <p:nvSpPr>
+              <p:cNvPr id="26" name="テキスト ボックス 25">
+                <a:extLst>
+                  <a:ext uri="{FF2B5EF4-FFF2-40B4-BE49-F238E27FC236}">
+                    <a16:creationId xmlns:a16="http://schemas.microsoft.com/office/drawing/2014/main" id="{F7473EF6-C780-7A48-88C2-2DA9F82AECB2}"/>
+                  </a:ext>
+                </a:extLst>
+              </p:cNvPr>
+              <p:cNvSpPr txBox="1">
+                <a:spLocks noRot="1" noChangeAspect="1" noMove="1" noResize="1" noEditPoints="1" noAdjustHandles="1" noChangeArrowheads="1" noChangeShapeType="1" noTextEdit="1"/>
+              </p:cNvSpPr>
+              <p:nvPr/>
+            </p:nvSpPr>
+            <p:spPr>
+              <a:xfrm>
+                <a:off x="7907390" y="2191846"/>
+                <a:ext cx="437812" cy="574453"/>
+              </a:xfrm>
+              <a:prstGeom prst="rect">
+                <a:avLst/>
+              </a:prstGeom>
+              <a:blipFill>
+                <a:blip r:embed="rId8"/>
+                <a:stretch>
+                  <a:fillRect l="-22857" r="-20000" b="-21739"/>
+                </a:stretch>
+              </a:blipFill>
+            </p:spPr>
+            <p:txBody>
+              <a:bodyPr/>
+              <a:lstStyle/>
+              <a:p>
+                <a:r>
+                  <a:rPr lang="ja-JP" altLang="en-US">
+                    <a:noFill/>
+                  </a:rPr>
+                  <a:t> </a:t>
+                </a:r>
+              </a:p>
+            </p:txBody>
+          </p:sp>
+        </mc:Fallback>
+      </mc:AlternateContent>
+      <mc:AlternateContent xmlns:mc="http://schemas.openxmlformats.org/markup-compatibility/2006">
+        <mc:Choice xmlns:a14="http://schemas.microsoft.com/office/drawing/2010/main" Requires="a14">
+          <p:sp>
+            <p:nvSpPr>
+              <p:cNvPr id="27" name="テキスト ボックス 26">
+                <a:extLst>
+                  <a:ext uri="{FF2B5EF4-FFF2-40B4-BE49-F238E27FC236}">
+                    <a16:creationId xmlns:a16="http://schemas.microsoft.com/office/drawing/2014/main" id="{EA617D80-9A12-FD4E-8ED9-5B948A9CD0C9}"/>
+                  </a:ext>
+                </a:extLst>
+              </p:cNvPr>
+              <p:cNvSpPr txBox="1"/>
+              <p:nvPr/>
+            </p:nvSpPr>
+            <p:spPr>
+              <a:xfrm>
+                <a:off x="7855568" y="3627276"/>
+                <a:ext cx="437812" cy="574453"/>
+              </a:xfrm>
+              <a:prstGeom prst="rect">
+                <a:avLst/>
+              </a:prstGeom>
+              <a:noFill/>
+            </p:spPr>
+            <p:txBody>
+              <a:bodyPr wrap="none" lIns="0" tIns="0" rIns="0" bIns="0" rtlCol="0">
+                <a:spAutoFit/>
+              </a:bodyPr>
+              <a:lstStyle/>
+              <a:p>
+                <a:pPr/>
+                <a14:m>
+                  <m:oMathPara xmlns:m="http://schemas.openxmlformats.org/officeDocument/2006/math">
+                    <m:oMathParaPr>
+                      <m:jc m:val="centerGroup"/>
+                    </m:oMathParaPr>
+                    <m:oMath xmlns:m="http://schemas.openxmlformats.org/officeDocument/2006/math">
+                      <m:r>
+                        <a:rPr lang="en-US" altLang="ja-JP" sz="3733" i="1">
+                          <a:solidFill>
+                            <a:sysClr val="windowText" lastClr="000000"/>
+                          </a:solidFill>
+                          <a:latin typeface="Cambria Math" panose="02040503050406030204" pitchFamily="18" charset="0"/>
+                        </a:rPr>
+                        <m:t>𝑔</m:t>
+                      </m:r>
+                    </m:oMath>
+                  </m:oMathPara>
+                </a14:m>
+                <a:endParaRPr lang="ja-JP" altLang="en-US" sz="3733">
+                  <a:solidFill>
+                    <a:sysClr val="windowText" lastClr="000000"/>
+                  </a:solidFill>
+                </a:endParaRPr>
+              </a:p>
+            </p:txBody>
+          </p:sp>
+        </mc:Choice>
+        <mc:Fallback>
+          <p:sp>
+            <p:nvSpPr>
+              <p:cNvPr id="27" name="テキスト ボックス 26">
+                <a:extLst>
+                  <a:ext uri="{FF2B5EF4-FFF2-40B4-BE49-F238E27FC236}">
+                    <a16:creationId xmlns:a16="http://schemas.microsoft.com/office/drawing/2014/main" id="{EA617D80-9A12-FD4E-8ED9-5B948A9CD0C9}"/>
+                  </a:ext>
+                </a:extLst>
+              </p:cNvPr>
+              <p:cNvSpPr txBox="1">
+                <a:spLocks noRot="1" noChangeAspect="1" noMove="1" noResize="1" noEditPoints="1" noAdjustHandles="1" noChangeArrowheads="1" noChangeShapeType="1" noTextEdit="1"/>
+              </p:cNvSpPr>
+              <p:nvPr/>
+            </p:nvSpPr>
+            <p:spPr>
+              <a:xfrm>
+                <a:off x="7855568" y="3627276"/>
+                <a:ext cx="437812" cy="574453"/>
+              </a:xfrm>
+              <a:prstGeom prst="rect">
+                <a:avLst/>
+              </a:prstGeom>
+              <a:blipFill>
+                <a:blip r:embed="rId8"/>
+                <a:stretch>
+                  <a:fillRect l="-22857" r="-20000" b="-21739"/>
+                </a:stretch>
+              </a:blipFill>
+            </p:spPr>
+            <p:txBody>
+              <a:bodyPr/>
+              <a:lstStyle/>
+              <a:p>
+                <a:r>
+                  <a:rPr lang="ja-JP" altLang="en-US">
+                    <a:noFill/>
+                  </a:rPr>
+                  <a:t> </a:t>
+                </a:r>
+              </a:p>
+            </p:txBody>
+          </p:sp>
+        </mc:Fallback>
+      </mc:AlternateContent>
+      <mc:AlternateContent xmlns:mc="http://schemas.openxmlformats.org/markup-compatibility/2006">
+        <mc:Choice xmlns:a14="http://schemas.microsoft.com/office/drawing/2010/main" Requires="a14">
+          <p:sp>
+            <p:nvSpPr>
+              <p:cNvPr id="28" name="テキスト ボックス 27">
+                <a:extLst>
+                  <a:ext uri="{FF2B5EF4-FFF2-40B4-BE49-F238E27FC236}">
+                    <a16:creationId xmlns:a16="http://schemas.microsoft.com/office/drawing/2014/main" id="{8ACF387F-B48A-F74F-A1AB-931C01AFEA46}"/>
+                  </a:ext>
+                </a:extLst>
+              </p:cNvPr>
+              <p:cNvSpPr txBox="1"/>
+              <p:nvPr/>
+            </p:nvSpPr>
+            <p:spPr>
+              <a:xfrm>
+                <a:off x="9962586" y="2951469"/>
+                <a:ext cx="437812" cy="574453"/>
+              </a:xfrm>
+              <a:prstGeom prst="rect">
+                <a:avLst/>
+              </a:prstGeom>
+              <a:noFill/>
+            </p:spPr>
+            <p:txBody>
+              <a:bodyPr wrap="none" lIns="0" tIns="0" rIns="0" bIns="0" rtlCol="0">
+                <a:spAutoFit/>
+              </a:bodyPr>
+              <a:lstStyle/>
+              <a:p>
+                <a:pPr/>
+                <a14:m>
+                  <m:oMathPara xmlns:m="http://schemas.openxmlformats.org/officeDocument/2006/math">
+                    <m:oMathParaPr>
+                      <m:jc m:val="centerGroup"/>
+                    </m:oMathParaPr>
+                    <m:oMath xmlns:m="http://schemas.openxmlformats.org/officeDocument/2006/math">
+                      <m:r>
+                        <a:rPr lang="en-US" altLang="ja-JP" sz="3733" i="1">
+                          <a:solidFill>
+                            <a:sysClr val="windowText" lastClr="000000"/>
+                          </a:solidFill>
+                          <a:latin typeface="Cambria Math" panose="02040503050406030204" pitchFamily="18" charset="0"/>
+                        </a:rPr>
+                        <m:t>𝑔</m:t>
+                      </m:r>
+                    </m:oMath>
+                  </m:oMathPara>
+                </a14:m>
+                <a:endParaRPr lang="ja-JP" altLang="en-US" sz="3733">
+                  <a:solidFill>
+                    <a:sysClr val="windowText" lastClr="000000"/>
+                  </a:solidFill>
+                </a:endParaRPr>
+              </a:p>
+            </p:txBody>
+          </p:sp>
+        </mc:Choice>
+        <mc:Fallback>
+          <p:sp>
+            <p:nvSpPr>
+              <p:cNvPr id="28" name="テキスト ボックス 27">
+                <a:extLst>
+                  <a:ext uri="{FF2B5EF4-FFF2-40B4-BE49-F238E27FC236}">
+                    <a16:creationId xmlns:a16="http://schemas.microsoft.com/office/drawing/2014/main" id="{8ACF387F-B48A-F74F-A1AB-931C01AFEA46}"/>
+                  </a:ext>
+                </a:extLst>
+              </p:cNvPr>
+              <p:cNvSpPr txBox="1">
+                <a:spLocks noRot="1" noChangeAspect="1" noMove="1" noResize="1" noEditPoints="1" noAdjustHandles="1" noChangeArrowheads="1" noChangeShapeType="1" noTextEdit="1"/>
+              </p:cNvSpPr>
+              <p:nvPr/>
+            </p:nvSpPr>
+            <p:spPr>
+              <a:xfrm>
+                <a:off x="9962586" y="2951469"/>
+                <a:ext cx="437812" cy="574453"/>
+              </a:xfrm>
+              <a:prstGeom prst="rect">
+                <a:avLst/>
+              </a:prstGeom>
+              <a:blipFill>
+                <a:blip r:embed="rId9"/>
+                <a:stretch>
+                  <a:fillRect l="-19444" r="-19444" b="-21277"/>
+                </a:stretch>
+              </a:blipFill>
+            </p:spPr>
+            <p:txBody>
+              <a:bodyPr/>
+              <a:lstStyle/>
+              <a:p>
+                <a:r>
+                  <a:rPr lang="ja-JP" altLang="en-US">
+                    <a:noFill/>
+                  </a:rPr>
+                  <a:t> </a:t>
+                </a:r>
+              </a:p>
+            </p:txBody>
+          </p:sp>
+        </mc:Fallback>
+      </mc:AlternateContent>
+      <p:sp>
+        <p:nvSpPr>
+          <p:cNvPr id="29" name="テキスト ボックス 28">
+            <a:extLst>
+              <a:ext uri="{FF2B5EF4-FFF2-40B4-BE49-F238E27FC236}">
+                <a16:creationId xmlns:a16="http://schemas.microsoft.com/office/drawing/2014/main" id="{0DD8ADCA-7FF8-E848-BB63-ABDACDF73C44}"/>
+              </a:ext>
+            </a:extLst>
+          </p:cNvPr>
+          <p:cNvSpPr txBox="1"/>
+          <p:nvPr/>
+        </p:nvSpPr>
+        <p:spPr>
+          <a:xfrm>
+            <a:off x="2296236" y="2889917"/>
+            <a:ext cx="631904" cy="830997"/>
+          </a:xfrm>
+          <a:prstGeom prst="rect">
+            <a:avLst/>
+          </a:prstGeom>
+          <a:noFill/>
+        </p:spPr>
+        <p:txBody>
+          <a:bodyPr wrap="none" rtlCol="0">
+            <a:spAutoFit/>
+          </a:bodyPr>
+          <a:lstStyle>
+            <a:defPPr marR="0" lvl="0" algn="l" rtl="0">
+              <a:lnSpc>
+                <a:spcPct val="100000"/>
+              </a:lnSpc>
+              <a:spcBef>
+                <a:spcPts val="0"/>
+              </a:spcBef>
+              <a:spcAft>
+                <a:spcPts val="0"/>
+              </a:spcAft>
+            </a:defPPr>
+            <a:lvl1pPr>
+              <a:defRPr kumimoji="1" sz="3600">
+                <a:solidFill>
+                  <a:schemeClr val="accent2"/>
+                </a:solidFill>
+              </a:defRPr>
+            </a:lvl1pPr>
+          </a:lstStyle>
+          <a:p>
+            <a:r>
+              <a:rPr lang="en-US" altLang="ja-JP" sz="4800" dirty="0">
+                <a:solidFill>
+                  <a:schemeClr val="tx1"/>
+                </a:solidFill>
+              </a:rPr>
+              <a:t>G</a:t>
+            </a:r>
+            <a:endParaRPr lang="ja-JP" altLang="en-US" sz="4800">
+              <a:solidFill>
+                <a:schemeClr val="tx1"/>
+              </a:solidFill>
+            </a:endParaRPr>
+          </a:p>
+        </p:txBody>
+      </p:sp>
+      <p:sp>
+        <p:nvSpPr>
+          <p:cNvPr id="30" name="テキスト ボックス 29">
+            <a:extLst>
+              <a:ext uri="{FF2B5EF4-FFF2-40B4-BE49-F238E27FC236}">
+                <a16:creationId xmlns:a16="http://schemas.microsoft.com/office/drawing/2014/main" id="{4F9E7D67-1844-7A4B-9DBE-42F14A2F4F29}"/>
+              </a:ext>
+            </a:extLst>
+          </p:cNvPr>
+          <p:cNvSpPr txBox="1"/>
+          <p:nvPr/>
+        </p:nvSpPr>
+        <p:spPr>
+          <a:xfrm>
+            <a:off x="8805391" y="2889917"/>
+            <a:ext cx="643125" cy="830997"/>
+          </a:xfrm>
+          <a:prstGeom prst="rect">
+            <a:avLst/>
+          </a:prstGeom>
+          <a:noFill/>
+        </p:spPr>
+        <p:txBody>
+          <a:bodyPr wrap="none" rtlCol="0">
+            <a:spAutoFit/>
+          </a:bodyPr>
+          <a:lstStyle/>
+          <a:p>
+            <a:r>
+              <a:rPr lang="en-US" altLang="ja-JP" sz="4800" dirty="0">
+                <a:solidFill>
+                  <a:sysClr val="windowText" lastClr="000000"/>
+                </a:solidFill>
+              </a:rPr>
+              <a:t>H</a:t>
+            </a:r>
+            <a:endParaRPr lang="ja-JP" altLang="en-US" sz="4800">
+              <a:solidFill>
+                <a:sysClr val="windowText" lastClr="000000"/>
+              </a:solidFill>
+            </a:endParaRPr>
           </a:p>
         </p:txBody>
       </p:sp>
     </p:spTree>
     <p:extLst>
       <p:ext uri="{BB962C8B-B14F-4D97-AF65-F5344CB8AC3E}">
-        <p14:creationId xmlns:p14="http://schemas.microsoft.com/office/powerpoint/2010/main" val="580124383"/>
+        <p14:creationId xmlns:p14="http://schemas.microsoft.com/office/powerpoint/2010/main" val="1865615070"/>
       </p:ext>
     </p:extLst>
   </p:cSld>
@@ -10683,7 +18055,140 @@
 </p:sld>
 </file>
 
-<file path=ppt/slides/slide20.xml><?xml version="1.0" encoding="utf-8"?>
+<file path=ppt/slides/slide28.xml><?xml version="1.0" encoding="utf-8"?>
+<p:sld xmlns:a="http://schemas.openxmlformats.org/drawingml/2006/main" xmlns:r="http://schemas.openxmlformats.org/officeDocument/2006/relationships" xmlns:p="http://schemas.openxmlformats.org/presentationml/2006/main">
+  <p:cSld>
+    <p:spTree>
+      <p:nvGrpSpPr>
+        <p:cNvPr id="1" name="Shape 423"/>
+        <p:cNvGrpSpPr/>
+        <p:nvPr/>
+      </p:nvGrpSpPr>
+      <p:grpSpPr>
+        <a:xfrm>
+          <a:off x="0" y="0"/>
+          <a:ext cx="0" cy="0"/>
+          <a:chOff x="0" y="0"/>
+          <a:chExt cx="0" cy="0"/>
+        </a:xfrm>
+      </p:grpSpPr>
+      <p:sp>
+        <p:nvSpPr>
+          <p:cNvPr id="424" name="Google Shape;424;p74"/>
+          <p:cNvSpPr txBox="1">
+            <a:spLocks noGrp="1"/>
+          </p:cNvSpPr>
+          <p:nvPr>
+            <p:ph type="title"/>
+          </p:nvPr>
+        </p:nvSpPr>
+        <p:spPr>
+          <a:xfrm>
+            <a:off x="838200" y="365125"/>
+            <a:ext cx="10515600" cy="1325600"/>
+          </a:xfrm>
+          <a:prstGeom prst="rect">
+            <a:avLst/>
+          </a:prstGeom>
+        </p:spPr>
+        <p:txBody>
+          <a:bodyPr spcFirstLastPara="1" vert="horz" wrap="square" lIns="91433" tIns="45700" rIns="91433" bIns="45700" rtlCol="0" anchor="ctr" anchorCtr="0">
+            <a:noAutofit/>
+          </a:bodyPr>
+          <a:lstStyle/>
+          <a:p>
+            <a:pPr>
+              <a:spcBef>
+                <a:spcPts val="0"/>
+              </a:spcBef>
+            </a:pPr>
+            <a:r>
+              <a:rPr lang="ja-JP" altLang="en-US"/>
+              <a:t>同型写像</a:t>
+            </a:r>
+            <a:endParaRPr dirty="0"/>
+          </a:p>
+        </p:txBody>
+      </p:sp>
+      <p:sp>
+        <p:nvSpPr>
+          <p:cNvPr id="425" name="Google Shape;425;p74"/>
+          <p:cNvSpPr txBox="1">
+            <a:spLocks noGrp="1"/>
+          </p:cNvSpPr>
+          <p:nvPr>
+            <p:ph type="body" idx="1"/>
+          </p:nvPr>
+        </p:nvSpPr>
+        <p:spPr>
+          <a:xfrm>
+            <a:off x="838200" y="1825625"/>
+            <a:ext cx="10515600" cy="4351200"/>
+          </a:xfrm>
+          <a:prstGeom prst="rect">
+            <a:avLst/>
+          </a:prstGeom>
+        </p:spPr>
+        <p:txBody>
+          <a:bodyPr spcFirstLastPara="1" vert="horz" wrap="square" lIns="91433" tIns="45700" rIns="91433" bIns="45700" rtlCol="0" anchor="t" anchorCtr="0">
+            <a:noAutofit/>
+          </a:bodyPr>
+          <a:lstStyle/>
+          <a:p>
+            <a:pPr marL="0" indent="0">
+              <a:spcBef>
+                <a:spcPts val="1067"/>
+              </a:spcBef>
+              <a:buNone/>
+            </a:pPr>
+            <a:r>
+              <a:rPr lang="en-US" dirty="0"/>
+              <a:t>Def 1.41 </a:t>
+            </a:r>
+            <a:r>
+              <a:rPr lang="ja-JP" altLang="en-US"/>
+              <a:t>同型写像</a:t>
+            </a:r>
+            <a:endParaRPr lang="en-US" altLang="ja-JP" dirty="0"/>
+          </a:p>
+          <a:p>
+            <a:pPr marL="0" indent="0">
+              <a:spcBef>
+                <a:spcPts val="1067"/>
+              </a:spcBef>
+              <a:buNone/>
+            </a:pPr>
+            <a:endParaRPr lang="en-US" altLang="ja-JP" dirty="0"/>
+          </a:p>
+          <a:p>
+            <a:pPr marL="0" indent="0">
+              <a:spcBef>
+                <a:spcPts val="1067"/>
+              </a:spcBef>
+              <a:buNone/>
+            </a:pPr>
+            <a:r>
+              <a:rPr lang="ja-JP" altLang="en-US"/>
+              <a:t>準同型写像＋全単射</a:t>
+            </a:r>
+            <a:endParaRPr dirty="0"/>
+          </a:p>
+        </p:txBody>
+      </p:sp>
+    </p:spTree>
+    <p:extLst>
+      <p:ext uri="{BB962C8B-B14F-4D97-AF65-F5344CB8AC3E}">
+        <p14:creationId xmlns:p14="http://schemas.microsoft.com/office/powerpoint/2010/main" val="589117354"/>
+      </p:ext>
+    </p:extLst>
+  </p:cSld>
+  <p:clrMapOvr>
+    <a:masterClrMapping/>
+  </p:clrMapOvr>
+</p:sld>
+</file>
+
+<file path=ppt/slides/slide29.xml><?xml version="1.0" encoding="utf-8"?>
 <p:sld xmlns:a="http://schemas.openxmlformats.org/drawingml/2006/main" xmlns:r="http://schemas.openxmlformats.org/officeDocument/2006/relationships" xmlns:p="http://schemas.openxmlformats.org/presentationml/2006/main">
   <p:cSld>
     <p:spTree>
@@ -10705,7 +18210,7 @@
           <p:cNvPr id="2" name="タイトル 1">
             <a:extLst>
               <a:ext uri="{FF2B5EF4-FFF2-40B4-BE49-F238E27FC236}">
-                <a16:creationId xmlns:a16="http://schemas.microsoft.com/office/drawing/2014/main" id="{9DA69A30-AF95-324B-A5E3-8B825D4CC415}"/>
+                <a16:creationId xmlns:a16="http://schemas.microsoft.com/office/drawing/2014/main" id="{C7288215-3AE4-814F-8E8C-41FAC9AFC859}"/>
               </a:ext>
             </a:extLst>
           </p:cNvPr>
@@ -10723,311 +18228,246 @@
           <a:p>
             <a:r>
               <a:rPr kumimoji="1" lang="ja-JP" altLang="en-US"/>
-              <a:t>群の種類（クラス）</a:t>
+              <a:t>同型写像の性質</a:t>
             </a:r>
           </a:p>
         </p:txBody>
       </p:sp>
-      <p:sp>
-        <p:nvSpPr>
-          <p:cNvPr id="3" name="コンテンツ プレースホルダー 2">
-            <a:extLst>
-              <a:ext uri="{FF2B5EF4-FFF2-40B4-BE49-F238E27FC236}">
-                <a16:creationId xmlns:a16="http://schemas.microsoft.com/office/drawing/2014/main" id="{D8F413E1-9001-8A49-A818-51A435D1379A}"/>
-              </a:ext>
-            </a:extLst>
-          </p:cNvPr>
-          <p:cNvSpPr>
-            <a:spLocks noGrp="1"/>
-          </p:cNvSpPr>
-          <p:nvPr>
-            <p:ph idx="1"/>
-          </p:nvPr>
-        </p:nvSpPr>
-        <p:spPr>
-          <a:xfrm>
-            <a:off x="838200" y="1354238"/>
-            <a:ext cx="10515600" cy="4822725"/>
-          </a:xfrm>
-        </p:spPr>
-        <p:txBody>
-          <a:bodyPr>
-            <a:normAutofit/>
-          </a:bodyPr>
-          <a:lstStyle/>
-          <a:p>
-            <a:pPr marL="0" indent="0">
-              <a:buNone/>
-            </a:pPr>
-            <a:r>
-              <a:rPr kumimoji="1" lang="ja-JP" altLang="en-US"/>
-              <a:t>構造で分けた際に群の元（＝写像）の性質で分けることができる</a:t>
-            </a:r>
-            <a:endParaRPr kumimoji="1" lang="en-US" altLang="ja-JP" dirty="0"/>
-          </a:p>
-          <a:p>
-            <a:pPr marL="0" indent="0">
-              <a:buNone/>
-            </a:pPr>
-            <a:endParaRPr lang="en-US" altLang="ja-JP" dirty="0"/>
-          </a:p>
-          <a:p>
-            <a:r>
-              <a:rPr kumimoji="1" lang="ja-JP" altLang="en-US"/>
-              <a:t>置換群：</a:t>
-            </a:r>
-            <a:r>
-              <a:rPr lang="ja-JP" altLang="en-US">
-                <a:solidFill>
-                  <a:schemeClr val="tx1">
-                    <a:lumMod val="50000"/>
-                    <a:lumOff val="50000"/>
-                  </a:schemeClr>
-                </a:solidFill>
-              </a:rPr>
-              <a:t>任意の集合</a:t>
-            </a:r>
-            <a:r>
-              <a:rPr lang="en-US" altLang="ja-JP" dirty="0">
-                <a:solidFill>
-                  <a:schemeClr val="tx1">
-                    <a:lumMod val="50000"/>
-                    <a:lumOff val="50000"/>
-                  </a:schemeClr>
-                </a:solidFill>
-              </a:rPr>
-              <a:t>A</a:t>
-            </a:r>
-            <a:r>
-              <a:rPr lang="ja-JP" altLang="en-US">
-                <a:solidFill>
-                  <a:schemeClr val="tx1">
-                    <a:lumMod val="50000"/>
-                    <a:lumOff val="50000"/>
-                  </a:schemeClr>
-                </a:solidFill>
-              </a:rPr>
-              <a:t>から集合</a:t>
-            </a:r>
-            <a:r>
-              <a:rPr lang="en-US" altLang="ja-JP" dirty="0">
-                <a:solidFill>
-                  <a:schemeClr val="tx1">
-                    <a:lumMod val="50000"/>
-                    <a:lumOff val="50000"/>
-                  </a:schemeClr>
-                </a:solidFill>
-              </a:rPr>
-              <a:t>A</a:t>
-            </a:r>
-            <a:r>
-              <a:rPr lang="ja-JP" altLang="en-US">
-                <a:solidFill>
-                  <a:schemeClr val="tx1">
-                    <a:lumMod val="50000"/>
-                    <a:lumOff val="50000"/>
-                  </a:schemeClr>
-                </a:solidFill>
-              </a:rPr>
-              <a:t>への全単射</a:t>
-            </a:r>
-            <a:endParaRPr kumimoji="1" lang="en-US" altLang="ja-JP" dirty="0">
-              <a:solidFill>
-                <a:schemeClr val="tx1">
-                  <a:lumMod val="50000"/>
-                  <a:lumOff val="50000"/>
-                </a:schemeClr>
-              </a:solidFill>
-            </a:endParaRPr>
-          </a:p>
-          <a:p>
-            <a:r>
-              <a:rPr lang="ja-JP" altLang="en-US"/>
-              <a:t>行列群：</a:t>
-            </a:r>
-            <a:r>
-              <a:rPr lang="ja-JP" altLang="en-US">
-                <a:solidFill>
-                  <a:schemeClr val="tx1">
-                    <a:lumMod val="50000"/>
-                    <a:lumOff val="50000"/>
-                  </a:schemeClr>
-                </a:solidFill>
-              </a:rPr>
-              <a:t>正則行列を集めた群</a:t>
-            </a:r>
-            <a:endParaRPr lang="en-US" altLang="ja-JP" dirty="0">
-              <a:solidFill>
-                <a:schemeClr val="tx1">
-                  <a:lumMod val="50000"/>
-                  <a:lumOff val="50000"/>
-                </a:schemeClr>
-              </a:solidFill>
-            </a:endParaRPr>
-          </a:p>
-          <a:p>
-            <a:r>
-              <a:rPr kumimoji="1" lang="ja-JP" altLang="en-US"/>
-              <a:t>変換群</a:t>
-            </a:r>
-            <a:r>
-              <a:rPr lang="ja-JP" altLang="en-US"/>
-              <a:t>：</a:t>
-            </a:r>
-            <a:r>
-              <a:rPr lang="ja-JP" altLang="en-US">
-                <a:solidFill>
-                  <a:schemeClr val="tx1">
-                    <a:lumMod val="50000"/>
-                    <a:lumOff val="50000"/>
-                  </a:schemeClr>
-                </a:solidFill>
-              </a:rPr>
-              <a:t>集合</a:t>
-            </a:r>
-            <a:r>
-              <a:rPr lang="en-US" altLang="ja-JP" dirty="0">
-                <a:solidFill>
-                  <a:schemeClr val="tx1">
-                    <a:lumMod val="50000"/>
-                    <a:lumOff val="50000"/>
-                  </a:schemeClr>
-                </a:solidFill>
-              </a:rPr>
-              <a:t>A</a:t>
-            </a:r>
-            <a:r>
-              <a:rPr lang="ja-JP" altLang="en-US">
-                <a:solidFill>
-                  <a:schemeClr val="tx1">
-                    <a:lumMod val="50000"/>
-                    <a:lumOff val="50000"/>
-                  </a:schemeClr>
-                </a:solidFill>
-              </a:rPr>
-              <a:t>から集合</a:t>
-            </a:r>
-            <a:r>
-              <a:rPr lang="en-US" altLang="ja-JP" dirty="0">
-                <a:solidFill>
-                  <a:schemeClr val="tx1">
-                    <a:lumMod val="50000"/>
-                    <a:lumOff val="50000"/>
-                  </a:schemeClr>
-                </a:solidFill>
-              </a:rPr>
-              <a:t>A</a:t>
-            </a:r>
-            <a:r>
-              <a:rPr lang="ja-JP" altLang="en-US">
-                <a:solidFill>
-                  <a:schemeClr val="tx1">
-                    <a:lumMod val="50000"/>
-                    <a:lumOff val="50000"/>
-                  </a:schemeClr>
-                </a:solidFill>
-              </a:rPr>
-              <a:t>への構造を保つ写像全体の集合．</a:t>
-            </a:r>
-            <a:br>
-              <a:rPr lang="en-US" altLang="ja-JP" dirty="0">
-                <a:solidFill>
-                  <a:schemeClr val="tx1">
-                    <a:lumMod val="50000"/>
-                    <a:lumOff val="50000"/>
-                  </a:schemeClr>
-                </a:solidFill>
-              </a:rPr>
-            </a:br>
-            <a:r>
-              <a:rPr lang="en-US" altLang="ja-JP" dirty="0">
-                <a:solidFill>
-                  <a:schemeClr val="tx1">
-                    <a:lumMod val="50000"/>
-                    <a:lumOff val="50000"/>
-                  </a:schemeClr>
-                </a:solidFill>
-              </a:rPr>
-              <a:t>		</a:t>
-            </a:r>
-            <a:r>
-              <a:rPr lang="ja-JP" altLang="en-US">
-                <a:solidFill>
-                  <a:schemeClr val="tx1">
-                    <a:lumMod val="50000"/>
-                    <a:lumOff val="50000"/>
-                  </a:schemeClr>
-                </a:solidFill>
-              </a:rPr>
-              <a:t>置換群と行列群は変換群の特別な場合</a:t>
-            </a:r>
-            <a:endParaRPr lang="en-US" altLang="ja-JP" dirty="0">
-              <a:solidFill>
-                <a:schemeClr val="tx1">
-                  <a:lumMod val="50000"/>
-                  <a:lumOff val="50000"/>
-                </a:schemeClr>
-              </a:solidFill>
-            </a:endParaRPr>
-          </a:p>
-          <a:p>
-            <a:r>
-              <a:rPr kumimoji="1" lang="ja-JP" altLang="en-US"/>
-              <a:t>位相群・代数群</a:t>
-            </a:r>
-            <a:r>
-              <a:rPr lang="ja-JP" altLang="en-US"/>
-              <a:t>：</a:t>
-            </a:r>
-            <a:r>
-              <a:rPr lang="ja-JP" altLang="en-US">
-                <a:solidFill>
-                  <a:schemeClr val="tx1">
-                    <a:lumMod val="50000"/>
-                    <a:lumOff val="50000"/>
-                  </a:schemeClr>
-                </a:solidFill>
-              </a:rPr>
-              <a:t>変換群の構造に連続性を加えたもの</a:t>
-            </a:r>
-            <a:endParaRPr lang="en-US" altLang="ja-JP" dirty="0">
-              <a:solidFill>
-                <a:schemeClr val="tx1">
-                  <a:lumMod val="50000"/>
-                  <a:lumOff val="50000"/>
-                </a:schemeClr>
-              </a:solidFill>
-            </a:endParaRPr>
-          </a:p>
-          <a:p>
-            <a:pPr marL="0" indent="0">
-              <a:buNone/>
-            </a:pPr>
-            <a:endParaRPr lang="en-US" altLang="ja-JP" dirty="0">
-              <a:solidFill>
-                <a:schemeClr val="tx1">
-                  <a:lumMod val="50000"/>
-                  <a:lumOff val="50000"/>
-                </a:schemeClr>
-              </a:solidFill>
-            </a:endParaRPr>
-          </a:p>
-          <a:p>
-            <a:pPr marL="0" indent="0">
-              <a:buNone/>
-            </a:pPr>
-            <a:r>
-              <a:rPr lang="ja-JP" altLang="en-US"/>
-              <a:t>「作用」というもので群を分類している</a:t>
-            </a:r>
-            <a:endParaRPr lang="en-US" altLang="ja-JP" dirty="0"/>
-          </a:p>
-        </p:txBody>
-      </p:sp>
+      <mc:AlternateContent xmlns:mc="http://schemas.openxmlformats.org/markup-compatibility/2006" xmlns:a14="http://schemas.microsoft.com/office/drawing/2010/main">
+        <mc:Choice Requires="a14">
+          <p:sp>
+            <p:nvSpPr>
+              <p:cNvPr id="3" name="テキスト プレースホルダー 2">
+                <a:extLst>
+                  <a:ext uri="{FF2B5EF4-FFF2-40B4-BE49-F238E27FC236}">
+                    <a16:creationId xmlns:a16="http://schemas.microsoft.com/office/drawing/2014/main" id="{79632C5C-7772-2E44-B487-0180E5F3CC25}"/>
+                  </a:ext>
+                </a:extLst>
+              </p:cNvPr>
+              <p:cNvSpPr>
+                <a:spLocks noGrp="1"/>
+              </p:cNvSpPr>
+              <p:nvPr>
+                <p:ph type="body" idx="1"/>
+              </p:nvPr>
+            </p:nvSpPr>
+            <p:spPr/>
+            <p:txBody>
+              <a:bodyPr/>
+              <a:lstStyle/>
+              <a:p>
+                <a:r>
+                  <a:rPr kumimoji="1" lang="en-US" altLang="ja-JP" dirty="0"/>
+                  <a:t>G,H:</a:t>
+                </a:r>
+                <a:r>
+                  <a:rPr kumimoji="1" lang="ja-JP" altLang="en-US"/>
+                  <a:t>群，</a:t>
+                </a:r>
+                <a:r>
+                  <a:rPr kumimoji="1" lang="en-US" altLang="ja-JP" dirty="0" err="1"/>
+                  <a:t>φ:G→H</a:t>
+                </a:r>
+                <a:r>
+                  <a:rPr kumimoji="1" lang="ja-JP" altLang="en-US"/>
+                  <a:t>：同型写像</a:t>
+                </a:r>
+                <a:r>
+                  <a:rPr kumimoji="1" lang="en-US" altLang="ja-JP" dirty="0"/>
+                  <a:t> </a:t>
+                </a:r>
+              </a:p>
+              <a:p>
+                <a:endParaRPr kumimoji="1" lang="en-US" altLang="ja-JP" dirty="0"/>
+              </a:p>
+              <a:p>
+                <a:r>
+                  <a:rPr kumimoji="1" lang="ja-JP" altLang="en-US"/>
+                  <a:t>同型写像</a:t>
+                </a:r>
+                <a:r>
+                  <a:rPr kumimoji="1" lang="en-US" altLang="ja-JP" dirty="0" err="1"/>
+                  <a:t>φ</a:t>
+                </a:r>
+                <a:r>
+                  <a:rPr kumimoji="1" lang="ja-JP" altLang="en-US"/>
+                  <a:t>は</a:t>
+                </a:r>
+                <a:r>
+                  <a:rPr kumimoji="1" lang="en-US" altLang="ja-JP" dirty="0"/>
+                  <a:t>G</a:t>
+                </a:r>
+                <a:r>
+                  <a:rPr kumimoji="1" lang="ja-JP" altLang="en-US"/>
+                  <a:t>の単位元を</a:t>
+                </a:r>
+                <a:r>
+                  <a:rPr kumimoji="1" lang="en-US" altLang="ja-JP" dirty="0"/>
+                  <a:t>H</a:t>
+                </a:r>
+                <a:r>
+                  <a:rPr kumimoji="1" lang="ja-JP" altLang="en-US"/>
+                  <a:t>の単位元に写す</a:t>
+                </a:r>
+                <a:endParaRPr kumimoji="1" lang="en-US" altLang="ja-JP" dirty="0"/>
+              </a:p>
+              <a:p>
+                <a14:m>
+                  <m:oMath xmlns:m="http://schemas.openxmlformats.org/officeDocument/2006/math">
+                    <m:r>
+                      <a:rPr kumimoji="1" lang="en-US" altLang="ja-JP" i="1" smtClean="0">
+                        <a:latin typeface="Cambria Math" panose="02040503050406030204" pitchFamily="18" charset="0"/>
+                        <a:ea typeface="Cambria Math" panose="02040503050406030204" pitchFamily="18" charset="0"/>
+                      </a:rPr>
+                      <m:t>𝜑</m:t>
+                    </m:r>
+                    <m:d>
+                      <m:dPr>
+                        <m:ctrlPr>
+                          <a:rPr kumimoji="1" lang="en-US" altLang="ja-JP" b="0" i="1" smtClean="0">
+                            <a:latin typeface="Cambria Math" panose="02040503050406030204" pitchFamily="18" charset="0"/>
+                            <a:ea typeface="Cambria Math" panose="02040503050406030204" pitchFamily="18" charset="0"/>
+                          </a:rPr>
+                        </m:ctrlPr>
+                      </m:dPr>
+                      <m:e>
+                        <m:sSup>
+                          <m:sSupPr>
+                            <m:ctrlPr>
+                              <a:rPr kumimoji="1" lang="en-US" altLang="ja-JP" i="1" smtClean="0">
+                                <a:latin typeface="Cambria Math" panose="02040503050406030204" pitchFamily="18" charset="0"/>
+                              </a:rPr>
+                            </m:ctrlPr>
+                          </m:sSupPr>
+                          <m:e>
+                            <m:r>
+                              <a:rPr kumimoji="1" lang="en-US" altLang="ja-JP" b="0" i="1" smtClean="0">
+                                <a:latin typeface="Cambria Math" panose="02040503050406030204" pitchFamily="18" charset="0"/>
+                              </a:rPr>
+                              <m:t>𝑔</m:t>
+                            </m:r>
+                          </m:e>
+                          <m:sup>
+                            <m:r>
+                              <a:rPr kumimoji="1" lang="en-US" altLang="ja-JP" b="0" i="1" smtClean="0">
+                                <a:latin typeface="Cambria Math" panose="02040503050406030204" pitchFamily="18" charset="0"/>
+                              </a:rPr>
+                              <m:t>−1</m:t>
+                            </m:r>
+                          </m:sup>
+                        </m:sSup>
+                      </m:e>
+                    </m:d>
+                    <m:r>
+                      <a:rPr kumimoji="1" lang="en-US" altLang="ja-JP" b="0" i="1" smtClean="0">
+                        <a:latin typeface="Cambria Math" panose="02040503050406030204" pitchFamily="18" charset="0"/>
+                      </a:rPr>
+                      <m:t>=</m:t>
+                    </m:r>
+                    <m:sSup>
+                      <m:sSupPr>
+                        <m:ctrlPr>
+                          <a:rPr kumimoji="1" lang="en-US" altLang="ja-JP" b="0" i="1" smtClean="0">
+                            <a:latin typeface="Cambria Math" panose="02040503050406030204" pitchFamily="18" charset="0"/>
+                          </a:rPr>
+                        </m:ctrlPr>
+                      </m:sSupPr>
+                      <m:e>
+                        <m:r>
+                          <a:rPr kumimoji="1" lang="en-US" altLang="ja-JP" b="0" i="1" smtClean="0">
+                            <a:latin typeface="Cambria Math" panose="02040503050406030204" pitchFamily="18" charset="0"/>
+                          </a:rPr>
+                          <m:t>(</m:t>
+                        </m:r>
+                        <m:r>
+                          <a:rPr kumimoji="1" lang="en-US" altLang="ja-JP" i="1">
+                            <a:latin typeface="Cambria Math" panose="02040503050406030204" pitchFamily="18" charset="0"/>
+                            <a:ea typeface="Cambria Math" panose="02040503050406030204" pitchFamily="18" charset="0"/>
+                          </a:rPr>
+                          <m:t>𝜑</m:t>
+                        </m:r>
+                        <m:r>
+                          <a:rPr kumimoji="1" lang="en-US" altLang="ja-JP" b="0" i="1" smtClean="0">
+                            <a:latin typeface="Cambria Math" panose="02040503050406030204" pitchFamily="18" charset="0"/>
+                            <a:ea typeface="Cambria Math" panose="02040503050406030204" pitchFamily="18" charset="0"/>
+                          </a:rPr>
+                          <m:t>(</m:t>
+                        </m:r>
+                        <m:r>
+                          <a:rPr kumimoji="1" lang="en-US" altLang="ja-JP" b="0" i="1" smtClean="0">
+                            <a:latin typeface="Cambria Math" panose="02040503050406030204" pitchFamily="18" charset="0"/>
+                            <a:ea typeface="Cambria Math" panose="02040503050406030204" pitchFamily="18" charset="0"/>
+                          </a:rPr>
+                          <m:t>𝑔</m:t>
+                        </m:r>
+                        <m:r>
+                          <a:rPr kumimoji="1" lang="en-US" altLang="ja-JP" b="0" i="1" smtClean="0">
+                            <a:latin typeface="Cambria Math" panose="02040503050406030204" pitchFamily="18" charset="0"/>
+                            <a:ea typeface="Cambria Math" panose="02040503050406030204" pitchFamily="18" charset="0"/>
+                          </a:rPr>
+                          <m:t>))</m:t>
+                        </m:r>
+                      </m:e>
+                      <m:sup>
+                        <m:r>
+                          <a:rPr kumimoji="1" lang="en-US" altLang="ja-JP" b="0" i="1" smtClean="0">
+                            <a:latin typeface="Cambria Math" panose="02040503050406030204" pitchFamily="18" charset="0"/>
+                          </a:rPr>
+                          <m:t>−1</m:t>
+                        </m:r>
+                      </m:sup>
+                    </m:sSup>
+                  </m:oMath>
+                </a14:m>
+                <a:endParaRPr kumimoji="1" lang="ja-JP" altLang="en-US"/>
+              </a:p>
+            </p:txBody>
+          </p:sp>
+        </mc:Choice>
+        <mc:Fallback xmlns="">
+          <p:sp>
+            <p:nvSpPr>
+              <p:cNvPr id="3" name="テキスト プレースホルダー 2">
+                <a:extLst>
+                  <a:ext uri="{FF2B5EF4-FFF2-40B4-BE49-F238E27FC236}">
+                    <a16:creationId xmlns:a16="http://schemas.microsoft.com/office/drawing/2014/main" id="{79632C5C-7772-2E44-B487-0180E5F3CC25}"/>
+                  </a:ext>
+                </a:extLst>
+              </p:cNvPr>
+              <p:cNvSpPr>
+                <a:spLocks noGrp="1" noRot="1" noChangeAspect="1" noMove="1" noResize="1" noEditPoints="1" noAdjustHandles="1" noChangeArrowheads="1" noChangeShapeType="1" noTextEdit="1"/>
+              </p:cNvSpPr>
+              <p:nvPr>
+                <p:ph type="body" idx="1"/>
+              </p:nvPr>
+            </p:nvSpPr>
+            <p:spPr>
+              <a:blipFill>
+                <a:blip r:embed="rId2"/>
+                <a:stretch>
+                  <a:fillRect/>
+                </a:stretch>
+              </a:blipFill>
+            </p:spPr>
+            <p:txBody>
+              <a:bodyPr/>
+              <a:lstStyle/>
+              <a:p>
+                <a:r>
+                  <a:rPr lang="ja-JP" altLang="en-US">
+                    <a:noFill/>
+                  </a:rPr>
+                  <a:t> </a:t>
+                </a:r>
+              </a:p>
+            </p:txBody>
+          </p:sp>
+        </mc:Fallback>
+      </mc:AlternateContent>
     </p:spTree>
     <p:extLst>
       <p:ext uri="{BB962C8B-B14F-4D97-AF65-F5344CB8AC3E}">
-        <p14:creationId xmlns:p14="http://schemas.microsoft.com/office/powerpoint/2010/main" val="3985254540"/>
+        <p14:creationId xmlns:p14="http://schemas.microsoft.com/office/powerpoint/2010/main" val="2337004351"/>
       </p:ext>
     </p:extLst>
   </p:cSld>

--- a/section1(導入と一次分数変換)/群の気持ち.pptx
+++ b/section1(導入と一次分数変換)/群の気持ち.pptx
@@ -5,7 +5,7 @@
     <p:sldMasterId id="2147483648" r:id="rId1"/>
   </p:sldMasterIdLst>
   <p:notesMasterIdLst>
-    <p:notesMasterId r:id="rId31"/>
+    <p:notesMasterId r:id="rId32"/>
   </p:notesMasterIdLst>
   <p:sldIdLst>
     <p:sldId id="256" r:id="rId2"/>
@@ -28,15 +28,16 @@
     <p:sldId id="302" r:id="rId19"/>
     <p:sldId id="303" r:id="rId20"/>
     <p:sldId id="304" r:id="rId21"/>
-    <p:sldId id="351" r:id="rId22"/>
-    <p:sldId id="356" r:id="rId23"/>
-    <p:sldId id="357" r:id="rId24"/>
-    <p:sldId id="358" r:id="rId25"/>
-    <p:sldId id="359" r:id="rId26"/>
-    <p:sldId id="345" r:id="rId27"/>
-    <p:sldId id="360" r:id="rId28"/>
-    <p:sldId id="344" r:id="rId29"/>
-    <p:sldId id="361" r:id="rId30"/>
+    <p:sldId id="362" r:id="rId22"/>
+    <p:sldId id="351" r:id="rId23"/>
+    <p:sldId id="356" r:id="rId24"/>
+    <p:sldId id="357" r:id="rId25"/>
+    <p:sldId id="358" r:id="rId26"/>
+    <p:sldId id="359" r:id="rId27"/>
+    <p:sldId id="345" r:id="rId28"/>
+    <p:sldId id="360" r:id="rId29"/>
+    <p:sldId id="344" r:id="rId30"/>
+    <p:sldId id="361" r:id="rId31"/>
   </p:sldIdLst>
   <p:sldSz cx="12192000" cy="6858000"/>
   <p:notesSz cx="6858000" cy="9144000"/>
@@ -732,6 +733,115 @@
     </p:spTree>
     <p:extLst>
       <p:ext uri="{BB962C8B-B14F-4D97-AF65-F5344CB8AC3E}">
+        <p14:creationId xmlns:p14="http://schemas.microsoft.com/office/powerpoint/2010/main" val="1049163036"/>
+      </p:ext>
+    </p:extLst>
+  </p:cSld>
+  <p:clrMapOvr>
+    <a:masterClrMapping/>
+  </p:clrMapOvr>
+</p:notes>
+</file>
+
+<file path=ppt/notesSlides/notesSlide11.xml><?xml version="1.0" encoding="utf-8"?>
+<p:notes xmlns:a="http://schemas.openxmlformats.org/drawingml/2006/main" xmlns:r="http://schemas.openxmlformats.org/officeDocument/2006/relationships" xmlns:p="http://schemas.openxmlformats.org/presentationml/2006/main" showMasterSp="0" showMasterPhAnim="0">
+  <p:cSld>
+    <p:spTree>
+      <p:nvGrpSpPr>
+        <p:cNvPr id="1" name="Shape 420"/>
+        <p:cNvGrpSpPr/>
+        <p:nvPr/>
+      </p:nvGrpSpPr>
+      <p:grpSpPr>
+        <a:xfrm>
+          <a:off x="0" y="0"/>
+          <a:ext cx="0" cy="0"/>
+          <a:chOff x="0" y="0"/>
+          <a:chExt cx="0" cy="0"/>
+        </a:xfrm>
+      </p:grpSpPr>
+      <p:sp>
+        <p:nvSpPr>
+          <p:cNvPr id="421" name="Google Shape;421;g5f98c830ba_1_0:notes"/>
+          <p:cNvSpPr>
+            <a:spLocks noGrp="1" noRot="1" noChangeAspect="1"/>
+          </p:cNvSpPr>
+          <p:nvPr>
+            <p:ph type="sldImg" idx="2"/>
+          </p:nvPr>
+        </p:nvSpPr>
+        <p:spPr>
+          <a:xfrm>
+            <a:off x="381000" y="685800"/>
+            <a:ext cx="6096000" cy="3429000"/>
+          </a:xfrm>
+          <a:custGeom>
+            <a:avLst/>
+            <a:gdLst/>
+            <a:ahLst/>
+            <a:cxnLst/>
+            <a:rect l="l" t="t" r="r" b="b"/>
+            <a:pathLst>
+              <a:path w="120000" h="120000" extrusionOk="0">
+                <a:moveTo>
+                  <a:pt x="0" y="0"/>
+                </a:moveTo>
+                <a:lnTo>
+                  <a:pt x="120000" y="0"/>
+                </a:lnTo>
+                <a:lnTo>
+                  <a:pt x="120000" y="120000"/>
+                </a:lnTo>
+                <a:lnTo>
+                  <a:pt x="0" y="120000"/>
+                </a:lnTo>
+                <a:close/>
+              </a:path>
+            </a:pathLst>
+          </a:custGeom>
+        </p:spPr>
+      </p:sp>
+      <p:sp>
+        <p:nvSpPr>
+          <p:cNvPr id="422" name="Google Shape;422;g5f98c830ba_1_0:notes"/>
+          <p:cNvSpPr txBox="1">
+            <a:spLocks noGrp="1"/>
+          </p:cNvSpPr>
+          <p:nvPr>
+            <p:ph type="body" idx="1"/>
+          </p:nvPr>
+        </p:nvSpPr>
+        <p:spPr>
+          <a:xfrm>
+            <a:off x="685800" y="4343400"/>
+            <a:ext cx="5486400" cy="4114800"/>
+          </a:xfrm>
+          <a:prstGeom prst="rect">
+            <a:avLst/>
+          </a:prstGeom>
+        </p:spPr>
+        <p:txBody>
+          <a:bodyPr spcFirstLastPara="1" wrap="square" lIns="91425" tIns="91425" rIns="91425" bIns="91425" anchor="t" anchorCtr="0">
+            <a:noAutofit/>
+          </a:bodyPr>
+          <a:lstStyle/>
+          <a:p>
+            <a:pPr marL="0" lvl="0" indent="0" algn="l" rtl="0">
+              <a:spcBef>
+                <a:spcPts val="0"/>
+              </a:spcBef>
+              <a:spcAft>
+                <a:spcPts val="0"/>
+              </a:spcAft>
+              <a:buNone/>
+            </a:pPr>
+            <a:endParaRPr/>
+          </a:p>
+        </p:txBody>
+      </p:sp>
+    </p:spTree>
+    <p:extLst>
+      <p:ext uri="{BB962C8B-B14F-4D97-AF65-F5344CB8AC3E}">
         <p14:creationId xmlns:p14="http://schemas.microsoft.com/office/powerpoint/2010/main" val="3319765795"/>
       </p:ext>
     </p:extLst>
@@ -742,7 +852,7 @@
 </p:notes>
 </file>
 
-<file path=ppt/notesSlides/notesSlide11.xml><?xml version="1.0" encoding="utf-8"?>
+<file path=ppt/notesSlides/notesSlide12.xml><?xml version="1.0" encoding="utf-8"?>
 <p:notes xmlns:a="http://schemas.openxmlformats.org/drawingml/2006/main" xmlns:r="http://schemas.openxmlformats.org/officeDocument/2006/relationships" xmlns:p="http://schemas.openxmlformats.org/presentationml/2006/main" showMasterSp="0" showMasterPhAnim="0">
   <p:cSld>
     <p:spTree>
@@ -1267,7 +1377,7 @@
   <p:cSld>
     <p:spTree>
       <p:nvGrpSpPr>
-        <p:cNvPr id="1" name="Shape 420"/>
+        <p:cNvPr id="1" name="Shape 408"/>
         <p:cNvGrpSpPr/>
         <p:nvPr/>
       </p:nvGrpSpPr>
@@ -1281,7 +1391,7 @@
       </p:grpSpPr>
       <p:sp>
         <p:nvSpPr>
-          <p:cNvPr id="421" name="Google Shape;421;g5f98c830ba_1_0:notes"/>
+          <p:cNvPr id="409" name="Google Shape;409;g5f85c4895c_0_26:notes"/>
           <p:cNvSpPr>
             <a:spLocks noGrp="1" noRot="1" noChangeAspect="1"/>
           </p:cNvSpPr>
@@ -1322,7 +1432,7 @@
       </p:sp>
       <p:sp>
         <p:nvSpPr>
-          <p:cNvPr id="422" name="Google Shape;422;g5f98c830ba_1_0:notes"/>
+          <p:cNvPr id="410" name="Google Shape;410;g5f85c4895c_0_26:notes"/>
           <p:cNvSpPr txBox="1">
             <a:spLocks noGrp="1"/>
           </p:cNvSpPr>
@@ -1361,7 +1471,7 @@
     </p:spTree>
     <p:extLst>
       <p:ext uri="{BB962C8B-B14F-4D97-AF65-F5344CB8AC3E}">
-        <p14:creationId xmlns:p14="http://schemas.microsoft.com/office/powerpoint/2010/main" val="1267325842"/>
+        <p14:creationId xmlns:p14="http://schemas.microsoft.com/office/powerpoint/2010/main" val="1468484472"/>
       </p:ext>
     </p:extLst>
   </p:cSld>
@@ -1470,7 +1580,7 @@
     </p:spTree>
     <p:extLst>
       <p:ext uri="{BB962C8B-B14F-4D97-AF65-F5344CB8AC3E}">
-        <p14:creationId xmlns:p14="http://schemas.microsoft.com/office/powerpoint/2010/main" val="3147745320"/>
+        <p14:creationId xmlns:p14="http://schemas.microsoft.com/office/powerpoint/2010/main" val="1267325842"/>
       </p:ext>
     </p:extLst>
   </p:cSld>
@@ -1579,7 +1689,7 @@
     </p:spTree>
     <p:extLst>
       <p:ext uri="{BB962C8B-B14F-4D97-AF65-F5344CB8AC3E}">
-        <p14:creationId xmlns:p14="http://schemas.microsoft.com/office/powerpoint/2010/main" val="4138299237"/>
+        <p14:creationId xmlns:p14="http://schemas.microsoft.com/office/powerpoint/2010/main" val="3147745320"/>
       </p:ext>
     </p:extLst>
   </p:cSld>
@@ -1688,7 +1798,7 @@
     </p:spTree>
     <p:extLst>
       <p:ext uri="{BB962C8B-B14F-4D97-AF65-F5344CB8AC3E}">
-        <p14:creationId xmlns:p14="http://schemas.microsoft.com/office/powerpoint/2010/main" val="1049163036"/>
+        <p14:creationId xmlns:p14="http://schemas.microsoft.com/office/powerpoint/2010/main" val="4138299237"/>
       </p:ext>
     </p:extLst>
   </p:cSld>
@@ -11539,6 +11649,309 @@
   <p:cSld>
     <p:spTree>
       <p:nvGrpSpPr>
+        <p:cNvPr id="1" name="Shape 411"/>
+        <p:cNvGrpSpPr/>
+        <p:nvPr/>
+      </p:nvGrpSpPr>
+      <p:grpSpPr>
+        <a:xfrm>
+          <a:off x="0" y="0"/>
+          <a:ext cx="0" cy="0"/>
+          <a:chOff x="0" y="0"/>
+          <a:chExt cx="0" cy="0"/>
+        </a:xfrm>
+      </p:grpSpPr>
+      <p:sp>
+        <p:nvSpPr>
+          <p:cNvPr id="412" name="Google Shape;412;p72"/>
+          <p:cNvSpPr txBox="1">
+            <a:spLocks noGrp="1"/>
+          </p:cNvSpPr>
+          <p:nvPr>
+            <p:ph type="body" idx="1"/>
+          </p:nvPr>
+        </p:nvSpPr>
+        <p:spPr>
+          <a:xfrm>
+            <a:off x="838200" y="1078692"/>
+            <a:ext cx="10515600" cy="4351200"/>
+          </a:xfrm>
+          <a:prstGeom prst="rect">
+            <a:avLst/>
+          </a:prstGeom>
+        </p:spPr>
+        <p:txBody>
+          <a:bodyPr spcFirstLastPara="1" vert="horz" wrap="square" lIns="91433" tIns="45700" rIns="91433" bIns="45700" rtlCol="0" anchor="t" anchorCtr="0">
+            <a:noAutofit/>
+          </a:bodyPr>
+          <a:lstStyle/>
+          <a:p>
+            <a:pPr marL="0" indent="0">
+              <a:spcBef>
+                <a:spcPts val="1067"/>
+              </a:spcBef>
+              <a:buNone/>
+            </a:pPr>
+            <a:r>
+              <a:rPr lang="fr-CA" altLang="ja" dirty="0" err="1"/>
+              <a:t>lem</a:t>
+            </a:r>
+            <a:endParaRPr dirty="0"/>
+          </a:p>
+          <a:p>
+            <a:pPr marL="0" indent="0">
+              <a:spcBef>
+                <a:spcPts val="1067"/>
+              </a:spcBef>
+              <a:buNone/>
+            </a:pPr>
+            <a:r>
+              <a:rPr lang="ja" dirty="0"/>
+              <a:t>P,Q: 平面状の点，(A,v)</a:t>
+            </a:r>
+            <a:r>
+              <a:rPr lang="ja" dirty="0">
+                <a:highlight>
+                  <a:srgbClr val="FFFFFF"/>
+                </a:highlight>
+              </a:rPr>
+              <a:t>∈E(2)</a:t>
+            </a:r>
+            <a:endParaRPr dirty="0">
+              <a:highlight>
+                <a:srgbClr val="FFFFFF"/>
+              </a:highlight>
+            </a:endParaRPr>
+          </a:p>
+          <a:p>
+            <a:pPr marL="0" indent="0">
+              <a:spcBef>
+                <a:spcPts val="1067"/>
+              </a:spcBef>
+              <a:buNone/>
+            </a:pPr>
+            <a:r>
+              <a:rPr lang="ja" dirty="0">
+                <a:highlight>
+                  <a:srgbClr val="FFFFFF"/>
+                </a:highlight>
+              </a:rPr>
+              <a:t>(PとQのユークリッド距離)=((A,v)•Pと(A,v)•Qの距離に等しい)</a:t>
+            </a:r>
+            <a:endParaRPr dirty="0">
+              <a:highlight>
+                <a:srgbClr val="FFFFFF"/>
+              </a:highlight>
+            </a:endParaRPr>
+          </a:p>
+          <a:p>
+            <a:pPr marL="609585" indent="0">
+              <a:spcBef>
+                <a:spcPts val="1067"/>
+              </a:spcBef>
+              <a:buNone/>
+            </a:pPr>
+            <a:r>
+              <a:rPr lang="ja" dirty="0">
+                <a:highlight>
+                  <a:srgbClr val="FFFFFF"/>
+                </a:highlight>
+              </a:rPr>
+              <a:t>ユークリッド距離</a:t>
+            </a:r>
+            <a:endParaRPr dirty="0">
+              <a:highlight>
+                <a:srgbClr val="FFFFFF"/>
+              </a:highlight>
+            </a:endParaRPr>
+          </a:p>
+          <a:p>
+            <a:pPr marL="609585" indent="0">
+              <a:spcBef>
+                <a:spcPts val="1067"/>
+              </a:spcBef>
+              <a:buNone/>
+            </a:pPr>
+            <a:r>
+              <a:rPr lang="ja" dirty="0">
+                <a:highlight>
+                  <a:srgbClr val="FFFFFF"/>
+                </a:highlight>
+              </a:rPr>
+              <a:t>いわゆる一般的に求める距離．</a:t>
+            </a:r>
+            <a:endParaRPr dirty="0">
+              <a:highlight>
+                <a:srgbClr val="FFFFFF"/>
+              </a:highlight>
+            </a:endParaRPr>
+          </a:p>
+          <a:p>
+            <a:pPr marL="609585" indent="0">
+              <a:spcBef>
+                <a:spcPts val="1067"/>
+              </a:spcBef>
+              <a:buNone/>
+            </a:pPr>
+            <a:r>
+              <a:rPr lang="ja" dirty="0">
+                <a:highlight>
+                  <a:srgbClr val="FFFFFF"/>
+                </a:highlight>
+              </a:rPr>
+              <a:t>点(x1,y1)と点(x2,y2)のときの</a:t>
+            </a:r>
+            <a:endParaRPr dirty="0">
+              <a:highlight>
+                <a:srgbClr val="FFFFFF"/>
+              </a:highlight>
+            </a:endParaRPr>
+          </a:p>
+          <a:p>
+            <a:pPr marL="609585" indent="0">
+              <a:spcBef>
+                <a:spcPts val="1067"/>
+              </a:spcBef>
+              <a:buNone/>
+            </a:pPr>
+            <a:r>
+              <a:rPr lang="ja" dirty="0">
+                <a:highlight>
+                  <a:srgbClr val="FFFFFF"/>
+                </a:highlight>
+              </a:rPr>
+              <a:t>ユークリッド距離は√{(x2-x1)^2+(y2-y1)^2}</a:t>
+            </a:r>
+            <a:endParaRPr dirty="0">
+              <a:highlight>
+                <a:srgbClr val="FFFFFF"/>
+              </a:highlight>
+            </a:endParaRPr>
+          </a:p>
+          <a:p>
+            <a:pPr marL="609585" indent="0">
+              <a:spcBef>
+                <a:spcPts val="1067"/>
+              </a:spcBef>
+              <a:buNone/>
+            </a:pPr>
+            <a:endParaRPr dirty="0">
+              <a:highlight>
+                <a:srgbClr val="FFFFFF"/>
+              </a:highlight>
+            </a:endParaRPr>
+          </a:p>
+          <a:p>
+            <a:pPr marL="0" indent="0">
+              <a:spcBef>
+                <a:spcPts val="1067"/>
+              </a:spcBef>
+              <a:buNone/>
+            </a:pPr>
+            <a:r>
+              <a:rPr lang="ja" dirty="0">
+                <a:highlight>
+                  <a:srgbClr val="FFFFFF"/>
+                </a:highlight>
+              </a:rPr>
+              <a:t>つまり，変換してもユークリッド距離が保たれる変換</a:t>
+            </a:r>
+            <a:r>
+              <a:rPr lang="ja" altLang="en-US" dirty="0">
+                <a:highlight>
+                  <a:srgbClr val="FFFFFF"/>
+                </a:highlight>
+              </a:rPr>
+              <a:t>（</a:t>
+            </a:r>
+            <a:r>
+              <a:rPr lang="ja-JP" altLang="en-US">
+                <a:highlight>
+                  <a:srgbClr val="FFFFFF"/>
+                </a:highlight>
+              </a:rPr>
+              <a:t>等長変換</a:t>
+            </a:r>
+            <a:r>
+              <a:rPr lang="ja" altLang="en-US" dirty="0">
+                <a:highlight>
+                  <a:srgbClr val="FFFFFF"/>
+                </a:highlight>
+              </a:rPr>
+              <a:t>）</a:t>
+            </a:r>
+            <a:r>
+              <a:rPr lang="ja" dirty="0">
+                <a:highlight>
+                  <a:srgbClr val="FFFFFF"/>
+                </a:highlight>
+              </a:rPr>
+              <a:t>ということ</a:t>
+            </a:r>
+            <a:endParaRPr dirty="0">
+              <a:highlight>
+                <a:srgbClr val="FFFFFF"/>
+              </a:highlight>
+            </a:endParaRPr>
+          </a:p>
+        </p:txBody>
+      </p:sp>
+      <p:sp>
+        <p:nvSpPr>
+          <p:cNvPr id="413" name="Google Shape;413;p72"/>
+          <p:cNvSpPr txBox="1">
+            <a:spLocks noGrp="1"/>
+          </p:cNvSpPr>
+          <p:nvPr>
+            <p:ph type="title"/>
+          </p:nvPr>
+        </p:nvSpPr>
+        <p:spPr>
+          <a:xfrm>
+            <a:off x="838200" y="-8"/>
+            <a:ext cx="10515600" cy="1325600"/>
+          </a:xfrm>
+          <a:prstGeom prst="rect">
+            <a:avLst/>
+          </a:prstGeom>
+        </p:spPr>
+        <p:txBody>
+          <a:bodyPr spcFirstLastPara="1" vert="horz" wrap="square" lIns="91433" tIns="45700" rIns="91433" bIns="45700" rtlCol="0" anchor="ctr" anchorCtr="0">
+            <a:noAutofit/>
+          </a:bodyPr>
+          <a:lstStyle/>
+          <a:p>
+            <a:pPr>
+              <a:spcBef>
+                <a:spcPts val="0"/>
+              </a:spcBef>
+            </a:pPr>
+            <a:r>
+              <a:rPr lang="ja"/>
+              <a:t>合同変換群の由来</a:t>
+            </a:r>
+            <a:endParaRPr/>
+          </a:p>
+        </p:txBody>
+      </p:sp>
+    </p:spTree>
+    <p:extLst>
+      <p:ext uri="{BB962C8B-B14F-4D97-AF65-F5344CB8AC3E}">
+        <p14:creationId xmlns:p14="http://schemas.microsoft.com/office/powerpoint/2010/main" val="3832099977"/>
+      </p:ext>
+    </p:extLst>
+  </p:cSld>
+  <p:clrMapOvr>
+    <a:masterClrMapping/>
+  </p:clrMapOvr>
+</p:sld>
+</file>
+
+<file path=ppt/slides/slide22.xml><?xml version="1.0" encoding="utf-8"?>
+<p:sld xmlns:a="http://schemas.openxmlformats.org/drawingml/2006/main" xmlns:r="http://schemas.openxmlformats.org/officeDocument/2006/relationships" xmlns:p="http://schemas.openxmlformats.org/presentationml/2006/main">
+  <p:cSld>
+    <p:spTree>
+      <p:nvGrpSpPr>
         <p:cNvPr id="1" name="Shape 423"/>
         <p:cNvGrpSpPr/>
         <p:nvPr/>
@@ -11726,7 +12139,7 @@
 </p:sld>
 </file>
 
-<file path=ppt/slides/slide22.xml><?xml version="1.0" encoding="utf-8"?>
+<file path=ppt/slides/slide23.xml><?xml version="1.0" encoding="utf-8"?>
 <p:sld xmlns:a="http://schemas.openxmlformats.org/drawingml/2006/main" xmlns:r="http://schemas.openxmlformats.org/officeDocument/2006/relationships" xmlns:p="http://schemas.openxmlformats.org/presentationml/2006/main">
   <p:cSld>
     <p:spTree>
@@ -12167,7 +12580,7 @@
 </p:sld>
 </file>
 
-<file path=ppt/slides/slide23.xml><?xml version="1.0" encoding="utf-8"?>
+<file path=ppt/slides/slide24.xml><?xml version="1.0" encoding="utf-8"?>
 <p:sld xmlns:a="http://schemas.openxmlformats.org/drawingml/2006/main" xmlns:r="http://schemas.openxmlformats.org/officeDocument/2006/relationships" xmlns:p="http://schemas.openxmlformats.org/presentationml/2006/main">
   <p:cSld>
     <p:spTree>
@@ -12701,7 +13114,7 @@
 </p:sld>
 </file>
 
-<file path=ppt/slides/slide24.xml><?xml version="1.0" encoding="utf-8"?>
+<file path=ppt/slides/slide25.xml><?xml version="1.0" encoding="utf-8"?>
 <p:sld xmlns:a="http://schemas.openxmlformats.org/drawingml/2006/main" xmlns:r="http://schemas.openxmlformats.org/officeDocument/2006/relationships" xmlns:p="http://schemas.openxmlformats.org/presentationml/2006/main">
   <p:cSld>
     <p:spTree>
@@ -13685,7 +14098,7 @@
 </p:sld>
 </file>
 
-<file path=ppt/slides/slide25.xml><?xml version="1.0" encoding="utf-8"?>
+<file path=ppt/slides/slide26.xml><?xml version="1.0" encoding="utf-8"?>
 <p:sld xmlns:a="http://schemas.openxmlformats.org/drawingml/2006/main" xmlns:r="http://schemas.openxmlformats.org/officeDocument/2006/relationships" xmlns:p="http://schemas.openxmlformats.org/presentationml/2006/main">
   <p:cSld>
     <p:spTree>
@@ -15485,7 +15898,7 @@
 </p:sld>
 </file>
 
-<file path=ppt/slides/slide26.xml><?xml version="1.0" encoding="utf-8"?>
+<file path=ppt/slides/slide27.xml><?xml version="1.0" encoding="utf-8"?>
 <p:sld xmlns:a="http://schemas.openxmlformats.org/drawingml/2006/main" xmlns:r="http://schemas.openxmlformats.org/officeDocument/2006/relationships" xmlns:p="http://schemas.openxmlformats.org/presentationml/2006/main">
   <p:cSld>
     <p:spTree>
@@ -16366,7 +16779,7 @@
 </p:sld>
 </file>
 
-<file path=ppt/slides/slide27.xml><?xml version="1.0" encoding="utf-8"?>
+<file path=ppt/slides/slide28.xml><?xml version="1.0" encoding="utf-8"?>
 <p:sld xmlns:a="http://schemas.openxmlformats.org/drawingml/2006/main" xmlns:r="http://schemas.openxmlformats.org/officeDocument/2006/relationships" xmlns:p="http://schemas.openxmlformats.org/presentationml/2006/main">
   <p:cSld>
     <p:spTree>
@@ -18055,7 +18468,7 @@
 </p:sld>
 </file>
 
-<file path=ppt/slides/slide28.xml><?xml version="1.0" encoding="utf-8"?>
+<file path=ppt/slides/slide29.xml><?xml version="1.0" encoding="utf-8"?>
 <p:sld xmlns:a="http://schemas.openxmlformats.org/drawingml/2006/main" xmlns:r="http://schemas.openxmlformats.org/officeDocument/2006/relationships" xmlns:p="http://schemas.openxmlformats.org/presentationml/2006/main">
   <p:cSld>
     <p:spTree>
@@ -18188,7 +18601,159 @@
 </p:sld>
 </file>
 
-<file path=ppt/slides/slide29.xml><?xml version="1.0" encoding="utf-8"?>
+<file path=ppt/slides/slide3.xml><?xml version="1.0" encoding="utf-8"?>
+<p:sld xmlns:a="http://schemas.openxmlformats.org/drawingml/2006/main" xmlns:r="http://schemas.openxmlformats.org/officeDocument/2006/relationships" xmlns:p="http://schemas.openxmlformats.org/presentationml/2006/main">
+  <p:cSld>
+    <p:spTree>
+      <p:nvGrpSpPr>
+        <p:cNvPr id="1" name=""/>
+        <p:cNvGrpSpPr/>
+        <p:nvPr/>
+      </p:nvGrpSpPr>
+      <p:grpSpPr>
+        <a:xfrm>
+          <a:off x="0" y="0"/>
+          <a:ext cx="0" cy="0"/>
+          <a:chOff x="0" y="0"/>
+          <a:chExt cx="0" cy="0"/>
+        </a:xfrm>
+      </p:grpSpPr>
+      <p:sp>
+        <p:nvSpPr>
+          <p:cNvPr id="2" name="タイトル 1">
+            <a:extLst>
+              <a:ext uri="{FF2B5EF4-FFF2-40B4-BE49-F238E27FC236}">
+                <a16:creationId xmlns:a16="http://schemas.microsoft.com/office/drawing/2014/main" id="{674F0E3F-DB91-034F-8CAB-1C1E68383363}"/>
+              </a:ext>
+            </a:extLst>
+          </p:cNvPr>
+          <p:cNvSpPr>
+            <a:spLocks noGrp="1"/>
+          </p:cNvSpPr>
+          <p:nvPr>
+            <p:ph type="title"/>
+          </p:nvPr>
+        </p:nvSpPr>
+        <p:spPr/>
+        <p:txBody>
+          <a:bodyPr/>
+          <a:lstStyle/>
+          <a:p>
+            <a:r>
+              <a:rPr lang="ja-JP" altLang="en-US"/>
+              <a:t>新しい方向</a:t>
+            </a:r>
+            <a:r>
+              <a:rPr kumimoji="1" lang="ja-JP" altLang="en-US"/>
+              <a:t>から</a:t>
+            </a:r>
+            <a:r>
+              <a:rPr lang="ja-JP" altLang="en-US"/>
+              <a:t>考える</a:t>
+            </a:r>
+            <a:endParaRPr kumimoji="1" lang="ja-JP" altLang="en-US"/>
+          </a:p>
+        </p:txBody>
+      </p:sp>
+      <p:sp>
+        <p:nvSpPr>
+          <p:cNvPr id="3" name="コンテンツ プレースホルダー 2">
+            <a:extLst>
+              <a:ext uri="{FF2B5EF4-FFF2-40B4-BE49-F238E27FC236}">
+                <a16:creationId xmlns:a16="http://schemas.microsoft.com/office/drawing/2014/main" id="{F4437B64-F072-9D4D-98A5-1CF929DCBC3B}"/>
+              </a:ext>
+            </a:extLst>
+          </p:cNvPr>
+          <p:cNvSpPr>
+            <a:spLocks noGrp="1"/>
+          </p:cNvSpPr>
+          <p:nvPr>
+            <p:ph idx="1"/>
+          </p:nvPr>
+        </p:nvSpPr>
+        <p:spPr/>
+        <p:txBody>
+          <a:bodyPr>
+            <a:normAutofit/>
+          </a:bodyPr>
+          <a:lstStyle/>
+          <a:p>
+            <a:r>
+              <a:rPr lang="ja-JP" altLang="en-US"/>
+              <a:t>「対象に着目して計算」する方針から「対象に対する計算自体に着目」する方針に転換してみよう．</a:t>
+            </a:r>
+            <a:endParaRPr lang="en-US" altLang="ja-JP" dirty="0"/>
+          </a:p>
+          <a:p>
+            <a:r>
+              <a:rPr kumimoji="1" lang="ja-JP" altLang="en-US"/>
+              <a:t>計算自体の関係を考えるので，対象は数である必要はなくな</a:t>
+            </a:r>
+            <a:r>
+              <a:rPr lang="ja-JP" altLang="en-US"/>
+              <a:t>る．現代数学では基本的に集合を対象とする．</a:t>
+            </a:r>
+            <a:endParaRPr kumimoji="1" lang="en-US" altLang="ja-JP" dirty="0"/>
+          </a:p>
+          <a:p>
+            <a:r>
+              <a:rPr lang="ja-JP" altLang="en-US"/>
+              <a:t>計算自体の関係とはなんぞや？</a:t>
+            </a:r>
+            <a:br>
+              <a:rPr lang="en-US" altLang="ja-JP" dirty="0"/>
+            </a:br>
+            <a:r>
+              <a:rPr lang="en-US" altLang="ja-JP" dirty="0"/>
+              <a:t>	→</a:t>
+            </a:r>
+            <a:r>
+              <a:rPr lang="ja-JP" altLang="en-US"/>
+              <a:t>計算（演算，写像）がどのような構造をしているか．</a:t>
+            </a:r>
+            <a:endParaRPr lang="en-US" altLang="ja-JP" dirty="0"/>
+          </a:p>
+          <a:p>
+            <a:endParaRPr kumimoji="1" lang="en-US" altLang="ja-JP" dirty="0"/>
+          </a:p>
+          <a:p>
+            <a:r>
+              <a:rPr lang="ja-JP" altLang="en-US"/>
+              <a:t>演算の</a:t>
+            </a:r>
+            <a:r>
+              <a:rPr lang="en-US" altLang="ja-JP" dirty="0"/>
+              <a:t>(</a:t>
+            </a:r>
+            <a:r>
+              <a:rPr lang="ja-JP" altLang="en-US"/>
+              <a:t>代数的</a:t>
+            </a:r>
+            <a:r>
+              <a:rPr kumimoji="1" lang="en-US" altLang="ja-JP" dirty="0"/>
+              <a:t>)</a:t>
+            </a:r>
+            <a:r>
+              <a:rPr kumimoji="1" lang="ja-JP" altLang="en-US"/>
+              <a:t>構造を「群（もしくは抽象群）」という．</a:t>
+            </a:r>
+          </a:p>
+        </p:txBody>
+      </p:sp>
+    </p:spTree>
+    <p:extLst>
+      <p:ext uri="{BB962C8B-B14F-4D97-AF65-F5344CB8AC3E}">
+        <p14:creationId xmlns:p14="http://schemas.microsoft.com/office/powerpoint/2010/main" val="304269882"/>
+      </p:ext>
+    </p:extLst>
+  </p:cSld>
+  <p:clrMapOvr>
+    <a:masterClrMapping/>
+  </p:clrMapOvr>
+</p:sld>
+</file>
+
+<file path=ppt/slides/slide30.xml><?xml version="1.0" encoding="utf-8"?>
 <p:sld xmlns:a="http://schemas.openxmlformats.org/drawingml/2006/main" xmlns:r="http://schemas.openxmlformats.org/officeDocument/2006/relationships" xmlns:p="http://schemas.openxmlformats.org/presentationml/2006/main">
   <p:cSld>
     <p:spTree>
@@ -18468,158 +19033,6 @@
     <p:extLst>
       <p:ext uri="{BB962C8B-B14F-4D97-AF65-F5344CB8AC3E}">
         <p14:creationId xmlns:p14="http://schemas.microsoft.com/office/powerpoint/2010/main" val="2337004351"/>
-      </p:ext>
-    </p:extLst>
-  </p:cSld>
-  <p:clrMapOvr>
-    <a:masterClrMapping/>
-  </p:clrMapOvr>
-</p:sld>
-</file>
-
-<file path=ppt/slides/slide3.xml><?xml version="1.0" encoding="utf-8"?>
-<p:sld xmlns:a="http://schemas.openxmlformats.org/drawingml/2006/main" xmlns:r="http://schemas.openxmlformats.org/officeDocument/2006/relationships" xmlns:p="http://schemas.openxmlformats.org/presentationml/2006/main">
-  <p:cSld>
-    <p:spTree>
-      <p:nvGrpSpPr>
-        <p:cNvPr id="1" name=""/>
-        <p:cNvGrpSpPr/>
-        <p:nvPr/>
-      </p:nvGrpSpPr>
-      <p:grpSpPr>
-        <a:xfrm>
-          <a:off x="0" y="0"/>
-          <a:ext cx="0" cy="0"/>
-          <a:chOff x="0" y="0"/>
-          <a:chExt cx="0" cy="0"/>
-        </a:xfrm>
-      </p:grpSpPr>
-      <p:sp>
-        <p:nvSpPr>
-          <p:cNvPr id="2" name="タイトル 1">
-            <a:extLst>
-              <a:ext uri="{FF2B5EF4-FFF2-40B4-BE49-F238E27FC236}">
-                <a16:creationId xmlns:a16="http://schemas.microsoft.com/office/drawing/2014/main" id="{674F0E3F-DB91-034F-8CAB-1C1E68383363}"/>
-              </a:ext>
-            </a:extLst>
-          </p:cNvPr>
-          <p:cNvSpPr>
-            <a:spLocks noGrp="1"/>
-          </p:cNvSpPr>
-          <p:nvPr>
-            <p:ph type="title"/>
-          </p:nvPr>
-        </p:nvSpPr>
-        <p:spPr/>
-        <p:txBody>
-          <a:bodyPr/>
-          <a:lstStyle/>
-          <a:p>
-            <a:r>
-              <a:rPr lang="ja-JP" altLang="en-US"/>
-              <a:t>新しい方向</a:t>
-            </a:r>
-            <a:r>
-              <a:rPr kumimoji="1" lang="ja-JP" altLang="en-US"/>
-              <a:t>から</a:t>
-            </a:r>
-            <a:r>
-              <a:rPr lang="ja-JP" altLang="en-US"/>
-              <a:t>考える</a:t>
-            </a:r>
-            <a:endParaRPr kumimoji="1" lang="ja-JP" altLang="en-US"/>
-          </a:p>
-        </p:txBody>
-      </p:sp>
-      <p:sp>
-        <p:nvSpPr>
-          <p:cNvPr id="3" name="コンテンツ プレースホルダー 2">
-            <a:extLst>
-              <a:ext uri="{FF2B5EF4-FFF2-40B4-BE49-F238E27FC236}">
-                <a16:creationId xmlns:a16="http://schemas.microsoft.com/office/drawing/2014/main" id="{F4437B64-F072-9D4D-98A5-1CF929DCBC3B}"/>
-              </a:ext>
-            </a:extLst>
-          </p:cNvPr>
-          <p:cNvSpPr>
-            <a:spLocks noGrp="1"/>
-          </p:cNvSpPr>
-          <p:nvPr>
-            <p:ph idx="1"/>
-          </p:nvPr>
-        </p:nvSpPr>
-        <p:spPr/>
-        <p:txBody>
-          <a:bodyPr>
-            <a:normAutofit/>
-          </a:bodyPr>
-          <a:lstStyle/>
-          <a:p>
-            <a:r>
-              <a:rPr lang="ja-JP" altLang="en-US"/>
-              <a:t>「対象に着目して計算」する方針から「対象に対する計算自体に着目」する方針に転換してみよう．</a:t>
-            </a:r>
-            <a:endParaRPr lang="en-US" altLang="ja-JP" dirty="0"/>
-          </a:p>
-          <a:p>
-            <a:r>
-              <a:rPr kumimoji="1" lang="ja-JP" altLang="en-US"/>
-              <a:t>計算自体の関係を考えるので，対象は数である必要はなくな</a:t>
-            </a:r>
-            <a:r>
-              <a:rPr lang="ja-JP" altLang="en-US"/>
-              <a:t>る．現代数学では基本的に集合を対象とする．</a:t>
-            </a:r>
-            <a:endParaRPr kumimoji="1" lang="en-US" altLang="ja-JP" dirty="0"/>
-          </a:p>
-          <a:p>
-            <a:r>
-              <a:rPr lang="ja-JP" altLang="en-US"/>
-              <a:t>計算自体の関係とはなんぞや？</a:t>
-            </a:r>
-            <a:br>
-              <a:rPr lang="en-US" altLang="ja-JP" dirty="0"/>
-            </a:br>
-            <a:r>
-              <a:rPr lang="en-US" altLang="ja-JP" dirty="0"/>
-              <a:t>	→</a:t>
-            </a:r>
-            <a:r>
-              <a:rPr lang="ja-JP" altLang="en-US"/>
-              <a:t>計算（演算，写像）がどのような構造をしているか．</a:t>
-            </a:r>
-            <a:endParaRPr lang="en-US" altLang="ja-JP" dirty="0"/>
-          </a:p>
-          <a:p>
-            <a:endParaRPr kumimoji="1" lang="en-US" altLang="ja-JP" dirty="0"/>
-          </a:p>
-          <a:p>
-            <a:r>
-              <a:rPr lang="ja-JP" altLang="en-US"/>
-              <a:t>演算の</a:t>
-            </a:r>
-            <a:r>
-              <a:rPr lang="en-US" altLang="ja-JP" dirty="0"/>
-              <a:t>(</a:t>
-            </a:r>
-            <a:r>
-              <a:rPr lang="ja-JP" altLang="en-US"/>
-              <a:t>代数的</a:t>
-            </a:r>
-            <a:r>
-              <a:rPr kumimoji="1" lang="en-US" altLang="ja-JP" dirty="0"/>
-              <a:t>)</a:t>
-            </a:r>
-            <a:r>
-              <a:rPr kumimoji="1" lang="ja-JP" altLang="en-US"/>
-              <a:t>構造を「群（もしくは抽象群）」という．</a:t>
-            </a:r>
-          </a:p>
-        </p:txBody>
-      </p:sp>
-    </p:spTree>
-    <p:extLst>
-      <p:ext uri="{BB962C8B-B14F-4D97-AF65-F5344CB8AC3E}">
-        <p14:creationId xmlns:p14="http://schemas.microsoft.com/office/powerpoint/2010/main" val="304269882"/>
       </p:ext>
     </p:extLst>
   </p:cSld>
